--- a/advance c++/courseware.pptx
+++ b/advance c++/courseware.pptx
@@ -5,21 +5,26 @@
     <p:sldMasterId id="2147483678" r:id="rId1"/>
   </p:sldMasterIdLst>
   <p:notesMasterIdLst>
-    <p:notesMasterId r:id="rId14"/>
+    <p:notesMasterId r:id="rId19"/>
   </p:notesMasterIdLst>
   <p:sldIdLst>
     <p:sldId id="256" r:id="rId2"/>
-    <p:sldId id="257" r:id="rId3"/>
-    <p:sldId id="258" r:id="rId4"/>
-    <p:sldId id="259" r:id="rId5"/>
-    <p:sldId id="260" r:id="rId6"/>
-    <p:sldId id="261" r:id="rId7"/>
-    <p:sldId id="262" r:id="rId8"/>
-    <p:sldId id="263" r:id="rId9"/>
-    <p:sldId id="264" r:id="rId10"/>
-    <p:sldId id="265" r:id="rId11"/>
-    <p:sldId id="266" r:id="rId12"/>
-    <p:sldId id="267" r:id="rId13"/>
+    <p:sldId id="268" r:id="rId3"/>
+    <p:sldId id="269" r:id="rId4"/>
+    <p:sldId id="270" r:id="rId5"/>
+    <p:sldId id="271" r:id="rId6"/>
+    <p:sldId id="257" r:id="rId7"/>
+    <p:sldId id="258" r:id="rId8"/>
+    <p:sldId id="272" r:id="rId9"/>
+    <p:sldId id="259" r:id="rId10"/>
+    <p:sldId id="260" r:id="rId11"/>
+    <p:sldId id="261" r:id="rId12"/>
+    <p:sldId id="262" r:id="rId13"/>
+    <p:sldId id="263" r:id="rId14"/>
+    <p:sldId id="264" r:id="rId15"/>
+    <p:sldId id="265" r:id="rId16"/>
+    <p:sldId id="266" r:id="rId17"/>
+    <p:sldId id="267" r:id="rId18"/>
   </p:sldIdLst>
   <p:sldSz cx="12192000" cy="6858000"/>
   <p:notesSz cx="6858000" cy="9144000"/>
@@ -212,7 +217,7 @@
           <a:p>
             <a:fld id="{42D05AB1-CFCA-4702-9B4D-FCAB6AF0FE14}" type="datetimeFigureOut">
               <a:rPr lang="zh-CN" altLang="en-US" smtClean="0"/>
-              <a:t>2017/5/7</a:t>
+              <a:t>2017/5/24</a:t>
             </a:fld>
             <a:endParaRPr lang="zh-CN" altLang="en-US"/>
           </a:p>
@@ -544,7 +549,7 @@
           <a:p>
             <a:fld id="{46593B6F-300B-4ECE-AE7E-E0BEBEA3A190}" type="slidenum">
               <a:rPr lang="zh-CN" altLang="en-US" smtClean="0"/>
-              <a:t>2</a:t>
+              <a:t>6</a:t>
             </a:fld>
             <a:endParaRPr lang="zh-CN" altLang="en-US"/>
           </a:p>
@@ -554,6 +559,90 @@
     <p:extLst>
       <p:ext uri="{BB962C8B-B14F-4D97-AF65-F5344CB8AC3E}">
         <p14:creationId xmlns:p14="http://schemas.microsoft.com/office/powerpoint/2010/main" val="35236224"/>
+      </p:ext>
+    </p:extLst>
+  </p:cSld>
+  <p:clrMapOvr>
+    <a:masterClrMapping/>
+  </p:clrMapOvr>
+</p:notes>
+</file>
+
+<file path=ppt/notesSlides/notesSlide2.xml><?xml version="1.0" encoding="utf-8"?>
+<p:notes xmlns:a="http://schemas.openxmlformats.org/drawingml/2006/main" xmlns:r="http://schemas.openxmlformats.org/officeDocument/2006/relationships" xmlns:p="http://schemas.openxmlformats.org/presentationml/2006/main">
+  <p:cSld>
+    <p:spTree>
+      <p:nvGrpSpPr>
+        <p:cNvPr id="1" name=""/>
+        <p:cNvGrpSpPr/>
+        <p:nvPr/>
+      </p:nvGrpSpPr>
+      <p:grpSpPr>
+        <a:xfrm>
+          <a:off x="0" y="0"/>
+          <a:ext cx="0" cy="0"/>
+          <a:chOff x="0" y="0"/>
+          <a:chExt cx="0" cy="0"/>
+        </a:xfrm>
+      </p:grpSpPr>
+      <p:sp>
+        <p:nvSpPr>
+          <p:cNvPr id="2" name="幻灯片图像占位符 1"/>
+          <p:cNvSpPr>
+            <a:spLocks noGrp="1" noRot="1" noChangeAspect="1"/>
+          </p:cNvSpPr>
+          <p:nvPr>
+            <p:ph type="sldImg"/>
+          </p:nvPr>
+        </p:nvSpPr>
+        <p:spPr/>
+      </p:sp>
+      <p:sp>
+        <p:nvSpPr>
+          <p:cNvPr id="3" name="备注占位符 2"/>
+          <p:cNvSpPr>
+            <a:spLocks noGrp="1"/>
+          </p:cNvSpPr>
+          <p:nvPr>
+            <p:ph type="body" idx="1"/>
+          </p:nvPr>
+        </p:nvSpPr>
+        <p:spPr/>
+        <p:txBody>
+          <a:bodyPr/>
+          <a:lstStyle/>
+          <a:p>
+            <a:endParaRPr lang="zh-CN" altLang="en-US" dirty="0"/>
+          </a:p>
+        </p:txBody>
+      </p:sp>
+      <p:sp>
+        <p:nvSpPr>
+          <p:cNvPr id="4" name="灯片编号占位符 3"/>
+          <p:cNvSpPr>
+            <a:spLocks noGrp="1"/>
+          </p:cNvSpPr>
+          <p:nvPr>
+            <p:ph type="sldNum" sz="quarter" idx="10"/>
+          </p:nvPr>
+        </p:nvSpPr>
+        <p:spPr/>
+        <p:txBody>
+          <a:bodyPr/>
+          <a:lstStyle/>
+          <a:p>
+            <a:fld id="{46593B6F-300B-4ECE-AE7E-E0BEBEA3A190}" type="slidenum">
+              <a:rPr lang="zh-CN" altLang="en-US" smtClean="0"/>
+              <a:t>7</a:t>
+            </a:fld>
+            <a:endParaRPr lang="zh-CN" altLang="en-US"/>
+          </a:p>
+        </p:txBody>
+      </p:sp>
+    </p:spTree>
+    <p:extLst>
+      <p:ext uri="{BB962C8B-B14F-4D97-AF65-F5344CB8AC3E}">
+        <p14:creationId xmlns:p14="http://schemas.microsoft.com/office/powerpoint/2010/main" val="3224436046"/>
       </p:ext>
     </p:extLst>
   </p:cSld>
@@ -702,7 +791,7 @@
           <a:p>
             <a:fld id="{69E25F63-46CB-447C-9865-FD3714DA57D8}" type="datetimeFigureOut">
               <a:rPr lang="zh-CN" altLang="en-US" smtClean="0"/>
-              <a:t>2017/5/7</a:t>
+              <a:t>2017/5/24</a:t>
             </a:fld>
             <a:endParaRPr lang="zh-CN" altLang="en-US"/>
           </a:p>
@@ -913,7 +1002,7 @@
           <a:p>
             <a:fld id="{69E25F63-46CB-447C-9865-FD3714DA57D8}" type="datetimeFigureOut">
               <a:rPr lang="zh-CN" altLang="en-US" smtClean="0"/>
-              <a:t>2017/5/7</a:t>
+              <a:t>2017/5/24</a:t>
             </a:fld>
             <a:endParaRPr lang="zh-CN" altLang="en-US"/>
           </a:p>
@@ -1128,7 +1217,7 @@
           <a:p>
             <a:fld id="{69E25F63-46CB-447C-9865-FD3714DA57D8}" type="datetimeFigureOut">
               <a:rPr lang="zh-CN" altLang="en-US" smtClean="0"/>
-              <a:t>2017/5/7</a:t>
+              <a:t>2017/5/24</a:t>
             </a:fld>
             <a:endParaRPr lang="zh-CN" altLang="en-US"/>
           </a:p>
@@ -1329,7 +1418,7 @@
           <a:p>
             <a:fld id="{69E25F63-46CB-447C-9865-FD3714DA57D8}" type="datetimeFigureOut">
               <a:rPr lang="zh-CN" altLang="en-US" smtClean="0"/>
-              <a:t>2017/5/7</a:t>
+              <a:t>2017/5/24</a:t>
             </a:fld>
             <a:endParaRPr lang="zh-CN" altLang="en-US"/>
           </a:p>
@@ -1608,7 +1697,7 @@
           <a:p>
             <a:fld id="{69E25F63-46CB-447C-9865-FD3714DA57D8}" type="datetimeFigureOut">
               <a:rPr lang="zh-CN" altLang="en-US" smtClean="0"/>
-              <a:t>2017/5/7</a:t>
+              <a:t>2017/5/24</a:t>
             </a:fld>
             <a:endParaRPr lang="zh-CN" altLang="en-US"/>
           </a:p>
@@ -1876,7 +1965,7 @@
           <a:p>
             <a:fld id="{69E25F63-46CB-447C-9865-FD3714DA57D8}" type="datetimeFigureOut">
               <a:rPr lang="zh-CN" altLang="en-US" smtClean="0"/>
-              <a:t>2017/5/7</a:t>
+              <a:t>2017/5/24</a:t>
             </a:fld>
             <a:endParaRPr lang="zh-CN" altLang="en-US"/>
           </a:p>
@@ -2292,7 +2381,7 @@
           <a:p>
             <a:fld id="{69E25F63-46CB-447C-9865-FD3714DA57D8}" type="datetimeFigureOut">
               <a:rPr lang="zh-CN" altLang="en-US" smtClean="0"/>
-              <a:t>2017/5/7</a:t>
+              <a:t>2017/5/24</a:t>
             </a:fld>
             <a:endParaRPr lang="zh-CN" altLang="en-US"/>
           </a:p>
@@ -2441,7 +2530,7 @@
           <a:p>
             <a:fld id="{69E25F63-46CB-447C-9865-FD3714DA57D8}" type="datetimeFigureOut">
               <a:rPr lang="zh-CN" altLang="en-US" smtClean="0"/>
-              <a:t>2017/5/7</a:t>
+              <a:t>2017/5/24</a:t>
             </a:fld>
             <a:endParaRPr lang="zh-CN" altLang="en-US"/>
           </a:p>
@@ -2567,7 +2656,7 @@
           <a:p>
             <a:fld id="{69E25F63-46CB-447C-9865-FD3714DA57D8}" type="datetimeFigureOut">
               <a:rPr lang="zh-CN" altLang="en-US" smtClean="0"/>
-              <a:t>2017/5/7</a:t>
+              <a:t>2017/5/24</a:t>
             </a:fld>
             <a:endParaRPr lang="zh-CN" altLang="en-US"/>
           </a:p>
@@ -2818,7 +2907,7 @@
           <a:p>
             <a:fld id="{69E25F63-46CB-447C-9865-FD3714DA57D8}" type="datetimeFigureOut">
               <a:rPr lang="zh-CN" altLang="en-US" smtClean="0"/>
-              <a:t>2017/5/7</a:t>
+              <a:t>2017/5/24</a:t>
             </a:fld>
             <a:endParaRPr lang="zh-CN" altLang="en-US"/>
           </a:p>
@@ -3263,7 +3352,7 @@
           <a:p>
             <a:fld id="{69E25F63-46CB-447C-9865-FD3714DA57D8}" type="datetimeFigureOut">
               <a:rPr lang="zh-CN" altLang="en-US" smtClean="0"/>
-              <a:t>2017/5/7</a:t>
+              <a:t>2017/5/24</a:t>
             </a:fld>
             <a:endParaRPr lang="zh-CN" altLang="en-US"/>
           </a:p>
@@ -3589,7 +3678,7 @@
           <a:p>
             <a:fld id="{69E25F63-46CB-447C-9865-FD3714DA57D8}" type="datetimeFigureOut">
               <a:rPr lang="zh-CN" altLang="en-US" smtClean="0"/>
-              <a:t>2017/5/7</a:t>
+              <a:t>2017/5/24</a:t>
             </a:fld>
             <a:endParaRPr lang="zh-CN" altLang="en-US"/>
           </a:p>
@@ -4206,7 +4295,7 @@
           <a:p>
             <a:r>
               <a:rPr lang="zh-CN" altLang="en-US" dirty="0"/>
-              <a:t>编译</a:t>
+              <a:t>位操作</a:t>
             </a:r>
             <a:endParaRPr lang="en-US" altLang="zh-CN" dirty="0"/>
           </a:p>
@@ -4214,7 +4303,7 @@
             <a:pPr lvl="1"/>
             <a:r>
               <a:rPr lang="zh-CN" altLang="en-US" dirty="0"/>
-              <a:t>语法检查</a:t>
+              <a:t>左移</a:t>
             </a:r>
             <a:endParaRPr lang="en-US" altLang="zh-CN" dirty="0"/>
           </a:p>
@@ -4222,14 +4311,15 @@
             <a:pPr lvl="1"/>
             <a:r>
               <a:rPr lang="zh-CN" altLang="en-US" dirty="0"/>
-              <a:t>将文件翻译为二进制机器码</a:t>
+              <a:t>右移</a:t>
             </a:r>
             <a:endParaRPr lang="en-US" altLang="zh-CN" dirty="0"/>
           </a:p>
           <a:p>
+            <a:pPr lvl="1"/>
             <a:r>
               <a:rPr lang="zh-CN" altLang="en-US" dirty="0"/>
-              <a:t>链接</a:t>
+              <a:t>设置</a:t>
             </a:r>
             <a:endParaRPr lang="en-US" altLang="zh-CN" dirty="0"/>
           </a:p>
@@ -4237,7 +4327,7 @@
             <a:pPr lvl="1"/>
             <a:r>
               <a:rPr lang="zh-CN" altLang="en-US" dirty="0"/>
-              <a:t>检查依赖关系</a:t>
+              <a:t>清除</a:t>
             </a:r>
             <a:endParaRPr lang="en-US" altLang="zh-CN" dirty="0"/>
           </a:p>
@@ -4245,23 +4335,7 @@
             <a:pPr lvl="1"/>
             <a:r>
               <a:rPr lang="zh-CN" altLang="en-US" dirty="0"/>
-              <a:t>合并目标文件</a:t>
-            </a:r>
-            <a:endParaRPr lang="en-US" altLang="zh-CN" dirty="0"/>
-          </a:p>
-          <a:p>
-            <a:pPr lvl="2"/>
-            <a:r>
-              <a:rPr lang="zh-CN" altLang="en-US" dirty="0"/>
-              <a:t>重新计算入口地址</a:t>
-            </a:r>
-            <a:endParaRPr lang="en-US" altLang="zh-CN" dirty="0"/>
-          </a:p>
-          <a:p>
-            <a:pPr lvl="2"/>
-            <a:r>
-              <a:rPr lang="zh-CN" altLang="en-US" dirty="0"/>
-              <a:t>生成目标文件</a:t>
+              <a:t>检查</a:t>
             </a:r>
           </a:p>
         </p:txBody>
@@ -4269,7 +4343,7 @@
     </p:spTree>
     <p:extLst>
       <p:ext uri="{BB962C8B-B14F-4D97-AF65-F5344CB8AC3E}">
-        <p14:creationId xmlns:p14="http://schemas.microsoft.com/office/powerpoint/2010/main" val="1470468776"/>
+        <p14:creationId xmlns:p14="http://schemas.microsoft.com/office/powerpoint/2010/main" val="2212456058"/>
       </p:ext>
     </p:extLst>
   </p:cSld>
@@ -4342,6 +4416,722 @@
           <a:lstStyle/>
           <a:p>
             <a:r>
+              <a:rPr lang="zh-CN" altLang="en-US" dirty="0"/>
+              <a:t>数值问题</a:t>
+            </a:r>
+            <a:endParaRPr lang="en-US" altLang="zh-CN" dirty="0"/>
+          </a:p>
+          <a:p>
+            <a:pPr lvl="1"/>
+            <a:r>
+              <a:rPr lang="zh-CN" altLang="en-US" dirty="0"/>
+              <a:t>整数溢出</a:t>
+            </a:r>
+            <a:endParaRPr lang="en-US" altLang="zh-CN" dirty="0"/>
+          </a:p>
+          <a:p>
+            <a:pPr lvl="1"/>
+            <a:r>
+              <a:rPr lang="zh-CN" altLang="en-US" dirty="0"/>
+              <a:t>浮点精度</a:t>
+            </a:r>
+            <a:endParaRPr lang="en-US" altLang="zh-CN" dirty="0"/>
+          </a:p>
+          <a:p>
+            <a:pPr lvl="2"/>
+            <a:r>
+              <a:rPr lang="zh-CN" altLang="en-US" dirty="0"/>
+              <a:t>字面值转浮点值</a:t>
+            </a:r>
+            <a:endParaRPr lang="en-US" altLang="zh-CN" dirty="0"/>
+          </a:p>
+          <a:p>
+            <a:pPr lvl="2"/>
+            <a:r>
+              <a:rPr lang="zh-CN" altLang="en-US" dirty="0"/>
+              <a:t>浮点数比较</a:t>
+            </a:r>
+            <a:endParaRPr lang="en-US" altLang="zh-CN" dirty="0"/>
+          </a:p>
+          <a:p>
+            <a:pPr lvl="1"/>
+            <a:r>
+              <a:rPr lang="zh-CN" altLang="en-US" dirty="0"/>
+              <a:t>类型转换</a:t>
+            </a:r>
+            <a:endParaRPr lang="en-US" altLang="zh-CN" dirty="0"/>
+          </a:p>
+          <a:p>
+            <a:pPr lvl="1"/>
+            <a:r>
+              <a:rPr lang="zh-CN" altLang="en-US" dirty="0"/>
+              <a:t>移位操作（左移再右移）</a:t>
+            </a:r>
+            <a:endParaRPr lang="en-US" altLang="zh-CN" dirty="0"/>
+          </a:p>
+          <a:p>
+            <a:pPr lvl="2"/>
+            <a:endParaRPr lang="zh-CN" altLang="en-US" dirty="0"/>
+          </a:p>
+        </p:txBody>
+      </p:sp>
+    </p:spTree>
+    <p:extLst>
+      <p:ext uri="{BB962C8B-B14F-4D97-AF65-F5344CB8AC3E}">
+        <p14:creationId xmlns:p14="http://schemas.microsoft.com/office/powerpoint/2010/main" val="4155274339"/>
+      </p:ext>
+    </p:extLst>
+  </p:cSld>
+  <p:clrMapOvr>
+    <a:masterClrMapping/>
+  </p:clrMapOvr>
+</p:sld>
+</file>
+
+<file path=ppt/slides/slide12.xml><?xml version="1.0" encoding="utf-8"?>
+<p:sld xmlns:a="http://schemas.openxmlformats.org/drawingml/2006/main" xmlns:r="http://schemas.openxmlformats.org/officeDocument/2006/relationships" xmlns:p="http://schemas.openxmlformats.org/presentationml/2006/main">
+  <p:cSld>
+    <p:spTree>
+      <p:nvGrpSpPr>
+        <p:cNvPr id="1" name=""/>
+        <p:cNvGrpSpPr/>
+        <p:nvPr/>
+      </p:nvGrpSpPr>
+      <p:grpSpPr>
+        <a:xfrm>
+          <a:off x="0" y="0"/>
+          <a:ext cx="0" cy="0"/>
+          <a:chOff x="0" y="0"/>
+          <a:chExt cx="0" cy="0"/>
+        </a:xfrm>
+      </p:grpSpPr>
+      <p:sp>
+        <p:nvSpPr>
+          <p:cNvPr id="2" name="标题 1"/>
+          <p:cNvSpPr>
+            <a:spLocks noGrp="1"/>
+          </p:cNvSpPr>
+          <p:nvPr>
+            <p:ph type="title"/>
+          </p:nvPr>
+        </p:nvSpPr>
+        <p:spPr/>
+        <p:txBody>
+          <a:bodyPr/>
+          <a:lstStyle/>
+          <a:p>
+            <a:r>
+              <a:rPr lang="zh-CN" altLang="en-US" dirty="0"/>
+              <a:t>探寻</a:t>
+            </a:r>
+            <a:r>
+              <a:rPr lang="en-US" altLang="zh-CN" dirty="0"/>
+              <a:t>C++</a:t>
+            </a:r>
+            <a:r>
+              <a:rPr lang="zh-CN" altLang="en-US" dirty="0"/>
+              <a:t>本质</a:t>
+            </a:r>
+          </a:p>
+        </p:txBody>
+      </p:sp>
+      <p:sp>
+        <p:nvSpPr>
+          <p:cNvPr id="3" name="内容占位符 2"/>
+          <p:cNvSpPr>
+            <a:spLocks noGrp="1"/>
+          </p:cNvSpPr>
+          <p:nvPr>
+            <p:ph idx="1"/>
+          </p:nvPr>
+        </p:nvSpPr>
+        <p:spPr/>
+        <p:txBody>
+          <a:bodyPr>
+            <a:normAutofit fontScale="85000" lnSpcReduction="20000"/>
+          </a:bodyPr>
+          <a:lstStyle/>
+          <a:p>
+            <a:r>
+              <a:rPr lang="zh-CN" altLang="en-US" dirty="0"/>
+              <a:t>内存地址</a:t>
+            </a:r>
+            <a:endParaRPr lang="en-US" altLang="zh-CN" dirty="0"/>
+          </a:p>
+          <a:p>
+            <a:pPr lvl="1"/>
+            <a:r>
+              <a:rPr lang="zh-CN" altLang="en-US" dirty="0"/>
+              <a:t>实地址</a:t>
+            </a:r>
+            <a:endParaRPr lang="en-US" altLang="zh-CN" dirty="0"/>
+          </a:p>
+          <a:p>
+            <a:pPr lvl="1"/>
+            <a:r>
+              <a:rPr lang="zh-CN" altLang="en-US" dirty="0"/>
+              <a:t>虚地址</a:t>
+            </a:r>
+            <a:endParaRPr lang="en-US" altLang="zh-CN" dirty="0"/>
+          </a:p>
+          <a:p>
+            <a:pPr lvl="2"/>
+            <a:r>
+              <a:rPr lang="zh-CN" altLang="en-US" dirty="0"/>
+              <a:t>分页内存</a:t>
+            </a:r>
+            <a:endParaRPr lang="en-US" altLang="zh-CN" dirty="0"/>
+          </a:p>
+          <a:p>
+            <a:pPr lvl="2"/>
+            <a:r>
+              <a:rPr lang="zh-CN" altLang="en-US" dirty="0"/>
+              <a:t>未分页内存</a:t>
+            </a:r>
+            <a:endParaRPr lang="en-US" altLang="zh-CN" dirty="0"/>
+          </a:p>
+          <a:p>
+            <a:r>
+              <a:rPr lang="zh-CN" altLang="en-US" dirty="0"/>
+              <a:t>地址对齐</a:t>
+            </a:r>
+            <a:endParaRPr lang="en-US" altLang="zh-CN" dirty="0"/>
+          </a:p>
+          <a:p>
+            <a:pPr lvl="1"/>
+            <a:r>
+              <a:rPr lang="zh-CN" altLang="en-US" dirty="0"/>
+              <a:t>非对齐数据读取的效率影响</a:t>
+            </a:r>
+            <a:endParaRPr lang="en-US" altLang="zh-CN" dirty="0"/>
+          </a:p>
+          <a:p>
+            <a:pPr lvl="1"/>
+            <a:r>
+              <a:rPr lang="zh-CN" altLang="en-US" dirty="0"/>
+              <a:t>结构中的内存分布</a:t>
+            </a:r>
+            <a:endParaRPr lang="en-US" altLang="zh-CN" dirty="0"/>
+          </a:p>
+          <a:p>
+            <a:r>
+              <a:rPr lang="zh-CN" altLang="en-US" dirty="0"/>
+              <a:t>堆和栈</a:t>
+            </a:r>
+            <a:endParaRPr lang="en-US" altLang="zh-CN" dirty="0"/>
+          </a:p>
+          <a:p>
+            <a:pPr lvl="1"/>
+            <a:r>
+              <a:rPr lang="zh-CN" altLang="en-US" dirty="0"/>
+              <a:t>堆内存分配过程</a:t>
+            </a:r>
+            <a:endParaRPr lang="en-US" altLang="zh-CN" dirty="0"/>
+          </a:p>
+          <a:p>
+            <a:pPr lvl="1"/>
+            <a:r>
+              <a:rPr lang="zh-CN" altLang="en-US" dirty="0"/>
+              <a:t>栈内存分配过程</a:t>
+            </a:r>
+            <a:endParaRPr lang="en-US" altLang="zh-CN" dirty="0"/>
+          </a:p>
+          <a:p>
+            <a:endParaRPr lang="en-US" altLang="zh-CN" dirty="0"/>
+          </a:p>
+          <a:p>
+            <a:endParaRPr lang="zh-CN" altLang="en-US" dirty="0"/>
+          </a:p>
+        </p:txBody>
+      </p:sp>
+    </p:spTree>
+    <p:extLst>
+      <p:ext uri="{BB962C8B-B14F-4D97-AF65-F5344CB8AC3E}">
+        <p14:creationId xmlns:p14="http://schemas.microsoft.com/office/powerpoint/2010/main" val="2280167480"/>
+      </p:ext>
+    </p:extLst>
+  </p:cSld>
+  <p:clrMapOvr>
+    <a:masterClrMapping/>
+  </p:clrMapOvr>
+</p:sld>
+</file>
+
+<file path=ppt/slides/slide13.xml><?xml version="1.0" encoding="utf-8"?>
+<p:sld xmlns:a="http://schemas.openxmlformats.org/drawingml/2006/main" xmlns:r="http://schemas.openxmlformats.org/officeDocument/2006/relationships" xmlns:p="http://schemas.openxmlformats.org/presentationml/2006/main">
+  <p:cSld>
+    <p:spTree>
+      <p:nvGrpSpPr>
+        <p:cNvPr id="1" name=""/>
+        <p:cNvGrpSpPr/>
+        <p:nvPr/>
+      </p:nvGrpSpPr>
+      <p:grpSpPr>
+        <a:xfrm>
+          <a:off x="0" y="0"/>
+          <a:ext cx="0" cy="0"/>
+          <a:chOff x="0" y="0"/>
+          <a:chExt cx="0" cy="0"/>
+        </a:xfrm>
+      </p:grpSpPr>
+      <p:sp>
+        <p:nvSpPr>
+          <p:cNvPr id="2" name="标题 1"/>
+          <p:cNvSpPr>
+            <a:spLocks noGrp="1"/>
+          </p:cNvSpPr>
+          <p:nvPr>
+            <p:ph type="title"/>
+          </p:nvPr>
+        </p:nvSpPr>
+        <p:spPr/>
+        <p:txBody>
+          <a:bodyPr/>
+          <a:lstStyle/>
+          <a:p>
+            <a:r>
+              <a:rPr lang="zh-CN" altLang="en-US" dirty="0"/>
+              <a:t>探寻</a:t>
+            </a:r>
+            <a:r>
+              <a:rPr lang="en-US" altLang="zh-CN" dirty="0"/>
+              <a:t>C++</a:t>
+            </a:r>
+            <a:r>
+              <a:rPr lang="zh-CN" altLang="en-US" dirty="0"/>
+              <a:t>本质</a:t>
+            </a:r>
+          </a:p>
+        </p:txBody>
+      </p:sp>
+      <p:sp>
+        <p:nvSpPr>
+          <p:cNvPr id="3" name="内容占位符 2"/>
+          <p:cNvSpPr>
+            <a:spLocks noGrp="1"/>
+          </p:cNvSpPr>
+          <p:nvPr>
+            <p:ph idx="1"/>
+          </p:nvPr>
+        </p:nvSpPr>
+        <p:spPr/>
+        <p:txBody>
+          <a:bodyPr>
+            <a:normAutofit/>
+          </a:bodyPr>
+          <a:lstStyle/>
+          <a:p>
+            <a:r>
+              <a:rPr lang="zh-CN" altLang="en-US" dirty="0"/>
+              <a:t>结构</a:t>
+            </a:r>
+            <a:endParaRPr lang="en-US" altLang="zh-CN" dirty="0"/>
+          </a:p>
+          <a:p>
+            <a:pPr lvl="1"/>
+            <a:r>
+              <a:rPr lang="en-US" altLang="zh-CN" dirty="0"/>
+              <a:t>POD</a:t>
+            </a:r>
+          </a:p>
+          <a:p>
+            <a:pPr lvl="1"/>
+            <a:r>
+              <a:rPr lang="zh-CN" altLang="en-US" dirty="0"/>
+              <a:t>位域</a:t>
+            </a:r>
+            <a:endParaRPr lang="en-US" altLang="zh-CN" dirty="0"/>
+          </a:p>
+          <a:p>
+            <a:r>
+              <a:rPr lang="zh-CN" altLang="en-US" dirty="0"/>
+              <a:t>联合</a:t>
+            </a:r>
+            <a:endParaRPr lang="en-US" altLang="zh-CN" dirty="0"/>
+          </a:p>
+        </p:txBody>
+      </p:sp>
+    </p:spTree>
+    <p:extLst>
+      <p:ext uri="{BB962C8B-B14F-4D97-AF65-F5344CB8AC3E}">
+        <p14:creationId xmlns:p14="http://schemas.microsoft.com/office/powerpoint/2010/main" val="3272268261"/>
+      </p:ext>
+    </p:extLst>
+  </p:cSld>
+  <p:clrMapOvr>
+    <a:masterClrMapping/>
+  </p:clrMapOvr>
+</p:sld>
+</file>
+
+<file path=ppt/slides/slide14.xml><?xml version="1.0" encoding="utf-8"?>
+<p:sld xmlns:a="http://schemas.openxmlformats.org/drawingml/2006/main" xmlns:r="http://schemas.openxmlformats.org/officeDocument/2006/relationships" xmlns:p="http://schemas.openxmlformats.org/presentationml/2006/main">
+  <p:cSld>
+    <p:spTree>
+      <p:nvGrpSpPr>
+        <p:cNvPr id="1" name=""/>
+        <p:cNvGrpSpPr/>
+        <p:nvPr/>
+      </p:nvGrpSpPr>
+      <p:grpSpPr>
+        <a:xfrm>
+          <a:off x="0" y="0"/>
+          <a:ext cx="0" cy="0"/>
+          <a:chOff x="0" y="0"/>
+          <a:chExt cx="0" cy="0"/>
+        </a:xfrm>
+      </p:grpSpPr>
+      <p:sp>
+        <p:nvSpPr>
+          <p:cNvPr id="2" name="标题 1"/>
+          <p:cNvSpPr>
+            <a:spLocks noGrp="1"/>
+          </p:cNvSpPr>
+          <p:nvPr>
+            <p:ph type="title"/>
+          </p:nvPr>
+        </p:nvSpPr>
+        <p:spPr/>
+        <p:txBody>
+          <a:bodyPr/>
+          <a:lstStyle/>
+          <a:p>
+            <a:r>
+              <a:rPr lang="zh-CN" altLang="en-US" dirty="0"/>
+              <a:t>探寻</a:t>
+            </a:r>
+            <a:r>
+              <a:rPr lang="en-US" altLang="zh-CN" dirty="0"/>
+              <a:t>C++</a:t>
+            </a:r>
+            <a:r>
+              <a:rPr lang="zh-CN" altLang="en-US" dirty="0"/>
+              <a:t>本质</a:t>
+            </a:r>
+          </a:p>
+        </p:txBody>
+      </p:sp>
+      <p:sp>
+        <p:nvSpPr>
+          <p:cNvPr id="3" name="内容占位符 2"/>
+          <p:cNvSpPr>
+            <a:spLocks noGrp="1"/>
+          </p:cNvSpPr>
+          <p:nvPr>
+            <p:ph idx="1"/>
+          </p:nvPr>
+        </p:nvSpPr>
+        <p:spPr/>
+        <p:txBody>
+          <a:bodyPr>
+            <a:normAutofit fontScale="92500" lnSpcReduction="20000"/>
+          </a:bodyPr>
+          <a:lstStyle/>
+          <a:p>
+            <a:r>
+              <a:rPr lang="zh-CN" altLang="en-US" dirty="0"/>
+              <a:t>类</a:t>
+            </a:r>
+            <a:endParaRPr lang="en-US" altLang="zh-CN" dirty="0"/>
+          </a:p>
+          <a:p>
+            <a:pPr lvl="1"/>
+            <a:r>
+              <a:rPr lang="zh-CN" altLang="en-US" dirty="0"/>
+              <a:t>构造</a:t>
+            </a:r>
+            <a:endParaRPr lang="en-US" altLang="zh-CN" dirty="0"/>
+          </a:p>
+          <a:p>
+            <a:pPr lvl="2"/>
+            <a:r>
+              <a:rPr lang="zh-CN" altLang="en-US" dirty="0"/>
+              <a:t>默认构造</a:t>
+            </a:r>
+            <a:endParaRPr lang="en-US" altLang="zh-CN" dirty="0"/>
+          </a:p>
+          <a:p>
+            <a:pPr lvl="2"/>
+            <a:r>
+              <a:rPr lang="zh-CN" altLang="en-US" dirty="0"/>
+              <a:t>拷贝构造</a:t>
+            </a:r>
+            <a:endParaRPr lang="en-US" altLang="zh-CN" dirty="0"/>
+          </a:p>
+          <a:p>
+            <a:pPr lvl="2"/>
+            <a:r>
+              <a:rPr lang="zh-CN" altLang="en-US" dirty="0"/>
+              <a:t>赋值构造</a:t>
+            </a:r>
+            <a:endParaRPr lang="en-US" altLang="zh-CN" dirty="0"/>
+          </a:p>
+          <a:p>
+            <a:pPr lvl="2"/>
+            <a:r>
+              <a:rPr lang="en-US" altLang="zh-CN" dirty="0"/>
+              <a:t>explicit </a:t>
+            </a:r>
+            <a:r>
+              <a:rPr lang="zh-CN" altLang="en-US" dirty="0"/>
+              <a:t>关键字</a:t>
+            </a:r>
+            <a:endParaRPr lang="en-US" altLang="zh-CN" dirty="0"/>
+          </a:p>
+          <a:p>
+            <a:pPr lvl="1"/>
+            <a:r>
+              <a:rPr lang="zh-CN" altLang="en-US" dirty="0"/>
+              <a:t>成员变量</a:t>
+            </a:r>
+            <a:endParaRPr lang="en-US" altLang="zh-CN" dirty="0"/>
+          </a:p>
+          <a:p>
+            <a:pPr lvl="1"/>
+            <a:r>
+              <a:rPr lang="zh-CN" altLang="en-US" dirty="0"/>
+              <a:t>成员函数</a:t>
+            </a:r>
+            <a:endParaRPr lang="en-US" altLang="zh-CN" dirty="0"/>
+          </a:p>
+          <a:p>
+            <a:pPr lvl="1"/>
+            <a:r>
+              <a:rPr lang="zh-CN" altLang="en-US" dirty="0"/>
+              <a:t>虚函数</a:t>
+            </a:r>
+            <a:endParaRPr lang="en-US" altLang="zh-CN" dirty="0"/>
+          </a:p>
+          <a:p>
+            <a:pPr lvl="2"/>
+            <a:r>
+              <a:rPr lang="zh-CN" altLang="en-US" dirty="0"/>
+              <a:t>虚表</a:t>
+            </a:r>
+            <a:endParaRPr lang="en-US" altLang="zh-CN" dirty="0"/>
+          </a:p>
+          <a:p>
+            <a:pPr lvl="2"/>
+            <a:r>
+              <a:rPr lang="zh-CN" altLang="en-US" dirty="0"/>
+              <a:t>多重继承中的问题</a:t>
+            </a:r>
+          </a:p>
+        </p:txBody>
+      </p:sp>
+    </p:spTree>
+    <p:extLst>
+      <p:ext uri="{BB962C8B-B14F-4D97-AF65-F5344CB8AC3E}">
+        <p14:creationId xmlns:p14="http://schemas.microsoft.com/office/powerpoint/2010/main" val="2489840384"/>
+      </p:ext>
+    </p:extLst>
+  </p:cSld>
+  <p:clrMapOvr>
+    <a:masterClrMapping/>
+  </p:clrMapOvr>
+</p:sld>
+</file>
+
+<file path=ppt/slides/slide15.xml><?xml version="1.0" encoding="utf-8"?>
+<p:sld xmlns:a="http://schemas.openxmlformats.org/drawingml/2006/main" xmlns:r="http://schemas.openxmlformats.org/officeDocument/2006/relationships" xmlns:p="http://schemas.openxmlformats.org/presentationml/2006/main">
+  <p:cSld>
+    <p:spTree>
+      <p:nvGrpSpPr>
+        <p:cNvPr id="1" name=""/>
+        <p:cNvGrpSpPr/>
+        <p:nvPr/>
+      </p:nvGrpSpPr>
+      <p:grpSpPr>
+        <a:xfrm>
+          <a:off x="0" y="0"/>
+          <a:ext cx="0" cy="0"/>
+          <a:chOff x="0" y="0"/>
+          <a:chExt cx="0" cy="0"/>
+        </a:xfrm>
+      </p:grpSpPr>
+      <p:sp>
+        <p:nvSpPr>
+          <p:cNvPr id="2" name="标题 1"/>
+          <p:cNvSpPr>
+            <a:spLocks noGrp="1"/>
+          </p:cNvSpPr>
+          <p:nvPr>
+            <p:ph type="title"/>
+          </p:nvPr>
+        </p:nvSpPr>
+        <p:spPr/>
+        <p:txBody>
+          <a:bodyPr/>
+          <a:lstStyle/>
+          <a:p>
+            <a:r>
+              <a:rPr lang="zh-CN" altLang="en-US" dirty="0"/>
+              <a:t>探寻</a:t>
+            </a:r>
+            <a:r>
+              <a:rPr lang="en-US" altLang="zh-CN" dirty="0"/>
+              <a:t>C++</a:t>
+            </a:r>
+            <a:r>
+              <a:rPr lang="zh-CN" altLang="en-US" dirty="0"/>
+              <a:t>本质</a:t>
+            </a:r>
+          </a:p>
+        </p:txBody>
+      </p:sp>
+      <p:sp>
+        <p:nvSpPr>
+          <p:cNvPr id="3" name="内容占位符 2"/>
+          <p:cNvSpPr>
+            <a:spLocks noGrp="1"/>
+          </p:cNvSpPr>
+          <p:nvPr>
+            <p:ph idx="1"/>
+          </p:nvPr>
+        </p:nvSpPr>
+        <p:spPr/>
+        <p:txBody>
+          <a:bodyPr/>
+          <a:lstStyle/>
+          <a:p>
+            <a:r>
+              <a:rPr lang="zh-CN" altLang="en-US" dirty="0"/>
+              <a:t>编译</a:t>
+            </a:r>
+            <a:endParaRPr lang="en-US" altLang="zh-CN" dirty="0"/>
+          </a:p>
+          <a:p>
+            <a:pPr lvl="1"/>
+            <a:r>
+              <a:rPr lang="zh-CN" altLang="en-US" dirty="0"/>
+              <a:t>语法检查</a:t>
+            </a:r>
+            <a:endParaRPr lang="en-US" altLang="zh-CN" dirty="0"/>
+          </a:p>
+          <a:p>
+            <a:pPr lvl="1"/>
+            <a:r>
+              <a:rPr lang="zh-CN" altLang="en-US" dirty="0"/>
+              <a:t>将文件翻译为二进制机器码</a:t>
+            </a:r>
+            <a:endParaRPr lang="en-US" altLang="zh-CN" dirty="0"/>
+          </a:p>
+          <a:p>
+            <a:r>
+              <a:rPr lang="zh-CN" altLang="en-US" dirty="0"/>
+              <a:t>链接</a:t>
+            </a:r>
+            <a:endParaRPr lang="en-US" altLang="zh-CN" dirty="0"/>
+          </a:p>
+          <a:p>
+            <a:pPr lvl="1"/>
+            <a:r>
+              <a:rPr lang="zh-CN" altLang="en-US" dirty="0"/>
+              <a:t>检查依赖关系</a:t>
+            </a:r>
+            <a:endParaRPr lang="en-US" altLang="zh-CN" dirty="0"/>
+          </a:p>
+          <a:p>
+            <a:pPr lvl="1"/>
+            <a:r>
+              <a:rPr lang="zh-CN" altLang="en-US" dirty="0"/>
+              <a:t>合并目标文件</a:t>
+            </a:r>
+            <a:endParaRPr lang="en-US" altLang="zh-CN" dirty="0"/>
+          </a:p>
+          <a:p>
+            <a:pPr lvl="2"/>
+            <a:r>
+              <a:rPr lang="zh-CN" altLang="en-US" dirty="0"/>
+              <a:t>重新计算入口地址</a:t>
+            </a:r>
+            <a:endParaRPr lang="en-US" altLang="zh-CN" dirty="0"/>
+          </a:p>
+          <a:p>
+            <a:pPr lvl="2"/>
+            <a:r>
+              <a:rPr lang="zh-CN" altLang="en-US" dirty="0"/>
+              <a:t>生成目标文件</a:t>
+            </a:r>
+          </a:p>
+        </p:txBody>
+      </p:sp>
+    </p:spTree>
+    <p:extLst>
+      <p:ext uri="{BB962C8B-B14F-4D97-AF65-F5344CB8AC3E}">
+        <p14:creationId xmlns:p14="http://schemas.microsoft.com/office/powerpoint/2010/main" val="1470468776"/>
+      </p:ext>
+    </p:extLst>
+  </p:cSld>
+  <p:clrMapOvr>
+    <a:masterClrMapping/>
+  </p:clrMapOvr>
+</p:sld>
+</file>
+
+<file path=ppt/slides/slide16.xml><?xml version="1.0" encoding="utf-8"?>
+<p:sld xmlns:a="http://schemas.openxmlformats.org/drawingml/2006/main" xmlns:r="http://schemas.openxmlformats.org/officeDocument/2006/relationships" xmlns:p="http://schemas.openxmlformats.org/presentationml/2006/main">
+  <p:cSld>
+    <p:spTree>
+      <p:nvGrpSpPr>
+        <p:cNvPr id="1" name=""/>
+        <p:cNvGrpSpPr/>
+        <p:nvPr/>
+      </p:nvGrpSpPr>
+      <p:grpSpPr>
+        <a:xfrm>
+          <a:off x="0" y="0"/>
+          <a:ext cx="0" cy="0"/>
+          <a:chOff x="0" y="0"/>
+          <a:chExt cx="0" cy="0"/>
+        </a:xfrm>
+      </p:grpSpPr>
+      <p:sp>
+        <p:nvSpPr>
+          <p:cNvPr id="2" name="标题 1"/>
+          <p:cNvSpPr>
+            <a:spLocks noGrp="1"/>
+          </p:cNvSpPr>
+          <p:nvPr>
+            <p:ph type="title"/>
+          </p:nvPr>
+        </p:nvSpPr>
+        <p:spPr/>
+        <p:txBody>
+          <a:bodyPr/>
+          <a:lstStyle/>
+          <a:p>
+            <a:r>
+              <a:rPr lang="zh-CN" altLang="en-US" dirty="0"/>
+              <a:t>探寻</a:t>
+            </a:r>
+            <a:r>
+              <a:rPr lang="en-US" altLang="zh-CN" dirty="0"/>
+              <a:t>C++</a:t>
+            </a:r>
+            <a:r>
+              <a:rPr lang="zh-CN" altLang="en-US" dirty="0"/>
+              <a:t>本质</a:t>
+            </a:r>
+          </a:p>
+        </p:txBody>
+      </p:sp>
+      <p:sp>
+        <p:nvSpPr>
+          <p:cNvPr id="3" name="内容占位符 2"/>
+          <p:cNvSpPr>
+            <a:spLocks noGrp="1"/>
+          </p:cNvSpPr>
+          <p:nvPr>
+            <p:ph idx="1"/>
+          </p:nvPr>
+        </p:nvSpPr>
+        <p:spPr/>
+        <p:txBody>
+          <a:bodyPr/>
+          <a:lstStyle/>
+          <a:p>
+            <a:r>
               <a:rPr lang="en-US" altLang="zh-CN" dirty="0"/>
               <a:t>C++</a:t>
             </a:r>
@@ -4402,7 +5192,7 @@
 </p:sld>
 </file>
 
-<file path=ppt/slides/slide12.xml><?xml version="1.0" encoding="utf-8"?>
+<file path=ppt/slides/slide17.xml><?xml version="1.0" encoding="utf-8"?>
 <p:sld xmlns:a="http://schemas.openxmlformats.org/drawingml/2006/main" xmlns:r="http://schemas.openxmlformats.org/officeDocument/2006/relationships" xmlns:p="http://schemas.openxmlformats.org/presentationml/2006/main">
   <p:cSld>
     <p:spTree>
@@ -4543,113 +5333,63 @@
       </p:grpSpPr>
       <p:sp>
         <p:nvSpPr>
-          <p:cNvPr id="2" name="标题 1"/>
-          <p:cNvSpPr>
-            <a:spLocks noGrp="1"/>
-          </p:cNvSpPr>
-          <p:nvPr>
-            <p:ph type="title"/>
-          </p:nvPr>
-        </p:nvSpPr>
-        <p:spPr/>
-        <p:txBody>
-          <a:bodyPr/>
+          <p:cNvPr id="4" name="矩形: 圆角 3"/>
+          <p:cNvSpPr/>
+          <p:nvPr/>
+        </p:nvSpPr>
+        <p:spPr>
+          <a:xfrm>
+            <a:off x="2888672" y="2130137"/>
+            <a:ext cx="5652655" cy="1620982"/>
+          </a:xfrm>
+          <a:prstGeom prst="roundRect">
+            <a:avLst/>
+          </a:prstGeom>
+          <a:noFill/>
+          <a:ln>
+            <a:noFill/>
+          </a:ln>
+        </p:spPr>
+        <p:style>
+          <a:lnRef idx="2">
+            <a:schemeClr val="accent1">
+              <a:shade val="50000"/>
+            </a:schemeClr>
+          </a:lnRef>
+          <a:fillRef idx="1">
+            <a:schemeClr val="accent1"/>
+          </a:fillRef>
+          <a:effectRef idx="0">
+            <a:schemeClr val="accent1"/>
+          </a:effectRef>
+          <a:fontRef idx="minor">
+            <a:schemeClr val="lt1"/>
+          </a:fontRef>
+        </p:style>
+        <p:txBody>
+          <a:bodyPr rtlCol="0" anchor="ctr"/>
           <a:lstStyle/>
           <a:p>
-            <a:r>
-              <a:rPr lang="en-US" altLang="zh-CN" dirty="0"/>
-              <a:t>C++</a:t>
-            </a:r>
-            <a:r>
-              <a:rPr lang="zh-CN" altLang="en-US" dirty="0"/>
-              <a:t>类型</a:t>
-            </a:r>
-          </a:p>
-        </p:txBody>
-      </p:sp>
-      <p:sp>
-        <p:nvSpPr>
-          <p:cNvPr id="3" name="内容占位符 2"/>
-          <p:cNvSpPr>
-            <a:spLocks noGrp="1"/>
-          </p:cNvSpPr>
-          <p:nvPr>
-            <p:ph idx="1"/>
-          </p:nvPr>
-        </p:nvSpPr>
-        <p:spPr/>
-        <p:txBody>
-          <a:bodyPr>
-            <a:normAutofit/>
-          </a:bodyPr>
-          <a:lstStyle/>
-          <a:p>
-            <a:r>
-              <a:rPr lang="en-US" altLang="zh-CN" dirty="0"/>
-              <a:t>C++</a:t>
-            </a:r>
-            <a:r>
-              <a:rPr lang="zh-CN" altLang="en-US" dirty="0"/>
-              <a:t>是强类型语言</a:t>
-            </a:r>
-            <a:endParaRPr lang="en-US" altLang="zh-CN" dirty="0"/>
-          </a:p>
-          <a:p>
-            <a:r>
-              <a:rPr lang="en-US" altLang="zh-CN" dirty="0"/>
-              <a:t>C++</a:t>
-            </a:r>
-            <a:r>
-              <a:rPr lang="zh-CN" altLang="en-US" dirty="0"/>
-              <a:t>中的值类型</a:t>
-            </a:r>
-            <a:endParaRPr lang="en-US" altLang="zh-CN" dirty="0"/>
-          </a:p>
-          <a:p>
-            <a:pPr lvl="1"/>
-            <a:r>
-              <a:rPr lang="zh-CN" altLang="en-US" dirty="0"/>
-              <a:t>一字节</a:t>
-            </a:r>
-            <a:endParaRPr lang="en-US" altLang="zh-CN" dirty="0"/>
-          </a:p>
-          <a:p>
-            <a:pPr lvl="1"/>
-            <a:r>
-              <a:rPr lang="zh-CN" altLang="en-US" dirty="0"/>
-              <a:t>双字节</a:t>
-            </a:r>
-            <a:endParaRPr lang="en-US" altLang="zh-CN" dirty="0"/>
-          </a:p>
-          <a:p>
-            <a:pPr lvl="1"/>
-            <a:r>
-              <a:rPr lang="zh-CN" altLang="en-US" dirty="0"/>
-              <a:t>四字节</a:t>
-            </a:r>
-            <a:endParaRPr lang="en-US" altLang="zh-CN" dirty="0"/>
-          </a:p>
-          <a:p>
-            <a:pPr lvl="1"/>
-            <a:r>
-              <a:rPr lang="zh-CN" altLang="en-US" dirty="0"/>
-              <a:t>八字节</a:t>
-            </a:r>
-            <a:endParaRPr lang="en-US" altLang="zh-CN" dirty="0"/>
-          </a:p>
-          <a:p>
-            <a:pPr lvl="1"/>
-            <a:r>
-              <a:rPr lang="zh-CN" altLang="en-US" dirty="0"/>
-              <a:t>无符号</a:t>
-            </a:r>
-            <a:endParaRPr lang="en-US" altLang="zh-CN" dirty="0"/>
-          </a:p>
-          <a:p>
-            <a:pPr lvl="1"/>
-            <a:r>
-              <a:rPr lang="zh-CN" altLang="en-US" dirty="0"/>
-              <a:t>有符号</a:t>
+            <a:pPr algn="ctr"/>
+            <a:r>
+              <a:rPr lang="zh-CN" altLang="en-US" sz="8000" dirty="0">
+                <a:solidFill>
+                  <a:schemeClr val="tx1">
+                    <a:lumMod val="65000"/>
+                    <a:lumOff val="35000"/>
+                  </a:schemeClr>
+                </a:solidFill>
+                <a:effectLst>
+                  <a:outerShdw blurRad="38100" dist="38100" dir="2700000" algn="tl">
+                    <a:srgbClr val="000000">
+                      <a:alpha val="43137"/>
+                    </a:srgbClr>
+                  </a:outerShdw>
+                </a:effectLst>
+                <a:latin typeface="华文琥珀" panose="02010800040101010101" pitchFamily="2" charset="-122"/>
+                <a:ea typeface="华文琥珀" panose="02010800040101010101" pitchFamily="2" charset="-122"/>
+              </a:rPr>
+              <a:t>基础篇</a:t>
             </a:r>
           </a:p>
         </p:txBody>
@@ -4657,7 +5397,7 @@
     </p:spTree>
     <p:extLst>
       <p:ext uri="{BB962C8B-B14F-4D97-AF65-F5344CB8AC3E}">
-        <p14:creationId xmlns:p14="http://schemas.microsoft.com/office/powerpoint/2010/main" val="1287627314"/>
+        <p14:creationId xmlns:p14="http://schemas.microsoft.com/office/powerpoint/2010/main" val="351351361"/>
       </p:ext>
     </p:extLst>
   </p:cSld>
@@ -4700,89 +5440,118 @@
           <a:lstStyle/>
           <a:p>
             <a:r>
-              <a:rPr lang="zh-CN" altLang="en-US" dirty="0"/>
-              <a:t>探寻</a:t>
-            </a:r>
-            <a:r>
               <a:rPr lang="en-US" altLang="zh-CN" dirty="0"/>
               <a:t>C++</a:t>
             </a:r>
             <a:r>
               <a:rPr lang="zh-CN" altLang="en-US" dirty="0"/>
-              <a:t>本质</a:t>
-            </a:r>
-          </a:p>
-        </p:txBody>
-      </p:sp>
-      <p:sp>
-        <p:nvSpPr>
-          <p:cNvPr id="3" name="内容占位符 2"/>
+              <a:t>？</a:t>
+            </a:r>
+          </a:p>
+        </p:txBody>
+      </p:sp>
+      <p:sp>
+        <p:nvSpPr>
+          <p:cNvPr id="4" name="内容占位符 3"/>
           <p:cNvSpPr>
             <a:spLocks noGrp="1"/>
           </p:cNvSpPr>
           <p:nvPr>
-            <p:ph idx="1"/>
+            <p:ph sz="half" idx="1"/>
           </p:nvPr>
         </p:nvSpPr>
-        <p:spPr>
-          <a:xfrm>
-            <a:off x="1451579" y="2015732"/>
-            <a:ext cx="9603275" cy="3450613"/>
-          </a:xfrm>
-        </p:spPr>
-        <p:txBody>
-          <a:bodyPr numCol="3"/>
+        <p:spPr/>
+        <p:txBody>
+          <a:bodyPr/>
           <a:lstStyle/>
           <a:p>
             <a:r>
               <a:rPr lang="zh-CN" altLang="en-US" dirty="0"/>
-              <a:t>数值存储</a:t>
+              <a:t>静态类型</a:t>
             </a:r>
             <a:endParaRPr lang="en-US" altLang="zh-CN" dirty="0"/>
           </a:p>
           <a:p>
-            <a:pPr lvl="1"/>
             <a:r>
               <a:rPr lang="zh-CN" altLang="en-US" dirty="0"/>
-              <a:t>整型值</a:t>
+              <a:t>编译式的</a:t>
             </a:r>
             <a:endParaRPr lang="en-US" altLang="zh-CN" dirty="0"/>
           </a:p>
           <a:p>
-            <a:pPr lvl="2"/>
+            <a:r>
+              <a:rPr lang="zh-CN" altLang="en-US" dirty="0"/>
+              <a:t>过程化编程</a:t>
+            </a:r>
+            <a:endParaRPr lang="en-US" altLang="zh-CN" dirty="0"/>
+          </a:p>
+          <a:p>
+            <a:r>
+              <a:rPr lang="zh-CN" altLang="en-US" dirty="0"/>
+              <a:t>面向对象编程</a:t>
+            </a:r>
+            <a:endParaRPr lang="en-US" altLang="zh-CN" dirty="0"/>
+          </a:p>
+          <a:p>
+            <a:r>
+              <a:rPr lang="zh-CN" altLang="en-US" dirty="0"/>
+              <a:t>泛型编程</a:t>
+            </a:r>
+            <a:endParaRPr lang="en-US" altLang="zh-CN" dirty="0"/>
+          </a:p>
+        </p:txBody>
+      </p:sp>
+      <p:sp>
+        <p:nvSpPr>
+          <p:cNvPr id="5" name="内容占位符 4"/>
+          <p:cNvSpPr>
+            <a:spLocks noGrp="1"/>
+          </p:cNvSpPr>
+          <p:nvPr>
+            <p:ph sz="half" idx="2"/>
+          </p:nvPr>
+        </p:nvSpPr>
+        <p:spPr/>
+        <p:txBody>
+          <a:bodyPr/>
+          <a:lstStyle/>
+          <a:p>
+            <a:r>
+              <a:rPr lang="zh-CN" altLang="en-US" dirty="0"/>
+              <a:t>中级语言</a:t>
+            </a:r>
+            <a:endParaRPr lang="en-US" altLang="zh-CN" dirty="0"/>
+          </a:p>
+          <a:p>
+            <a:r>
+              <a:rPr lang="zh-CN" altLang="en-US" dirty="0"/>
+              <a:t>变量大小写敏感</a:t>
+            </a:r>
+            <a:endParaRPr lang="en-US" altLang="zh-CN" dirty="0"/>
+          </a:p>
+          <a:p>
             <a:r>
               <a:rPr lang="en-US" altLang="zh-CN" dirty="0"/>
-              <a:t>LE</a:t>
-            </a:r>
-          </a:p>
-          <a:p>
-            <a:pPr lvl="2"/>
+              <a:t>C</a:t>
+            </a:r>
+            <a:r>
+              <a:rPr lang="zh-CN" altLang="en-US" dirty="0"/>
+              <a:t>的超集</a:t>
+            </a:r>
+            <a:endParaRPr lang="en-US" altLang="zh-CN" dirty="0"/>
+          </a:p>
+          <a:p>
+            <a:r>
+              <a:rPr lang="zh-CN" altLang="en-US" dirty="0"/>
+              <a:t>进一步扩充和完善了 </a:t>
+            </a:r>
             <a:r>
               <a:rPr lang="en-US" altLang="zh-CN" dirty="0"/>
-              <a:t>BE</a:t>
-            </a:r>
-          </a:p>
-          <a:p>
-            <a:pPr lvl="1"/>
+              <a:t>C </a:t>
+            </a:r>
             <a:r>
               <a:rPr lang="zh-CN" altLang="en-US" dirty="0"/>
-              <a:t>浮点值</a:t>
-            </a:r>
-            <a:endParaRPr lang="en-US" altLang="zh-CN" dirty="0"/>
-          </a:p>
-          <a:p>
-            <a:pPr lvl="2"/>
-            <a:r>
-              <a:rPr lang="zh-CN" altLang="en-US" dirty="0"/>
-              <a:t>精度问题</a:t>
-            </a:r>
-            <a:endParaRPr lang="en-US" altLang="zh-CN" dirty="0"/>
-          </a:p>
-          <a:p>
-            <a:pPr lvl="2"/>
-            <a:r>
-              <a:rPr lang="zh-CN" altLang="en-US" dirty="0"/>
-              <a:t>浮点值数量</a:t>
+              <a:t>语言</a:t>
             </a:r>
             <a:endParaRPr lang="en-US" altLang="zh-CN" dirty="0"/>
           </a:p>
@@ -4791,7 +5560,7 @@
     </p:spTree>
     <p:extLst>
       <p:ext uri="{BB962C8B-B14F-4D97-AF65-F5344CB8AC3E}">
-        <p14:creationId xmlns:p14="http://schemas.microsoft.com/office/powerpoint/2010/main" val="128449478"/>
+        <p14:creationId xmlns:p14="http://schemas.microsoft.com/office/powerpoint/2010/main" val="1776185992"/>
       </p:ext>
     </p:extLst>
   </p:cSld>
@@ -4834,94 +5603,2795 @@
           <a:lstStyle/>
           <a:p>
             <a:r>
-              <a:rPr lang="zh-CN" altLang="en-US" dirty="0"/>
-              <a:t>探寻</a:t>
-            </a:r>
-            <a:r>
               <a:rPr lang="en-US" altLang="zh-CN" dirty="0"/>
               <a:t>C++</a:t>
             </a:r>
             <a:r>
               <a:rPr lang="zh-CN" altLang="en-US" dirty="0"/>
-              <a:t>本质</a:t>
-            </a:r>
-          </a:p>
-        </p:txBody>
-      </p:sp>
-      <p:sp>
-        <p:nvSpPr>
-          <p:cNvPr id="3" name="内容占位符 2"/>
-          <p:cNvSpPr>
-            <a:spLocks noGrp="1"/>
-          </p:cNvSpPr>
+              <a:t>？</a:t>
+            </a:r>
+          </a:p>
+        </p:txBody>
+      </p:sp>
+      <p:graphicFrame>
+        <p:nvGraphicFramePr>
+          <p:cNvPr id="6" name="内容占位符 5"/>
+          <p:cNvGraphicFramePr>
+            <a:graphicFrameLocks noGrp="1"/>
+          </p:cNvGraphicFramePr>
           <p:nvPr>
             <p:ph idx="1"/>
+            <p:extLst>
+              <p:ext uri="{D42A27DB-BD31-4B8C-83A1-F6EECF244321}">
+                <p14:modId xmlns:p14="http://schemas.microsoft.com/office/powerpoint/2010/main" val="1230271065"/>
+              </p:ext>
+            </p:extLst>
           </p:nvPr>
-        </p:nvSpPr>
-        <p:spPr/>
-        <p:txBody>
-          <a:bodyPr/>
-          <a:lstStyle/>
-          <a:p>
-            <a:r>
-              <a:rPr lang="zh-CN" altLang="en-US" dirty="0"/>
-              <a:t>数值转换</a:t>
-            </a:r>
-            <a:endParaRPr lang="en-US" altLang="zh-CN" dirty="0"/>
-          </a:p>
-          <a:p>
-            <a:pPr lvl="1"/>
-            <a:r>
-              <a:rPr lang="zh-CN" altLang="en-US" dirty="0"/>
-              <a:t>整型数值转换</a:t>
-            </a:r>
-            <a:endParaRPr lang="en-US" altLang="zh-CN" dirty="0"/>
-          </a:p>
-          <a:p>
-            <a:pPr lvl="2"/>
-            <a:r>
-              <a:rPr lang="zh-CN" altLang="en-US" dirty="0"/>
-              <a:t>无符号转有符号</a:t>
-            </a:r>
-            <a:endParaRPr lang="en-US" altLang="zh-CN" dirty="0"/>
-          </a:p>
-          <a:p>
-            <a:pPr lvl="2"/>
-            <a:r>
-              <a:rPr lang="zh-CN" altLang="en-US" dirty="0"/>
-              <a:t>有符号转无符号</a:t>
-            </a:r>
-            <a:endParaRPr lang="en-US" altLang="zh-CN" dirty="0"/>
-          </a:p>
-          <a:p>
-            <a:pPr lvl="1"/>
-            <a:r>
-              <a:rPr lang="zh-CN" altLang="en-US" dirty="0"/>
-              <a:t>浮点类型转换</a:t>
-            </a:r>
-            <a:endParaRPr lang="en-US" altLang="zh-CN" dirty="0"/>
-          </a:p>
-          <a:p>
-            <a:pPr lvl="2"/>
-            <a:r>
-              <a:rPr lang="zh-CN" altLang="en-US" dirty="0"/>
-              <a:t>单精度转双精度</a:t>
-            </a:r>
-            <a:endParaRPr lang="en-US" altLang="zh-CN" dirty="0"/>
-          </a:p>
-          <a:p>
-            <a:pPr lvl="2"/>
-            <a:r>
-              <a:rPr lang="zh-CN" altLang="en-US" dirty="0"/>
-              <a:t>双精度转单精度</a:t>
-            </a:r>
-          </a:p>
-        </p:txBody>
-      </p:sp>
+        </p:nvGraphicFramePr>
+        <p:xfrm>
+          <a:off x="1451578" y="2016123"/>
+          <a:ext cx="9603276" cy="3449642"/>
+        </p:xfrm>
+        <a:graphic>
+          <a:graphicData uri="http://schemas.openxmlformats.org/drawingml/2006/table">
+            <a:tbl>
+              <a:tblPr/>
+              <a:tblGrid>
+                <a:gridCol w="2400819">
+                  <a:extLst>
+                    <a:ext uri="{9D8B030D-6E8A-4147-A177-3AD203B41FA5}">
+                      <a16:colId xmlns:a16="http://schemas.microsoft.com/office/drawing/2014/main" val="2576985579"/>
+                    </a:ext>
+                  </a:extLst>
+                </a:gridCol>
+                <a:gridCol w="2400819">
+                  <a:extLst>
+                    <a:ext uri="{9D8B030D-6E8A-4147-A177-3AD203B41FA5}">
+                      <a16:colId xmlns:a16="http://schemas.microsoft.com/office/drawing/2014/main" val="4055570013"/>
+                    </a:ext>
+                  </a:extLst>
+                </a:gridCol>
+                <a:gridCol w="2400819">
+                  <a:extLst>
+                    <a:ext uri="{9D8B030D-6E8A-4147-A177-3AD203B41FA5}">
+                      <a16:colId xmlns:a16="http://schemas.microsoft.com/office/drawing/2014/main" val="520240701"/>
+                    </a:ext>
+                  </a:extLst>
+                </a:gridCol>
+                <a:gridCol w="2400819">
+                  <a:extLst>
+                    <a:ext uri="{9D8B030D-6E8A-4147-A177-3AD203B41FA5}">
+                      <a16:colId xmlns:a16="http://schemas.microsoft.com/office/drawing/2014/main" val="2037879636"/>
+                    </a:ext>
+                  </a:extLst>
+                </a:gridCol>
+              </a:tblGrid>
+              <a:tr h="281422">
+                <a:tc>
+                  <a:txBody>
+                    <a:bodyPr/>
+                    <a:lstStyle/>
+                    <a:p>
+                      <a:pPr algn="l" fontAlgn="t"/>
+                      <a:r>
+                        <a:rPr lang="zh-CN" altLang="en-US" sz="1600" b="1" dirty="0">
+                          <a:solidFill>
+                            <a:srgbClr val="FFFFFF"/>
+                          </a:solidFill>
+                          <a:effectLst/>
+                          <a:latin typeface="+mn-ea"/>
+                          <a:ea typeface="+mn-ea"/>
+                        </a:rPr>
+                        <a:t>文档</a:t>
+                      </a:r>
+                    </a:p>
+                  </a:txBody>
+                  <a:tcPr marL="13275" marR="13275" marT="13275" marB="13275">
+                    <a:lnL w="9525" cap="flat" cmpd="sng" algn="ctr">
+                      <a:solidFill>
+                        <a:srgbClr val="555555"/>
+                      </a:solidFill>
+                      <a:prstDash val="solid"/>
+                      <a:round/>
+                      <a:headEnd type="none" w="med" len="med"/>
+                      <a:tailEnd type="none" w="med" len="med"/>
+                    </a:lnL>
+                    <a:lnR w="9525" cap="flat" cmpd="sng" algn="ctr">
+                      <a:solidFill>
+                        <a:srgbClr val="555555"/>
+                      </a:solidFill>
+                      <a:prstDash val="solid"/>
+                      <a:round/>
+                      <a:headEnd type="none" w="med" len="med"/>
+                      <a:tailEnd type="none" w="med" len="med"/>
+                    </a:lnR>
+                    <a:lnT w="9525" cap="flat" cmpd="sng" algn="ctr">
+                      <a:solidFill>
+                        <a:srgbClr val="555555"/>
+                      </a:solidFill>
+                      <a:prstDash val="solid"/>
+                      <a:round/>
+                      <a:headEnd type="none" w="med" len="med"/>
+                      <a:tailEnd type="none" w="med" len="med"/>
+                    </a:lnT>
+                    <a:lnB w="9525" cap="flat" cmpd="sng" algn="ctr">
+                      <a:solidFill>
+                        <a:srgbClr val="D4D4D4"/>
+                      </a:solidFill>
+                      <a:prstDash val="solid"/>
+                      <a:round/>
+                      <a:headEnd type="none" w="med" len="med"/>
+                      <a:tailEnd type="none" w="med" len="med"/>
+                    </a:lnB>
+                    <a:solidFill>
+                      <a:srgbClr val="555555"/>
+                    </a:solidFill>
+                  </a:tcPr>
+                </a:tc>
+                <a:tc>
+                  <a:txBody>
+                    <a:bodyPr/>
+                    <a:lstStyle/>
+                    <a:p>
+                      <a:pPr algn="l" fontAlgn="t"/>
+                      <a:r>
+                        <a:rPr lang="zh-CN" altLang="en-US" sz="1600" b="1" dirty="0">
+                          <a:solidFill>
+                            <a:srgbClr val="FFFFFF"/>
+                          </a:solidFill>
+                          <a:effectLst/>
+                          <a:latin typeface="+mn-ea"/>
+                          <a:ea typeface="+mn-ea"/>
+                        </a:rPr>
+                        <a:t>通称</a:t>
+                      </a:r>
+                    </a:p>
+                  </a:txBody>
+                  <a:tcPr marL="13275" marR="13275" marT="13275" marB="13275">
+                    <a:lnL w="9525" cap="flat" cmpd="sng" algn="ctr">
+                      <a:solidFill>
+                        <a:srgbClr val="555555"/>
+                      </a:solidFill>
+                      <a:prstDash val="solid"/>
+                      <a:round/>
+                      <a:headEnd type="none" w="med" len="med"/>
+                      <a:tailEnd type="none" w="med" len="med"/>
+                    </a:lnL>
+                    <a:lnR w="9525" cap="flat" cmpd="sng" algn="ctr">
+                      <a:solidFill>
+                        <a:srgbClr val="555555"/>
+                      </a:solidFill>
+                      <a:prstDash val="solid"/>
+                      <a:round/>
+                      <a:headEnd type="none" w="med" len="med"/>
+                      <a:tailEnd type="none" w="med" len="med"/>
+                    </a:lnR>
+                    <a:lnT w="9525" cap="flat" cmpd="sng" algn="ctr">
+                      <a:solidFill>
+                        <a:srgbClr val="555555"/>
+                      </a:solidFill>
+                      <a:prstDash val="solid"/>
+                      <a:round/>
+                      <a:headEnd type="none" w="med" len="med"/>
+                      <a:tailEnd type="none" w="med" len="med"/>
+                    </a:lnT>
+                    <a:lnB w="9525" cap="flat" cmpd="sng" algn="ctr">
+                      <a:solidFill>
+                        <a:srgbClr val="D4D4D4"/>
+                      </a:solidFill>
+                      <a:prstDash val="solid"/>
+                      <a:round/>
+                      <a:headEnd type="none" w="med" len="med"/>
+                      <a:tailEnd type="none" w="med" len="med"/>
+                    </a:lnB>
+                    <a:solidFill>
+                      <a:srgbClr val="555555"/>
+                    </a:solidFill>
+                  </a:tcPr>
+                </a:tc>
+                <a:tc>
+                  <a:txBody>
+                    <a:bodyPr/>
+                    <a:lstStyle/>
+                    <a:p>
+                      <a:pPr algn="l" fontAlgn="t"/>
+                      <a:r>
+                        <a:rPr lang="zh-CN" altLang="en-US" sz="1600" b="1" dirty="0">
+                          <a:solidFill>
+                            <a:srgbClr val="FFFFFF"/>
+                          </a:solidFill>
+                          <a:effectLst/>
+                          <a:latin typeface="+mn-ea"/>
+                          <a:ea typeface="+mn-ea"/>
+                        </a:rPr>
+                        <a:t>备注</a:t>
+                      </a:r>
+                    </a:p>
+                  </a:txBody>
+                  <a:tcPr marL="13275" marR="13275" marT="13275" marB="13275">
+                    <a:lnL w="9525" cap="flat" cmpd="sng" algn="ctr">
+                      <a:solidFill>
+                        <a:srgbClr val="555555"/>
+                      </a:solidFill>
+                      <a:prstDash val="solid"/>
+                      <a:round/>
+                      <a:headEnd type="none" w="med" len="med"/>
+                      <a:tailEnd type="none" w="med" len="med"/>
+                    </a:lnL>
+                    <a:lnR w="9525" cap="flat" cmpd="sng" algn="ctr">
+                      <a:solidFill>
+                        <a:srgbClr val="555555"/>
+                      </a:solidFill>
+                      <a:prstDash val="solid"/>
+                      <a:round/>
+                      <a:headEnd type="none" w="med" len="med"/>
+                      <a:tailEnd type="none" w="med" len="med"/>
+                    </a:lnR>
+                    <a:lnT w="9525" cap="flat" cmpd="sng" algn="ctr">
+                      <a:solidFill>
+                        <a:srgbClr val="555555"/>
+                      </a:solidFill>
+                      <a:prstDash val="solid"/>
+                      <a:round/>
+                      <a:headEnd type="none" w="med" len="med"/>
+                      <a:tailEnd type="none" w="med" len="med"/>
+                    </a:lnT>
+                    <a:lnB w="9525" cap="flat" cmpd="sng" algn="ctr">
+                      <a:solidFill>
+                        <a:srgbClr val="D4D4D4"/>
+                      </a:solidFill>
+                      <a:prstDash val="solid"/>
+                      <a:round/>
+                      <a:headEnd type="none" w="med" len="med"/>
+                      <a:tailEnd type="none" w="med" len="med"/>
+                    </a:lnB>
+                    <a:solidFill>
+                      <a:srgbClr val="555555"/>
+                    </a:solidFill>
+                  </a:tcPr>
+                </a:tc>
+                <a:tc>
+                  <a:txBody>
+                    <a:bodyPr/>
+                    <a:lstStyle/>
+                    <a:p>
+                      <a:pPr algn="l" fontAlgn="t"/>
+                      <a:endParaRPr lang="zh-CN" altLang="en-US" sz="1600" b="1" dirty="0">
+                        <a:solidFill>
+                          <a:srgbClr val="FFFFFF"/>
+                        </a:solidFill>
+                        <a:effectLst/>
+                        <a:latin typeface="+mn-ea"/>
+                        <a:ea typeface="+mn-ea"/>
+                      </a:endParaRPr>
+                    </a:p>
+                  </a:txBody>
+                  <a:tcPr marL="13275" marR="13275" marT="13275" marB="13275">
+                    <a:lnL w="9525" cap="flat" cmpd="sng" algn="ctr">
+                      <a:solidFill>
+                        <a:srgbClr val="555555"/>
+                      </a:solidFill>
+                      <a:prstDash val="solid"/>
+                      <a:round/>
+                      <a:headEnd type="none" w="med" len="med"/>
+                      <a:tailEnd type="none" w="med" len="med"/>
+                    </a:lnL>
+                    <a:lnR w="9525" cap="flat" cmpd="sng" algn="ctr">
+                      <a:solidFill>
+                        <a:srgbClr val="555555"/>
+                      </a:solidFill>
+                      <a:prstDash val="solid"/>
+                      <a:round/>
+                      <a:headEnd type="none" w="med" len="med"/>
+                      <a:tailEnd type="none" w="med" len="med"/>
+                    </a:lnR>
+                    <a:lnT w="9525" cap="flat" cmpd="sng" algn="ctr">
+                      <a:solidFill>
+                        <a:srgbClr val="555555"/>
+                      </a:solidFill>
+                      <a:prstDash val="solid"/>
+                      <a:round/>
+                      <a:headEnd type="none" w="med" len="med"/>
+                      <a:tailEnd type="none" w="med" len="med"/>
+                    </a:lnT>
+                    <a:lnB w="9525" cap="flat" cmpd="sng" algn="ctr">
+                      <a:solidFill>
+                        <a:srgbClr val="D4D4D4"/>
+                      </a:solidFill>
+                      <a:prstDash val="solid"/>
+                      <a:round/>
+                      <a:headEnd type="none" w="med" len="med"/>
+                      <a:tailEnd type="none" w="med" len="med"/>
+                    </a:lnB>
+                    <a:solidFill>
+                      <a:srgbClr val="555555"/>
+                    </a:solidFill>
+                  </a:tcPr>
+                </a:tc>
+                <a:extLst>
+                  <a:ext uri="{0D108BD9-81ED-4DB2-BD59-A6C34878D82A}">
+                    <a16:rowId xmlns:a16="http://schemas.microsoft.com/office/drawing/2014/main" val="1859050307"/>
+                  </a:ext>
+                </a:extLst>
+              </a:tr>
+              <a:tr h="316822">
+                <a:tc>
+                  <a:txBody>
+                    <a:bodyPr/>
+                    <a:lstStyle/>
+                    <a:p>
+                      <a:pPr fontAlgn="t"/>
+                      <a:r>
+                        <a:rPr lang="en-US" altLang="zh-CN" sz="1400" dirty="0">
+                          <a:effectLst/>
+                          <a:latin typeface="华文宋体" panose="02010600040101010101" pitchFamily="2" charset="-122"/>
+                          <a:ea typeface="华文宋体" panose="02010600040101010101" pitchFamily="2" charset="-122"/>
+                        </a:rPr>
+                        <a:t>2015</a:t>
+                      </a:r>
+                    </a:p>
+                  </a:txBody>
+                  <a:tcPr marL="22124" marR="22124" marT="30974" marB="30974">
+                    <a:lnL w="9525" cap="flat" cmpd="sng" algn="ctr">
+                      <a:solidFill>
+                        <a:srgbClr val="D4D4D4"/>
+                      </a:solidFill>
+                      <a:prstDash val="solid"/>
+                      <a:round/>
+                      <a:headEnd type="none" w="med" len="med"/>
+                      <a:tailEnd type="none" w="med" len="med"/>
+                    </a:lnL>
+                    <a:lnR w="9525" cap="flat" cmpd="sng" algn="ctr">
+                      <a:solidFill>
+                        <a:srgbClr val="D4D4D4"/>
+                      </a:solidFill>
+                      <a:prstDash val="solid"/>
+                      <a:round/>
+                      <a:headEnd type="none" w="med" len="med"/>
+                      <a:tailEnd type="none" w="med" len="med"/>
+                    </a:lnR>
+                    <a:lnT w="9525" cap="flat" cmpd="sng" algn="ctr">
+                      <a:solidFill>
+                        <a:srgbClr val="D4D4D4"/>
+                      </a:solidFill>
+                      <a:prstDash val="solid"/>
+                      <a:round/>
+                      <a:headEnd type="none" w="med" len="med"/>
+                      <a:tailEnd type="none" w="med" len="med"/>
+                    </a:lnT>
+                    <a:lnB w="9525" cap="flat" cmpd="sng" algn="ctr">
+                      <a:solidFill>
+                        <a:srgbClr val="D4D4D4"/>
+                      </a:solidFill>
+                      <a:prstDash val="solid"/>
+                      <a:round/>
+                      <a:headEnd type="none" w="med" len="med"/>
+                      <a:tailEnd type="none" w="med" len="med"/>
+                    </a:lnB>
+                    <a:solidFill>
+                      <a:srgbClr val="FFFFFF"/>
+                    </a:solidFill>
+                  </a:tcPr>
+                </a:tc>
+                <a:tc>
+                  <a:txBody>
+                    <a:bodyPr/>
+                    <a:lstStyle/>
+                    <a:p>
+                      <a:pPr fontAlgn="t"/>
+                      <a:r>
+                        <a:rPr lang="en-US" sz="1400" dirty="0">
+                          <a:effectLst/>
+                          <a:latin typeface="华文宋体" panose="02010600040101010101" pitchFamily="2" charset="-122"/>
+                          <a:ea typeface="华文宋体" panose="02010600040101010101" pitchFamily="2" charset="-122"/>
+                        </a:rPr>
+                        <a:t>ISO/IEC TS 19570:2015</a:t>
+                      </a:r>
+                    </a:p>
+                  </a:txBody>
+                  <a:tcPr marL="22124" marR="22124" marT="30974" marB="30974">
+                    <a:lnL w="9525" cap="flat" cmpd="sng" algn="ctr">
+                      <a:solidFill>
+                        <a:srgbClr val="D4D4D4"/>
+                      </a:solidFill>
+                      <a:prstDash val="solid"/>
+                      <a:round/>
+                      <a:headEnd type="none" w="med" len="med"/>
+                      <a:tailEnd type="none" w="med" len="med"/>
+                    </a:lnL>
+                    <a:lnR w="9525" cap="flat" cmpd="sng" algn="ctr">
+                      <a:solidFill>
+                        <a:srgbClr val="D4D4D4"/>
+                      </a:solidFill>
+                      <a:prstDash val="solid"/>
+                      <a:round/>
+                      <a:headEnd type="none" w="med" len="med"/>
+                      <a:tailEnd type="none" w="med" len="med"/>
+                    </a:lnR>
+                    <a:lnT w="9525" cap="flat" cmpd="sng" algn="ctr">
+                      <a:solidFill>
+                        <a:srgbClr val="D4D4D4"/>
+                      </a:solidFill>
+                      <a:prstDash val="solid"/>
+                      <a:round/>
+                      <a:headEnd type="none" w="med" len="med"/>
+                      <a:tailEnd type="none" w="med" len="med"/>
+                    </a:lnT>
+                    <a:lnB w="9525" cap="flat" cmpd="sng" algn="ctr">
+                      <a:solidFill>
+                        <a:srgbClr val="D4D4D4"/>
+                      </a:solidFill>
+                      <a:prstDash val="solid"/>
+                      <a:round/>
+                      <a:headEnd type="none" w="med" len="med"/>
+                      <a:tailEnd type="none" w="med" len="med"/>
+                    </a:lnB>
+                    <a:solidFill>
+                      <a:srgbClr val="FFFFFF"/>
+                    </a:solidFill>
+                  </a:tcPr>
+                </a:tc>
+                <a:tc>
+                  <a:txBody>
+                    <a:bodyPr/>
+                    <a:lstStyle/>
+                    <a:p>
+                      <a:pPr fontAlgn="t"/>
+                      <a:r>
+                        <a:rPr lang="en-US" altLang="zh-CN" sz="1400">
+                          <a:effectLst/>
+                          <a:latin typeface="华文宋体" panose="02010600040101010101" pitchFamily="2" charset="-122"/>
+                          <a:ea typeface="华文宋体" panose="02010600040101010101" pitchFamily="2" charset="-122"/>
+                        </a:rPr>
+                        <a:t>-</a:t>
+                      </a:r>
+                    </a:p>
+                  </a:txBody>
+                  <a:tcPr marL="22124" marR="22124" marT="30974" marB="30974">
+                    <a:lnL w="9525" cap="flat" cmpd="sng" algn="ctr">
+                      <a:solidFill>
+                        <a:srgbClr val="D4D4D4"/>
+                      </a:solidFill>
+                      <a:prstDash val="solid"/>
+                      <a:round/>
+                      <a:headEnd type="none" w="med" len="med"/>
+                      <a:tailEnd type="none" w="med" len="med"/>
+                    </a:lnL>
+                    <a:lnR w="9525" cap="flat" cmpd="sng" algn="ctr">
+                      <a:solidFill>
+                        <a:srgbClr val="D4D4D4"/>
+                      </a:solidFill>
+                      <a:prstDash val="solid"/>
+                      <a:round/>
+                      <a:headEnd type="none" w="med" len="med"/>
+                      <a:tailEnd type="none" w="med" len="med"/>
+                    </a:lnR>
+                    <a:lnT w="9525" cap="flat" cmpd="sng" algn="ctr">
+                      <a:solidFill>
+                        <a:srgbClr val="D4D4D4"/>
+                      </a:solidFill>
+                      <a:prstDash val="solid"/>
+                      <a:round/>
+                      <a:headEnd type="none" w="med" len="med"/>
+                      <a:tailEnd type="none" w="med" len="med"/>
+                    </a:lnT>
+                    <a:lnB w="9525" cap="flat" cmpd="sng" algn="ctr">
+                      <a:solidFill>
+                        <a:srgbClr val="D4D4D4"/>
+                      </a:solidFill>
+                      <a:prstDash val="solid"/>
+                      <a:round/>
+                      <a:headEnd type="none" w="med" len="med"/>
+                      <a:tailEnd type="none" w="med" len="med"/>
+                    </a:lnB>
+                    <a:solidFill>
+                      <a:srgbClr val="FFFFFF"/>
+                    </a:solidFill>
+                  </a:tcPr>
+                </a:tc>
+                <a:tc>
+                  <a:txBody>
+                    <a:bodyPr/>
+                    <a:lstStyle/>
+                    <a:p>
+                      <a:pPr fontAlgn="t"/>
+                      <a:r>
+                        <a:rPr lang="zh-CN" altLang="en-US" sz="1400">
+                          <a:effectLst/>
+                          <a:latin typeface="华文宋体" panose="02010600040101010101" pitchFamily="2" charset="-122"/>
+                          <a:ea typeface="华文宋体" panose="02010600040101010101" pitchFamily="2" charset="-122"/>
+                        </a:rPr>
+                        <a:t>用于并行计算的扩展</a:t>
+                      </a:r>
+                    </a:p>
+                  </a:txBody>
+                  <a:tcPr marL="22124" marR="22124" marT="30974" marB="30974">
+                    <a:lnL w="9525" cap="flat" cmpd="sng" algn="ctr">
+                      <a:solidFill>
+                        <a:srgbClr val="D4D4D4"/>
+                      </a:solidFill>
+                      <a:prstDash val="solid"/>
+                      <a:round/>
+                      <a:headEnd type="none" w="med" len="med"/>
+                      <a:tailEnd type="none" w="med" len="med"/>
+                    </a:lnL>
+                    <a:lnR w="9525" cap="flat" cmpd="sng" algn="ctr">
+                      <a:solidFill>
+                        <a:srgbClr val="D4D4D4"/>
+                      </a:solidFill>
+                      <a:prstDash val="solid"/>
+                      <a:round/>
+                      <a:headEnd type="none" w="med" len="med"/>
+                      <a:tailEnd type="none" w="med" len="med"/>
+                    </a:lnR>
+                    <a:lnT w="9525" cap="flat" cmpd="sng" algn="ctr">
+                      <a:solidFill>
+                        <a:srgbClr val="D4D4D4"/>
+                      </a:solidFill>
+                      <a:prstDash val="solid"/>
+                      <a:round/>
+                      <a:headEnd type="none" w="med" len="med"/>
+                      <a:tailEnd type="none" w="med" len="med"/>
+                    </a:lnT>
+                    <a:lnB w="9525" cap="flat" cmpd="sng" algn="ctr">
+                      <a:solidFill>
+                        <a:srgbClr val="D4D4D4"/>
+                      </a:solidFill>
+                      <a:prstDash val="solid"/>
+                      <a:round/>
+                      <a:headEnd type="none" w="med" len="med"/>
+                      <a:tailEnd type="none" w="med" len="med"/>
+                    </a:lnB>
+                    <a:solidFill>
+                      <a:srgbClr val="FFFFFF"/>
+                    </a:solidFill>
+                  </a:tcPr>
+                </a:tc>
+                <a:extLst>
+                  <a:ext uri="{0D108BD9-81ED-4DB2-BD59-A6C34878D82A}">
+                    <a16:rowId xmlns:a16="http://schemas.microsoft.com/office/drawing/2014/main" val="3351160187"/>
+                  </a:ext>
+                </a:extLst>
+              </a:tr>
+              <a:tr h="316822">
+                <a:tc>
+                  <a:txBody>
+                    <a:bodyPr/>
+                    <a:lstStyle/>
+                    <a:p>
+                      <a:pPr fontAlgn="t"/>
+                      <a:r>
+                        <a:rPr lang="en-US" altLang="zh-CN" sz="1400">
+                          <a:effectLst/>
+                          <a:latin typeface="华文宋体" panose="02010600040101010101" pitchFamily="2" charset="-122"/>
+                          <a:ea typeface="华文宋体" panose="02010600040101010101" pitchFamily="2" charset="-122"/>
+                        </a:rPr>
+                        <a:t>2015</a:t>
+                      </a:r>
+                    </a:p>
+                  </a:txBody>
+                  <a:tcPr marL="22124" marR="22124" marT="30974" marB="30974">
+                    <a:lnL w="9525" cap="flat" cmpd="sng" algn="ctr">
+                      <a:solidFill>
+                        <a:srgbClr val="D4D4D4"/>
+                      </a:solidFill>
+                      <a:prstDash val="solid"/>
+                      <a:round/>
+                      <a:headEnd type="none" w="med" len="med"/>
+                      <a:tailEnd type="none" w="med" len="med"/>
+                    </a:lnL>
+                    <a:lnR w="9525" cap="flat" cmpd="sng" algn="ctr">
+                      <a:solidFill>
+                        <a:srgbClr val="D4D4D4"/>
+                      </a:solidFill>
+                      <a:prstDash val="solid"/>
+                      <a:round/>
+                      <a:headEnd type="none" w="med" len="med"/>
+                      <a:tailEnd type="none" w="med" len="med"/>
+                    </a:lnR>
+                    <a:lnT w="9525" cap="flat" cmpd="sng" algn="ctr">
+                      <a:solidFill>
+                        <a:srgbClr val="D4D4D4"/>
+                      </a:solidFill>
+                      <a:prstDash val="solid"/>
+                      <a:round/>
+                      <a:headEnd type="none" w="med" len="med"/>
+                      <a:tailEnd type="none" w="med" len="med"/>
+                    </a:lnT>
+                    <a:lnB w="9525" cap="flat" cmpd="sng" algn="ctr">
+                      <a:solidFill>
+                        <a:srgbClr val="D4D4D4"/>
+                      </a:solidFill>
+                      <a:prstDash val="solid"/>
+                      <a:round/>
+                      <a:headEnd type="none" w="med" len="med"/>
+                      <a:tailEnd type="none" w="med" len="med"/>
+                    </a:lnB>
+                    <a:solidFill>
+                      <a:srgbClr val="F6F4F0"/>
+                    </a:solidFill>
+                  </a:tcPr>
+                </a:tc>
+                <a:tc>
+                  <a:txBody>
+                    <a:bodyPr/>
+                    <a:lstStyle/>
+                    <a:p>
+                      <a:pPr fontAlgn="t"/>
+                      <a:r>
+                        <a:rPr lang="en-US" sz="1400" dirty="0">
+                          <a:effectLst/>
+                          <a:latin typeface="华文宋体" panose="02010600040101010101" pitchFamily="2" charset="-122"/>
+                          <a:ea typeface="华文宋体" panose="02010600040101010101" pitchFamily="2" charset="-122"/>
+                        </a:rPr>
+                        <a:t>ISO/IEC TS 18822:2015</a:t>
+                      </a:r>
+                    </a:p>
+                  </a:txBody>
+                  <a:tcPr marL="22124" marR="22124" marT="30974" marB="30974">
+                    <a:lnL w="9525" cap="flat" cmpd="sng" algn="ctr">
+                      <a:solidFill>
+                        <a:srgbClr val="D4D4D4"/>
+                      </a:solidFill>
+                      <a:prstDash val="solid"/>
+                      <a:round/>
+                      <a:headEnd type="none" w="med" len="med"/>
+                      <a:tailEnd type="none" w="med" len="med"/>
+                    </a:lnL>
+                    <a:lnR w="9525" cap="flat" cmpd="sng" algn="ctr">
+                      <a:solidFill>
+                        <a:srgbClr val="D4D4D4"/>
+                      </a:solidFill>
+                      <a:prstDash val="solid"/>
+                      <a:round/>
+                      <a:headEnd type="none" w="med" len="med"/>
+                      <a:tailEnd type="none" w="med" len="med"/>
+                    </a:lnR>
+                    <a:lnT w="9525" cap="flat" cmpd="sng" algn="ctr">
+                      <a:solidFill>
+                        <a:srgbClr val="D4D4D4"/>
+                      </a:solidFill>
+                      <a:prstDash val="solid"/>
+                      <a:round/>
+                      <a:headEnd type="none" w="med" len="med"/>
+                      <a:tailEnd type="none" w="med" len="med"/>
+                    </a:lnT>
+                    <a:lnB w="9525" cap="flat" cmpd="sng" algn="ctr">
+                      <a:solidFill>
+                        <a:srgbClr val="D4D4D4"/>
+                      </a:solidFill>
+                      <a:prstDash val="solid"/>
+                      <a:round/>
+                      <a:headEnd type="none" w="med" len="med"/>
+                      <a:tailEnd type="none" w="med" len="med"/>
+                    </a:lnB>
+                    <a:solidFill>
+                      <a:srgbClr val="F6F4F0"/>
+                    </a:solidFill>
+                  </a:tcPr>
+                </a:tc>
+                <a:tc>
+                  <a:txBody>
+                    <a:bodyPr/>
+                    <a:lstStyle/>
+                    <a:p>
+                      <a:pPr fontAlgn="t"/>
+                      <a:r>
+                        <a:rPr lang="en-US" altLang="zh-CN" sz="1400" dirty="0">
+                          <a:effectLst/>
+                          <a:latin typeface="华文宋体" panose="02010600040101010101" pitchFamily="2" charset="-122"/>
+                          <a:ea typeface="华文宋体" panose="02010600040101010101" pitchFamily="2" charset="-122"/>
+                        </a:rPr>
+                        <a:t>-</a:t>
+                      </a:r>
+                    </a:p>
+                  </a:txBody>
+                  <a:tcPr marL="22124" marR="22124" marT="30974" marB="30974">
+                    <a:lnL w="9525" cap="flat" cmpd="sng" algn="ctr">
+                      <a:solidFill>
+                        <a:srgbClr val="D4D4D4"/>
+                      </a:solidFill>
+                      <a:prstDash val="solid"/>
+                      <a:round/>
+                      <a:headEnd type="none" w="med" len="med"/>
+                      <a:tailEnd type="none" w="med" len="med"/>
+                    </a:lnL>
+                    <a:lnR w="9525" cap="flat" cmpd="sng" algn="ctr">
+                      <a:solidFill>
+                        <a:srgbClr val="D4D4D4"/>
+                      </a:solidFill>
+                      <a:prstDash val="solid"/>
+                      <a:round/>
+                      <a:headEnd type="none" w="med" len="med"/>
+                      <a:tailEnd type="none" w="med" len="med"/>
+                    </a:lnR>
+                    <a:lnT w="9525" cap="flat" cmpd="sng" algn="ctr">
+                      <a:solidFill>
+                        <a:srgbClr val="D4D4D4"/>
+                      </a:solidFill>
+                      <a:prstDash val="solid"/>
+                      <a:round/>
+                      <a:headEnd type="none" w="med" len="med"/>
+                      <a:tailEnd type="none" w="med" len="med"/>
+                    </a:lnT>
+                    <a:lnB w="9525" cap="flat" cmpd="sng" algn="ctr">
+                      <a:solidFill>
+                        <a:srgbClr val="D4D4D4"/>
+                      </a:solidFill>
+                      <a:prstDash val="solid"/>
+                      <a:round/>
+                      <a:headEnd type="none" w="med" len="med"/>
+                      <a:tailEnd type="none" w="med" len="med"/>
+                    </a:lnB>
+                    <a:solidFill>
+                      <a:srgbClr val="F6F4F0"/>
+                    </a:solidFill>
+                  </a:tcPr>
+                </a:tc>
+                <a:tc>
+                  <a:txBody>
+                    <a:bodyPr/>
+                    <a:lstStyle/>
+                    <a:p>
+                      <a:pPr fontAlgn="t"/>
+                      <a:r>
+                        <a:rPr lang="zh-CN" altLang="en-US" sz="1400">
+                          <a:effectLst/>
+                          <a:latin typeface="华文宋体" panose="02010600040101010101" pitchFamily="2" charset="-122"/>
+                          <a:ea typeface="华文宋体" panose="02010600040101010101" pitchFamily="2" charset="-122"/>
+                        </a:rPr>
+                        <a:t>文件系统</a:t>
+                      </a:r>
+                    </a:p>
+                  </a:txBody>
+                  <a:tcPr marL="22124" marR="22124" marT="30974" marB="30974">
+                    <a:lnL w="9525" cap="flat" cmpd="sng" algn="ctr">
+                      <a:solidFill>
+                        <a:srgbClr val="D4D4D4"/>
+                      </a:solidFill>
+                      <a:prstDash val="solid"/>
+                      <a:round/>
+                      <a:headEnd type="none" w="med" len="med"/>
+                      <a:tailEnd type="none" w="med" len="med"/>
+                    </a:lnL>
+                    <a:lnR w="9525" cap="flat" cmpd="sng" algn="ctr">
+                      <a:solidFill>
+                        <a:srgbClr val="D4D4D4"/>
+                      </a:solidFill>
+                      <a:prstDash val="solid"/>
+                      <a:round/>
+                      <a:headEnd type="none" w="med" len="med"/>
+                      <a:tailEnd type="none" w="med" len="med"/>
+                    </a:lnR>
+                    <a:lnT w="9525" cap="flat" cmpd="sng" algn="ctr">
+                      <a:solidFill>
+                        <a:srgbClr val="D4D4D4"/>
+                      </a:solidFill>
+                      <a:prstDash val="solid"/>
+                      <a:round/>
+                      <a:headEnd type="none" w="med" len="med"/>
+                      <a:tailEnd type="none" w="med" len="med"/>
+                    </a:lnT>
+                    <a:lnB w="9525" cap="flat" cmpd="sng" algn="ctr">
+                      <a:solidFill>
+                        <a:srgbClr val="D4D4D4"/>
+                      </a:solidFill>
+                      <a:prstDash val="solid"/>
+                      <a:round/>
+                      <a:headEnd type="none" w="med" len="med"/>
+                      <a:tailEnd type="none" w="med" len="med"/>
+                    </a:lnB>
+                    <a:solidFill>
+                      <a:srgbClr val="F6F4F0"/>
+                    </a:solidFill>
+                  </a:tcPr>
+                </a:tc>
+                <a:extLst>
+                  <a:ext uri="{0D108BD9-81ED-4DB2-BD59-A6C34878D82A}">
+                    <a16:rowId xmlns:a16="http://schemas.microsoft.com/office/drawing/2014/main" val="3029186407"/>
+                  </a:ext>
+                </a:extLst>
+              </a:tr>
+              <a:tr h="316822">
+                <a:tc>
+                  <a:txBody>
+                    <a:bodyPr/>
+                    <a:lstStyle/>
+                    <a:p>
+                      <a:pPr fontAlgn="t"/>
+                      <a:r>
+                        <a:rPr lang="en-US" altLang="zh-CN" sz="1400" dirty="0">
+                          <a:effectLst/>
+                          <a:latin typeface="华文宋体" panose="02010600040101010101" pitchFamily="2" charset="-122"/>
+                          <a:ea typeface="华文宋体" panose="02010600040101010101" pitchFamily="2" charset="-122"/>
+                        </a:rPr>
+                        <a:t>2014</a:t>
+                      </a:r>
+                    </a:p>
+                  </a:txBody>
+                  <a:tcPr marL="22124" marR="22124" marT="30974" marB="30974">
+                    <a:lnL w="9525" cap="flat" cmpd="sng" algn="ctr">
+                      <a:solidFill>
+                        <a:srgbClr val="D4D4D4"/>
+                      </a:solidFill>
+                      <a:prstDash val="solid"/>
+                      <a:round/>
+                      <a:headEnd type="none" w="med" len="med"/>
+                      <a:tailEnd type="none" w="med" len="med"/>
+                    </a:lnL>
+                    <a:lnR w="9525" cap="flat" cmpd="sng" algn="ctr">
+                      <a:solidFill>
+                        <a:srgbClr val="D4D4D4"/>
+                      </a:solidFill>
+                      <a:prstDash val="solid"/>
+                      <a:round/>
+                      <a:headEnd type="none" w="med" len="med"/>
+                      <a:tailEnd type="none" w="med" len="med"/>
+                    </a:lnR>
+                    <a:lnT w="9525" cap="flat" cmpd="sng" algn="ctr">
+                      <a:solidFill>
+                        <a:srgbClr val="D4D4D4"/>
+                      </a:solidFill>
+                      <a:prstDash val="solid"/>
+                      <a:round/>
+                      <a:headEnd type="none" w="med" len="med"/>
+                      <a:tailEnd type="none" w="med" len="med"/>
+                    </a:lnT>
+                    <a:lnB w="9525" cap="flat" cmpd="sng" algn="ctr">
+                      <a:solidFill>
+                        <a:srgbClr val="D4D4D4"/>
+                      </a:solidFill>
+                      <a:prstDash val="solid"/>
+                      <a:round/>
+                      <a:headEnd type="none" w="med" len="med"/>
+                      <a:tailEnd type="none" w="med" len="med"/>
+                    </a:lnB>
+                    <a:solidFill>
+                      <a:srgbClr val="FFFFFF"/>
+                    </a:solidFill>
+                  </a:tcPr>
+                </a:tc>
+                <a:tc>
+                  <a:txBody>
+                    <a:bodyPr/>
+                    <a:lstStyle/>
+                    <a:p>
+                      <a:pPr fontAlgn="t"/>
+                      <a:r>
+                        <a:rPr lang="en-US" sz="1400">
+                          <a:effectLst/>
+                          <a:latin typeface="华文宋体" panose="02010600040101010101" pitchFamily="2" charset="-122"/>
+                          <a:ea typeface="华文宋体" panose="02010600040101010101" pitchFamily="2" charset="-122"/>
+                        </a:rPr>
+                        <a:t>ISO/IEC 14882:2014</a:t>
+                      </a:r>
+                    </a:p>
+                  </a:txBody>
+                  <a:tcPr marL="22124" marR="22124" marT="30974" marB="30974">
+                    <a:lnL w="9525" cap="flat" cmpd="sng" algn="ctr">
+                      <a:solidFill>
+                        <a:srgbClr val="D4D4D4"/>
+                      </a:solidFill>
+                      <a:prstDash val="solid"/>
+                      <a:round/>
+                      <a:headEnd type="none" w="med" len="med"/>
+                      <a:tailEnd type="none" w="med" len="med"/>
+                    </a:lnL>
+                    <a:lnR w="9525" cap="flat" cmpd="sng" algn="ctr">
+                      <a:solidFill>
+                        <a:srgbClr val="D4D4D4"/>
+                      </a:solidFill>
+                      <a:prstDash val="solid"/>
+                      <a:round/>
+                      <a:headEnd type="none" w="med" len="med"/>
+                      <a:tailEnd type="none" w="med" len="med"/>
+                    </a:lnR>
+                    <a:lnT w="9525" cap="flat" cmpd="sng" algn="ctr">
+                      <a:solidFill>
+                        <a:srgbClr val="D4D4D4"/>
+                      </a:solidFill>
+                      <a:prstDash val="solid"/>
+                      <a:round/>
+                      <a:headEnd type="none" w="med" len="med"/>
+                      <a:tailEnd type="none" w="med" len="med"/>
+                    </a:lnT>
+                    <a:lnB w="9525" cap="flat" cmpd="sng" algn="ctr">
+                      <a:solidFill>
+                        <a:srgbClr val="D4D4D4"/>
+                      </a:solidFill>
+                      <a:prstDash val="solid"/>
+                      <a:round/>
+                      <a:headEnd type="none" w="med" len="med"/>
+                      <a:tailEnd type="none" w="med" len="med"/>
+                    </a:lnB>
+                    <a:solidFill>
+                      <a:srgbClr val="FFFFFF"/>
+                    </a:solidFill>
+                  </a:tcPr>
+                </a:tc>
+                <a:tc>
+                  <a:txBody>
+                    <a:bodyPr/>
+                    <a:lstStyle/>
+                    <a:p>
+                      <a:pPr fontAlgn="t"/>
+                      <a:r>
+                        <a:rPr lang="en-US" sz="1400" dirty="0">
+                          <a:effectLst/>
+                          <a:latin typeface="华文宋体" panose="02010600040101010101" pitchFamily="2" charset="-122"/>
+                          <a:ea typeface="华文宋体" panose="02010600040101010101" pitchFamily="2" charset="-122"/>
+                        </a:rPr>
+                        <a:t>C++14</a:t>
+                      </a:r>
+                    </a:p>
+                  </a:txBody>
+                  <a:tcPr marL="22124" marR="22124" marT="30974" marB="30974">
+                    <a:lnL w="9525" cap="flat" cmpd="sng" algn="ctr">
+                      <a:solidFill>
+                        <a:srgbClr val="D4D4D4"/>
+                      </a:solidFill>
+                      <a:prstDash val="solid"/>
+                      <a:round/>
+                      <a:headEnd type="none" w="med" len="med"/>
+                      <a:tailEnd type="none" w="med" len="med"/>
+                    </a:lnL>
+                    <a:lnR w="9525" cap="flat" cmpd="sng" algn="ctr">
+                      <a:solidFill>
+                        <a:srgbClr val="D4D4D4"/>
+                      </a:solidFill>
+                      <a:prstDash val="solid"/>
+                      <a:round/>
+                      <a:headEnd type="none" w="med" len="med"/>
+                      <a:tailEnd type="none" w="med" len="med"/>
+                    </a:lnR>
+                    <a:lnT w="9525" cap="flat" cmpd="sng" algn="ctr">
+                      <a:solidFill>
+                        <a:srgbClr val="D4D4D4"/>
+                      </a:solidFill>
+                      <a:prstDash val="solid"/>
+                      <a:round/>
+                      <a:headEnd type="none" w="med" len="med"/>
+                      <a:tailEnd type="none" w="med" len="med"/>
+                    </a:lnT>
+                    <a:lnB w="9525" cap="flat" cmpd="sng" algn="ctr">
+                      <a:solidFill>
+                        <a:srgbClr val="D4D4D4"/>
+                      </a:solidFill>
+                      <a:prstDash val="solid"/>
+                      <a:round/>
+                      <a:headEnd type="none" w="med" len="med"/>
+                      <a:tailEnd type="none" w="med" len="med"/>
+                    </a:lnB>
+                    <a:solidFill>
+                      <a:srgbClr val="FFFFFF"/>
+                    </a:solidFill>
+                  </a:tcPr>
+                </a:tc>
+                <a:tc>
+                  <a:txBody>
+                    <a:bodyPr/>
+                    <a:lstStyle/>
+                    <a:p>
+                      <a:pPr fontAlgn="t"/>
+                      <a:r>
+                        <a:rPr lang="zh-CN" altLang="en-US" sz="1400">
+                          <a:effectLst/>
+                          <a:latin typeface="华文宋体" panose="02010600040101010101" pitchFamily="2" charset="-122"/>
+                          <a:ea typeface="华文宋体" panose="02010600040101010101" pitchFamily="2" charset="-122"/>
+                        </a:rPr>
+                        <a:t>第四个</a:t>
+                      </a:r>
+                      <a:r>
+                        <a:rPr lang="en-US" sz="1400">
+                          <a:effectLst/>
+                          <a:latin typeface="华文宋体" panose="02010600040101010101" pitchFamily="2" charset="-122"/>
+                          <a:ea typeface="华文宋体" panose="02010600040101010101" pitchFamily="2" charset="-122"/>
+                        </a:rPr>
+                        <a:t>C++</a:t>
+                      </a:r>
+                      <a:r>
+                        <a:rPr lang="zh-CN" altLang="en-US" sz="1400">
+                          <a:effectLst/>
+                          <a:latin typeface="华文宋体" panose="02010600040101010101" pitchFamily="2" charset="-122"/>
+                          <a:ea typeface="华文宋体" panose="02010600040101010101" pitchFamily="2" charset="-122"/>
+                        </a:rPr>
+                        <a:t>标准</a:t>
+                      </a:r>
+                    </a:p>
+                  </a:txBody>
+                  <a:tcPr marL="22124" marR="22124" marT="30974" marB="30974">
+                    <a:lnL w="9525" cap="flat" cmpd="sng" algn="ctr">
+                      <a:solidFill>
+                        <a:srgbClr val="D4D4D4"/>
+                      </a:solidFill>
+                      <a:prstDash val="solid"/>
+                      <a:round/>
+                      <a:headEnd type="none" w="med" len="med"/>
+                      <a:tailEnd type="none" w="med" len="med"/>
+                    </a:lnL>
+                    <a:lnR w="9525" cap="flat" cmpd="sng" algn="ctr">
+                      <a:solidFill>
+                        <a:srgbClr val="D4D4D4"/>
+                      </a:solidFill>
+                      <a:prstDash val="solid"/>
+                      <a:round/>
+                      <a:headEnd type="none" w="med" len="med"/>
+                      <a:tailEnd type="none" w="med" len="med"/>
+                    </a:lnR>
+                    <a:lnT w="9525" cap="flat" cmpd="sng" algn="ctr">
+                      <a:solidFill>
+                        <a:srgbClr val="D4D4D4"/>
+                      </a:solidFill>
+                      <a:prstDash val="solid"/>
+                      <a:round/>
+                      <a:headEnd type="none" w="med" len="med"/>
+                      <a:tailEnd type="none" w="med" len="med"/>
+                    </a:lnT>
+                    <a:lnB w="9525" cap="flat" cmpd="sng" algn="ctr">
+                      <a:solidFill>
+                        <a:srgbClr val="D4D4D4"/>
+                      </a:solidFill>
+                      <a:prstDash val="solid"/>
+                      <a:round/>
+                      <a:headEnd type="none" w="med" len="med"/>
+                      <a:tailEnd type="none" w="med" len="med"/>
+                    </a:lnB>
+                    <a:solidFill>
+                      <a:srgbClr val="FFFFFF"/>
+                    </a:solidFill>
+                  </a:tcPr>
+                </a:tc>
+                <a:extLst>
+                  <a:ext uri="{0D108BD9-81ED-4DB2-BD59-A6C34878D82A}">
+                    <a16:rowId xmlns:a16="http://schemas.microsoft.com/office/drawing/2014/main" val="2329481976"/>
+                  </a:ext>
+                </a:extLst>
+              </a:tr>
+              <a:tr h="316822">
+                <a:tc>
+                  <a:txBody>
+                    <a:bodyPr/>
+                    <a:lstStyle/>
+                    <a:p>
+                      <a:pPr fontAlgn="t"/>
+                      <a:r>
+                        <a:rPr lang="en-US" altLang="zh-CN" sz="1400">
+                          <a:effectLst/>
+                          <a:latin typeface="华文宋体" panose="02010600040101010101" pitchFamily="2" charset="-122"/>
+                          <a:ea typeface="华文宋体" panose="02010600040101010101" pitchFamily="2" charset="-122"/>
+                        </a:rPr>
+                        <a:t>2011</a:t>
+                      </a:r>
+                    </a:p>
+                  </a:txBody>
+                  <a:tcPr marL="22124" marR="22124" marT="30974" marB="30974">
+                    <a:lnL w="9525" cap="flat" cmpd="sng" algn="ctr">
+                      <a:solidFill>
+                        <a:srgbClr val="D4D4D4"/>
+                      </a:solidFill>
+                      <a:prstDash val="solid"/>
+                      <a:round/>
+                      <a:headEnd type="none" w="med" len="med"/>
+                      <a:tailEnd type="none" w="med" len="med"/>
+                    </a:lnL>
+                    <a:lnR w="9525" cap="flat" cmpd="sng" algn="ctr">
+                      <a:solidFill>
+                        <a:srgbClr val="D4D4D4"/>
+                      </a:solidFill>
+                      <a:prstDash val="solid"/>
+                      <a:round/>
+                      <a:headEnd type="none" w="med" len="med"/>
+                      <a:tailEnd type="none" w="med" len="med"/>
+                    </a:lnR>
+                    <a:lnT w="9525" cap="flat" cmpd="sng" algn="ctr">
+                      <a:solidFill>
+                        <a:srgbClr val="D4D4D4"/>
+                      </a:solidFill>
+                      <a:prstDash val="solid"/>
+                      <a:round/>
+                      <a:headEnd type="none" w="med" len="med"/>
+                      <a:tailEnd type="none" w="med" len="med"/>
+                    </a:lnT>
+                    <a:lnB w="9525" cap="flat" cmpd="sng" algn="ctr">
+                      <a:solidFill>
+                        <a:srgbClr val="D4D4D4"/>
+                      </a:solidFill>
+                      <a:prstDash val="solid"/>
+                      <a:round/>
+                      <a:headEnd type="none" w="med" len="med"/>
+                      <a:tailEnd type="none" w="med" len="med"/>
+                    </a:lnB>
+                    <a:solidFill>
+                      <a:srgbClr val="F6F4F0"/>
+                    </a:solidFill>
+                  </a:tcPr>
+                </a:tc>
+                <a:tc>
+                  <a:txBody>
+                    <a:bodyPr/>
+                    <a:lstStyle/>
+                    <a:p>
+                      <a:pPr fontAlgn="t"/>
+                      <a:r>
+                        <a:rPr lang="en-US" sz="1400">
+                          <a:effectLst/>
+                          <a:latin typeface="华文宋体" panose="02010600040101010101" pitchFamily="2" charset="-122"/>
+                          <a:ea typeface="华文宋体" panose="02010600040101010101" pitchFamily="2" charset="-122"/>
+                        </a:rPr>
+                        <a:t>ISO/IEC TR 24733:2011</a:t>
+                      </a:r>
+                    </a:p>
+                  </a:txBody>
+                  <a:tcPr marL="22124" marR="22124" marT="30974" marB="30974">
+                    <a:lnL w="9525" cap="flat" cmpd="sng" algn="ctr">
+                      <a:solidFill>
+                        <a:srgbClr val="D4D4D4"/>
+                      </a:solidFill>
+                      <a:prstDash val="solid"/>
+                      <a:round/>
+                      <a:headEnd type="none" w="med" len="med"/>
+                      <a:tailEnd type="none" w="med" len="med"/>
+                    </a:lnL>
+                    <a:lnR w="9525" cap="flat" cmpd="sng" algn="ctr">
+                      <a:solidFill>
+                        <a:srgbClr val="D4D4D4"/>
+                      </a:solidFill>
+                      <a:prstDash val="solid"/>
+                      <a:round/>
+                      <a:headEnd type="none" w="med" len="med"/>
+                      <a:tailEnd type="none" w="med" len="med"/>
+                    </a:lnR>
+                    <a:lnT w="9525" cap="flat" cmpd="sng" algn="ctr">
+                      <a:solidFill>
+                        <a:srgbClr val="D4D4D4"/>
+                      </a:solidFill>
+                      <a:prstDash val="solid"/>
+                      <a:round/>
+                      <a:headEnd type="none" w="med" len="med"/>
+                      <a:tailEnd type="none" w="med" len="med"/>
+                    </a:lnT>
+                    <a:lnB w="9525" cap="flat" cmpd="sng" algn="ctr">
+                      <a:solidFill>
+                        <a:srgbClr val="D4D4D4"/>
+                      </a:solidFill>
+                      <a:prstDash val="solid"/>
+                      <a:round/>
+                      <a:headEnd type="none" w="med" len="med"/>
+                      <a:tailEnd type="none" w="med" len="med"/>
+                    </a:lnB>
+                    <a:solidFill>
+                      <a:srgbClr val="F6F4F0"/>
+                    </a:solidFill>
+                  </a:tcPr>
+                </a:tc>
+                <a:tc>
+                  <a:txBody>
+                    <a:bodyPr/>
+                    <a:lstStyle/>
+                    <a:p>
+                      <a:pPr fontAlgn="t"/>
+                      <a:r>
+                        <a:rPr lang="en-US" altLang="zh-CN" sz="1400" dirty="0">
+                          <a:effectLst/>
+                          <a:latin typeface="华文宋体" panose="02010600040101010101" pitchFamily="2" charset="-122"/>
+                          <a:ea typeface="华文宋体" panose="02010600040101010101" pitchFamily="2" charset="-122"/>
+                        </a:rPr>
+                        <a:t>-</a:t>
+                      </a:r>
+                    </a:p>
+                  </a:txBody>
+                  <a:tcPr marL="22124" marR="22124" marT="30974" marB="30974">
+                    <a:lnL w="9525" cap="flat" cmpd="sng" algn="ctr">
+                      <a:solidFill>
+                        <a:srgbClr val="D4D4D4"/>
+                      </a:solidFill>
+                      <a:prstDash val="solid"/>
+                      <a:round/>
+                      <a:headEnd type="none" w="med" len="med"/>
+                      <a:tailEnd type="none" w="med" len="med"/>
+                    </a:lnL>
+                    <a:lnR w="9525" cap="flat" cmpd="sng" algn="ctr">
+                      <a:solidFill>
+                        <a:srgbClr val="D4D4D4"/>
+                      </a:solidFill>
+                      <a:prstDash val="solid"/>
+                      <a:round/>
+                      <a:headEnd type="none" w="med" len="med"/>
+                      <a:tailEnd type="none" w="med" len="med"/>
+                    </a:lnR>
+                    <a:lnT w="9525" cap="flat" cmpd="sng" algn="ctr">
+                      <a:solidFill>
+                        <a:srgbClr val="D4D4D4"/>
+                      </a:solidFill>
+                      <a:prstDash val="solid"/>
+                      <a:round/>
+                      <a:headEnd type="none" w="med" len="med"/>
+                      <a:tailEnd type="none" w="med" len="med"/>
+                    </a:lnT>
+                    <a:lnB w="9525" cap="flat" cmpd="sng" algn="ctr">
+                      <a:solidFill>
+                        <a:srgbClr val="D4D4D4"/>
+                      </a:solidFill>
+                      <a:prstDash val="solid"/>
+                      <a:round/>
+                      <a:headEnd type="none" w="med" len="med"/>
+                      <a:tailEnd type="none" w="med" len="med"/>
+                    </a:lnB>
+                    <a:solidFill>
+                      <a:srgbClr val="F6F4F0"/>
+                    </a:solidFill>
+                  </a:tcPr>
+                </a:tc>
+                <a:tc>
+                  <a:txBody>
+                    <a:bodyPr/>
+                    <a:lstStyle/>
+                    <a:p>
+                      <a:pPr fontAlgn="t"/>
+                      <a:r>
+                        <a:rPr lang="zh-CN" altLang="en-US" sz="1400" dirty="0">
+                          <a:effectLst/>
+                          <a:latin typeface="华文宋体" panose="02010600040101010101" pitchFamily="2" charset="-122"/>
+                          <a:ea typeface="华文宋体" panose="02010600040101010101" pitchFamily="2" charset="-122"/>
+                        </a:rPr>
+                        <a:t>十进制浮点数扩展</a:t>
+                      </a:r>
+                    </a:p>
+                  </a:txBody>
+                  <a:tcPr marL="22124" marR="22124" marT="30974" marB="30974">
+                    <a:lnL w="9525" cap="flat" cmpd="sng" algn="ctr">
+                      <a:solidFill>
+                        <a:srgbClr val="D4D4D4"/>
+                      </a:solidFill>
+                      <a:prstDash val="solid"/>
+                      <a:round/>
+                      <a:headEnd type="none" w="med" len="med"/>
+                      <a:tailEnd type="none" w="med" len="med"/>
+                    </a:lnL>
+                    <a:lnR w="9525" cap="flat" cmpd="sng" algn="ctr">
+                      <a:solidFill>
+                        <a:srgbClr val="D4D4D4"/>
+                      </a:solidFill>
+                      <a:prstDash val="solid"/>
+                      <a:round/>
+                      <a:headEnd type="none" w="med" len="med"/>
+                      <a:tailEnd type="none" w="med" len="med"/>
+                    </a:lnR>
+                    <a:lnT w="9525" cap="flat" cmpd="sng" algn="ctr">
+                      <a:solidFill>
+                        <a:srgbClr val="D4D4D4"/>
+                      </a:solidFill>
+                      <a:prstDash val="solid"/>
+                      <a:round/>
+                      <a:headEnd type="none" w="med" len="med"/>
+                      <a:tailEnd type="none" w="med" len="med"/>
+                    </a:lnT>
+                    <a:lnB w="9525" cap="flat" cmpd="sng" algn="ctr">
+                      <a:solidFill>
+                        <a:srgbClr val="D4D4D4"/>
+                      </a:solidFill>
+                      <a:prstDash val="solid"/>
+                      <a:round/>
+                      <a:headEnd type="none" w="med" len="med"/>
+                      <a:tailEnd type="none" w="med" len="med"/>
+                    </a:lnB>
+                    <a:solidFill>
+                      <a:srgbClr val="F6F4F0"/>
+                    </a:solidFill>
+                  </a:tcPr>
+                </a:tc>
+                <a:extLst>
+                  <a:ext uri="{0D108BD9-81ED-4DB2-BD59-A6C34878D82A}">
+                    <a16:rowId xmlns:a16="http://schemas.microsoft.com/office/drawing/2014/main" val="644044837"/>
+                  </a:ext>
+                </a:extLst>
+              </a:tr>
+              <a:tr h="316822">
+                <a:tc>
+                  <a:txBody>
+                    <a:bodyPr/>
+                    <a:lstStyle/>
+                    <a:p>
+                      <a:pPr fontAlgn="t"/>
+                      <a:r>
+                        <a:rPr lang="en-US" altLang="zh-CN" sz="1400">
+                          <a:effectLst/>
+                          <a:latin typeface="华文宋体" panose="02010600040101010101" pitchFamily="2" charset="-122"/>
+                          <a:ea typeface="华文宋体" panose="02010600040101010101" pitchFamily="2" charset="-122"/>
+                        </a:rPr>
+                        <a:t>2011</a:t>
+                      </a:r>
+                    </a:p>
+                  </a:txBody>
+                  <a:tcPr marL="22124" marR="22124" marT="30974" marB="30974">
+                    <a:lnL w="9525" cap="flat" cmpd="sng" algn="ctr">
+                      <a:solidFill>
+                        <a:srgbClr val="D4D4D4"/>
+                      </a:solidFill>
+                      <a:prstDash val="solid"/>
+                      <a:round/>
+                      <a:headEnd type="none" w="med" len="med"/>
+                      <a:tailEnd type="none" w="med" len="med"/>
+                    </a:lnL>
+                    <a:lnR w="9525" cap="flat" cmpd="sng" algn="ctr">
+                      <a:solidFill>
+                        <a:srgbClr val="D4D4D4"/>
+                      </a:solidFill>
+                      <a:prstDash val="solid"/>
+                      <a:round/>
+                      <a:headEnd type="none" w="med" len="med"/>
+                      <a:tailEnd type="none" w="med" len="med"/>
+                    </a:lnR>
+                    <a:lnT w="9525" cap="flat" cmpd="sng" algn="ctr">
+                      <a:solidFill>
+                        <a:srgbClr val="D4D4D4"/>
+                      </a:solidFill>
+                      <a:prstDash val="solid"/>
+                      <a:round/>
+                      <a:headEnd type="none" w="med" len="med"/>
+                      <a:tailEnd type="none" w="med" len="med"/>
+                    </a:lnT>
+                    <a:lnB w="9525" cap="flat" cmpd="sng" algn="ctr">
+                      <a:solidFill>
+                        <a:srgbClr val="D4D4D4"/>
+                      </a:solidFill>
+                      <a:prstDash val="solid"/>
+                      <a:round/>
+                      <a:headEnd type="none" w="med" len="med"/>
+                      <a:tailEnd type="none" w="med" len="med"/>
+                    </a:lnB>
+                    <a:solidFill>
+                      <a:srgbClr val="FFFFFF"/>
+                    </a:solidFill>
+                  </a:tcPr>
+                </a:tc>
+                <a:tc>
+                  <a:txBody>
+                    <a:bodyPr/>
+                    <a:lstStyle/>
+                    <a:p>
+                      <a:pPr fontAlgn="t"/>
+                      <a:r>
+                        <a:rPr lang="en-US" sz="1400">
+                          <a:effectLst/>
+                          <a:latin typeface="华文宋体" panose="02010600040101010101" pitchFamily="2" charset="-122"/>
+                          <a:ea typeface="华文宋体" panose="02010600040101010101" pitchFamily="2" charset="-122"/>
+                        </a:rPr>
+                        <a:t>ISO/IEC 14882:2011</a:t>
+                      </a:r>
+                    </a:p>
+                  </a:txBody>
+                  <a:tcPr marL="22124" marR="22124" marT="30974" marB="30974">
+                    <a:lnL w="9525" cap="flat" cmpd="sng" algn="ctr">
+                      <a:solidFill>
+                        <a:srgbClr val="D4D4D4"/>
+                      </a:solidFill>
+                      <a:prstDash val="solid"/>
+                      <a:round/>
+                      <a:headEnd type="none" w="med" len="med"/>
+                      <a:tailEnd type="none" w="med" len="med"/>
+                    </a:lnL>
+                    <a:lnR w="9525" cap="flat" cmpd="sng" algn="ctr">
+                      <a:solidFill>
+                        <a:srgbClr val="D4D4D4"/>
+                      </a:solidFill>
+                      <a:prstDash val="solid"/>
+                      <a:round/>
+                      <a:headEnd type="none" w="med" len="med"/>
+                      <a:tailEnd type="none" w="med" len="med"/>
+                    </a:lnR>
+                    <a:lnT w="9525" cap="flat" cmpd="sng" algn="ctr">
+                      <a:solidFill>
+                        <a:srgbClr val="D4D4D4"/>
+                      </a:solidFill>
+                      <a:prstDash val="solid"/>
+                      <a:round/>
+                      <a:headEnd type="none" w="med" len="med"/>
+                      <a:tailEnd type="none" w="med" len="med"/>
+                    </a:lnT>
+                    <a:lnB w="9525" cap="flat" cmpd="sng" algn="ctr">
+                      <a:solidFill>
+                        <a:srgbClr val="D4D4D4"/>
+                      </a:solidFill>
+                      <a:prstDash val="solid"/>
+                      <a:round/>
+                      <a:headEnd type="none" w="med" len="med"/>
+                      <a:tailEnd type="none" w="med" len="med"/>
+                    </a:lnB>
+                    <a:solidFill>
+                      <a:srgbClr val="FFFFFF"/>
+                    </a:solidFill>
+                  </a:tcPr>
+                </a:tc>
+                <a:tc>
+                  <a:txBody>
+                    <a:bodyPr/>
+                    <a:lstStyle/>
+                    <a:p>
+                      <a:pPr fontAlgn="t"/>
+                      <a:r>
+                        <a:rPr lang="en-US" sz="1400" dirty="0">
+                          <a:effectLst/>
+                          <a:latin typeface="华文宋体" panose="02010600040101010101" pitchFamily="2" charset="-122"/>
+                          <a:ea typeface="华文宋体" panose="02010600040101010101" pitchFamily="2" charset="-122"/>
+                        </a:rPr>
+                        <a:t>C++11</a:t>
+                      </a:r>
+                    </a:p>
+                  </a:txBody>
+                  <a:tcPr marL="22124" marR="22124" marT="30974" marB="30974">
+                    <a:lnL w="9525" cap="flat" cmpd="sng" algn="ctr">
+                      <a:solidFill>
+                        <a:srgbClr val="D4D4D4"/>
+                      </a:solidFill>
+                      <a:prstDash val="solid"/>
+                      <a:round/>
+                      <a:headEnd type="none" w="med" len="med"/>
+                      <a:tailEnd type="none" w="med" len="med"/>
+                    </a:lnL>
+                    <a:lnR w="9525" cap="flat" cmpd="sng" algn="ctr">
+                      <a:solidFill>
+                        <a:srgbClr val="D4D4D4"/>
+                      </a:solidFill>
+                      <a:prstDash val="solid"/>
+                      <a:round/>
+                      <a:headEnd type="none" w="med" len="med"/>
+                      <a:tailEnd type="none" w="med" len="med"/>
+                    </a:lnR>
+                    <a:lnT w="9525" cap="flat" cmpd="sng" algn="ctr">
+                      <a:solidFill>
+                        <a:srgbClr val="D4D4D4"/>
+                      </a:solidFill>
+                      <a:prstDash val="solid"/>
+                      <a:round/>
+                      <a:headEnd type="none" w="med" len="med"/>
+                      <a:tailEnd type="none" w="med" len="med"/>
+                    </a:lnT>
+                    <a:lnB w="9525" cap="flat" cmpd="sng" algn="ctr">
+                      <a:solidFill>
+                        <a:srgbClr val="D4D4D4"/>
+                      </a:solidFill>
+                      <a:prstDash val="solid"/>
+                      <a:round/>
+                      <a:headEnd type="none" w="med" len="med"/>
+                      <a:tailEnd type="none" w="med" len="med"/>
+                    </a:lnB>
+                    <a:solidFill>
+                      <a:srgbClr val="FFFFFF"/>
+                    </a:solidFill>
+                  </a:tcPr>
+                </a:tc>
+                <a:tc>
+                  <a:txBody>
+                    <a:bodyPr/>
+                    <a:lstStyle/>
+                    <a:p>
+                      <a:pPr fontAlgn="t"/>
+                      <a:r>
+                        <a:rPr lang="zh-CN" altLang="en-US" sz="1400" dirty="0">
+                          <a:effectLst/>
+                          <a:latin typeface="华文宋体" panose="02010600040101010101" pitchFamily="2" charset="-122"/>
+                          <a:ea typeface="华文宋体" panose="02010600040101010101" pitchFamily="2" charset="-122"/>
+                        </a:rPr>
+                        <a:t>第三个</a:t>
+                      </a:r>
+                      <a:r>
+                        <a:rPr lang="en-US" sz="1400" dirty="0">
+                          <a:effectLst/>
+                          <a:latin typeface="华文宋体" panose="02010600040101010101" pitchFamily="2" charset="-122"/>
+                          <a:ea typeface="华文宋体" panose="02010600040101010101" pitchFamily="2" charset="-122"/>
+                        </a:rPr>
+                        <a:t>C++</a:t>
+                      </a:r>
+                      <a:r>
+                        <a:rPr lang="zh-CN" altLang="en-US" sz="1400" dirty="0">
+                          <a:effectLst/>
+                          <a:latin typeface="华文宋体" panose="02010600040101010101" pitchFamily="2" charset="-122"/>
+                          <a:ea typeface="华文宋体" panose="02010600040101010101" pitchFamily="2" charset="-122"/>
+                        </a:rPr>
+                        <a:t>标准</a:t>
+                      </a:r>
+                    </a:p>
+                  </a:txBody>
+                  <a:tcPr marL="22124" marR="22124" marT="30974" marB="30974">
+                    <a:lnL w="9525" cap="flat" cmpd="sng" algn="ctr">
+                      <a:solidFill>
+                        <a:srgbClr val="D4D4D4"/>
+                      </a:solidFill>
+                      <a:prstDash val="solid"/>
+                      <a:round/>
+                      <a:headEnd type="none" w="med" len="med"/>
+                      <a:tailEnd type="none" w="med" len="med"/>
+                    </a:lnL>
+                    <a:lnR w="9525" cap="flat" cmpd="sng" algn="ctr">
+                      <a:solidFill>
+                        <a:srgbClr val="D4D4D4"/>
+                      </a:solidFill>
+                      <a:prstDash val="solid"/>
+                      <a:round/>
+                      <a:headEnd type="none" w="med" len="med"/>
+                      <a:tailEnd type="none" w="med" len="med"/>
+                    </a:lnR>
+                    <a:lnT w="9525" cap="flat" cmpd="sng" algn="ctr">
+                      <a:solidFill>
+                        <a:srgbClr val="D4D4D4"/>
+                      </a:solidFill>
+                      <a:prstDash val="solid"/>
+                      <a:round/>
+                      <a:headEnd type="none" w="med" len="med"/>
+                      <a:tailEnd type="none" w="med" len="med"/>
+                    </a:lnT>
+                    <a:lnB w="9525" cap="flat" cmpd="sng" algn="ctr">
+                      <a:solidFill>
+                        <a:srgbClr val="D4D4D4"/>
+                      </a:solidFill>
+                      <a:prstDash val="solid"/>
+                      <a:round/>
+                      <a:headEnd type="none" w="med" len="med"/>
+                      <a:tailEnd type="none" w="med" len="med"/>
+                    </a:lnB>
+                    <a:solidFill>
+                      <a:srgbClr val="FFFFFF"/>
+                    </a:solidFill>
+                  </a:tcPr>
+                </a:tc>
+                <a:extLst>
+                  <a:ext uri="{0D108BD9-81ED-4DB2-BD59-A6C34878D82A}">
+                    <a16:rowId xmlns:a16="http://schemas.microsoft.com/office/drawing/2014/main" val="4134765582"/>
+                  </a:ext>
+                </a:extLst>
+              </a:tr>
+              <a:tr h="316822">
+                <a:tc>
+                  <a:txBody>
+                    <a:bodyPr/>
+                    <a:lstStyle/>
+                    <a:p>
+                      <a:pPr fontAlgn="t"/>
+                      <a:r>
+                        <a:rPr lang="en-US" altLang="zh-CN" sz="1400">
+                          <a:effectLst/>
+                          <a:latin typeface="华文宋体" panose="02010600040101010101" pitchFamily="2" charset="-122"/>
+                          <a:ea typeface="华文宋体" panose="02010600040101010101" pitchFamily="2" charset="-122"/>
+                        </a:rPr>
+                        <a:t>2010</a:t>
+                      </a:r>
+                    </a:p>
+                  </a:txBody>
+                  <a:tcPr marL="22124" marR="22124" marT="30974" marB="30974">
+                    <a:lnL w="9525" cap="flat" cmpd="sng" algn="ctr">
+                      <a:solidFill>
+                        <a:srgbClr val="D4D4D4"/>
+                      </a:solidFill>
+                      <a:prstDash val="solid"/>
+                      <a:round/>
+                      <a:headEnd type="none" w="med" len="med"/>
+                      <a:tailEnd type="none" w="med" len="med"/>
+                    </a:lnL>
+                    <a:lnR w="9525" cap="flat" cmpd="sng" algn="ctr">
+                      <a:solidFill>
+                        <a:srgbClr val="D4D4D4"/>
+                      </a:solidFill>
+                      <a:prstDash val="solid"/>
+                      <a:round/>
+                      <a:headEnd type="none" w="med" len="med"/>
+                      <a:tailEnd type="none" w="med" len="med"/>
+                    </a:lnR>
+                    <a:lnT w="9525" cap="flat" cmpd="sng" algn="ctr">
+                      <a:solidFill>
+                        <a:srgbClr val="D4D4D4"/>
+                      </a:solidFill>
+                      <a:prstDash val="solid"/>
+                      <a:round/>
+                      <a:headEnd type="none" w="med" len="med"/>
+                      <a:tailEnd type="none" w="med" len="med"/>
+                    </a:lnT>
+                    <a:lnB w="9525" cap="flat" cmpd="sng" algn="ctr">
+                      <a:solidFill>
+                        <a:srgbClr val="D4D4D4"/>
+                      </a:solidFill>
+                      <a:prstDash val="solid"/>
+                      <a:round/>
+                      <a:headEnd type="none" w="med" len="med"/>
+                      <a:tailEnd type="none" w="med" len="med"/>
+                    </a:lnB>
+                    <a:solidFill>
+                      <a:srgbClr val="F6F4F0"/>
+                    </a:solidFill>
+                  </a:tcPr>
+                </a:tc>
+                <a:tc>
+                  <a:txBody>
+                    <a:bodyPr/>
+                    <a:lstStyle/>
+                    <a:p>
+                      <a:pPr fontAlgn="t"/>
+                      <a:r>
+                        <a:rPr lang="en-US" sz="1400">
+                          <a:effectLst/>
+                          <a:latin typeface="华文宋体" panose="02010600040101010101" pitchFamily="2" charset="-122"/>
+                          <a:ea typeface="华文宋体" panose="02010600040101010101" pitchFamily="2" charset="-122"/>
+                        </a:rPr>
+                        <a:t>ISO/IEC TR 29124:2010</a:t>
+                      </a:r>
+                    </a:p>
+                  </a:txBody>
+                  <a:tcPr marL="22124" marR="22124" marT="30974" marB="30974">
+                    <a:lnL w="9525" cap="flat" cmpd="sng" algn="ctr">
+                      <a:solidFill>
+                        <a:srgbClr val="D4D4D4"/>
+                      </a:solidFill>
+                      <a:prstDash val="solid"/>
+                      <a:round/>
+                      <a:headEnd type="none" w="med" len="med"/>
+                      <a:tailEnd type="none" w="med" len="med"/>
+                    </a:lnL>
+                    <a:lnR w="9525" cap="flat" cmpd="sng" algn="ctr">
+                      <a:solidFill>
+                        <a:srgbClr val="D4D4D4"/>
+                      </a:solidFill>
+                      <a:prstDash val="solid"/>
+                      <a:round/>
+                      <a:headEnd type="none" w="med" len="med"/>
+                      <a:tailEnd type="none" w="med" len="med"/>
+                    </a:lnR>
+                    <a:lnT w="9525" cap="flat" cmpd="sng" algn="ctr">
+                      <a:solidFill>
+                        <a:srgbClr val="D4D4D4"/>
+                      </a:solidFill>
+                      <a:prstDash val="solid"/>
+                      <a:round/>
+                      <a:headEnd type="none" w="med" len="med"/>
+                      <a:tailEnd type="none" w="med" len="med"/>
+                    </a:lnT>
+                    <a:lnB w="9525" cap="flat" cmpd="sng" algn="ctr">
+                      <a:solidFill>
+                        <a:srgbClr val="D4D4D4"/>
+                      </a:solidFill>
+                      <a:prstDash val="solid"/>
+                      <a:round/>
+                      <a:headEnd type="none" w="med" len="med"/>
+                      <a:tailEnd type="none" w="med" len="med"/>
+                    </a:lnB>
+                    <a:solidFill>
+                      <a:srgbClr val="F6F4F0"/>
+                    </a:solidFill>
+                  </a:tcPr>
+                </a:tc>
+                <a:tc>
+                  <a:txBody>
+                    <a:bodyPr/>
+                    <a:lstStyle/>
+                    <a:p>
+                      <a:pPr fontAlgn="t"/>
+                      <a:r>
+                        <a:rPr lang="en-US" altLang="zh-CN" sz="1400">
+                          <a:effectLst/>
+                          <a:latin typeface="华文宋体" panose="02010600040101010101" pitchFamily="2" charset="-122"/>
+                          <a:ea typeface="华文宋体" panose="02010600040101010101" pitchFamily="2" charset="-122"/>
+                        </a:rPr>
+                        <a:t>-</a:t>
+                      </a:r>
+                    </a:p>
+                  </a:txBody>
+                  <a:tcPr marL="22124" marR="22124" marT="30974" marB="30974">
+                    <a:lnL w="9525" cap="flat" cmpd="sng" algn="ctr">
+                      <a:solidFill>
+                        <a:srgbClr val="D4D4D4"/>
+                      </a:solidFill>
+                      <a:prstDash val="solid"/>
+                      <a:round/>
+                      <a:headEnd type="none" w="med" len="med"/>
+                      <a:tailEnd type="none" w="med" len="med"/>
+                    </a:lnL>
+                    <a:lnR w="9525" cap="flat" cmpd="sng" algn="ctr">
+                      <a:solidFill>
+                        <a:srgbClr val="D4D4D4"/>
+                      </a:solidFill>
+                      <a:prstDash val="solid"/>
+                      <a:round/>
+                      <a:headEnd type="none" w="med" len="med"/>
+                      <a:tailEnd type="none" w="med" len="med"/>
+                    </a:lnR>
+                    <a:lnT w="9525" cap="flat" cmpd="sng" algn="ctr">
+                      <a:solidFill>
+                        <a:srgbClr val="D4D4D4"/>
+                      </a:solidFill>
+                      <a:prstDash val="solid"/>
+                      <a:round/>
+                      <a:headEnd type="none" w="med" len="med"/>
+                      <a:tailEnd type="none" w="med" len="med"/>
+                    </a:lnT>
+                    <a:lnB w="9525" cap="flat" cmpd="sng" algn="ctr">
+                      <a:solidFill>
+                        <a:srgbClr val="D4D4D4"/>
+                      </a:solidFill>
+                      <a:prstDash val="solid"/>
+                      <a:round/>
+                      <a:headEnd type="none" w="med" len="med"/>
+                      <a:tailEnd type="none" w="med" len="med"/>
+                    </a:lnB>
+                    <a:solidFill>
+                      <a:srgbClr val="F6F4F0"/>
+                    </a:solidFill>
+                  </a:tcPr>
+                </a:tc>
+                <a:tc>
+                  <a:txBody>
+                    <a:bodyPr/>
+                    <a:lstStyle/>
+                    <a:p>
+                      <a:pPr fontAlgn="t"/>
+                      <a:r>
+                        <a:rPr lang="zh-CN" altLang="en-US" sz="1400" dirty="0">
+                          <a:effectLst/>
+                          <a:latin typeface="华文宋体" panose="02010600040101010101" pitchFamily="2" charset="-122"/>
+                          <a:ea typeface="华文宋体" panose="02010600040101010101" pitchFamily="2" charset="-122"/>
+                        </a:rPr>
+                        <a:t>数学函数扩展</a:t>
+                      </a:r>
+                    </a:p>
+                  </a:txBody>
+                  <a:tcPr marL="22124" marR="22124" marT="30974" marB="30974">
+                    <a:lnL w="9525" cap="flat" cmpd="sng" algn="ctr">
+                      <a:solidFill>
+                        <a:srgbClr val="D4D4D4"/>
+                      </a:solidFill>
+                      <a:prstDash val="solid"/>
+                      <a:round/>
+                      <a:headEnd type="none" w="med" len="med"/>
+                      <a:tailEnd type="none" w="med" len="med"/>
+                    </a:lnL>
+                    <a:lnR w="9525" cap="flat" cmpd="sng" algn="ctr">
+                      <a:solidFill>
+                        <a:srgbClr val="D4D4D4"/>
+                      </a:solidFill>
+                      <a:prstDash val="solid"/>
+                      <a:round/>
+                      <a:headEnd type="none" w="med" len="med"/>
+                      <a:tailEnd type="none" w="med" len="med"/>
+                    </a:lnR>
+                    <a:lnT w="9525" cap="flat" cmpd="sng" algn="ctr">
+                      <a:solidFill>
+                        <a:srgbClr val="D4D4D4"/>
+                      </a:solidFill>
+                      <a:prstDash val="solid"/>
+                      <a:round/>
+                      <a:headEnd type="none" w="med" len="med"/>
+                      <a:tailEnd type="none" w="med" len="med"/>
+                    </a:lnT>
+                    <a:lnB w="9525" cap="flat" cmpd="sng" algn="ctr">
+                      <a:solidFill>
+                        <a:srgbClr val="D4D4D4"/>
+                      </a:solidFill>
+                      <a:prstDash val="solid"/>
+                      <a:round/>
+                      <a:headEnd type="none" w="med" len="med"/>
+                      <a:tailEnd type="none" w="med" len="med"/>
+                    </a:lnB>
+                    <a:solidFill>
+                      <a:srgbClr val="F6F4F0"/>
+                    </a:solidFill>
+                  </a:tcPr>
+                </a:tc>
+                <a:extLst>
+                  <a:ext uri="{0D108BD9-81ED-4DB2-BD59-A6C34878D82A}">
+                    <a16:rowId xmlns:a16="http://schemas.microsoft.com/office/drawing/2014/main" val="3067718927"/>
+                  </a:ext>
+                </a:extLst>
+              </a:tr>
+              <a:tr h="316822">
+                <a:tc>
+                  <a:txBody>
+                    <a:bodyPr/>
+                    <a:lstStyle/>
+                    <a:p>
+                      <a:pPr fontAlgn="t"/>
+                      <a:r>
+                        <a:rPr lang="en-US" altLang="zh-CN" sz="1400">
+                          <a:effectLst/>
+                          <a:latin typeface="华文宋体" panose="02010600040101010101" pitchFamily="2" charset="-122"/>
+                          <a:ea typeface="华文宋体" panose="02010600040101010101" pitchFamily="2" charset="-122"/>
+                        </a:rPr>
+                        <a:t>2007</a:t>
+                      </a:r>
+                    </a:p>
+                  </a:txBody>
+                  <a:tcPr marL="22124" marR="22124" marT="30974" marB="30974">
+                    <a:lnL w="9525" cap="flat" cmpd="sng" algn="ctr">
+                      <a:solidFill>
+                        <a:srgbClr val="D4D4D4"/>
+                      </a:solidFill>
+                      <a:prstDash val="solid"/>
+                      <a:round/>
+                      <a:headEnd type="none" w="med" len="med"/>
+                      <a:tailEnd type="none" w="med" len="med"/>
+                    </a:lnL>
+                    <a:lnR w="9525" cap="flat" cmpd="sng" algn="ctr">
+                      <a:solidFill>
+                        <a:srgbClr val="D4D4D4"/>
+                      </a:solidFill>
+                      <a:prstDash val="solid"/>
+                      <a:round/>
+                      <a:headEnd type="none" w="med" len="med"/>
+                      <a:tailEnd type="none" w="med" len="med"/>
+                    </a:lnR>
+                    <a:lnT w="9525" cap="flat" cmpd="sng" algn="ctr">
+                      <a:solidFill>
+                        <a:srgbClr val="D4D4D4"/>
+                      </a:solidFill>
+                      <a:prstDash val="solid"/>
+                      <a:round/>
+                      <a:headEnd type="none" w="med" len="med"/>
+                      <a:tailEnd type="none" w="med" len="med"/>
+                    </a:lnT>
+                    <a:lnB w="9525" cap="flat" cmpd="sng" algn="ctr">
+                      <a:solidFill>
+                        <a:srgbClr val="D4D4D4"/>
+                      </a:solidFill>
+                      <a:prstDash val="solid"/>
+                      <a:round/>
+                      <a:headEnd type="none" w="med" len="med"/>
+                      <a:tailEnd type="none" w="med" len="med"/>
+                    </a:lnB>
+                    <a:solidFill>
+                      <a:srgbClr val="FFFFFF"/>
+                    </a:solidFill>
+                  </a:tcPr>
+                </a:tc>
+                <a:tc>
+                  <a:txBody>
+                    <a:bodyPr/>
+                    <a:lstStyle/>
+                    <a:p>
+                      <a:pPr fontAlgn="t"/>
+                      <a:r>
+                        <a:rPr lang="en-US" sz="1400">
+                          <a:effectLst/>
+                          <a:latin typeface="华文宋体" panose="02010600040101010101" pitchFamily="2" charset="-122"/>
+                          <a:ea typeface="华文宋体" panose="02010600040101010101" pitchFamily="2" charset="-122"/>
+                        </a:rPr>
+                        <a:t>ISO/IEC TR 19768:2007</a:t>
+                      </a:r>
+                    </a:p>
+                  </a:txBody>
+                  <a:tcPr marL="22124" marR="22124" marT="30974" marB="30974">
+                    <a:lnL w="9525" cap="flat" cmpd="sng" algn="ctr">
+                      <a:solidFill>
+                        <a:srgbClr val="D4D4D4"/>
+                      </a:solidFill>
+                      <a:prstDash val="solid"/>
+                      <a:round/>
+                      <a:headEnd type="none" w="med" len="med"/>
+                      <a:tailEnd type="none" w="med" len="med"/>
+                    </a:lnL>
+                    <a:lnR w="9525" cap="flat" cmpd="sng" algn="ctr">
+                      <a:solidFill>
+                        <a:srgbClr val="D4D4D4"/>
+                      </a:solidFill>
+                      <a:prstDash val="solid"/>
+                      <a:round/>
+                      <a:headEnd type="none" w="med" len="med"/>
+                      <a:tailEnd type="none" w="med" len="med"/>
+                    </a:lnR>
+                    <a:lnT w="9525" cap="flat" cmpd="sng" algn="ctr">
+                      <a:solidFill>
+                        <a:srgbClr val="D4D4D4"/>
+                      </a:solidFill>
+                      <a:prstDash val="solid"/>
+                      <a:round/>
+                      <a:headEnd type="none" w="med" len="med"/>
+                      <a:tailEnd type="none" w="med" len="med"/>
+                    </a:lnT>
+                    <a:lnB w="9525" cap="flat" cmpd="sng" algn="ctr">
+                      <a:solidFill>
+                        <a:srgbClr val="D4D4D4"/>
+                      </a:solidFill>
+                      <a:prstDash val="solid"/>
+                      <a:round/>
+                      <a:headEnd type="none" w="med" len="med"/>
+                      <a:tailEnd type="none" w="med" len="med"/>
+                    </a:lnB>
+                    <a:solidFill>
+                      <a:srgbClr val="FFFFFF"/>
+                    </a:solidFill>
+                  </a:tcPr>
+                </a:tc>
+                <a:tc>
+                  <a:txBody>
+                    <a:bodyPr/>
+                    <a:lstStyle/>
+                    <a:p>
+                      <a:pPr fontAlgn="t"/>
+                      <a:r>
+                        <a:rPr lang="en-US" sz="1400">
+                          <a:effectLst/>
+                          <a:latin typeface="华文宋体" panose="02010600040101010101" pitchFamily="2" charset="-122"/>
+                          <a:ea typeface="华文宋体" panose="02010600040101010101" pitchFamily="2" charset="-122"/>
+                        </a:rPr>
+                        <a:t>C++TR1</a:t>
+                      </a:r>
+                    </a:p>
+                  </a:txBody>
+                  <a:tcPr marL="22124" marR="22124" marT="30974" marB="30974">
+                    <a:lnL w="9525" cap="flat" cmpd="sng" algn="ctr">
+                      <a:solidFill>
+                        <a:srgbClr val="D4D4D4"/>
+                      </a:solidFill>
+                      <a:prstDash val="solid"/>
+                      <a:round/>
+                      <a:headEnd type="none" w="med" len="med"/>
+                      <a:tailEnd type="none" w="med" len="med"/>
+                    </a:lnL>
+                    <a:lnR w="9525" cap="flat" cmpd="sng" algn="ctr">
+                      <a:solidFill>
+                        <a:srgbClr val="D4D4D4"/>
+                      </a:solidFill>
+                      <a:prstDash val="solid"/>
+                      <a:round/>
+                      <a:headEnd type="none" w="med" len="med"/>
+                      <a:tailEnd type="none" w="med" len="med"/>
+                    </a:lnR>
+                    <a:lnT w="9525" cap="flat" cmpd="sng" algn="ctr">
+                      <a:solidFill>
+                        <a:srgbClr val="D4D4D4"/>
+                      </a:solidFill>
+                      <a:prstDash val="solid"/>
+                      <a:round/>
+                      <a:headEnd type="none" w="med" len="med"/>
+                      <a:tailEnd type="none" w="med" len="med"/>
+                    </a:lnT>
+                    <a:lnB w="9525" cap="flat" cmpd="sng" algn="ctr">
+                      <a:solidFill>
+                        <a:srgbClr val="D4D4D4"/>
+                      </a:solidFill>
+                      <a:prstDash val="solid"/>
+                      <a:round/>
+                      <a:headEnd type="none" w="med" len="med"/>
+                      <a:tailEnd type="none" w="med" len="med"/>
+                    </a:lnB>
+                    <a:solidFill>
+                      <a:srgbClr val="FFFFFF"/>
+                    </a:solidFill>
+                  </a:tcPr>
+                </a:tc>
+                <a:tc>
+                  <a:txBody>
+                    <a:bodyPr/>
+                    <a:lstStyle/>
+                    <a:p>
+                      <a:pPr fontAlgn="t"/>
+                      <a:r>
+                        <a:rPr lang="en-US" altLang="zh-CN" sz="1400" dirty="0">
+                          <a:effectLst/>
+                          <a:latin typeface="华文宋体" panose="02010600040101010101" pitchFamily="2" charset="-122"/>
+                          <a:ea typeface="华文宋体" panose="02010600040101010101" pitchFamily="2" charset="-122"/>
+                        </a:rPr>
+                        <a:t>C++</a:t>
+                      </a:r>
+                      <a:r>
+                        <a:rPr lang="zh-CN" altLang="en-US" sz="1400" dirty="0">
+                          <a:effectLst/>
+                          <a:latin typeface="华文宋体" panose="02010600040101010101" pitchFamily="2" charset="-122"/>
+                          <a:ea typeface="华文宋体" panose="02010600040101010101" pitchFamily="2" charset="-122"/>
+                        </a:rPr>
+                        <a:t>技术报告：库扩展</a:t>
+                      </a:r>
+                    </a:p>
+                  </a:txBody>
+                  <a:tcPr marL="22124" marR="22124" marT="30974" marB="30974">
+                    <a:lnL w="9525" cap="flat" cmpd="sng" algn="ctr">
+                      <a:solidFill>
+                        <a:srgbClr val="D4D4D4"/>
+                      </a:solidFill>
+                      <a:prstDash val="solid"/>
+                      <a:round/>
+                      <a:headEnd type="none" w="med" len="med"/>
+                      <a:tailEnd type="none" w="med" len="med"/>
+                    </a:lnL>
+                    <a:lnR w="9525" cap="flat" cmpd="sng" algn="ctr">
+                      <a:solidFill>
+                        <a:srgbClr val="D4D4D4"/>
+                      </a:solidFill>
+                      <a:prstDash val="solid"/>
+                      <a:round/>
+                      <a:headEnd type="none" w="med" len="med"/>
+                      <a:tailEnd type="none" w="med" len="med"/>
+                    </a:lnR>
+                    <a:lnT w="9525" cap="flat" cmpd="sng" algn="ctr">
+                      <a:solidFill>
+                        <a:srgbClr val="D4D4D4"/>
+                      </a:solidFill>
+                      <a:prstDash val="solid"/>
+                      <a:round/>
+                      <a:headEnd type="none" w="med" len="med"/>
+                      <a:tailEnd type="none" w="med" len="med"/>
+                    </a:lnT>
+                    <a:lnB w="9525" cap="flat" cmpd="sng" algn="ctr">
+                      <a:solidFill>
+                        <a:srgbClr val="D4D4D4"/>
+                      </a:solidFill>
+                      <a:prstDash val="solid"/>
+                      <a:round/>
+                      <a:headEnd type="none" w="med" len="med"/>
+                      <a:tailEnd type="none" w="med" len="med"/>
+                    </a:lnB>
+                    <a:solidFill>
+                      <a:srgbClr val="FFFFFF"/>
+                    </a:solidFill>
+                  </a:tcPr>
+                </a:tc>
+                <a:extLst>
+                  <a:ext uri="{0D108BD9-81ED-4DB2-BD59-A6C34878D82A}">
+                    <a16:rowId xmlns:a16="http://schemas.microsoft.com/office/drawing/2014/main" val="2182806999"/>
+                  </a:ext>
+                </a:extLst>
+              </a:tr>
+              <a:tr h="316822">
+                <a:tc>
+                  <a:txBody>
+                    <a:bodyPr/>
+                    <a:lstStyle/>
+                    <a:p>
+                      <a:pPr fontAlgn="t"/>
+                      <a:r>
+                        <a:rPr lang="en-US" altLang="zh-CN" sz="1400">
+                          <a:effectLst/>
+                          <a:latin typeface="华文宋体" panose="02010600040101010101" pitchFamily="2" charset="-122"/>
+                          <a:ea typeface="华文宋体" panose="02010600040101010101" pitchFamily="2" charset="-122"/>
+                        </a:rPr>
+                        <a:t>2006</a:t>
+                      </a:r>
+                    </a:p>
+                  </a:txBody>
+                  <a:tcPr marL="22124" marR="22124" marT="30974" marB="30974">
+                    <a:lnL w="9525" cap="flat" cmpd="sng" algn="ctr">
+                      <a:solidFill>
+                        <a:srgbClr val="D4D4D4"/>
+                      </a:solidFill>
+                      <a:prstDash val="solid"/>
+                      <a:round/>
+                      <a:headEnd type="none" w="med" len="med"/>
+                      <a:tailEnd type="none" w="med" len="med"/>
+                    </a:lnL>
+                    <a:lnR w="9525" cap="flat" cmpd="sng" algn="ctr">
+                      <a:solidFill>
+                        <a:srgbClr val="D4D4D4"/>
+                      </a:solidFill>
+                      <a:prstDash val="solid"/>
+                      <a:round/>
+                      <a:headEnd type="none" w="med" len="med"/>
+                      <a:tailEnd type="none" w="med" len="med"/>
+                    </a:lnR>
+                    <a:lnT w="9525" cap="flat" cmpd="sng" algn="ctr">
+                      <a:solidFill>
+                        <a:srgbClr val="D4D4D4"/>
+                      </a:solidFill>
+                      <a:prstDash val="solid"/>
+                      <a:round/>
+                      <a:headEnd type="none" w="med" len="med"/>
+                      <a:tailEnd type="none" w="med" len="med"/>
+                    </a:lnT>
+                    <a:lnB w="9525" cap="flat" cmpd="sng" algn="ctr">
+                      <a:solidFill>
+                        <a:srgbClr val="D4D4D4"/>
+                      </a:solidFill>
+                      <a:prstDash val="solid"/>
+                      <a:round/>
+                      <a:headEnd type="none" w="med" len="med"/>
+                      <a:tailEnd type="none" w="med" len="med"/>
+                    </a:lnB>
+                    <a:solidFill>
+                      <a:srgbClr val="F6F4F0"/>
+                    </a:solidFill>
+                  </a:tcPr>
+                </a:tc>
+                <a:tc>
+                  <a:txBody>
+                    <a:bodyPr/>
+                    <a:lstStyle/>
+                    <a:p>
+                      <a:pPr fontAlgn="t"/>
+                      <a:r>
+                        <a:rPr lang="en-US" sz="1400">
+                          <a:effectLst/>
+                          <a:latin typeface="华文宋体" panose="02010600040101010101" pitchFamily="2" charset="-122"/>
+                          <a:ea typeface="华文宋体" panose="02010600040101010101" pitchFamily="2" charset="-122"/>
+                        </a:rPr>
+                        <a:t>ISO/IEC TR 18015:2006</a:t>
+                      </a:r>
+                    </a:p>
+                  </a:txBody>
+                  <a:tcPr marL="22124" marR="22124" marT="30974" marB="30974">
+                    <a:lnL w="9525" cap="flat" cmpd="sng" algn="ctr">
+                      <a:solidFill>
+                        <a:srgbClr val="D4D4D4"/>
+                      </a:solidFill>
+                      <a:prstDash val="solid"/>
+                      <a:round/>
+                      <a:headEnd type="none" w="med" len="med"/>
+                      <a:tailEnd type="none" w="med" len="med"/>
+                    </a:lnL>
+                    <a:lnR w="9525" cap="flat" cmpd="sng" algn="ctr">
+                      <a:solidFill>
+                        <a:srgbClr val="D4D4D4"/>
+                      </a:solidFill>
+                      <a:prstDash val="solid"/>
+                      <a:round/>
+                      <a:headEnd type="none" w="med" len="med"/>
+                      <a:tailEnd type="none" w="med" len="med"/>
+                    </a:lnR>
+                    <a:lnT w="9525" cap="flat" cmpd="sng" algn="ctr">
+                      <a:solidFill>
+                        <a:srgbClr val="D4D4D4"/>
+                      </a:solidFill>
+                      <a:prstDash val="solid"/>
+                      <a:round/>
+                      <a:headEnd type="none" w="med" len="med"/>
+                      <a:tailEnd type="none" w="med" len="med"/>
+                    </a:lnT>
+                    <a:lnB w="9525" cap="flat" cmpd="sng" algn="ctr">
+                      <a:solidFill>
+                        <a:srgbClr val="D4D4D4"/>
+                      </a:solidFill>
+                      <a:prstDash val="solid"/>
+                      <a:round/>
+                      <a:headEnd type="none" w="med" len="med"/>
+                      <a:tailEnd type="none" w="med" len="med"/>
+                    </a:lnB>
+                    <a:solidFill>
+                      <a:srgbClr val="F6F4F0"/>
+                    </a:solidFill>
+                  </a:tcPr>
+                </a:tc>
+                <a:tc>
+                  <a:txBody>
+                    <a:bodyPr/>
+                    <a:lstStyle/>
+                    <a:p>
+                      <a:pPr fontAlgn="t"/>
+                      <a:r>
+                        <a:rPr lang="en-US" altLang="zh-CN" sz="1400">
+                          <a:effectLst/>
+                          <a:latin typeface="华文宋体" panose="02010600040101010101" pitchFamily="2" charset="-122"/>
+                          <a:ea typeface="华文宋体" panose="02010600040101010101" pitchFamily="2" charset="-122"/>
+                        </a:rPr>
+                        <a:t>-</a:t>
+                      </a:r>
+                    </a:p>
+                  </a:txBody>
+                  <a:tcPr marL="22124" marR="22124" marT="30974" marB="30974">
+                    <a:lnL w="9525" cap="flat" cmpd="sng" algn="ctr">
+                      <a:solidFill>
+                        <a:srgbClr val="D4D4D4"/>
+                      </a:solidFill>
+                      <a:prstDash val="solid"/>
+                      <a:round/>
+                      <a:headEnd type="none" w="med" len="med"/>
+                      <a:tailEnd type="none" w="med" len="med"/>
+                    </a:lnL>
+                    <a:lnR w="9525" cap="flat" cmpd="sng" algn="ctr">
+                      <a:solidFill>
+                        <a:srgbClr val="D4D4D4"/>
+                      </a:solidFill>
+                      <a:prstDash val="solid"/>
+                      <a:round/>
+                      <a:headEnd type="none" w="med" len="med"/>
+                      <a:tailEnd type="none" w="med" len="med"/>
+                    </a:lnR>
+                    <a:lnT w="9525" cap="flat" cmpd="sng" algn="ctr">
+                      <a:solidFill>
+                        <a:srgbClr val="D4D4D4"/>
+                      </a:solidFill>
+                      <a:prstDash val="solid"/>
+                      <a:round/>
+                      <a:headEnd type="none" w="med" len="med"/>
+                      <a:tailEnd type="none" w="med" len="med"/>
+                    </a:lnT>
+                    <a:lnB w="9525" cap="flat" cmpd="sng" algn="ctr">
+                      <a:solidFill>
+                        <a:srgbClr val="D4D4D4"/>
+                      </a:solidFill>
+                      <a:prstDash val="solid"/>
+                      <a:round/>
+                      <a:headEnd type="none" w="med" len="med"/>
+                      <a:tailEnd type="none" w="med" len="med"/>
+                    </a:lnB>
+                    <a:solidFill>
+                      <a:srgbClr val="F6F4F0"/>
+                    </a:solidFill>
+                  </a:tcPr>
+                </a:tc>
+                <a:tc>
+                  <a:txBody>
+                    <a:bodyPr/>
+                    <a:lstStyle/>
+                    <a:p>
+                      <a:pPr fontAlgn="t"/>
+                      <a:r>
+                        <a:rPr lang="en-US" altLang="zh-CN" sz="1400" dirty="0">
+                          <a:effectLst/>
+                          <a:latin typeface="华文宋体" panose="02010600040101010101" pitchFamily="2" charset="-122"/>
+                          <a:ea typeface="华文宋体" panose="02010600040101010101" pitchFamily="2" charset="-122"/>
+                        </a:rPr>
+                        <a:t>C++</a:t>
+                      </a:r>
+                      <a:r>
+                        <a:rPr lang="zh-CN" altLang="en-US" sz="1400" dirty="0">
+                          <a:effectLst/>
+                          <a:latin typeface="华文宋体" panose="02010600040101010101" pitchFamily="2" charset="-122"/>
+                          <a:ea typeface="华文宋体" panose="02010600040101010101" pitchFamily="2" charset="-122"/>
+                        </a:rPr>
+                        <a:t>性能技术报告</a:t>
+                      </a:r>
+                    </a:p>
+                  </a:txBody>
+                  <a:tcPr marL="22124" marR="22124" marT="30974" marB="30974">
+                    <a:lnL w="9525" cap="flat" cmpd="sng" algn="ctr">
+                      <a:solidFill>
+                        <a:srgbClr val="D4D4D4"/>
+                      </a:solidFill>
+                      <a:prstDash val="solid"/>
+                      <a:round/>
+                      <a:headEnd type="none" w="med" len="med"/>
+                      <a:tailEnd type="none" w="med" len="med"/>
+                    </a:lnL>
+                    <a:lnR w="9525" cap="flat" cmpd="sng" algn="ctr">
+                      <a:solidFill>
+                        <a:srgbClr val="D4D4D4"/>
+                      </a:solidFill>
+                      <a:prstDash val="solid"/>
+                      <a:round/>
+                      <a:headEnd type="none" w="med" len="med"/>
+                      <a:tailEnd type="none" w="med" len="med"/>
+                    </a:lnR>
+                    <a:lnT w="9525" cap="flat" cmpd="sng" algn="ctr">
+                      <a:solidFill>
+                        <a:srgbClr val="D4D4D4"/>
+                      </a:solidFill>
+                      <a:prstDash val="solid"/>
+                      <a:round/>
+                      <a:headEnd type="none" w="med" len="med"/>
+                      <a:tailEnd type="none" w="med" len="med"/>
+                    </a:lnT>
+                    <a:lnB w="9525" cap="flat" cmpd="sng" algn="ctr">
+                      <a:solidFill>
+                        <a:srgbClr val="D4D4D4"/>
+                      </a:solidFill>
+                      <a:prstDash val="solid"/>
+                      <a:round/>
+                      <a:headEnd type="none" w="med" len="med"/>
+                      <a:tailEnd type="none" w="med" len="med"/>
+                    </a:lnB>
+                    <a:solidFill>
+                      <a:srgbClr val="F6F4F0"/>
+                    </a:solidFill>
+                  </a:tcPr>
+                </a:tc>
+                <a:extLst>
+                  <a:ext uri="{0D108BD9-81ED-4DB2-BD59-A6C34878D82A}">
+                    <a16:rowId xmlns:a16="http://schemas.microsoft.com/office/drawing/2014/main" val="2746321355"/>
+                  </a:ext>
+                </a:extLst>
+              </a:tr>
+              <a:tr h="316822">
+                <a:tc>
+                  <a:txBody>
+                    <a:bodyPr/>
+                    <a:lstStyle/>
+                    <a:p>
+                      <a:pPr fontAlgn="t"/>
+                      <a:r>
+                        <a:rPr lang="en-US" altLang="zh-CN" sz="1400">
+                          <a:effectLst/>
+                          <a:latin typeface="华文宋体" panose="02010600040101010101" pitchFamily="2" charset="-122"/>
+                          <a:ea typeface="华文宋体" panose="02010600040101010101" pitchFamily="2" charset="-122"/>
+                        </a:rPr>
+                        <a:t>2003</a:t>
+                      </a:r>
+                    </a:p>
+                  </a:txBody>
+                  <a:tcPr marL="22124" marR="22124" marT="30974" marB="30974">
+                    <a:lnL w="9525" cap="flat" cmpd="sng" algn="ctr">
+                      <a:solidFill>
+                        <a:srgbClr val="D4D4D4"/>
+                      </a:solidFill>
+                      <a:prstDash val="solid"/>
+                      <a:round/>
+                      <a:headEnd type="none" w="med" len="med"/>
+                      <a:tailEnd type="none" w="med" len="med"/>
+                    </a:lnL>
+                    <a:lnR w="9525" cap="flat" cmpd="sng" algn="ctr">
+                      <a:solidFill>
+                        <a:srgbClr val="D4D4D4"/>
+                      </a:solidFill>
+                      <a:prstDash val="solid"/>
+                      <a:round/>
+                      <a:headEnd type="none" w="med" len="med"/>
+                      <a:tailEnd type="none" w="med" len="med"/>
+                    </a:lnR>
+                    <a:lnT w="9525" cap="flat" cmpd="sng" algn="ctr">
+                      <a:solidFill>
+                        <a:srgbClr val="D4D4D4"/>
+                      </a:solidFill>
+                      <a:prstDash val="solid"/>
+                      <a:round/>
+                      <a:headEnd type="none" w="med" len="med"/>
+                      <a:tailEnd type="none" w="med" len="med"/>
+                    </a:lnT>
+                    <a:lnB w="9525" cap="flat" cmpd="sng" algn="ctr">
+                      <a:solidFill>
+                        <a:srgbClr val="D4D4D4"/>
+                      </a:solidFill>
+                      <a:prstDash val="solid"/>
+                      <a:round/>
+                      <a:headEnd type="none" w="med" len="med"/>
+                      <a:tailEnd type="none" w="med" len="med"/>
+                    </a:lnB>
+                    <a:solidFill>
+                      <a:srgbClr val="FFFFFF"/>
+                    </a:solidFill>
+                  </a:tcPr>
+                </a:tc>
+                <a:tc>
+                  <a:txBody>
+                    <a:bodyPr/>
+                    <a:lstStyle/>
+                    <a:p>
+                      <a:pPr fontAlgn="t"/>
+                      <a:r>
+                        <a:rPr lang="en-US" sz="1400">
+                          <a:effectLst/>
+                          <a:latin typeface="华文宋体" panose="02010600040101010101" pitchFamily="2" charset="-122"/>
+                          <a:ea typeface="华文宋体" panose="02010600040101010101" pitchFamily="2" charset="-122"/>
+                        </a:rPr>
+                        <a:t>ISO/IEC 14882:2003</a:t>
+                      </a:r>
+                    </a:p>
+                  </a:txBody>
+                  <a:tcPr marL="22124" marR="22124" marT="30974" marB="30974">
+                    <a:lnL w="9525" cap="flat" cmpd="sng" algn="ctr">
+                      <a:solidFill>
+                        <a:srgbClr val="D4D4D4"/>
+                      </a:solidFill>
+                      <a:prstDash val="solid"/>
+                      <a:round/>
+                      <a:headEnd type="none" w="med" len="med"/>
+                      <a:tailEnd type="none" w="med" len="med"/>
+                    </a:lnL>
+                    <a:lnR w="9525" cap="flat" cmpd="sng" algn="ctr">
+                      <a:solidFill>
+                        <a:srgbClr val="D4D4D4"/>
+                      </a:solidFill>
+                      <a:prstDash val="solid"/>
+                      <a:round/>
+                      <a:headEnd type="none" w="med" len="med"/>
+                      <a:tailEnd type="none" w="med" len="med"/>
+                    </a:lnR>
+                    <a:lnT w="9525" cap="flat" cmpd="sng" algn="ctr">
+                      <a:solidFill>
+                        <a:srgbClr val="D4D4D4"/>
+                      </a:solidFill>
+                      <a:prstDash val="solid"/>
+                      <a:round/>
+                      <a:headEnd type="none" w="med" len="med"/>
+                      <a:tailEnd type="none" w="med" len="med"/>
+                    </a:lnT>
+                    <a:lnB w="9525" cap="flat" cmpd="sng" algn="ctr">
+                      <a:solidFill>
+                        <a:srgbClr val="D4D4D4"/>
+                      </a:solidFill>
+                      <a:prstDash val="solid"/>
+                      <a:round/>
+                      <a:headEnd type="none" w="med" len="med"/>
+                      <a:tailEnd type="none" w="med" len="med"/>
+                    </a:lnB>
+                    <a:solidFill>
+                      <a:srgbClr val="FFFFFF"/>
+                    </a:solidFill>
+                  </a:tcPr>
+                </a:tc>
+                <a:tc>
+                  <a:txBody>
+                    <a:bodyPr/>
+                    <a:lstStyle/>
+                    <a:p>
+                      <a:pPr fontAlgn="t"/>
+                      <a:r>
+                        <a:rPr lang="en-US" sz="1400">
+                          <a:effectLst/>
+                          <a:latin typeface="华文宋体" panose="02010600040101010101" pitchFamily="2" charset="-122"/>
+                          <a:ea typeface="华文宋体" panose="02010600040101010101" pitchFamily="2" charset="-122"/>
+                        </a:rPr>
+                        <a:t>C++03</a:t>
+                      </a:r>
+                    </a:p>
+                  </a:txBody>
+                  <a:tcPr marL="22124" marR="22124" marT="30974" marB="30974">
+                    <a:lnL w="9525" cap="flat" cmpd="sng" algn="ctr">
+                      <a:solidFill>
+                        <a:srgbClr val="D4D4D4"/>
+                      </a:solidFill>
+                      <a:prstDash val="solid"/>
+                      <a:round/>
+                      <a:headEnd type="none" w="med" len="med"/>
+                      <a:tailEnd type="none" w="med" len="med"/>
+                    </a:lnL>
+                    <a:lnR w="9525" cap="flat" cmpd="sng" algn="ctr">
+                      <a:solidFill>
+                        <a:srgbClr val="D4D4D4"/>
+                      </a:solidFill>
+                      <a:prstDash val="solid"/>
+                      <a:round/>
+                      <a:headEnd type="none" w="med" len="med"/>
+                      <a:tailEnd type="none" w="med" len="med"/>
+                    </a:lnR>
+                    <a:lnT w="9525" cap="flat" cmpd="sng" algn="ctr">
+                      <a:solidFill>
+                        <a:srgbClr val="D4D4D4"/>
+                      </a:solidFill>
+                      <a:prstDash val="solid"/>
+                      <a:round/>
+                      <a:headEnd type="none" w="med" len="med"/>
+                      <a:tailEnd type="none" w="med" len="med"/>
+                    </a:lnT>
+                    <a:lnB w="9525" cap="flat" cmpd="sng" algn="ctr">
+                      <a:solidFill>
+                        <a:srgbClr val="D4D4D4"/>
+                      </a:solidFill>
+                      <a:prstDash val="solid"/>
+                      <a:round/>
+                      <a:headEnd type="none" w="med" len="med"/>
+                      <a:tailEnd type="none" w="med" len="med"/>
+                    </a:lnB>
+                    <a:solidFill>
+                      <a:srgbClr val="FFFFFF"/>
+                    </a:solidFill>
+                  </a:tcPr>
+                </a:tc>
+                <a:tc>
+                  <a:txBody>
+                    <a:bodyPr/>
+                    <a:lstStyle/>
+                    <a:p>
+                      <a:pPr fontAlgn="t"/>
+                      <a:r>
+                        <a:rPr lang="zh-CN" altLang="en-US" sz="1400" dirty="0">
+                          <a:effectLst/>
+                          <a:latin typeface="华文宋体" panose="02010600040101010101" pitchFamily="2" charset="-122"/>
+                          <a:ea typeface="华文宋体" panose="02010600040101010101" pitchFamily="2" charset="-122"/>
+                        </a:rPr>
+                        <a:t>第二个</a:t>
+                      </a:r>
+                      <a:r>
+                        <a:rPr lang="en-US" sz="1400" dirty="0">
+                          <a:effectLst/>
+                          <a:latin typeface="华文宋体" panose="02010600040101010101" pitchFamily="2" charset="-122"/>
+                          <a:ea typeface="华文宋体" panose="02010600040101010101" pitchFamily="2" charset="-122"/>
+                        </a:rPr>
+                        <a:t>C++</a:t>
+                      </a:r>
+                      <a:r>
+                        <a:rPr lang="zh-CN" altLang="en-US" sz="1400" dirty="0">
+                          <a:effectLst/>
+                          <a:latin typeface="华文宋体" panose="02010600040101010101" pitchFamily="2" charset="-122"/>
+                          <a:ea typeface="华文宋体" panose="02010600040101010101" pitchFamily="2" charset="-122"/>
+                        </a:rPr>
+                        <a:t>标准</a:t>
+                      </a:r>
+                    </a:p>
+                  </a:txBody>
+                  <a:tcPr marL="22124" marR="22124" marT="30974" marB="30974">
+                    <a:lnL w="9525" cap="flat" cmpd="sng" algn="ctr">
+                      <a:solidFill>
+                        <a:srgbClr val="D4D4D4"/>
+                      </a:solidFill>
+                      <a:prstDash val="solid"/>
+                      <a:round/>
+                      <a:headEnd type="none" w="med" len="med"/>
+                      <a:tailEnd type="none" w="med" len="med"/>
+                    </a:lnL>
+                    <a:lnR w="9525" cap="flat" cmpd="sng" algn="ctr">
+                      <a:solidFill>
+                        <a:srgbClr val="D4D4D4"/>
+                      </a:solidFill>
+                      <a:prstDash val="solid"/>
+                      <a:round/>
+                      <a:headEnd type="none" w="med" len="med"/>
+                      <a:tailEnd type="none" w="med" len="med"/>
+                    </a:lnR>
+                    <a:lnT w="9525" cap="flat" cmpd="sng" algn="ctr">
+                      <a:solidFill>
+                        <a:srgbClr val="D4D4D4"/>
+                      </a:solidFill>
+                      <a:prstDash val="solid"/>
+                      <a:round/>
+                      <a:headEnd type="none" w="med" len="med"/>
+                      <a:tailEnd type="none" w="med" len="med"/>
+                    </a:lnT>
+                    <a:lnB w="9525" cap="flat" cmpd="sng" algn="ctr">
+                      <a:solidFill>
+                        <a:srgbClr val="D4D4D4"/>
+                      </a:solidFill>
+                      <a:prstDash val="solid"/>
+                      <a:round/>
+                      <a:headEnd type="none" w="med" len="med"/>
+                      <a:tailEnd type="none" w="med" len="med"/>
+                    </a:lnB>
+                    <a:solidFill>
+                      <a:srgbClr val="FFFFFF"/>
+                    </a:solidFill>
+                  </a:tcPr>
+                </a:tc>
+                <a:extLst>
+                  <a:ext uri="{0D108BD9-81ED-4DB2-BD59-A6C34878D82A}">
+                    <a16:rowId xmlns:a16="http://schemas.microsoft.com/office/drawing/2014/main" val="3906726505"/>
+                  </a:ext>
+                </a:extLst>
+              </a:tr>
+              <a:tr h="316822">
+                <a:tc>
+                  <a:txBody>
+                    <a:bodyPr/>
+                    <a:lstStyle/>
+                    <a:p>
+                      <a:pPr fontAlgn="t"/>
+                      <a:r>
+                        <a:rPr lang="en-US" altLang="zh-CN" sz="1400">
+                          <a:effectLst/>
+                          <a:latin typeface="华文宋体" panose="02010600040101010101" pitchFamily="2" charset="-122"/>
+                          <a:ea typeface="华文宋体" panose="02010600040101010101" pitchFamily="2" charset="-122"/>
+                        </a:rPr>
+                        <a:t>1998</a:t>
+                      </a:r>
+                    </a:p>
+                  </a:txBody>
+                  <a:tcPr marL="22124" marR="22124" marT="30974" marB="30974">
+                    <a:lnL w="9525" cap="flat" cmpd="sng" algn="ctr">
+                      <a:solidFill>
+                        <a:srgbClr val="D4D4D4"/>
+                      </a:solidFill>
+                      <a:prstDash val="solid"/>
+                      <a:round/>
+                      <a:headEnd type="none" w="med" len="med"/>
+                      <a:tailEnd type="none" w="med" len="med"/>
+                    </a:lnL>
+                    <a:lnR w="9525" cap="flat" cmpd="sng" algn="ctr">
+                      <a:solidFill>
+                        <a:srgbClr val="D4D4D4"/>
+                      </a:solidFill>
+                      <a:prstDash val="solid"/>
+                      <a:round/>
+                      <a:headEnd type="none" w="med" len="med"/>
+                      <a:tailEnd type="none" w="med" len="med"/>
+                    </a:lnR>
+                    <a:lnT w="9525" cap="flat" cmpd="sng" algn="ctr">
+                      <a:solidFill>
+                        <a:srgbClr val="D4D4D4"/>
+                      </a:solidFill>
+                      <a:prstDash val="solid"/>
+                      <a:round/>
+                      <a:headEnd type="none" w="med" len="med"/>
+                      <a:tailEnd type="none" w="med" len="med"/>
+                    </a:lnT>
+                    <a:lnB w="9525" cap="flat" cmpd="sng" algn="ctr">
+                      <a:solidFill>
+                        <a:srgbClr val="D4D4D4"/>
+                      </a:solidFill>
+                      <a:prstDash val="solid"/>
+                      <a:round/>
+                      <a:headEnd type="none" w="med" len="med"/>
+                      <a:tailEnd type="none" w="med" len="med"/>
+                    </a:lnB>
+                    <a:solidFill>
+                      <a:srgbClr val="F6F4F0"/>
+                    </a:solidFill>
+                  </a:tcPr>
+                </a:tc>
+                <a:tc>
+                  <a:txBody>
+                    <a:bodyPr/>
+                    <a:lstStyle/>
+                    <a:p>
+                      <a:pPr fontAlgn="t"/>
+                      <a:r>
+                        <a:rPr lang="en-US" sz="1400">
+                          <a:effectLst/>
+                          <a:latin typeface="华文宋体" panose="02010600040101010101" pitchFamily="2" charset="-122"/>
+                          <a:ea typeface="华文宋体" panose="02010600040101010101" pitchFamily="2" charset="-122"/>
+                        </a:rPr>
+                        <a:t>ISO/IEC 14882:1998</a:t>
+                      </a:r>
+                    </a:p>
+                  </a:txBody>
+                  <a:tcPr marL="22124" marR="22124" marT="30974" marB="30974">
+                    <a:lnL w="9525" cap="flat" cmpd="sng" algn="ctr">
+                      <a:solidFill>
+                        <a:srgbClr val="D4D4D4"/>
+                      </a:solidFill>
+                      <a:prstDash val="solid"/>
+                      <a:round/>
+                      <a:headEnd type="none" w="med" len="med"/>
+                      <a:tailEnd type="none" w="med" len="med"/>
+                    </a:lnL>
+                    <a:lnR w="9525" cap="flat" cmpd="sng" algn="ctr">
+                      <a:solidFill>
+                        <a:srgbClr val="D4D4D4"/>
+                      </a:solidFill>
+                      <a:prstDash val="solid"/>
+                      <a:round/>
+                      <a:headEnd type="none" w="med" len="med"/>
+                      <a:tailEnd type="none" w="med" len="med"/>
+                    </a:lnR>
+                    <a:lnT w="9525" cap="flat" cmpd="sng" algn="ctr">
+                      <a:solidFill>
+                        <a:srgbClr val="D4D4D4"/>
+                      </a:solidFill>
+                      <a:prstDash val="solid"/>
+                      <a:round/>
+                      <a:headEnd type="none" w="med" len="med"/>
+                      <a:tailEnd type="none" w="med" len="med"/>
+                    </a:lnT>
+                    <a:lnB w="9525" cap="flat" cmpd="sng" algn="ctr">
+                      <a:solidFill>
+                        <a:srgbClr val="D4D4D4"/>
+                      </a:solidFill>
+                      <a:prstDash val="solid"/>
+                      <a:round/>
+                      <a:headEnd type="none" w="med" len="med"/>
+                      <a:tailEnd type="none" w="med" len="med"/>
+                    </a:lnB>
+                    <a:solidFill>
+                      <a:srgbClr val="F6F4F0"/>
+                    </a:solidFill>
+                  </a:tcPr>
+                </a:tc>
+                <a:tc>
+                  <a:txBody>
+                    <a:bodyPr/>
+                    <a:lstStyle/>
+                    <a:p>
+                      <a:pPr fontAlgn="t"/>
+                      <a:r>
+                        <a:rPr lang="en-US" sz="1400">
+                          <a:effectLst/>
+                          <a:latin typeface="华文宋体" panose="02010600040101010101" pitchFamily="2" charset="-122"/>
+                          <a:ea typeface="华文宋体" panose="02010600040101010101" pitchFamily="2" charset="-122"/>
+                        </a:rPr>
+                        <a:t>C++98</a:t>
+                      </a:r>
+                    </a:p>
+                  </a:txBody>
+                  <a:tcPr marL="22124" marR="22124" marT="30974" marB="30974">
+                    <a:lnL w="9525" cap="flat" cmpd="sng" algn="ctr">
+                      <a:solidFill>
+                        <a:srgbClr val="D4D4D4"/>
+                      </a:solidFill>
+                      <a:prstDash val="solid"/>
+                      <a:round/>
+                      <a:headEnd type="none" w="med" len="med"/>
+                      <a:tailEnd type="none" w="med" len="med"/>
+                    </a:lnL>
+                    <a:lnR w="9525" cap="flat" cmpd="sng" algn="ctr">
+                      <a:solidFill>
+                        <a:srgbClr val="D4D4D4"/>
+                      </a:solidFill>
+                      <a:prstDash val="solid"/>
+                      <a:round/>
+                      <a:headEnd type="none" w="med" len="med"/>
+                      <a:tailEnd type="none" w="med" len="med"/>
+                    </a:lnR>
+                    <a:lnT w="9525" cap="flat" cmpd="sng" algn="ctr">
+                      <a:solidFill>
+                        <a:srgbClr val="D4D4D4"/>
+                      </a:solidFill>
+                      <a:prstDash val="solid"/>
+                      <a:round/>
+                      <a:headEnd type="none" w="med" len="med"/>
+                      <a:tailEnd type="none" w="med" len="med"/>
+                    </a:lnT>
+                    <a:lnB w="9525" cap="flat" cmpd="sng" algn="ctr">
+                      <a:solidFill>
+                        <a:srgbClr val="D4D4D4"/>
+                      </a:solidFill>
+                      <a:prstDash val="solid"/>
+                      <a:round/>
+                      <a:headEnd type="none" w="med" len="med"/>
+                      <a:tailEnd type="none" w="med" len="med"/>
+                    </a:lnB>
+                    <a:solidFill>
+                      <a:srgbClr val="F6F4F0"/>
+                    </a:solidFill>
+                  </a:tcPr>
+                </a:tc>
+                <a:tc>
+                  <a:txBody>
+                    <a:bodyPr/>
+                    <a:lstStyle/>
+                    <a:p>
+                      <a:pPr fontAlgn="t"/>
+                      <a:r>
+                        <a:rPr lang="zh-CN" altLang="en-US" sz="1400" dirty="0">
+                          <a:effectLst/>
+                          <a:latin typeface="华文宋体" panose="02010600040101010101" pitchFamily="2" charset="-122"/>
+                          <a:ea typeface="华文宋体" panose="02010600040101010101" pitchFamily="2" charset="-122"/>
+                        </a:rPr>
+                        <a:t>第一个</a:t>
+                      </a:r>
+                      <a:r>
+                        <a:rPr lang="en-US" sz="1400" dirty="0">
+                          <a:effectLst/>
+                          <a:latin typeface="华文宋体" panose="02010600040101010101" pitchFamily="2" charset="-122"/>
+                          <a:ea typeface="华文宋体" panose="02010600040101010101" pitchFamily="2" charset="-122"/>
+                        </a:rPr>
+                        <a:t>C++</a:t>
+                      </a:r>
+                      <a:r>
+                        <a:rPr lang="zh-CN" altLang="en-US" sz="1400" dirty="0">
+                          <a:effectLst/>
+                          <a:latin typeface="华文宋体" panose="02010600040101010101" pitchFamily="2" charset="-122"/>
+                          <a:ea typeface="华文宋体" panose="02010600040101010101" pitchFamily="2" charset="-122"/>
+                        </a:rPr>
+                        <a:t>标准</a:t>
+                      </a:r>
+                    </a:p>
+                  </a:txBody>
+                  <a:tcPr marL="22124" marR="22124" marT="30974" marB="30974">
+                    <a:lnL w="9525" cap="flat" cmpd="sng" algn="ctr">
+                      <a:solidFill>
+                        <a:srgbClr val="D4D4D4"/>
+                      </a:solidFill>
+                      <a:prstDash val="solid"/>
+                      <a:round/>
+                      <a:headEnd type="none" w="med" len="med"/>
+                      <a:tailEnd type="none" w="med" len="med"/>
+                    </a:lnL>
+                    <a:lnR w="9525" cap="flat" cmpd="sng" algn="ctr">
+                      <a:solidFill>
+                        <a:srgbClr val="D4D4D4"/>
+                      </a:solidFill>
+                      <a:prstDash val="solid"/>
+                      <a:round/>
+                      <a:headEnd type="none" w="med" len="med"/>
+                      <a:tailEnd type="none" w="med" len="med"/>
+                    </a:lnR>
+                    <a:lnT w="9525" cap="flat" cmpd="sng" algn="ctr">
+                      <a:solidFill>
+                        <a:srgbClr val="D4D4D4"/>
+                      </a:solidFill>
+                      <a:prstDash val="solid"/>
+                      <a:round/>
+                      <a:headEnd type="none" w="med" len="med"/>
+                      <a:tailEnd type="none" w="med" len="med"/>
+                    </a:lnT>
+                    <a:lnB w="9525" cap="flat" cmpd="sng" algn="ctr">
+                      <a:solidFill>
+                        <a:srgbClr val="D4D4D4"/>
+                      </a:solidFill>
+                      <a:prstDash val="solid"/>
+                      <a:round/>
+                      <a:headEnd type="none" w="med" len="med"/>
+                      <a:tailEnd type="none" w="med" len="med"/>
+                    </a:lnB>
+                    <a:solidFill>
+                      <a:srgbClr val="F6F4F0"/>
+                    </a:solidFill>
+                  </a:tcPr>
+                </a:tc>
+                <a:extLst>
+                  <a:ext uri="{0D108BD9-81ED-4DB2-BD59-A6C34878D82A}">
+                    <a16:rowId xmlns:a16="http://schemas.microsoft.com/office/drawing/2014/main" val="2891839347"/>
+                  </a:ext>
+                </a:extLst>
+              </a:tr>
+            </a:tbl>
+          </a:graphicData>
+        </a:graphic>
+      </p:graphicFrame>
     </p:spTree>
     <p:extLst>
       <p:ext uri="{BB962C8B-B14F-4D97-AF65-F5344CB8AC3E}">
-        <p14:creationId xmlns:p14="http://schemas.microsoft.com/office/powerpoint/2010/main" val="532271199"/>
+        <p14:creationId xmlns:p14="http://schemas.microsoft.com/office/powerpoint/2010/main" val="293855020"/>
       </p:ext>
     </p:extLst>
   </p:cSld>
@@ -4964,78 +8434,694 @@
           <a:lstStyle/>
           <a:p>
             <a:r>
-              <a:rPr lang="zh-CN" altLang="en-US" dirty="0"/>
-              <a:t>探寻</a:t>
-            </a:r>
-            <a:r>
               <a:rPr lang="en-US" altLang="zh-CN" dirty="0"/>
-              <a:t>C++</a:t>
-            </a:r>
-            <a:r>
-              <a:rPr lang="zh-CN" altLang="en-US" dirty="0"/>
-              <a:t>本质</a:t>
-            </a:r>
-          </a:p>
-        </p:txBody>
-      </p:sp>
-      <p:sp>
-        <p:nvSpPr>
-          <p:cNvPr id="3" name="内容占位符 2"/>
-          <p:cNvSpPr>
-            <a:spLocks noGrp="1"/>
-          </p:cNvSpPr>
-          <p:nvPr>
-            <p:ph idx="1"/>
-          </p:nvPr>
-        </p:nvSpPr>
-        <p:spPr/>
-        <p:txBody>
-          <a:bodyPr/>
+              <a:t>Hello WORLD</a:t>
+            </a:r>
+            <a:endParaRPr lang="zh-CN" altLang="en-US" dirty="0"/>
+          </a:p>
+        </p:txBody>
+      </p:sp>
+      <p:sp>
+        <p:nvSpPr>
+          <p:cNvPr id="4" name="矩形 3"/>
+          <p:cNvSpPr/>
+          <p:nvPr/>
+        </p:nvSpPr>
+        <p:spPr>
+          <a:xfrm>
+            <a:off x="1451579" y="2015836"/>
+            <a:ext cx="4970003" cy="2379519"/>
+          </a:xfrm>
+          <a:prstGeom prst="rect">
+            <a:avLst/>
+          </a:prstGeom>
+          <a:solidFill>
+            <a:schemeClr val="accent5">
+              <a:lumMod val="20000"/>
+              <a:lumOff val="80000"/>
+            </a:schemeClr>
+          </a:solidFill>
+        </p:spPr>
+        <p:style>
+          <a:lnRef idx="2">
+            <a:schemeClr val="accent1">
+              <a:shade val="50000"/>
+            </a:schemeClr>
+          </a:lnRef>
+          <a:fillRef idx="1">
+            <a:schemeClr val="accent1"/>
+          </a:fillRef>
+          <a:effectRef idx="0">
+            <a:schemeClr val="accent1"/>
+          </a:effectRef>
+          <a:fontRef idx="minor">
+            <a:schemeClr val="lt1"/>
+          </a:fontRef>
+        </p:style>
+        <p:txBody>
+          <a:bodyPr rtlCol="0" anchor="t" anchorCtr="0"/>
           <a:lstStyle/>
           <a:p>
             <a:r>
-              <a:rPr lang="zh-CN" altLang="en-US" dirty="0"/>
-              <a:t>位操作</a:t>
-            </a:r>
-            <a:endParaRPr lang="en-US" altLang="zh-CN" dirty="0"/>
-          </a:p>
-          <a:p>
-            <a:pPr lvl="1"/>
-            <a:r>
-              <a:rPr lang="zh-CN" altLang="en-US" dirty="0"/>
-              <a:t>左移</a:t>
-            </a:r>
-            <a:endParaRPr lang="en-US" altLang="zh-CN" dirty="0"/>
-          </a:p>
-          <a:p>
-            <a:pPr lvl="1"/>
-            <a:r>
-              <a:rPr lang="zh-CN" altLang="en-US" dirty="0"/>
-              <a:t>右移</a:t>
-            </a:r>
-            <a:endParaRPr lang="en-US" altLang="zh-CN" dirty="0"/>
-          </a:p>
-          <a:p>
-            <a:pPr lvl="1"/>
-            <a:r>
-              <a:rPr lang="zh-CN" altLang="en-US" dirty="0"/>
-              <a:t>设置</a:t>
-            </a:r>
-            <a:endParaRPr lang="en-US" altLang="zh-CN" dirty="0"/>
-          </a:p>
-          <a:p>
-            <a:pPr lvl="1"/>
-            <a:r>
-              <a:rPr lang="zh-CN" altLang="en-US" dirty="0"/>
-              <a:t>清除</a:t>
-            </a:r>
-            <a:endParaRPr lang="en-US" altLang="zh-CN" dirty="0"/>
-          </a:p>
-          <a:p>
-            <a:pPr lvl="1"/>
-            <a:r>
-              <a:rPr lang="zh-CN" altLang="en-US" dirty="0"/>
-              <a:t>检查</a:t>
+              <a:rPr lang="en-US" altLang="zh-CN" sz="1400" dirty="0">
+                <a:solidFill>
+                  <a:srgbClr val="000000"/>
+                </a:solidFill>
+                <a:latin typeface="Consolas" panose="020B0609020204030204" pitchFamily="49" charset="0"/>
+              </a:rPr>
+              <a:t>#include </a:t>
+            </a:r>
+            <a:r>
+              <a:rPr lang="en-US" altLang="zh-CN" sz="1400" dirty="0">
+                <a:solidFill>
+                  <a:srgbClr val="8B0000"/>
+                </a:solidFill>
+                <a:latin typeface="Consolas" panose="020B0609020204030204" pitchFamily="49" charset="0"/>
+              </a:rPr>
+              <a:t>&lt;</a:t>
+            </a:r>
+            <a:r>
+              <a:rPr lang="en-US" altLang="zh-CN" sz="1400" dirty="0" err="1">
+                <a:solidFill>
+                  <a:srgbClr val="AA1111"/>
+                </a:solidFill>
+                <a:latin typeface="Consolas" panose="020B0609020204030204" pitchFamily="49" charset="0"/>
+              </a:rPr>
+              <a:t>iostream</a:t>
+            </a:r>
+            <a:r>
+              <a:rPr lang="en-US" altLang="zh-CN" sz="1400" dirty="0">
+                <a:solidFill>
+                  <a:srgbClr val="8B0000"/>
+                </a:solidFill>
+                <a:latin typeface="Consolas" panose="020B0609020204030204" pitchFamily="49" charset="0"/>
+              </a:rPr>
+              <a:t>&gt;</a:t>
+            </a:r>
+            <a:r>
+              <a:rPr lang="en-US" altLang="zh-CN" sz="1400" dirty="0">
+                <a:solidFill>
+                  <a:srgbClr val="808080"/>
+                </a:solidFill>
+                <a:latin typeface="Consolas" panose="020B0609020204030204" pitchFamily="49" charset="0"/>
+              </a:rPr>
+              <a:t> </a:t>
+            </a:r>
+          </a:p>
+          <a:p>
+            <a:r>
+              <a:rPr lang="en-US" altLang="zh-CN" sz="1400" dirty="0">
+                <a:solidFill>
+                  <a:srgbClr val="008000"/>
+                </a:solidFill>
+                <a:latin typeface="Consolas" panose="020B0609020204030204" pitchFamily="49" charset="0"/>
+              </a:rPr>
+              <a:t>using</a:t>
+            </a:r>
+            <a:r>
+              <a:rPr lang="en-US" altLang="zh-CN" sz="1400" dirty="0">
+                <a:solidFill>
+                  <a:srgbClr val="808080"/>
+                </a:solidFill>
+                <a:latin typeface="Consolas" panose="020B0609020204030204" pitchFamily="49" charset="0"/>
+              </a:rPr>
+              <a:t> </a:t>
+            </a:r>
+            <a:r>
+              <a:rPr lang="en-US" altLang="zh-CN" sz="1400" dirty="0">
+                <a:solidFill>
+                  <a:srgbClr val="000000"/>
+                </a:solidFill>
+                <a:latin typeface="Consolas" panose="020B0609020204030204" pitchFamily="49" charset="0"/>
+              </a:rPr>
+              <a:t>namespace</a:t>
+            </a:r>
+            <a:r>
+              <a:rPr lang="en-US" altLang="zh-CN" sz="1400" dirty="0">
+                <a:solidFill>
+                  <a:srgbClr val="808080"/>
+                </a:solidFill>
+                <a:latin typeface="Consolas" panose="020B0609020204030204" pitchFamily="49" charset="0"/>
+              </a:rPr>
+              <a:t> </a:t>
+            </a:r>
+            <a:r>
+              <a:rPr lang="en-US" altLang="zh-CN" sz="1400" dirty="0" err="1">
+                <a:solidFill>
+                  <a:srgbClr val="0055AA"/>
+                </a:solidFill>
+                <a:latin typeface="Consolas" panose="020B0609020204030204" pitchFamily="49" charset="0"/>
+              </a:rPr>
+              <a:t>std</a:t>
+            </a:r>
+            <a:r>
+              <a:rPr lang="en-US" altLang="zh-CN" sz="1400" dirty="0">
+                <a:solidFill>
+                  <a:srgbClr val="808080"/>
+                </a:solidFill>
+                <a:latin typeface="Consolas" panose="020B0609020204030204" pitchFamily="49" charset="0"/>
+              </a:rPr>
+              <a:t>; </a:t>
+            </a:r>
+          </a:p>
+          <a:p>
+            <a:r>
+              <a:rPr lang="en-US" altLang="zh-CN" sz="1400" dirty="0">
+                <a:solidFill>
+                  <a:srgbClr val="AA5500"/>
+                </a:solidFill>
+                <a:latin typeface="Consolas" panose="020B0609020204030204" pitchFamily="49" charset="0"/>
+              </a:rPr>
+              <a:t>// main() </a:t>
+            </a:r>
+            <a:r>
+              <a:rPr lang="zh-CN" altLang="en-US" sz="1400" dirty="0">
+                <a:solidFill>
+                  <a:srgbClr val="AA5500"/>
+                </a:solidFill>
+                <a:latin typeface="Consolas" panose="020B0609020204030204" pitchFamily="49" charset="0"/>
+              </a:rPr>
+              <a:t>是程序开始执行的地方</a:t>
+            </a:r>
+            <a:r>
+              <a:rPr lang="zh-CN" altLang="en-US" sz="1400" dirty="0">
+                <a:solidFill>
+                  <a:srgbClr val="808080"/>
+                </a:solidFill>
+                <a:latin typeface="Consolas" panose="020B0609020204030204" pitchFamily="49" charset="0"/>
+              </a:rPr>
+              <a:t> </a:t>
+            </a:r>
+            <a:endParaRPr lang="en-US" altLang="zh-CN" sz="1400" dirty="0">
+              <a:solidFill>
+                <a:srgbClr val="808080"/>
+              </a:solidFill>
+              <a:latin typeface="Consolas" panose="020B0609020204030204" pitchFamily="49" charset="0"/>
+            </a:endParaRPr>
+          </a:p>
+          <a:p>
+            <a:r>
+              <a:rPr lang="en-US" altLang="zh-CN" sz="1400" dirty="0" err="1">
+                <a:solidFill>
+                  <a:srgbClr val="000000"/>
+                </a:solidFill>
+                <a:latin typeface="Consolas" panose="020B0609020204030204" pitchFamily="49" charset="0"/>
+              </a:rPr>
+              <a:t>int</a:t>
+            </a:r>
+            <a:r>
+              <a:rPr lang="en-US" altLang="zh-CN" sz="1400" dirty="0">
+                <a:solidFill>
+                  <a:srgbClr val="808080"/>
+                </a:solidFill>
+                <a:latin typeface="Consolas" panose="020B0609020204030204" pitchFamily="49" charset="0"/>
+              </a:rPr>
+              <a:t> </a:t>
+            </a:r>
+            <a:r>
+              <a:rPr lang="en-US" altLang="zh-CN" sz="1400" dirty="0">
+                <a:solidFill>
+                  <a:srgbClr val="0055AA"/>
+                </a:solidFill>
+                <a:latin typeface="Consolas" panose="020B0609020204030204" pitchFamily="49" charset="0"/>
+              </a:rPr>
+              <a:t>main</a:t>
+            </a:r>
+            <a:r>
+              <a:rPr lang="en-US" altLang="zh-CN" sz="1400" dirty="0">
+                <a:solidFill>
+                  <a:srgbClr val="808000"/>
+                </a:solidFill>
+                <a:latin typeface="Consolas" panose="020B0609020204030204" pitchFamily="49" charset="0"/>
+              </a:rPr>
+              <a:t>()</a:t>
+            </a:r>
+            <a:r>
+              <a:rPr lang="en-US" altLang="zh-CN" sz="1400" dirty="0">
+                <a:solidFill>
+                  <a:srgbClr val="808080"/>
+                </a:solidFill>
+                <a:latin typeface="Consolas" panose="020B0609020204030204" pitchFamily="49" charset="0"/>
+              </a:rPr>
+              <a:t> </a:t>
+            </a:r>
+          </a:p>
+          <a:p>
+            <a:r>
+              <a:rPr lang="en-US" altLang="zh-CN" sz="1400" dirty="0">
+                <a:solidFill>
+                  <a:srgbClr val="808000"/>
+                </a:solidFill>
+                <a:latin typeface="Consolas" panose="020B0609020204030204" pitchFamily="49" charset="0"/>
+              </a:rPr>
+              <a:t>{</a:t>
+            </a:r>
+            <a:r>
+              <a:rPr lang="en-US" altLang="zh-CN" sz="1400" dirty="0">
+                <a:solidFill>
+                  <a:srgbClr val="808080"/>
+                </a:solidFill>
+                <a:latin typeface="Consolas" panose="020B0609020204030204" pitchFamily="49" charset="0"/>
+              </a:rPr>
+              <a:t> </a:t>
+            </a:r>
+          </a:p>
+          <a:p>
+            <a:r>
+              <a:rPr lang="en-US" altLang="zh-CN" sz="1400" dirty="0">
+                <a:solidFill>
+                  <a:srgbClr val="808080"/>
+                </a:solidFill>
+                <a:latin typeface="Consolas" panose="020B0609020204030204" pitchFamily="49" charset="0"/>
+              </a:rPr>
+              <a:t>	</a:t>
+            </a:r>
+            <a:r>
+              <a:rPr lang="en-US" altLang="zh-CN" sz="1400" dirty="0" err="1">
+                <a:solidFill>
+                  <a:srgbClr val="0055AA"/>
+                </a:solidFill>
+                <a:latin typeface="Consolas" panose="020B0609020204030204" pitchFamily="49" charset="0"/>
+              </a:rPr>
+              <a:t>cout</a:t>
+            </a:r>
+            <a:r>
+              <a:rPr lang="en-US" altLang="zh-CN" sz="1400" dirty="0">
+                <a:solidFill>
+                  <a:srgbClr val="808080"/>
+                </a:solidFill>
+                <a:latin typeface="Consolas" panose="020B0609020204030204" pitchFamily="49" charset="0"/>
+              </a:rPr>
+              <a:t> &lt;&lt; </a:t>
+            </a:r>
+            <a:r>
+              <a:rPr lang="en-US" altLang="zh-CN" sz="1400" dirty="0">
+                <a:solidFill>
+                  <a:srgbClr val="8B0000"/>
+                </a:solidFill>
+                <a:latin typeface="Consolas" panose="020B0609020204030204" pitchFamily="49" charset="0"/>
+              </a:rPr>
+              <a:t>"</a:t>
+            </a:r>
+            <a:r>
+              <a:rPr lang="en-US" altLang="zh-CN" sz="1400" dirty="0">
+                <a:solidFill>
+                  <a:srgbClr val="AA1111"/>
+                </a:solidFill>
+                <a:latin typeface="Consolas" panose="020B0609020204030204" pitchFamily="49" charset="0"/>
+              </a:rPr>
+              <a:t>Hello World</a:t>
+            </a:r>
+            <a:r>
+              <a:rPr lang="en-US" altLang="zh-CN" sz="1400" dirty="0">
+                <a:solidFill>
+                  <a:srgbClr val="8B0000"/>
+                </a:solidFill>
+                <a:latin typeface="Consolas" panose="020B0609020204030204" pitchFamily="49" charset="0"/>
+              </a:rPr>
+              <a:t>"</a:t>
+            </a:r>
+            <a:r>
+              <a:rPr lang="en-US" altLang="zh-CN" sz="1400" dirty="0">
+                <a:solidFill>
+                  <a:srgbClr val="808080"/>
+                </a:solidFill>
+                <a:latin typeface="Consolas" panose="020B0609020204030204" pitchFamily="49" charset="0"/>
+              </a:rPr>
+              <a:t>; </a:t>
+            </a:r>
+            <a:r>
+              <a:rPr lang="en-US" altLang="zh-CN" sz="1400" dirty="0">
+                <a:solidFill>
+                  <a:srgbClr val="AA5500"/>
+                </a:solidFill>
+                <a:latin typeface="Consolas" panose="020B0609020204030204" pitchFamily="49" charset="0"/>
+              </a:rPr>
+              <a:t>// </a:t>
+            </a:r>
+            <a:r>
+              <a:rPr lang="zh-CN" altLang="en-US" sz="1400" dirty="0">
+                <a:solidFill>
+                  <a:srgbClr val="AA5500"/>
+                </a:solidFill>
+                <a:latin typeface="Consolas" panose="020B0609020204030204" pitchFamily="49" charset="0"/>
+              </a:rPr>
+              <a:t>输出 </a:t>
+            </a:r>
+            <a:r>
+              <a:rPr lang="en-US" altLang="zh-CN" sz="1400" dirty="0">
+                <a:solidFill>
+                  <a:srgbClr val="AA5500"/>
+                </a:solidFill>
+                <a:latin typeface="Consolas" panose="020B0609020204030204" pitchFamily="49" charset="0"/>
+              </a:rPr>
+              <a:t>Hello World</a:t>
+            </a:r>
+          </a:p>
+          <a:p>
+            <a:r>
+              <a:rPr lang="en-US" altLang="zh-CN" sz="1400" dirty="0">
+                <a:solidFill>
+                  <a:srgbClr val="AA5500"/>
+                </a:solidFill>
+                <a:latin typeface="Consolas" panose="020B0609020204030204" pitchFamily="49" charset="0"/>
+              </a:rPr>
+              <a:t>	</a:t>
+            </a:r>
+            <a:r>
+              <a:rPr lang="en-US" altLang="zh-CN" sz="1400" dirty="0">
+                <a:solidFill>
+                  <a:srgbClr val="008000"/>
+                </a:solidFill>
+                <a:latin typeface="Consolas" panose="020B0609020204030204" pitchFamily="49" charset="0"/>
+              </a:rPr>
+              <a:t>return</a:t>
+            </a:r>
+            <a:r>
+              <a:rPr lang="en-US" altLang="zh-CN" sz="1400" dirty="0">
+                <a:solidFill>
+                  <a:srgbClr val="808080"/>
+                </a:solidFill>
+                <a:latin typeface="Consolas" panose="020B0609020204030204" pitchFamily="49" charset="0"/>
+              </a:rPr>
+              <a:t> </a:t>
+            </a:r>
+            <a:r>
+              <a:rPr lang="en-US" altLang="zh-CN" sz="1400" dirty="0">
+                <a:solidFill>
+                  <a:srgbClr val="800000"/>
+                </a:solidFill>
+                <a:latin typeface="Consolas" panose="020B0609020204030204" pitchFamily="49" charset="0"/>
+              </a:rPr>
+              <a:t>0</a:t>
+            </a:r>
+            <a:r>
+              <a:rPr lang="en-US" altLang="zh-CN" sz="1400" dirty="0">
+                <a:solidFill>
+                  <a:srgbClr val="808080"/>
+                </a:solidFill>
+                <a:latin typeface="Consolas" panose="020B0609020204030204" pitchFamily="49" charset="0"/>
+              </a:rPr>
+              <a:t>; </a:t>
+            </a:r>
+          </a:p>
+          <a:p>
+            <a:r>
+              <a:rPr lang="en-US" altLang="zh-CN" sz="1400" dirty="0">
+                <a:solidFill>
+                  <a:srgbClr val="808000"/>
+                </a:solidFill>
+                <a:latin typeface="Consolas" panose="020B0609020204030204" pitchFamily="49" charset="0"/>
+              </a:rPr>
+              <a:t>}</a:t>
+            </a:r>
+            <a:endParaRPr lang="zh-CN" altLang="en-US" sz="1400" dirty="0">
+              <a:latin typeface="Consolas" panose="020B0609020204030204" pitchFamily="49" charset="0"/>
+            </a:endParaRPr>
+          </a:p>
+        </p:txBody>
+      </p:sp>
+      <p:sp>
+        <p:nvSpPr>
+          <p:cNvPr id="5" name="矩形 4"/>
+          <p:cNvSpPr/>
+          <p:nvPr/>
+        </p:nvSpPr>
+        <p:spPr>
+          <a:xfrm>
+            <a:off x="6868391" y="2015836"/>
+            <a:ext cx="4186463" cy="3148446"/>
+          </a:xfrm>
+          <a:prstGeom prst="rect">
+            <a:avLst/>
+          </a:prstGeom>
+          <a:noFill/>
+        </p:spPr>
+        <p:style>
+          <a:lnRef idx="2">
+            <a:schemeClr val="accent1">
+              <a:shade val="50000"/>
+            </a:schemeClr>
+          </a:lnRef>
+          <a:fillRef idx="1">
+            <a:schemeClr val="accent1"/>
+          </a:fillRef>
+          <a:effectRef idx="0">
+            <a:schemeClr val="accent1"/>
+          </a:effectRef>
+          <a:fontRef idx="minor">
+            <a:schemeClr val="lt1"/>
+          </a:fontRef>
+        </p:style>
+        <p:txBody>
+          <a:bodyPr rtlCol="0" anchor="t" anchorCtr="0"/>
+          <a:lstStyle/>
+          <a:p>
+            <a:r>
+              <a:rPr lang="zh-CN" altLang="en-US" dirty="0">
+                <a:solidFill>
+                  <a:schemeClr val="tx1">
+                    <a:lumMod val="65000"/>
+                    <a:lumOff val="35000"/>
+                  </a:schemeClr>
+                </a:solidFill>
+              </a:rPr>
+              <a:t>程序要素</a:t>
+            </a:r>
+            <a:endParaRPr lang="en-US" altLang="zh-CN" dirty="0">
+              <a:solidFill>
+                <a:schemeClr val="tx1">
+                  <a:lumMod val="65000"/>
+                  <a:lumOff val="35000"/>
+                </a:schemeClr>
+              </a:solidFill>
+            </a:endParaRPr>
+          </a:p>
+          <a:p>
+            <a:endParaRPr lang="en-US" altLang="zh-CN" dirty="0">
+              <a:solidFill>
+                <a:schemeClr val="tx1">
+                  <a:lumMod val="65000"/>
+                  <a:lumOff val="35000"/>
+                </a:schemeClr>
+              </a:solidFill>
+            </a:endParaRPr>
+          </a:p>
+          <a:p>
+            <a:pPr marL="285750" indent="-285750">
+              <a:buFont typeface="Arial" panose="020B0604020202020204" pitchFamily="34" charset="0"/>
+              <a:buChar char="•"/>
+            </a:pPr>
+            <a:r>
+              <a:rPr lang="zh-CN" altLang="en-US" dirty="0">
+                <a:solidFill>
+                  <a:schemeClr val="tx1">
+                    <a:lumMod val="65000"/>
+                    <a:lumOff val="35000"/>
+                  </a:schemeClr>
+                </a:solidFill>
+              </a:rPr>
+              <a:t>包含头文件</a:t>
+            </a:r>
+            <a:endParaRPr lang="en-US" altLang="zh-CN" dirty="0">
+              <a:solidFill>
+                <a:schemeClr val="tx1">
+                  <a:lumMod val="65000"/>
+                  <a:lumOff val="35000"/>
+                </a:schemeClr>
+              </a:solidFill>
+            </a:endParaRPr>
+          </a:p>
+          <a:p>
+            <a:pPr marL="285750" indent="-285750">
+              <a:buFont typeface="Arial" panose="020B0604020202020204" pitchFamily="34" charset="0"/>
+              <a:buChar char="•"/>
+            </a:pPr>
+            <a:r>
+              <a:rPr lang="zh-CN" altLang="en-US" dirty="0">
+                <a:solidFill>
+                  <a:schemeClr val="tx1">
+                    <a:lumMod val="65000"/>
+                    <a:lumOff val="35000"/>
+                  </a:schemeClr>
+                </a:solidFill>
+              </a:rPr>
+              <a:t>命名空间</a:t>
+            </a:r>
+            <a:endParaRPr lang="en-US" altLang="zh-CN" dirty="0">
+              <a:solidFill>
+                <a:schemeClr val="tx1">
+                  <a:lumMod val="65000"/>
+                  <a:lumOff val="35000"/>
+                </a:schemeClr>
+              </a:solidFill>
+            </a:endParaRPr>
+          </a:p>
+          <a:p>
+            <a:pPr marL="285750" indent="-285750">
+              <a:buFont typeface="Arial" panose="020B0604020202020204" pitchFamily="34" charset="0"/>
+              <a:buChar char="•"/>
+            </a:pPr>
+            <a:r>
+              <a:rPr lang="zh-CN" altLang="en-US" dirty="0">
+                <a:solidFill>
+                  <a:schemeClr val="tx1">
+                    <a:lumMod val="65000"/>
+                    <a:lumOff val="35000"/>
+                  </a:schemeClr>
+                </a:solidFill>
+              </a:rPr>
+              <a:t>函数</a:t>
+            </a:r>
+            <a:endParaRPr lang="en-US" altLang="zh-CN" dirty="0">
+              <a:solidFill>
+                <a:schemeClr val="tx1">
+                  <a:lumMod val="65000"/>
+                  <a:lumOff val="35000"/>
+                </a:schemeClr>
+              </a:solidFill>
+            </a:endParaRPr>
+          </a:p>
+          <a:p>
+            <a:pPr marL="742950" lvl="1" indent="-285750">
+              <a:buFont typeface="Arial" panose="020B0604020202020204" pitchFamily="34" charset="0"/>
+              <a:buChar char="•"/>
+            </a:pPr>
+            <a:r>
+              <a:rPr lang="zh-CN" altLang="en-US" dirty="0">
+                <a:solidFill>
+                  <a:schemeClr val="tx1">
+                    <a:lumMod val="65000"/>
+                    <a:lumOff val="35000"/>
+                  </a:schemeClr>
+                </a:solidFill>
+              </a:rPr>
+              <a:t>函数类型</a:t>
+            </a:r>
+            <a:endParaRPr lang="en-US" altLang="zh-CN" dirty="0">
+              <a:solidFill>
+                <a:schemeClr val="tx1">
+                  <a:lumMod val="65000"/>
+                  <a:lumOff val="35000"/>
+                </a:schemeClr>
+              </a:solidFill>
+            </a:endParaRPr>
+          </a:p>
+          <a:p>
+            <a:pPr marL="742950" lvl="1" indent="-285750">
+              <a:buFont typeface="Arial" panose="020B0604020202020204" pitchFamily="34" charset="0"/>
+              <a:buChar char="•"/>
+            </a:pPr>
+            <a:r>
+              <a:rPr lang="zh-CN" altLang="en-US" dirty="0">
+                <a:solidFill>
+                  <a:schemeClr val="tx1">
+                    <a:lumMod val="65000"/>
+                    <a:lumOff val="35000"/>
+                  </a:schemeClr>
+                </a:solidFill>
+              </a:rPr>
+              <a:t>函数名</a:t>
+            </a:r>
+            <a:endParaRPr lang="en-US" altLang="zh-CN" dirty="0">
+              <a:solidFill>
+                <a:schemeClr val="tx1">
+                  <a:lumMod val="65000"/>
+                  <a:lumOff val="35000"/>
+                </a:schemeClr>
+              </a:solidFill>
+            </a:endParaRPr>
+          </a:p>
+          <a:p>
+            <a:pPr marL="742950" lvl="1" indent="-285750">
+              <a:buFont typeface="Arial" panose="020B0604020202020204" pitchFamily="34" charset="0"/>
+              <a:buChar char="•"/>
+            </a:pPr>
+            <a:r>
+              <a:rPr lang="zh-CN" altLang="en-US" dirty="0">
+                <a:solidFill>
+                  <a:schemeClr val="tx1">
+                    <a:lumMod val="65000"/>
+                    <a:lumOff val="35000"/>
+                  </a:schemeClr>
+                </a:solidFill>
+              </a:rPr>
+              <a:t>参数</a:t>
+            </a:r>
+            <a:endParaRPr lang="en-US" altLang="zh-CN" dirty="0">
+              <a:solidFill>
+                <a:schemeClr val="tx1">
+                  <a:lumMod val="65000"/>
+                  <a:lumOff val="35000"/>
+                </a:schemeClr>
+              </a:solidFill>
+            </a:endParaRPr>
+          </a:p>
+          <a:p>
+            <a:pPr marL="742950" lvl="1" indent="-285750">
+              <a:buFont typeface="Arial" panose="020B0604020202020204" pitchFamily="34" charset="0"/>
+              <a:buChar char="•"/>
+            </a:pPr>
+            <a:r>
+              <a:rPr lang="zh-CN" altLang="en-US" dirty="0">
+                <a:solidFill>
+                  <a:schemeClr val="tx1">
+                    <a:lumMod val="65000"/>
+                    <a:lumOff val="35000"/>
+                  </a:schemeClr>
+                </a:solidFill>
+              </a:rPr>
+              <a:t>函数体</a:t>
+            </a:r>
+            <a:endParaRPr lang="en-US" altLang="zh-CN" dirty="0">
+              <a:solidFill>
+                <a:schemeClr val="tx1">
+                  <a:lumMod val="65000"/>
+                  <a:lumOff val="35000"/>
+                </a:schemeClr>
+              </a:solidFill>
+            </a:endParaRPr>
+          </a:p>
+          <a:p>
+            <a:pPr marL="1200150" lvl="2" indent="-285750">
+              <a:buFont typeface="Arial" panose="020B0604020202020204" pitchFamily="34" charset="0"/>
+              <a:buChar char="•"/>
+            </a:pPr>
+            <a:r>
+              <a:rPr lang="zh-CN" altLang="en-US" dirty="0">
+                <a:solidFill>
+                  <a:schemeClr val="tx1">
+                    <a:lumMod val="65000"/>
+                    <a:lumOff val="35000"/>
+                  </a:schemeClr>
+                </a:solidFill>
+              </a:rPr>
+              <a:t>算法</a:t>
+            </a:r>
+            <a:endParaRPr lang="en-US" altLang="zh-CN" dirty="0">
+              <a:solidFill>
+                <a:schemeClr val="tx1">
+                  <a:lumMod val="65000"/>
+                  <a:lumOff val="35000"/>
+                </a:schemeClr>
+              </a:solidFill>
+            </a:endParaRPr>
+          </a:p>
+          <a:p>
+            <a:pPr marL="1200150" lvl="2" indent="-285750">
+              <a:buFont typeface="Arial" panose="020B0604020202020204" pitchFamily="34" charset="0"/>
+              <a:buChar char="•"/>
+            </a:pPr>
+            <a:r>
+              <a:rPr lang="zh-CN" altLang="en-US" dirty="0">
+                <a:solidFill>
+                  <a:schemeClr val="tx1">
+                    <a:lumMod val="65000"/>
+                    <a:lumOff val="35000"/>
+                  </a:schemeClr>
+                </a:solidFill>
+              </a:rPr>
+              <a:t>返回值</a:t>
             </a:r>
           </a:p>
         </p:txBody>
@@ -5043,7 +9129,7 @@
     </p:spTree>
     <p:extLst>
       <p:ext uri="{BB962C8B-B14F-4D97-AF65-F5344CB8AC3E}">
-        <p14:creationId xmlns:p14="http://schemas.microsoft.com/office/powerpoint/2010/main" val="2212456058"/>
+        <p14:creationId xmlns:p14="http://schemas.microsoft.com/office/powerpoint/2010/main" val="2631016013"/>
       </p:ext>
     </p:extLst>
   </p:cSld>
@@ -5086,99 +9172,660 @@
           <a:lstStyle/>
           <a:p>
             <a:r>
-              <a:rPr lang="zh-CN" altLang="en-US" dirty="0"/>
-              <a:t>探寻</a:t>
-            </a:r>
-            <a:r>
               <a:rPr lang="en-US" altLang="zh-CN" dirty="0"/>
               <a:t>C++</a:t>
             </a:r>
             <a:r>
               <a:rPr lang="zh-CN" altLang="en-US" dirty="0"/>
-              <a:t>本质</a:t>
-            </a:r>
-          </a:p>
-        </p:txBody>
-      </p:sp>
-      <p:sp>
-        <p:nvSpPr>
-          <p:cNvPr id="3" name="内容占位符 2"/>
-          <p:cNvSpPr>
-            <a:spLocks noGrp="1"/>
-          </p:cNvSpPr>
-          <p:nvPr>
-            <p:ph idx="1"/>
-          </p:nvPr>
-        </p:nvSpPr>
-        <p:spPr/>
-        <p:txBody>
-          <a:bodyPr/>
+              <a:t>中的类型</a:t>
+            </a:r>
+          </a:p>
+        </p:txBody>
+      </p:sp>
+      <p:sp>
+        <p:nvSpPr>
+          <p:cNvPr id="4" name="矩形: 圆角 3"/>
+          <p:cNvSpPr/>
+          <p:nvPr/>
+        </p:nvSpPr>
+        <p:spPr>
+          <a:xfrm>
+            <a:off x="3588329" y="2442180"/>
+            <a:ext cx="1371600" cy="550718"/>
+          </a:xfrm>
+          <a:prstGeom prst="roundRect">
+            <a:avLst/>
+          </a:prstGeom>
+          <a:solidFill>
+            <a:schemeClr val="accent4">
+              <a:lumMod val="60000"/>
+              <a:lumOff val="40000"/>
+            </a:schemeClr>
+          </a:solidFill>
+          <a:ln>
+            <a:solidFill>
+              <a:schemeClr val="tx1">
+                <a:lumMod val="50000"/>
+                <a:lumOff val="50000"/>
+              </a:schemeClr>
+            </a:solidFill>
+          </a:ln>
+        </p:spPr>
+        <p:style>
+          <a:lnRef idx="2">
+            <a:schemeClr val="accent1">
+              <a:shade val="50000"/>
+            </a:schemeClr>
+          </a:lnRef>
+          <a:fillRef idx="1">
+            <a:schemeClr val="accent1"/>
+          </a:fillRef>
+          <a:effectRef idx="0">
+            <a:schemeClr val="accent1"/>
+          </a:effectRef>
+          <a:fontRef idx="minor">
+            <a:schemeClr val="lt1"/>
+          </a:fontRef>
+        </p:style>
+        <p:txBody>
+          <a:bodyPr rtlCol="0" anchor="ctr"/>
           <a:lstStyle/>
           <a:p>
+            <a:pPr algn="ctr"/>
             <a:r>
               <a:rPr lang="zh-CN" altLang="en-US" dirty="0"/>
-              <a:t>数值问题</a:t>
+              <a:t>一字节</a:t>
             </a:r>
             <a:endParaRPr lang="en-US" altLang="zh-CN" dirty="0"/>
           </a:p>
-          <a:p>
-            <a:pPr lvl="1"/>
+        </p:txBody>
+      </p:sp>
+      <p:sp>
+        <p:nvSpPr>
+          <p:cNvPr id="5" name="矩形: 圆角 4"/>
+          <p:cNvSpPr/>
+          <p:nvPr/>
+        </p:nvSpPr>
+        <p:spPr>
+          <a:xfrm>
+            <a:off x="3588329" y="3081929"/>
+            <a:ext cx="1371600" cy="550718"/>
+          </a:xfrm>
+          <a:prstGeom prst="roundRect">
+            <a:avLst/>
+          </a:prstGeom>
+          <a:solidFill>
+            <a:schemeClr val="accent4">
+              <a:lumMod val="60000"/>
+              <a:lumOff val="40000"/>
+            </a:schemeClr>
+          </a:solidFill>
+          <a:ln>
+            <a:solidFill>
+              <a:schemeClr val="tx1">
+                <a:lumMod val="50000"/>
+                <a:lumOff val="50000"/>
+              </a:schemeClr>
+            </a:solidFill>
+          </a:ln>
+        </p:spPr>
+        <p:style>
+          <a:lnRef idx="2">
+            <a:schemeClr val="accent1">
+              <a:shade val="50000"/>
+            </a:schemeClr>
+          </a:lnRef>
+          <a:fillRef idx="1">
+            <a:schemeClr val="accent1"/>
+          </a:fillRef>
+          <a:effectRef idx="0">
+            <a:schemeClr val="accent1"/>
+          </a:effectRef>
+          <a:fontRef idx="minor">
+            <a:schemeClr val="lt1"/>
+          </a:fontRef>
+        </p:style>
+        <p:txBody>
+          <a:bodyPr rtlCol="0" anchor="ctr"/>
+          <a:lstStyle/>
+          <a:p>
+            <a:pPr algn="ctr"/>
             <a:r>
               <a:rPr lang="zh-CN" altLang="en-US" dirty="0"/>
-              <a:t>整数溢出</a:t>
+              <a:t>二字节</a:t>
             </a:r>
             <a:endParaRPr lang="en-US" altLang="zh-CN" dirty="0"/>
           </a:p>
-          <a:p>
-            <a:pPr lvl="1"/>
+        </p:txBody>
+      </p:sp>
+      <p:sp>
+        <p:nvSpPr>
+          <p:cNvPr id="6" name="矩形: 圆角 5"/>
+          <p:cNvSpPr/>
+          <p:nvPr/>
+        </p:nvSpPr>
+        <p:spPr>
+          <a:xfrm>
+            <a:off x="3588329" y="3721678"/>
+            <a:ext cx="1371600" cy="550718"/>
+          </a:xfrm>
+          <a:prstGeom prst="roundRect">
+            <a:avLst/>
+          </a:prstGeom>
+          <a:solidFill>
+            <a:schemeClr val="accent4">
+              <a:lumMod val="60000"/>
+              <a:lumOff val="40000"/>
+            </a:schemeClr>
+          </a:solidFill>
+          <a:ln>
+            <a:solidFill>
+              <a:schemeClr val="tx1">
+                <a:lumMod val="50000"/>
+                <a:lumOff val="50000"/>
+              </a:schemeClr>
+            </a:solidFill>
+          </a:ln>
+        </p:spPr>
+        <p:style>
+          <a:lnRef idx="2">
+            <a:schemeClr val="accent1">
+              <a:shade val="50000"/>
+            </a:schemeClr>
+          </a:lnRef>
+          <a:fillRef idx="1">
+            <a:schemeClr val="accent1"/>
+          </a:fillRef>
+          <a:effectRef idx="0">
+            <a:schemeClr val="accent1"/>
+          </a:effectRef>
+          <a:fontRef idx="minor">
+            <a:schemeClr val="lt1"/>
+          </a:fontRef>
+        </p:style>
+        <p:txBody>
+          <a:bodyPr rtlCol="0" anchor="ctr"/>
+          <a:lstStyle/>
+          <a:p>
+            <a:pPr algn="ctr"/>
             <a:r>
               <a:rPr lang="zh-CN" altLang="en-US" dirty="0"/>
-              <a:t>浮点精度</a:t>
+              <a:t>四字节</a:t>
             </a:r>
             <a:endParaRPr lang="en-US" altLang="zh-CN" dirty="0"/>
           </a:p>
-          <a:p>
-            <a:pPr lvl="2"/>
+        </p:txBody>
+      </p:sp>
+      <p:sp>
+        <p:nvSpPr>
+          <p:cNvPr id="7" name="矩形: 圆角 6"/>
+          <p:cNvSpPr/>
+          <p:nvPr/>
+        </p:nvSpPr>
+        <p:spPr>
+          <a:xfrm>
+            <a:off x="3588329" y="4361427"/>
+            <a:ext cx="1371600" cy="550718"/>
+          </a:xfrm>
+          <a:prstGeom prst="roundRect">
+            <a:avLst/>
+          </a:prstGeom>
+          <a:solidFill>
+            <a:schemeClr val="accent4">
+              <a:lumMod val="60000"/>
+              <a:lumOff val="40000"/>
+            </a:schemeClr>
+          </a:solidFill>
+          <a:ln>
+            <a:solidFill>
+              <a:schemeClr val="tx1">
+                <a:lumMod val="50000"/>
+                <a:lumOff val="50000"/>
+              </a:schemeClr>
+            </a:solidFill>
+          </a:ln>
+        </p:spPr>
+        <p:style>
+          <a:lnRef idx="2">
+            <a:schemeClr val="accent1">
+              <a:shade val="50000"/>
+            </a:schemeClr>
+          </a:lnRef>
+          <a:fillRef idx="1">
+            <a:schemeClr val="accent1"/>
+          </a:fillRef>
+          <a:effectRef idx="0">
+            <a:schemeClr val="accent1"/>
+          </a:effectRef>
+          <a:fontRef idx="minor">
+            <a:schemeClr val="lt1"/>
+          </a:fontRef>
+        </p:style>
+        <p:txBody>
+          <a:bodyPr rtlCol="0" anchor="ctr"/>
+          <a:lstStyle/>
+          <a:p>
+            <a:pPr algn="ctr"/>
             <a:r>
               <a:rPr lang="zh-CN" altLang="en-US" dirty="0"/>
-              <a:t>字面值转浮点值</a:t>
+              <a:t>八字节</a:t>
             </a:r>
             <a:endParaRPr lang="en-US" altLang="zh-CN" dirty="0"/>
           </a:p>
-          <a:p>
-            <a:pPr lvl="2"/>
+        </p:txBody>
+      </p:sp>
+      <p:sp>
+        <p:nvSpPr>
+          <p:cNvPr id="9" name="矩形: 圆角 8"/>
+          <p:cNvSpPr/>
+          <p:nvPr/>
+        </p:nvSpPr>
+        <p:spPr>
+          <a:xfrm>
+            <a:off x="6608621" y="3721678"/>
+            <a:ext cx="1371600" cy="550718"/>
+          </a:xfrm>
+          <a:prstGeom prst="roundRect">
+            <a:avLst/>
+          </a:prstGeom>
+          <a:solidFill>
+            <a:schemeClr val="accent4">
+              <a:lumMod val="60000"/>
+              <a:lumOff val="40000"/>
+            </a:schemeClr>
+          </a:solidFill>
+          <a:ln>
+            <a:solidFill>
+              <a:schemeClr val="tx1">
+                <a:lumMod val="50000"/>
+                <a:lumOff val="50000"/>
+              </a:schemeClr>
+            </a:solidFill>
+          </a:ln>
+        </p:spPr>
+        <p:style>
+          <a:lnRef idx="2">
+            <a:schemeClr val="accent1">
+              <a:shade val="50000"/>
+            </a:schemeClr>
+          </a:lnRef>
+          <a:fillRef idx="1">
+            <a:schemeClr val="accent1"/>
+          </a:fillRef>
+          <a:effectRef idx="0">
+            <a:schemeClr val="accent1"/>
+          </a:effectRef>
+          <a:fontRef idx="minor">
+            <a:schemeClr val="lt1"/>
+          </a:fontRef>
+        </p:style>
+        <p:txBody>
+          <a:bodyPr rtlCol="0" anchor="ctr"/>
+          <a:lstStyle/>
+          <a:p>
+            <a:pPr algn="ctr"/>
             <a:r>
               <a:rPr lang="zh-CN" altLang="en-US" dirty="0"/>
-              <a:t>浮点数比较</a:t>
+              <a:t>长整型</a:t>
             </a:r>
             <a:endParaRPr lang="en-US" altLang="zh-CN" dirty="0"/>
           </a:p>
-          <a:p>
-            <a:pPr lvl="1"/>
+        </p:txBody>
+      </p:sp>
+      <p:sp>
+        <p:nvSpPr>
+          <p:cNvPr id="11" name="矩形: 圆角 10"/>
+          <p:cNvSpPr/>
+          <p:nvPr/>
+        </p:nvSpPr>
+        <p:spPr>
+          <a:xfrm>
+            <a:off x="6608621" y="3081929"/>
+            <a:ext cx="1371600" cy="550718"/>
+          </a:xfrm>
+          <a:prstGeom prst="roundRect">
+            <a:avLst/>
+          </a:prstGeom>
+          <a:solidFill>
+            <a:schemeClr val="accent4">
+              <a:lumMod val="60000"/>
+              <a:lumOff val="40000"/>
+            </a:schemeClr>
+          </a:solidFill>
+          <a:ln>
+            <a:solidFill>
+              <a:schemeClr val="tx1">
+                <a:lumMod val="50000"/>
+                <a:lumOff val="50000"/>
+              </a:schemeClr>
+            </a:solidFill>
+          </a:ln>
+        </p:spPr>
+        <p:style>
+          <a:lnRef idx="2">
+            <a:schemeClr val="accent1">
+              <a:shade val="50000"/>
+            </a:schemeClr>
+          </a:lnRef>
+          <a:fillRef idx="1">
+            <a:schemeClr val="accent1"/>
+          </a:fillRef>
+          <a:effectRef idx="0">
+            <a:schemeClr val="accent1"/>
+          </a:effectRef>
+          <a:fontRef idx="minor">
+            <a:schemeClr val="lt1"/>
+          </a:fontRef>
+        </p:style>
+        <p:txBody>
+          <a:bodyPr rtlCol="0" anchor="ctr"/>
+          <a:lstStyle/>
+          <a:p>
+            <a:pPr algn="ctr"/>
             <a:r>
               <a:rPr lang="zh-CN" altLang="en-US" dirty="0"/>
-              <a:t>类型转换</a:t>
+              <a:t>整型</a:t>
             </a:r>
             <a:endParaRPr lang="en-US" altLang="zh-CN" dirty="0"/>
           </a:p>
-          <a:p>
-            <a:pPr lvl="1"/>
+        </p:txBody>
+      </p:sp>
+      <p:sp>
+        <p:nvSpPr>
+          <p:cNvPr id="12" name="矩形: 圆角 11"/>
+          <p:cNvSpPr/>
+          <p:nvPr/>
+        </p:nvSpPr>
+        <p:spPr>
+          <a:xfrm>
+            <a:off x="5098475" y="2442180"/>
+            <a:ext cx="1371600" cy="550718"/>
+          </a:xfrm>
+          <a:prstGeom prst="roundRect">
+            <a:avLst/>
+          </a:prstGeom>
+          <a:solidFill>
+            <a:schemeClr val="accent4">
+              <a:lumMod val="60000"/>
+              <a:lumOff val="40000"/>
+            </a:schemeClr>
+          </a:solidFill>
+          <a:ln>
+            <a:solidFill>
+              <a:schemeClr val="tx1">
+                <a:lumMod val="50000"/>
+                <a:lumOff val="50000"/>
+              </a:schemeClr>
+            </a:solidFill>
+          </a:ln>
+        </p:spPr>
+        <p:style>
+          <a:lnRef idx="2">
+            <a:schemeClr val="accent1">
+              <a:shade val="50000"/>
+            </a:schemeClr>
+          </a:lnRef>
+          <a:fillRef idx="1">
+            <a:schemeClr val="accent1"/>
+          </a:fillRef>
+          <a:effectRef idx="0">
+            <a:schemeClr val="accent1"/>
+          </a:effectRef>
+          <a:fontRef idx="minor">
+            <a:schemeClr val="lt1"/>
+          </a:fontRef>
+        </p:style>
+        <p:txBody>
+          <a:bodyPr rtlCol="0" anchor="ctr"/>
+          <a:lstStyle/>
+          <a:p>
+            <a:pPr algn="ctr"/>
             <a:r>
               <a:rPr lang="zh-CN" altLang="en-US" dirty="0"/>
-              <a:t>移位操作（左移再右移）</a:t>
+              <a:t>布尔型</a:t>
             </a:r>
             <a:endParaRPr lang="en-US" altLang="zh-CN" dirty="0"/>
           </a:p>
-          <a:p>
-            <a:pPr lvl="2"/>
-            <a:endParaRPr lang="zh-CN" altLang="en-US" dirty="0"/>
+        </p:txBody>
+      </p:sp>
+      <p:sp>
+        <p:nvSpPr>
+          <p:cNvPr id="13" name="矩形: 圆角 12"/>
+          <p:cNvSpPr/>
+          <p:nvPr/>
+        </p:nvSpPr>
+        <p:spPr>
+          <a:xfrm>
+            <a:off x="6608621" y="2442180"/>
+            <a:ext cx="1371600" cy="550718"/>
+          </a:xfrm>
+          <a:prstGeom prst="roundRect">
+            <a:avLst/>
+          </a:prstGeom>
+          <a:solidFill>
+            <a:schemeClr val="accent4">
+              <a:lumMod val="60000"/>
+              <a:lumOff val="40000"/>
+            </a:schemeClr>
+          </a:solidFill>
+          <a:ln>
+            <a:solidFill>
+              <a:schemeClr val="tx1">
+                <a:lumMod val="50000"/>
+                <a:lumOff val="50000"/>
+              </a:schemeClr>
+            </a:solidFill>
+          </a:ln>
+        </p:spPr>
+        <p:style>
+          <a:lnRef idx="2">
+            <a:schemeClr val="accent1">
+              <a:shade val="50000"/>
+            </a:schemeClr>
+          </a:lnRef>
+          <a:fillRef idx="1">
+            <a:schemeClr val="accent1"/>
+          </a:fillRef>
+          <a:effectRef idx="0">
+            <a:schemeClr val="accent1"/>
+          </a:effectRef>
+          <a:fontRef idx="minor">
+            <a:schemeClr val="lt1"/>
+          </a:fontRef>
+        </p:style>
+        <p:txBody>
+          <a:bodyPr rtlCol="0" anchor="ctr"/>
+          <a:lstStyle/>
+          <a:p>
+            <a:pPr algn="ctr"/>
+            <a:r>
+              <a:rPr lang="zh-CN" altLang="en-US" dirty="0"/>
+              <a:t>短整型</a:t>
+            </a:r>
+            <a:endParaRPr lang="en-US" altLang="zh-CN" dirty="0"/>
+          </a:p>
+        </p:txBody>
+      </p:sp>
+      <p:sp>
+        <p:nvSpPr>
+          <p:cNvPr id="14" name="矩形: 圆角 13"/>
+          <p:cNvSpPr/>
+          <p:nvPr/>
+        </p:nvSpPr>
+        <p:spPr>
+          <a:xfrm>
+            <a:off x="5098475" y="4361427"/>
+            <a:ext cx="1371600" cy="550718"/>
+          </a:xfrm>
+          <a:prstGeom prst="roundRect">
+            <a:avLst/>
+          </a:prstGeom>
+          <a:solidFill>
+            <a:schemeClr val="accent4">
+              <a:lumMod val="60000"/>
+              <a:lumOff val="40000"/>
+            </a:schemeClr>
+          </a:solidFill>
+          <a:ln>
+            <a:solidFill>
+              <a:schemeClr val="tx1">
+                <a:lumMod val="50000"/>
+                <a:lumOff val="50000"/>
+              </a:schemeClr>
+            </a:solidFill>
+          </a:ln>
+        </p:spPr>
+        <p:style>
+          <a:lnRef idx="2">
+            <a:schemeClr val="accent1">
+              <a:shade val="50000"/>
+            </a:schemeClr>
+          </a:lnRef>
+          <a:fillRef idx="1">
+            <a:schemeClr val="accent1"/>
+          </a:fillRef>
+          <a:effectRef idx="0">
+            <a:schemeClr val="accent1"/>
+          </a:effectRef>
+          <a:fontRef idx="minor">
+            <a:schemeClr val="lt1"/>
+          </a:fontRef>
+        </p:style>
+        <p:txBody>
+          <a:bodyPr rtlCol="0" anchor="ctr"/>
+          <a:lstStyle/>
+          <a:p>
+            <a:pPr algn="ctr"/>
+            <a:r>
+              <a:rPr lang="zh-CN" altLang="en-US" dirty="0"/>
+              <a:t>单精度</a:t>
+            </a:r>
+            <a:endParaRPr lang="en-US" altLang="zh-CN" dirty="0"/>
+          </a:p>
+        </p:txBody>
+      </p:sp>
+      <p:sp>
+        <p:nvSpPr>
+          <p:cNvPr id="15" name="矩形: 圆角 14"/>
+          <p:cNvSpPr/>
+          <p:nvPr/>
+        </p:nvSpPr>
+        <p:spPr>
+          <a:xfrm>
+            <a:off x="6608621" y="4361427"/>
+            <a:ext cx="1371600" cy="550718"/>
+          </a:xfrm>
+          <a:prstGeom prst="roundRect">
+            <a:avLst/>
+          </a:prstGeom>
+          <a:solidFill>
+            <a:schemeClr val="accent4">
+              <a:lumMod val="60000"/>
+              <a:lumOff val="40000"/>
+            </a:schemeClr>
+          </a:solidFill>
+          <a:ln>
+            <a:solidFill>
+              <a:schemeClr val="tx1">
+                <a:lumMod val="50000"/>
+                <a:lumOff val="50000"/>
+              </a:schemeClr>
+            </a:solidFill>
+          </a:ln>
+        </p:spPr>
+        <p:style>
+          <a:lnRef idx="2">
+            <a:schemeClr val="accent1">
+              <a:shade val="50000"/>
+            </a:schemeClr>
+          </a:lnRef>
+          <a:fillRef idx="1">
+            <a:schemeClr val="accent1"/>
+          </a:fillRef>
+          <a:effectRef idx="0">
+            <a:schemeClr val="accent1"/>
+          </a:effectRef>
+          <a:fontRef idx="minor">
+            <a:schemeClr val="lt1"/>
+          </a:fontRef>
+        </p:style>
+        <p:txBody>
+          <a:bodyPr rtlCol="0" anchor="ctr"/>
+          <a:lstStyle/>
+          <a:p>
+            <a:pPr algn="ctr"/>
+            <a:r>
+              <a:rPr lang="zh-CN" altLang="en-US" dirty="0"/>
+              <a:t>双精度</a:t>
+            </a:r>
+            <a:endParaRPr lang="en-US" altLang="zh-CN" dirty="0"/>
+          </a:p>
+        </p:txBody>
+      </p:sp>
+      <p:sp>
+        <p:nvSpPr>
+          <p:cNvPr id="16" name="矩形: 圆角 15"/>
+          <p:cNvSpPr/>
+          <p:nvPr/>
+        </p:nvSpPr>
+        <p:spPr>
+          <a:xfrm>
+            <a:off x="5098475" y="3081929"/>
+            <a:ext cx="1371600" cy="1190467"/>
+          </a:xfrm>
+          <a:prstGeom prst="roundRect">
+            <a:avLst/>
+          </a:prstGeom>
+          <a:solidFill>
+            <a:schemeClr val="accent4">
+              <a:lumMod val="60000"/>
+              <a:lumOff val="40000"/>
+            </a:schemeClr>
+          </a:solidFill>
+        </p:spPr>
+        <p:style>
+          <a:lnRef idx="2">
+            <a:schemeClr val="accent1">
+              <a:shade val="50000"/>
+            </a:schemeClr>
+          </a:lnRef>
+          <a:fillRef idx="1">
+            <a:schemeClr val="accent1"/>
+          </a:fillRef>
+          <a:effectRef idx="0">
+            <a:schemeClr val="accent1"/>
+          </a:effectRef>
+          <a:fontRef idx="minor">
+            <a:schemeClr val="lt1"/>
+          </a:fontRef>
+        </p:style>
+        <p:txBody>
+          <a:bodyPr rtlCol="0" anchor="ctr"/>
+          <a:lstStyle/>
+          <a:p>
+            <a:pPr algn="ctr"/>
+            <a:r>
+              <a:rPr lang="en-US" altLang="zh-CN" sz="8800" dirty="0">
+                <a:solidFill>
+                  <a:schemeClr val="accent2"/>
+                </a:solidFill>
+                <a:latin typeface="Calisto MT" panose="02040603050505030304" pitchFamily="18" charset="0"/>
+              </a:rPr>
+              <a:t>?</a:t>
+            </a:r>
+            <a:endParaRPr lang="zh-CN" altLang="en-US" sz="8800" dirty="0">
+              <a:solidFill>
+                <a:schemeClr val="accent2"/>
+              </a:solidFill>
+              <a:latin typeface="Calisto MT" panose="02040603050505030304" pitchFamily="18" charset="0"/>
+            </a:endParaRPr>
           </a:p>
         </p:txBody>
       </p:sp>
     </p:spTree>
     <p:extLst>
       <p:ext uri="{BB962C8B-B14F-4D97-AF65-F5344CB8AC3E}">
-        <p14:creationId xmlns:p14="http://schemas.microsoft.com/office/powerpoint/2010/main" val="4155274339"/>
+        <p14:creationId xmlns:p14="http://schemas.microsoft.com/office/powerpoint/2010/main" val="1287627314"/>
       </p:ext>
     </p:extLst>
   </p:cSld>
@@ -5222,124 +9869,766 @@
           <a:p>
             <a:r>
               <a:rPr lang="zh-CN" altLang="en-US" dirty="0"/>
-              <a:t>探寻</a:t>
+              <a:t>数值存储 </a:t>
             </a:r>
             <a:r>
               <a:rPr lang="en-US" altLang="zh-CN" dirty="0"/>
-              <a:t>C++</a:t>
+              <a:t>– </a:t>
             </a:r>
             <a:r>
               <a:rPr lang="zh-CN" altLang="en-US" dirty="0"/>
-              <a:t>本质</a:t>
-            </a:r>
-          </a:p>
-        </p:txBody>
-      </p:sp>
-      <p:sp>
-        <p:nvSpPr>
-          <p:cNvPr id="3" name="内容占位符 2"/>
-          <p:cNvSpPr>
-            <a:spLocks noGrp="1"/>
-          </p:cNvSpPr>
-          <p:nvPr>
-            <p:ph idx="1"/>
-          </p:nvPr>
-        </p:nvSpPr>
-        <p:spPr/>
-        <p:txBody>
-          <a:bodyPr>
-            <a:normAutofit fontScale="85000" lnSpcReduction="20000"/>
-          </a:bodyPr>
+              <a:t>整数</a:t>
+            </a:r>
+          </a:p>
+        </p:txBody>
+      </p:sp>
+      <p:sp>
+        <p:nvSpPr>
+          <p:cNvPr id="4" name="矩形: 圆角 3"/>
+          <p:cNvSpPr/>
+          <p:nvPr/>
+        </p:nvSpPr>
+        <p:spPr>
+          <a:xfrm>
+            <a:off x="1451579" y="2244437"/>
+            <a:ext cx="3917372" cy="862445"/>
+          </a:xfrm>
+          <a:prstGeom prst="roundRect">
+            <a:avLst/>
+          </a:prstGeom>
+          <a:solidFill>
+            <a:schemeClr val="bg1"/>
+          </a:solidFill>
+        </p:spPr>
+        <p:style>
+          <a:lnRef idx="2">
+            <a:schemeClr val="accent1">
+              <a:shade val="50000"/>
+            </a:schemeClr>
+          </a:lnRef>
+          <a:fillRef idx="1">
+            <a:schemeClr val="accent1"/>
+          </a:fillRef>
+          <a:effectRef idx="0">
+            <a:schemeClr val="accent1"/>
+          </a:effectRef>
+          <a:fontRef idx="minor">
+            <a:schemeClr val="lt1"/>
+          </a:fontRef>
+        </p:style>
+        <p:txBody>
+          <a:bodyPr rtlCol="0" anchor="ctr"/>
           <a:lstStyle/>
           <a:p>
-            <a:r>
-              <a:rPr lang="zh-CN" altLang="en-US" dirty="0"/>
-              <a:t>内存地址</a:t>
-            </a:r>
-            <a:endParaRPr lang="en-US" altLang="zh-CN" dirty="0"/>
-          </a:p>
-          <a:p>
-            <a:pPr lvl="1"/>
-            <a:r>
-              <a:rPr lang="zh-CN" altLang="en-US" dirty="0"/>
-              <a:t>实地址</a:t>
-            </a:r>
-            <a:endParaRPr lang="en-US" altLang="zh-CN" dirty="0"/>
-          </a:p>
-          <a:p>
-            <a:pPr lvl="1"/>
-            <a:r>
-              <a:rPr lang="zh-CN" altLang="en-US" dirty="0"/>
-              <a:t>虚地址</a:t>
-            </a:r>
-            <a:endParaRPr lang="en-US" altLang="zh-CN" dirty="0"/>
-          </a:p>
-          <a:p>
-            <a:pPr lvl="2"/>
-            <a:r>
-              <a:rPr lang="zh-CN" altLang="en-US" dirty="0"/>
-              <a:t>分页内存</a:t>
-            </a:r>
-            <a:endParaRPr lang="en-US" altLang="zh-CN" dirty="0"/>
-          </a:p>
-          <a:p>
-            <a:pPr lvl="2"/>
-            <a:r>
-              <a:rPr lang="zh-CN" altLang="en-US" dirty="0"/>
-              <a:t>未分页内存</a:t>
-            </a:r>
-            <a:endParaRPr lang="en-US" altLang="zh-CN" dirty="0"/>
-          </a:p>
-          <a:p>
-            <a:r>
-              <a:rPr lang="zh-CN" altLang="en-US" dirty="0"/>
-              <a:t>地址对齐</a:t>
-            </a:r>
-            <a:endParaRPr lang="en-US" altLang="zh-CN" dirty="0"/>
-          </a:p>
-          <a:p>
-            <a:pPr lvl="1"/>
-            <a:r>
-              <a:rPr lang="zh-CN" altLang="en-US" dirty="0"/>
-              <a:t>非对齐数据读取的效率影响</a:t>
-            </a:r>
-            <a:endParaRPr lang="en-US" altLang="zh-CN" dirty="0"/>
-          </a:p>
-          <a:p>
-            <a:pPr lvl="1"/>
-            <a:r>
-              <a:rPr lang="zh-CN" altLang="en-US" dirty="0"/>
-              <a:t>结构中的内存分布</a:t>
-            </a:r>
-            <a:endParaRPr lang="en-US" altLang="zh-CN" dirty="0"/>
-          </a:p>
-          <a:p>
-            <a:r>
-              <a:rPr lang="zh-CN" altLang="en-US" dirty="0"/>
-              <a:t>堆和栈</a:t>
-            </a:r>
-            <a:endParaRPr lang="en-US" altLang="zh-CN" dirty="0"/>
-          </a:p>
-          <a:p>
-            <a:pPr lvl="1"/>
-            <a:r>
-              <a:rPr lang="zh-CN" altLang="en-US" dirty="0"/>
-              <a:t>堆内存分配过程</a:t>
-            </a:r>
-            <a:endParaRPr lang="en-US" altLang="zh-CN" dirty="0"/>
-          </a:p>
-          <a:p>
-            <a:pPr lvl="1"/>
-            <a:r>
-              <a:rPr lang="zh-CN" altLang="en-US" dirty="0"/>
-              <a:t>栈内存分配过程</a:t>
-            </a:r>
-            <a:endParaRPr lang="en-US" altLang="zh-CN" dirty="0"/>
-          </a:p>
-          <a:p>
-            <a:endParaRPr lang="en-US" altLang="zh-CN" dirty="0"/>
-          </a:p>
-          <a:p>
+            <a:pPr algn="ctr"/>
+            <a:endParaRPr lang="zh-CN" altLang="en-US"/>
+          </a:p>
+        </p:txBody>
+      </p:sp>
+      <p:sp>
+        <p:nvSpPr>
+          <p:cNvPr id="5" name="矩形 4"/>
+          <p:cNvSpPr/>
+          <p:nvPr/>
+        </p:nvSpPr>
+        <p:spPr>
+          <a:xfrm>
+            <a:off x="1607442" y="2383690"/>
+            <a:ext cx="581891" cy="581891"/>
+          </a:xfrm>
+          <a:prstGeom prst="rect">
+            <a:avLst/>
+          </a:prstGeom>
+          <a:solidFill>
+            <a:srgbClr val="00B0F0"/>
+          </a:solidFill>
+        </p:spPr>
+        <p:style>
+          <a:lnRef idx="2">
+            <a:schemeClr val="accent1">
+              <a:shade val="50000"/>
+            </a:schemeClr>
+          </a:lnRef>
+          <a:fillRef idx="1">
+            <a:schemeClr val="accent1"/>
+          </a:fillRef>
+          <a:effectRef idx="0">
+            <a:schemeClr val="accent1"/>
+          </a:effectRef>
+          <a:fontRef idx="minor">
+            <a:schemeClr val="lt1"/>
+          </a:fontRef>
+        </p:style>
+        <p:txBody>
+          <a:bodyPr rtlCol="0" anchor="ctr"/>
+          <a:lstStyle/>
+          <a:p>
+            <a:pPr algn="ctr"/>
+            <a:r>
+              <a:rPr lang="en-US" altLang="zh-CN" dirty="0"/>
+              <a:t>LE</a:t>
+            </a:r>
+            <a:endParaRPr lang="zh-CN" altLang="en-US" dirty="0"/>
+          </a:p>
+        </p:txBody>
+      </p:sp>
+      <p:sp>
+        <p:nvSpPr>
+          <p:cNvPr id="6" name="矩形: 圆角 5"/>
+          <p:cNvSpPr/>
+          <p:nvPr/>
+        </p:nvSpPr>
+        <p:spPr>
+          <a:xfrm>
+            <a:off x="1451579" y="4042169"/>
+            <a:ext cx="3917372" cy="862445"/>
+          </a:xfrm>
+          <a:prstGeom prst="roundRect">
+            <a:avLst/>
+          </a:prstGeom>
+          <a:solidFill>
+            <a:schemeClr val="bg1"/>
+          </a:solidFill>
+        </p:spPr>
+        <p:style>
+          <a:lnRef idx="2">
+            <a:schemeClr val="accent1">
+              <a:shade val="50000"/>
+            </a:schemeClr>
+          </a:lnRef>
+          <a:fillRef idx="1">
+            <a:schemeClr val="accent1"/>
+          </a:fillRef>
+          <a:effectRef idx="0">
+            <a:schemeClr val="accent1"/>
+          </a:effectRef>
+          <a:fontRef idx="minor">
+            <a:schemeClr val="lt1"/>
+          </a:fontRef>
+        </p:style>
+        <p:txBody>
+          <a:bodyPr rtlCol="0" anchor="ctr"/>
+          <a:lstStyle/>
+          <a:p>
+            <a:pPr algn="ctr"/>
+            <a:endParaRPr lang="zh-CN" altLang="en-US"/>
+          </a:p>
+        </p:txBody>
+      </p:sp>
+      <p:sp>
+        <p:nvSpPr>
+          <p:cNvPr id="7" name="矩形 6"/>
+          <p:cNvSpPr/>
+          <p:nvPr/>
+        </p:nvSpPr>
+        <p:spPr>
+          <a:xfrm>
+            <a:off x="1607442" y="4181422"/>
+            <a:ext cx="581891" cy="581891"/>
+          </a:xfrm>
+          <a:prstGeom prst="rect">
+            <a:avLst/>
+          </a:prstGeom>
+          <a:solidFill>
+            <a:srgbClr val="00B0F0"/>
+          </a:solidFill>
+        </p:spPr>
+        <p:style>
+          <a:lnRef idx="2">
+            <a:schemeClr val="accent1">
+              <a:shade val="50000"/>
+            </a:schemeClr>
+          </a:lnRef>
+          <a:fillRef idx="1">
+            <a:schemeClr val="accent1"/>
+          </a:fillRef>
+          <a:effectRef idx="0">
+            <a:schemeClr val="accent1"/>
+          </a:effectRef>
+          <a:fontRef idx="minor">
+            <a:schemeClr val="lt1"/>
+          </a:fontRef>
+        </p:style>
+        <p:txBody>
+          <a:bodyPr rtlCol="0" anchor="ctr"/>
+          <a:lstStyle/>
+          <a:p>
+            <a:pPr algn="ctr"/>
+            <a:r>
+              <a:rPr lang="en-US" altLang="zh-CN" dirty="0"/>
+              <a:t>BE</a:t>
+            </a:r>
+            <a:endParaRPr lang="zh-CN" altLang="en-US" dirty="0"/>
+          </a:p>
+        </p:txBody>
+      </p:sp>
+      <p:sp>
+        <p:nvSpPr>
+          <p:cNvPr id="10" name="矩形 9"/>
+          <p:cNvSpPr/>
+          <p:nvPr/>
+        </p:nvSpPr>
+        <p:spPr>
+          <a:xfrm>
+            <a:off x="2386760" y="2383690"/>
+            <a:ext cx="581891" cy="581891"/>
+          </a:xfrm>
+          <a:prstGeom prst="rect">
+            <a:avLst/>
+          </a:prstGeom>
+        </p:spPr>
+        <p:style>
+          <a:lnRef idx="2">
+            <a:schemeClr val="accent1">
+              <a:shade val="50000"/>
+            </a:schemeClr>
+          </a:lnRef>
+          <a:fillRef idx="1">
+            <a:schemeClr val="accent1"/>
+          </a:fillRef>
+          <a:effectRef idx="0">
+            <a:schemeClr val="accent1"/>
+          </a:effectRef>
+          <a:fontRef idx="minor">
+            <a:schemeClr val="lt1"/>
+          </a:fontRef>
+        </p:style>
+        <p:txBody>
+          <a:bodyPr rtlCol="0" anchor="ctr"/>
+          <a:lstStyle/>
+          <a:p>
+            <a:pPr algn="ctr"/>
+            <a:r>
+              <a:rPr lang="en-US" altLang="zh-CN" dirty="0"/>
+              <a:t>0C</a:t>
+            </a:r>
+            <a:endParaRPr lang="zh-CN" altLang="en-US" dirty="0"/>
+          </a:p>
+        </p:txBody>
+      </p:sp>
+      <p:sp>
+        <p:nvSpPr>
+          <p:cNvPr id="11" name="矩形 10"/>
+          <p:cNvSpPr/>
+          <p:nvPr/>
+        </p:nvSpPr>
+        <p:spPr>
+          <a:xfrm>
+            <a:off x="3121051" y="2383690"/>
+            <a:ext cx="581891" cy="581891"/>
+          </a:xfrm>
+          <a:prstGeom prst="rect">
+            <a:avLst/>
+          </a:prstGeom>
+        </p:spPr>
+        <p:style>
+          <a:lnRef idx="2">
+            <a:schemeClr val="accent1">
+              <a:shade val="50000"/>
+            </a:schemeClr>
+          </a:lnRef>
+          <a:fillRef idx="1">
+            <a:schemeClr val="accent1"/>
+          </a:fillRef>
+          <a:effectRef idx="0">
+            <a:schemeClr val="accent1"/>
+          </a:effectRef>
+          <a:fontRef idx="minor">
+            <a:schemeClr val="lt1"/>
+          </a:fontRef>
+        </p:style>
+        <p:txBody>
+          <a:bodyPr rtlCol="0" anchor="ctr"/>
+          <a:lstStyle/>
+          <a:p>
+            <a:pPr algn="ctr"/>
+            <a:r>
+              <a:rPr lang="en-US" altLang="zh-CN" dirty="0"/>
+              <a:t>27</a:t>
+            </a:r>
+            <a:endParaRPr lang="zh-CN" altLang="en-US" dirty="0"/>
+          </a:p>
+        </p:txBody>
+      </p:sp>
+      <p:sp>
+        <p:nvSpPr>
+          <p:cNvPr id="12" name="矩形 11"/>
+          <p:cNvSpPr/>
+          <p:nvPr/>
+        </p:nvSpPr>
+        <p:spPr>
+          <a:xfrm>
+            <a:off x="3855342" y="2383690"/>
+            <a:ext cx="581891" cy="581891"/>
+          </a:xfrm>
+          <a:prstGeom prst="rect">
+            <a:avLst/>
+          </a:prstGeom>
+        </p:spPr>
+        <p:style>
+          <a:lnRef idx="2">
+            <a:schemeClr val="accent1">
+              <a:shade val="50000"/>
+            </a:schemeClr>
+          </a:lnRef>
+          <a:fillRef idx="1">
+            <a:schemeClr val="accent1"/>
+          </a:fillRef>
+          <a:effectRef idx="0">
+            <a:schemeClr val="accent1"/>
+          </a:effectRef>
+          <a:fontRef idx="minor">
+            <a:schemeClr val="lt1"/>
+          </a:fontRef>
+        </p:style>
+        <p:txBody>
+          <a:bodyPr rtlCol="0" anchor="ctr"/>
+          <a:lstStyle/>
+          <a:p>
+            <a:pPr algn="ctr"/>
+            <a:r>
+              <a:rPr lang="en-US" altLang="zh-CN" dirty="0"/>
+              <a:t>1E</a:t>
+            </a:r>
+            <a:endParaRPr lang="zh-CN" altLang="en-US" dirty="0"/>
+          </a:p>
+        </p:txBody>
+      </p:sp>
+      <p:sp>
+        <p:nvSpPr>
+          <p:cNvPr id="13" name="矩形 12"/>
+          <p:cNvSpPr/>
+          <p:nvPr/>
+        </p:nvSpPr>
+        <p:spPr>
+          <a:xfrm>
+            <a:off x="4589633" y="2383691"/>
+            <a:ext cx="581891" cy="581891"/>
+          </a:xfrm>
+          <a:prstGeom prst="rect">
+            <a:avLst/>
+          </a:prstGeom>
+        </p:spPr>
+        <p:style>
+          <a:lnRef idx="2">
+            <a:schemeClr val="accent1">
+              <a:shade val="50000"/>
+            </a:schemeClr>
+          </a:lnRef>
+          <a:fillRef idx="1">
+            <a:schemeClr val="accent1"/>
+          </a:fillRef>
+          <a:effectRef idx="0">
+            <a:schemeClr val="accent1"/>
+          </a:effectRef>
+          <a:fontRef idx="minor">
+            <a:schemeClr val="lt1"/>
+          </a:fontRef>
+        </p:style>
+        <p:txBody>
+          <a:bodyPr rtlCol="0" anchor="ctr"/>
+          <a:lstStyle/>
+          <a:p>
+            <a:pPr algn="ctr"/>
+            <a:r>
+              <a:rPr lang="en-US" altLang="zh-CN" dirty="0"/>
+              <a:t>B5</a:t>
+            </a:r>
+            <a:endParaRPr lang="zh-CN" altLang="en-US" dirty="0"/>
+          </a:p>
+        </p:txBody>
+      </p:sp>
+      <p:sp>
+        <p:nvSpPr>
+          <p:cNvPr id="14" name="矩形 13"/>
+          <p:cNvSpPr/>
+          <p:nvPr/>
+        </p:nvSpPr>
+        <p:spPr>
+          <a:xfrm>
+            <a:off x="2386760" y="4181421"/>
+            <a:ext cx="581891" cy="581891"/>
+          </a:xfrm>
+          <a:prstGeom prst="rect">
+            <a:avLst/>
+          </a:prstGeom>
+        </p:spPr>
+        <p:style>
+          <a:lnRef idx="2">
+            <a:schemeClr val="accent1">
+              <a:shade val="50000"/>
+            </a:schemeClr>
+          </a:lnRef>
+          <a:fillRef idx="1">
+            <a:schemeClr val="accent1"/>
+          </a:fillRef>
+          <a:effectRef idx="0">
+            <a:schemeClr val="accent1"/>
+          </a:effectRef>
+          <a:fontRef idx="minor">
+            <a:schemeClr val="lt1"/>
+          </a:fontRef>
+        </p:style>
+        <p:txBody>
+          <a:bodyPr rtlCol="0" anchor="ctr"/>
+          <a:lstStyle/>
+          <a:p>
+            <a:pPr algn="ctr"/>
+            <a:r>
+              <a:rPr lang="en-US" altLang="zh-CN" dirty="0"/>
+              <a:t>0C</a:t>
+            </a:r>
+            <a:endParaRPr lang="zh-CN" altLang="en-US" dirty="0"/>
+          </a:p>
+        </p:txBody>
+      </p:sp>
+      <p:sp>
+        <p:nvSpPr>
+          <p:cNvPr id="15" name="矩形 14"/>
+          <p:cNvSpPr/>
+          <p:nvPr/>
+        </p:nvSpPr>
+        <p:spPr>
+          <a:xfrm>
+            <a:off x="3121051" y="4181421"/>
+            <a:ext cx="581891" cy="581891"/>
+          </a:xfrm>
+          <a:prstGeom prst="rect">
+            <a:avLst/>
+          </a:prstGeom>
+        </p:spPr>
+        <p:style>
+          <a:lnRef idx="2">
+            <a:schemeClr val="accent1">
+              <a:shade val="50000"/>
+            </a:schemeClr>
+          </a:lnRef>
+          <a:fillRef idx="1">
+            <a:schemeClr val="accent1"/>
+          </a:fillRef>
+          <a:effectRef idx="0">
+            <a:schemeClr val="accent1"/>
+          </a:effectRef>
+          <a:fontRef idx="minor">
+            <a:schemeClr val="lt1"/>
+          </a:fontRef>
+        </p:style>
+        <p:txBody>
+          <a:bodyPr rtlCol="0" anchor="ctr"/>
+          <a:lstStyle/>
+          <a:p>
+            <a:pPr algn="ctr"/>
+            <a:r>
+              <a:rPr lang="en-US" altLang="zh-CN" dirty="0"/>
+              <a:t>27</a:t>
+            </a:r>
+            <a:endParaRPr lang="zh-CN" altLang="en-US" dirty="0"/>
+          </a:p>
+        </p:txBody>
+      </p:sp>
+      <p:sp>
+        <p:nvSpPr>
+          <p:cNvPr id="16" name="矩形 15"/>
+          <p:cNvSpPr/>
+          <p:nvPr/>
+        </p:nvSpPr>
+        <p:spPr>
+          <a:xfrm>
+            <a:off x="3855342" y="4181421"/>
+            <a:ext cx="581891" cy="581891"/>
+          </a:xfrm>
+          <a:prstGeom prst="rect">
+            <a:avLst/>
+          </a:prstGeom>
+        </p:spPr>
+        <p:style>
+          <a:lnRef idx="2">
+            <a:schemeClr val="accent1">
+              <a:shade val="50000"/>
+            </a:schemeClr>
+          </a:lnRef>
+          <a:fillRef idx="1">
+            <a:schemeClr val="accent1"/>
+          </a:fillRef>
+          <a:effectRef idx="0">
+            <a:schemeClr val="accent1"/>
+          </a:effectRef>
+          <a:fontRef idx="minor">
+            <a:schemeClr val="lt1"/>
+          </a:fontRef>
+        </p:style>
+        <p:txBody>
+          <a:bodyPr rtlCol="0" anchor="ctr"/>
+          <a:lstStyle/>
+          <a:p>
+            <a:pPr algn="ctr"/>
+            <a:r>
+              <a:rPr lang="en-US" altLang="zh-CN" dirty="0"/>
+              <a:t>1E</a:t>
+            </a:r>
+            <a:endParaRPr lang="zh-CN" altLang="en-US" dirty="0"/>
+          </a:p>
+        </p:txBody>
+      </p:sp>
+      <p:sp>
+        <p:nvSpPr>
+          <p:cNvPr id="17" name="矩形 16"/>
+          <p:cNvSpPr/>
+          <p:nvPr/>
+        </p:nvSpPr>
+        <p:spPr>
+          <a:xfrm>
+            <a:off x="4589633" y="4181422"/>
+            <a:ext cx="581891" cy="581891"/>
+          </a:xfrm>
+          <a:prstGeom prst="rect">
+            <a:avLst/>
+          </a:prstGeom>
+        </p:spPr>
+        <p:style>
+          <a:lnRef idx="2">
+            <a:schemeClr val="accent1">
+              <a:shade val="50000"/>
+            </a:schemeClr>
+          </a:lnRef>
+          <a:fillRef idx="1">
+            <a:schemeClr val="accent1"/>
+          </a:fillRef>
+          <a:effectRef idx="0">
+            <a:schemeClr val="accent1"/>
+          </a:effectRef>
+          <a:fontRef idx="minor">
+            <a:schemeClr val="lt1"/>
+          </a:fontRef>
+        </p:style>
+        <p:txBody>
+          <a:bodyPr rtlCol="0" anchor="ctr"/>
+          <a:lstStyle/>
+          <a:p>
+            <a:pPr algn="ctr"/>
+            <a:r>
+              <a:rPr lang="en-US" altLang="zh-CN" dirty="0"/>
+              <a:t>B5</a:t>
+            </a:r>
+            <a:endParaRPr lang="zh-CN" altLang="en-US" dirty="0"/>
+          </a:p>
+        </p:txBody>
+      </p:sp>
+      <p:sp>
+        <p:nvSpPr>
+          <p:cNvPr id="18" name="箭头: 右 17"/>
+          <p:cNvSpPr/>
+          <p:nvPr/>
+        </p:nvSpPr>
+        <p:spPr>
+          <a:xfrm>
+            <a:off x="5566378" y="2244437"/>
+            <a:ext cx="810490" cy="862445"/>
+          </a:xfrm>
+          <a:prstGeom prst="rightArrow">
+            <a:avLst/>
+          </a:prstGeom>
+          <a:solidFill>
+            <a:srgbClr val="00B050"/>
+          </a:solidFill>
+          <a:ln>
+            <a:noFill/>
+          </a:ln>
+        </p:spPr>
+        <p:style>
+          <a:lnRef idx="2">
+            <a:schemeClr val="accent1">
+              <a:shade val="50000"/>
+            </a:schemeClr>
+          </a:lnRef>
+          <a:fillRef idx="1">
+            <a:schemeClr val="accent1"/>
+          </a:fillRef>
+          <a:effectRef idx="0">
+            <a:schemeClr val="accent1"/>
+          </a:effectRef>
+          <a:fontRef idx="minor">
+            <a:schemeClr val="lt1"/>
+          </a:fontRef>
+        </p:style>
+        <p:txBody>
+          <a:bodyPr rtlCol="0" anchor="ctr"/>
+          <a:lstStyle/>
+          <a:p>
+            <a:pPr algn="ctr"/>
+            <a:endParaRPr lang="zh-CN" altLang="en-US"/>
+          </a:p>
+        </p:txBody>
+      </p:sp>
+      <p:sp>
+        <p:nvSpPr>
+          <p:cNvPr id="19" name="箭头: 右 18"/>
+          <p:cNvSpPr/>
+          <p:nvPr/>
+        </p:nvSpPr>
+        <p:spPr>
+          <a:xfrm>
+            <a:off x="5566378" y="4041143"/>
+            <a:ext cx="810490" cy="862445"/>
+          </a:xfrm>
+          <a:prstGeom prst="rightArrow">
+            <a:avLst/>
+          </a:prstGeom>
+          <a:solidFill>
+            <a:srgbClr val="00B050"/>
+          </a:solidFill>
+          <a:ln>
+            <a:noFill/>
+          </a:ln>
+        </p:spPr>
+        <p:style>
+          <a:lnRef idx="2">
+            <a:schemeClr val="accent1">
+              <a:shade val="50000"/>
+            </a:schemeClr>
+          </a:lnRef>
+          <a:fillRef idx="1">
+            <a:schemeClr val="accent1"/>
+          </a:fillRef>
+          <a:effectRef idx="0">
+            <a:schemeClr val="accent1"/>
+          </a:effectRef>
+          <a:fontRef idx="minor">
+            <a:schemeClr val="lt1"/>
+          </a:fontRef>
+        </p:style>
+        <p:txBody>
+          <a:bodyPr rtlCol="0" anchor="ctr"/>
+          <a:lstStyle/>
+          <a:p>
+            <a:pPr algn="ctr"/>
+            <a:endParaRPr lang="zh-CN" altLang="en-US"/>
+          </a:p>
+        </p:txBody>
+      </p:sp>
+      <p:sp>
+        <p:nvSpPr>
+          <p:cNvPr id="20" name="矩形: 圆角 19"/>
+          <p:cNvSpPr/>
+          <p:nvPr/>
+        </p:nvSpPr>
+        <p:spPr>
+          <a:xfrm>
+            <a:off x="6574295" y="2244437"/>
+            <a:ext cx="3917372" cy="862445"/>
+          </a:xfrm>
+          <a:prstGeom prst="roundRect">
+            <a:avLst/>
+          </a:prstGeom>
+          <a:solidFill>
+            <a:schemeClr val="bg1"/>
+          </a:solidFill>
+        </p:spPr>
+        <p:style>
+          <a:lnRef idx="2">
+            <a:schemeClr val="accent1">
+              <a:shade val="50000"/>
+            </a:schemeClr>
+          </a:lnRef>
+          <a:fillRef idx="1">
+            <a:schemeClr val="accent1"/>
+          </a:fillRef>
+          <a:effectRef idx="0">
+            <a:schemeClr val="accent1"/>
+          </a:effectRef>
+          <a:fontRef idx="minor">
+            <a:schemeClr val="lt1"/>
+          </a:fontRef>
+        </p:style>
+        <p:txBody>
+          <a:bodyPr rtlCol="0" anchor="ctr"/>
+          <a:lstStyle/>
+          <a:p>
+            <a:pPr algn="ctr"/>
+            <a:r>
+              <a:rPr lang="en-US" altLang="zh-CN" dirty="0">
+                <a:solidFill>
+                  <a:schemeClr val="tx1"/>
+                </a:solidFill>
+                <a:effectLst>
+                  <a:outerShdw blurRad="38100" dist="38100" dir="2700000" algn="tl">
+                    <a:srgbClr val="000000">
+                      <a:alpha val="43137"/>
+                    </a:srgbClr>
+                  </a:outerShdw>
+                </a:effectLst>
+              </a:rPr>
+              <a:t>1289371926364</a:t>
+            </a:r>
+            <a:endParaRPr lang="zh-CN" altLang="en-US" dirty="0">
+              <a:solidFill>
+                <a:schemeClr val="tx1"/>
+              </a:solidFill>
+              <a:effectLst>
+                <a:outerShdw blurRad="38100" dist="38100" dir="2700000" algn="tl">
+                  <a:srgbClr val="000000">
+                    <a:alpha val="43137"/>
+                  </a:srgbClr>
+                </a:outerShdw>
+              </a:effectLst>
+            </a:endParaRPr>
+          </a:p>
+        </p:txBody>
+      </p:sp>
+      <p:sp>
+        <p:nvSpPr>
+          <p:cNvPr id="21" name="矩形: 圆角 20"/>
+          <p:cNvSpPr/>
+          <p:nvPr/>
+        </p:nvSpPr>
+        <p:spPr>
+          <a:xfrm>
+            <a:off x="6574295" y="4041142"/>
+            <a:ext cx="3917372" cy="862445"/>
+          </a:xfrm>
+          <a:prstGeom prst="roundRect">
+            <a:avLst/>
+          </a:prstGeom>
+          <a:solidFill>
+            <a:schemeClr val="bg1"/>
+          </a:solidFill>
+        </p:spPr>
+        <p:style>
+          <a:lnRef idx="2">
+            <a:schemeClr val="accent1">
+              <a:shade val="50000"/>
+            </a:schemeClr>
+          </a:lnRef>
+          <a:fillRef idx="1">
+            <a:schemeClr val="accent1"/>
+          </a:fillRef>
+          <a:effectRef idx="0">
+            <a:schemeClr val="accent1"/>
+          </a:effectRef>
+          <a:fontRef idx="minor">
+            <a:schemeClr val="lt1"/>
+          </a:fontRef>
+        </p:style>
+        <p:txBody>
+          <a:bodyPr rtlCol="0" anchor="ctr"/>
+          <a:lstStyle/>
+          <a:p>
+            <a:pPr algn="ctr"/>
+            <a:r>
+              <a:rPr lang="en-US" altLang="zh-CN" dirty="0">
+                <a:solidFill>
+                  <a:schemeClr val="tx1"/>
+                </a:solidFill>
+                <a:effectLst>
+                  <a:outerShdw blurRad="38100" dist="38100" dir="2700000" algn="tl">
+                    <a:srgbClr val="000000">
+                      <a:alpha val="43137"/>
+                    </a:srgbClr>
+                  </a:outerShdw>
+                </a:effectLst>
+              </a:rPr>
+              <a:t>1289371926364</a:t>
+            </a:r>
             <a:endParaRPr lang="zh-CN" altLang="en-US" dirty="0"/>
           </a:p>
         </p:txBody>
@@ -5347,7 +10636,7 @@
     </p:spTree>
     <p:extLst>
       <p:ext uri="{BB962C8B-B14F-4D97-AF65-F5344CB8AC3E}">
-        <p14:creationId xmlns:p14="http://schemas.microsoft.com/office/powerpoint/2010/main" val="2280167480"/>
+        <p14:creationId xmlns:p14="http://schemas.microsoft.com/office/powerpoint/2010/main" val="128449478"/>
       </p:ext>
     </p:extLst>
   </p:cSld>
@@ -5391,70 +10680,23 @@
           <a:p>
             <a:r>
               <a:rPr lang="zh-CN" altLang="en-US" dirty="0"/>
-              <a:t>探寻</a:t>
+              <a:t>数值存储 </a:t>
             </a:r>
             <a:r>
               <a:rPr lang="en-US" altLang="zh-CN" dirty="0"/>
-              <a:t>C++</a:t>
+              <a:t>– </a:t>
             </a:r>
             <a:r>
               <a:rPr lang="zh-CN" altLang="en-US" dirty="0"/>
-              <a:t>本质</a:t>
-            </a:r>
-          </a:p>
-        </p:txBody>
-      </p:sp>
-      <p:sp>
-        <p:nvSpPr>
-          <p:cNvPr id="3" name="内容占位符 2"/>
-          <p:cNvSpPr>
-            <a:spLocks noGrp="1"/>
-          </p:cNvSpPr>
-          <p:nvPr>
-            <p:ph idx="1"/>
-          </p:nvPr>
-        </p:nvSpPr>
-        <p:spPr/>
-        <p:txBody>
-          <a:bodyPr>
-            <a:normAutofit/>
-          </a:bodyPr>
-          <a:lstStyle/>
-          <a:p>
-            <a:r>
-              <a:rPr lang="zh-CN" altLang="en-US" dirty="0"/>
-              <a:t>结构</a:t>
-            </a:r>
-            <a:endParaRPr lang="en-US" altLang="zh-CN" dirty="0"/>
-          </a:p>
-          <a:p>
-            <a:pPr lvl="1"/>
-            <a:r>
-              <a:rPr lang="en-US" altLang="zh-CN" dirty="0"/>
-              <a:t>POD</a:t>
-            </a:r>
-          </a:p>
-          <a:p>
-            <a:pPr lvl="1"/>
-            <a:r>
-              <a:rPr lang="zh-CN" altLang="en-US" dirty="0"/>
-              <a:t>位域</a:t>
-            </a:r>
-            <a:endParaRPr lang="en-US" altLang="zh-CN" dirty="0"/>
-          </a:p>
-          <a:p>
-            <a:r>
-              <a:rPr lang="zh-CN" altLang="en-US" dirty="0"/>
-              <a:t>联合</a:t>
-            </a:r>
-            <a:endParaRPr lang="en-US" altLang="zh-CN" dirty="0"/>
+              <a:t>浮点数</a:t>
+            </a:r>
           </a:p>
         </p:txBody>
       </p:sp>
     </p:spTree>
     <p:extLst>
       <p:ext uri="{BB962C8B-B14F-4D97-AF65-F5344CB8AC3E}">
-        <p14:creationId xmlns:p14="http://schemas.microsoft.com/office/powerpoint/2010/main" val="3272268261"/>
+        <p14:creationId xmlns:p14="http://schemas.microsoft.com/office/powerpoint/2010/main" val="1799319793"/>
       </p:ext>
     </p:extLst>
   </p:cSld>
@@ -5523,14 +10765,12 @@
         </p:nvSpPr>
         <p:spPr/>
         <p:txBody>
-          <a:bodyPr>
-            <a:normAutofit fontScale="92500" lnSpcReduction="20000"/>
-          </a:bodyPr>
+          <a:bodyPr/>
           <a:lstStyle/>
           <a:p>
             <a:r>
               <a:rPr lang="zh-CN" altLang="en-US" dirty="0"/>
-              <a:t>类</a:t>
+              <a:t>数值转换</a:t>
             </a:r>
             <a:endParaRPr lang="en-US" altLang="zh-CN" dirty="0"/>
           </a:p>
@@ -5538,7 +10778,7 @@
             <a:pPr lvl="1"/>
             <a:r>
               <a:rPr lang="zh-CN" altLang="en-US" dirty="0"/>
-              <a:t>构造</a:t>
+              <a:t>整型数值转换</a:t>
             </a:r>
             <a:endParaRPr lang="en-US" altLang="zh-CN" dirty="0"/>
           </a:p>
@@ -5546,7 +10786,7 @@
             <a:pPr lvl="2"/>
             <a:r>
               <a:rPr lang="zh-CN" altLang="en-US" dirty="0"/>
-              <a:t>默认构造</a:t>
+              <a:t>无符号转有符号</a:t>
             </a:r>
             <a:endParaRPr lang="en-US" altLang="zh-CN" dirty="0"/>
           </a:p>
@@ -5554,67 +10794,31 @@
             <a:pPr lvl="2"/>
             <a:r>
               <a:rPr lang="zh-CN" altLang="en-US" dirty="0"/>
-              <a:t>拷贝构造</a:t>
+              <a:t>有符号转无符号</a:t>
             </a:r>
             <a:endParaRPr lang="en-US" altLang="zh-CN" dirty="0"/>
           </a:p>
           <a:p>
+            <a:pPr lvl="1"/>
+            <a:r>
+              <a:rPr lang="zh-CN" altLang="en-US" dirty="0"/>
+              <a:t>浮点类型转换</a:t>
+            </a:r>
+            <a:endParaRPr lang="en-US" altLang="zh-CN" dirty="0"/>
+          </a:p>
+          <a:p>
             <a:pPr lvl="2"/>
             <a:r>
               <a:rPr lang="zh-CN" altLang="en-US" dirty="0"/>
-              <a:t>赋值构造</a:t>
+              <a:t>单精度转双精度</a:t>
             </a:r>
             <a:endParaRPr lang="en-US" altLang="zh-CN" dirty="0"/>
           </a:p>
           <a:p>
             <a:pPr lvl="2"/>
             <a:r>
-              <a:rPr lang="en-US" altLang="zh-CN" dirty="0"/>
-              <a:t>explicit </a:t>
-            </a:r>
-            <a:r>
               <a:rPr lang="zh-CN" altLang="en-US" dirty="0"/>
-              <a:t>关键字</a:t>
-            </a:r>
-            <a:endParaRPr lang="en-US" altLang="zh-CN" dirty="0"/>
-          </a:p>
-          <a:p>
-            <a:pPr lvl="1"/>
-            <a:r>
-              <a:rPr lang="zh-CN" altLang="en-US" dirty="0"/>
-              <a:t>成员变量</a:t>
-            </a:r>
-            <a:endParaRPr lang="en-US" altLang="zh-CN" dirty="0"/>
-          </a:p>
-          <a:p>
-            <a:pPr lvl="1"/>
-            <a:r>
-              <a:rPr lang="zh-CN" altLang="en-US" dirty="0"/>
-              <a:t>成员函数</a:t>
-            </a:r>
-            <a:endParaRPr lang="en-US" altLang="zh-CN" dirty="0"/>
-          </a:p>
-          <a:p>
-            <a:pPr lvl="1"/>
-            <a:r>
-              <a:rPr lang="zh-CN" altLang="en-US" dirty="0"/>
-              <a:t>虚函数</a:t>
-            </a:r>
-            <a:endParaRPr lang="en-US" altLang="zh-CN" dirty="0"/>
-          </a:p>
-          <a:p>
-            <a:pPr lvl="2"/>
-            <a:r>
-              <a:rPr lang="zh-CN" altLang="en-US" dirty="0"/>
-              <a:t>虚表</a:t>
-            </a:r>
-            <a:endParaRPr lang="en-US" altLang="zh-CN" dirty="0"/>
-          </a:p>
-          <a:p>
-            <a:pPr lvl="2"/>
-            <a:r>
-              <a:rPr lang="zh-CN" altLang="en-US" dirty="0"/>
-              <a:t>多重继承中的问题</a:t>
+              <a:t>双精度转单精度</a:t>
             </a:r>
           </a:p>
         </p:txBody>
@@ -5622,7 +10826,7 @@
     </p:spTree>
     <p:extLst>
       <p:ext uri="{BB962C8B-B14F-4D97-AF65-F5344CB8AC3E}">
-        <p14:creationId xmlns:p14="http://schemas.microsoft.com/office/powerpoint/2010/main" val="2489840384"/>
+        <p14:creationId xmlns:p14="http://schemas.microsoft.com/office/powerpoint/2010/main" val="532271199"/>
       </p:ext>
     </p:extLst>
   </p:cSld>

--- a/advance c++/courseware.pptx
+++ b/advance c++/courseware.pptx
@@ -2,29 +2,32 @@
 <file path=ppt/presentation.xml><?xml version="1.0" encoding="utf-8"?>
 <p:presentation xmlns:a="http://schemas.openxmlformats.org/drawingml/2006/main" xmlns:r="http://schemas.openxmlformats.org/officeDocument/2006/relationships" xmlns:p="http://schemas.openxmlformats.org/presentationml/2006/main" saveSubsetFonts="1">
   <p:sldMasterIdLst>
-    <p:sldMasterId id="2147483678" r:id="rId1"/>
+    <p:sldMasterId id="2147483678" r:id="rId2"/>
   </p:sldMasterIdLst>
   <p:notesMasterIdLst>
-    <p:notesMasterId r:id="rId19"/>
+    <p:notesMasterId r:id="rId23"/>
   </p:notesMasterIdLst>
   <p:sldIdLst>
-    <p:sldId id="256" r:id="rId2"/>
-    <p:sldId id="268" r:id="rId3"/>
-    <p:sldId id="269" r:id="rId4"/>
-    <p:sldId id="270" r:id="rId5"/>
-    <p:sldId id="271" r:id="rId6"/>
-    <p:sldId id="257" r:id="rId7"/>
-    <p:sldId id="258" r:id="rId8"/>
-    <p:sldId id="272" r:id="rId9"/>
-    <p:sldId id="259" r:id="rId10"/>
-    <p:sldId id="260" r:id="rId11"/>
-    <p:sldId id="261" r:id="rId12"/>
-    <p:sldId id="262" r:id="rId13"/>
-    <p:sldId id="263" r:id="rId14"/>
-    <p:sldId id="264" r:id="rId15"/>
-    <p:sldId id="265" r:id="rId16"/>
-    <p:sldId id="266" r:id="rId17"/>
-    <p:sldId id="267" r:id="rId18"/>
+    <p:sldId id="256" r:id="rId3"/>
+    <p:sldId id="268" r:id="rId4"/>
+    <p:sldId id="269" r:id="rId5"/>
+    <p:sldId id="270" r:id="rId6"/>
+    <p:sldId id="271" r:id="rId7"/>
+    <p:sldId id="273" r:id="rId8"/>
+    <p:sldId id="257" r:id="rId9"/>
+    <p:sldId id="258" r:id="rId10"/>
+    <p:sldId id="272" r:id="rId11"/>
+    <p:sldId id="274" r:id="rId12"/>
+    <p:sldId id="275" r:id="rId13"/>
+    <p:sldId id="276" r:id="rId14"/>
+    <p:sldId id="259" r:id="rId15"/>
+    <p:sldId id="260" r:id="rId16"/>
+    <p:sldId id="262" r:id="rId17"/>
+    <p:sldId id="263" r:id="rId18"/>
+    <p:sldId id="264" r:id="rId19"/>
+    <p:sldId id="265" r:id="rId20"/>
+    <p:sldId id="266" r:id="rId21"/>
+    <p:sldId id="267" r:id="rId22"/>
   </p:sldIdLst>
   <p:sldSz cx="12192000" cy="6858000"/>
   <p:notesSz cx="6858000" cy="9144000"/>
@@ -217,7 +220,7 @@
           <a:p>
             <a:fld id="{42D05AB1-CFCA-4702-9B4D-FCAB6AF0FE14}" type="datetimeFigureOut">
               <a:rPr lang="zh-CN" altLang="en-US" smtClean="0"/>
-              <a:t>2017/5/24</a:t>
+              <a:t>2017/5/25</a:t>
             </a:fld>
             <a:endParaRPr lang="zh-CN" altLang="en-US"/>
           </a:p>
@@ -528,6 +531,1069 @@
           <a:bodyPr/>
           <a:lstStyle/>
           <a:p>
+            <a:r>
+              <a:rPr lang="en-US" altLang="zh-CN" sz="1200" b="0" i="0" kern="1200" dirty="0">
+                <a:solidFill>
+                  <a:schemeClr val="tx1"/>
+                </a:solidFill>
+                <a:effectLst/>
+                <a:latin typeface="+mn-lt"/>
+                <a:ea typeface="+mn-ea"/>
+                <a:cs typeface="+mn-cs"/>
+              </a:rPr>
+              <a:t>C++</a:t>
+            </a:r>
+            <a:r>
+              <a:rPr lang="zh-CN" altLang="en-US" sz="1200" b="0" i="0" kern="1200" dirty="0">
+                <a:solidFill>
+                  <a:schemeClr val="tx1"/>
+                </a:solidFill>
+                <a:effectLst/>
+                <a:latin typeface="+mn-lt"/>
+                <a:ea typeface="+mn-ea"/>
+                <a:cs typeface="+mn-cs"/>
+              </a:rPr>
+              <a:t>语言发展大概可以分为三个阶段：</a:t>
+            </a:r>
+            <a:endParaRPr lang="en-US" altLang="zh-CN" sz="1200" b="0" i="0" kern="1200" dirty="0">
+              <a:solidFill>
+                <a:schemeClr val="tx1"/>
+              </a:solidFill>
+              <a:effectLst/>
+              <a:latin typeface="+mn-lt"/>
+              <a:ea typeface="+mn-ea"/>
+              <a:cs typeface="+mn-cs"/>
+            </a:endParaRPr>
+          </a:p>
+          <a:p>
+            <a:r>
+              <a:rPr lang="zh-CN" altLang="en-US" sz="1200" b="0" i="0" kern="1200" dirty="0">
+                <a:solidFill>
+                  <a:schemeClr val="tx1"/>
+                </a:solidFill>
+                <a:effectLst/>
+                <a:latin typeface="+mn-lt"/>
+                <a:ea typeface="+mn-ea"/>
+                <a:cs typeface="+mn-cs"/>
+              </a:rPr>
+              <a:t>第一阶段从</a:t>
+            </a:r>
+            <a:r>
+              <a:rPr lang="en-US" altLang="zh-CN" sz="1200" b="0" i="0" kern="1200" dirty="0">
+                <a:solidFill>
+                  <a:schemeClr val="tx1"/>
+                </a:solidFill>
+                <a:effectLst/>
+                <a:latin typeface="+mn-lt"/>
+                <a:ea typeface="+mn-ea"/>
+                <a:cs typeface="+mn-cs"/>
+              </a:rPr>
+              <a:t>80</a:t>
+            </a:r>
+            <a:r>
+              <a:rPr lang="zh-CN" altLang="en-US" sz="1200" b="0" i="0" kern="1200" dirty="0">
+                <a:solidFill>
+                  <a:schemeClr val="tx1"/>
+                </a:solidFill>
+                <a:effectLst/>
+                <a:latin typeface="+mn-lt"/>
+                <a:ea typeface="+mn-ea"/>
+                <a:cs typeface="+mn-cs"/>
+              </a:rPr>
+              <a:t>年代到</a:t>
+            </a:r>
+            <a:r>
+              <a:rPr lang="en-US" altLang="zh-CN" sz="1200" b="0" i="0" kern="1200" dirty="0">
+                <a:solidFill>
+                  <a:schemeClr val="tx1"/>
+                </a:solidFill>
+                <a:effectLst/>
+                <a:latin typeface="+mn-lt"/>
+                <a:ea typeface="+mn-ea"/>
+                <a:cs typeface="+mn-cs"/>
+              </a:rPr>
+              <a:t>1995</a:t>
+            </a:r>
+            <a:r>
+              <a:rPr lang="zh-CN" altLang="en-US" sz="1200" b="0" i="0" kern="1200" dirty="0">
+                <a:solidFill>
+                  <a:schemeClr val="tx1"/>
+                </a:solidFill>
+                <a:effectLst/>
+                <a:latin typeface="+mn-lt"/>
+                <a:ea typeface="+mn-ea"/>
+                <a:cs typeface="+mn-cs"/>
+              </a:rPr>
+              <a:t>年。这一阶段</a:t>
+            </a:r>
+            <a:r>
+              <a:rPr lang="en-US" altLang="zh-CN" sz="1200" b="0" i="0" kern="1200" dirty="0">
+                <a:solidFill>
+                  <a:schemeClr val="tx1"/>
+                </a:solidFill>
+                <a:effectLst/>
+                <a:latin typeface="+mn-lt"/>
+                <a:ea typeface="+mn-ea"/>
+                <a:cs typeface="+mn-cs"/>
+              </a:rPr>
+              <a:t>C++</a:t>
+            </a:r>
+            <a:r>
+              <a:rPr lang="zh-CN" altLang="en-US" sz="1200" b="0" i="0" kern="1200" dirty="0">
+                <a:solidFill>
+                  <a:schemeClr val="tx1"/>
+                </a:solidFill>
+                <a:effectLst/>
+                <a:latin typeface="+mn-lt"/>
+                <a:ea typeface="+mn-ea"/>
+                <a:cs typeface="+mn-cs"/>
+              </a:rPr>
+              <a:t>语言基本上是传统类型上的面向对象语言，并且凭借着接近</a:t>
+            </a:r>
+            <a:r>
+              <a:rPr lang="en-US" altLang="zh-CN" sz="1200" b="0" i="0" kern="1200" dirty="0">
+                <a:solidFill>
+                  <a:schemeClr val="tx1"/>
+                </a:solidFill>
+                <a:effectLst/>
+                <a:latin typeface="+mn-lt"/>
+                <a:ea typeface="+mn-ea"/>
+                <a:cs typeface="+mn-cs"/>
+              </a:rPr>
+              <a:t>C</a:t>
+            </a:r>
+            <a:r>
+              <a:rPr lang="zh-CN" altLang="en-US" sz="1200" b="0" i="0" kern="1200" dirty="0">
+                <a:solidFill>
+                  <a:schemeClr val="tx1"/>
+                </a:solidFill>
+                <a:effectLst/>
+                <a:latin typeface="+mn-lt"/>
+                <a:ea typeface="+mn-ea"/>
+                <a:cs typeface="+mn-cs"/>
+              </a:rPr>
+              <a:t>语言的效率，在工业界使用的开发语言中占据了相当大份额；</a:t>
+            </a:r>
+            <a:endParaRPr lang="en-US" altLang="zh-CN" sz="1200" b="0" i="0" kern="1200" dirty="0">
+              <a:solidFill>
+                <a:schemeClr val="tx1"/>
+              </a:solidFill>
+              <a:effectLst/>
+              <a:latin typeface="+mn-lt"/>
+              <a:ea typeface="+mn-ea"/>
+              <a:cs typeface="+mn-cs"/>
+            </a:endParaRPr>
+          </a:p>
+          <a:p>
+            <a:endParaRPr lang="zh-CN" altLang="en-US" sz="1200" b="0" i="0" kern="1200" dirty="0">
+              <a:solidFill>
+                <a:schemeClr val="tx1"/>
+              </a:solidFill>
+              <a:effectLst/>
+              <a:latin typeface="+mn-lt"/>
+              <a:ea typeface="+mn-ea"/>
+              <a:cs typeface="+mn-cs"/>
+            </a:endParaRPr>
+          </a:p>
+          <a:p>
+            <a:r>
+              <a:rPr lang="zh-CN" altLang="en-US" sz="1200" b="0" i="0" kern="1200" dirty="0">
+                <a:solidFill>
+                  <a:schemeClr val="tx1"/>
+                </a:solidFill>
+                <a:effectLst/>
+                <a:latin typeface="+mn-lt"/>
+                <a:ea typeface="+mn-ea"/>
+                <a:cs typeface="+mn-cs"/>
+              </a:rPr>
+              <a:t>第二阶段从</a:t>
+            </a:r>
+            <a:r>
+              <a:rPr lang="en-US" altLang="zh-CN" sz="1200" b="0" i="0" kern="1200" dirty="0">
+                <a:solidFill>
+                  <a:schemeClr val="tx1"/>
+                </a:solidFill>
+                <a:effectLst/>
+                <a:latin typeface="+mn-lt"/>
+                <a:ea typeface="+mn-ea"/>
+                <a:cs typeface="+mn-cs"/>
+              </a:rPr>
+              <a:t>1995</a:t>
+            </a:r>
+            <a:r>
+              <a:rPr lang="zh-CN" altLang="en-US" sz="1200" b="0" i="0" kern="1200" dirty="0">
+                <a:solidFill>
+                  <a:schemeClr val="tx1"/>
+                </a:solidFill>
+                <a:effectLst/>
+                <a:latin typeface="+mn-lt"/>
+                <a:ea typeface="+mn-ea"/>
+                <a:cs typeface="+mn-cs"/>
+              </a:rPr>
+              <a:t>年到</a:t>
+            </a:r>
+            <a:r>
+              <a:rPr lang="en-US" altLang="zh-CN" sz="1200" b="0" i="0" kern="1200" dirty="0">
+                <a:solidFill>
+                  <a:schemeClr val="tx1"/>
+                </a:solidFill>
+                <a:effectLst/>
+                <a:latin typeface="+mn-lt"/>
+                <a:ea typeface="+mn-ea"/>
+                <a:cs typeface="+mn-cs"/>
+              </a:rPr>
+              <a:t>2000</a:t>
+            </a:r>
+            <a:r>
+              <a:rPr lang="zh-CN" altLang="en-US" sz="1200" b="0" i="0" kern="1200" dirty="0">
+                <a:solidFill>
+                  <a:schemeClr val="tx1"/>
+                </a:solidFill>
+                <a:effectLst/>
+                <a:latin typeface="+mn-lt"/>
+                <a:ea typeface="+mn-ea"/>
+                <a:cs typeface="+mn-cs"/>
+              </a:rPr>
+              <a:t>年，这一阶段由于标准模板库</a:t>
+            </a:r>
+            <a:r>
+              <a:rPr lang="en-US" altLang="zh-CN" sz="1200" b="0" i="0" kern="1200" dirty="0">
+                <a:solidFill>
+                  <a:schemeClr val="tx1"/>
+                </a:solidFill>
+                <a:effectLst/>
+                <a:latin typeface="+mn-lt"/>
+                <a:ea typeface="+mn-ea"/>
+                <a:cs typeface="+mn-cs"/>
+              </a:rPr>
+              <a:t>(STL)</a:t>
+            </a:r>
+            <a:r>
+              <a:rPr lang="zh-CN" altLang="en-US" sz="1200" b="0" i="0" kern="1200" dirty="0">
+                <a:solidFill>
+                  <a:schemeClr val="tx1"/>
+                </a:solidFill>
+                <a:effectLst/>
+                <a:latin typeface="+mn-lt"/>
+                <a:ea typeface="+mn-ea"/>
+                <a:cs typeface="+mn-cs"/>
+              </a:rPr>
+              <a:t>和后来的</a:t>
+            </a:r>
+            <a:r>
+              <a:rPr lang="en-US" altLang="zh-CN" sz="1200" b="0" i="0" kern="1200" dirty="0">
+                <a:solidFill>
+                  <a:schemeClr val="tx1"/>
+                </a:solidFill>
+                <a:effectLst/>
+                <a:latin typeface="+mn-lt"/>
+                <a:ea typeface="+mn-ea"/>
+                <a:cs typeface="+mn-cs"/>
+              </a:rPr>
+              <a:t>Boost</a:t>
+            </a:r>
+            <a:r>
+              <a:rPr lang="zh-CN" altLang="en-US" sz="1200" b="0" i="0" kern="1200" dirty="0">
+                <a:solidFill>
+                  <a:schemeClr val="tx1"/>
+                </a:solidFill>
+                <a:effectLst/>
+                <a:latin typeface="+mn-lt"/>
+                <a:ea typeface="+mn-ea"/>
+                <a:cs typeface="+mn-cs"/>
+              </a:rPr>
+              <a:t>等程序库的出现，泛型程序设计在</a:t>
+            </a:r>
+            <a:r>
+              <a:rPr lang="en-US" altLang="zh-CN" sz="1200" b="0" i="0" kern="1200" dirty="0">
+                <a:solidFill>
+                  <a:schemeClr val="tx1"/>
+                </a:solidFill>
+                <a:effectLst/>
+                <a:latin typeface="+mn-lt"/>
+                <a:ea typeface="+mn-ea"/>
+                <a:cs typeface="+mn-cs"/>
+              </a:rPr>
+              <a:t>C++</a:t>
+            </a:r>
+            <a:r>
+              <a:rPr lang="zh-CN" altLang="en-US" sz="1200" b="0" i="0" kern="1200" dirty="0">
+                <a:solidFill>
+                  <a:schemeClr val="tx1"/>
+                </a:solidFill>
+                <a:effectLst/>
+                <a:latin typeface="+mn-lt"/>
+                <a:ea typeface="+mn-ea"/>
+                <a:cs typeface="+mn-cs"/>
+              </a:rPr>
+              <a:t>中占据了越来越多的比重性。</a:t>
+            </a:r>
+            <a:endParaRPr lang="en-US" altLang="zh-CN" sz="1200" b="0" i="0" kern="1200" dirty="0">
+              <a:solidFill>
+                <a:schemeClr val="tx1"/>
+              </a:solidFill>
+              <a:effectLst/>
+              <a:latin typeface="+mn-lt"/>
+              <a:ea typeface="+mn-ea"/>
+              <a:cs typeface="+mn-cs"/>
+            </a:endParaRPr>
+          </a:p>
+          <a:p>
+            <a:r>
+              <a:rPr lang="en-US" altLang="zh-CN" sz="1200" b="0" i="0" kern="1200" dirty="0">
+                <a:solidFill>
+                  <a:schemeClr val="tx1"/>
+                </a:solidFill>
+                <a:effectLst/>
+                <a:latin typeface="+mn-lt"/>
+                <a:ea typeface="+mn-ea"/>
+                <a:cs typeface="+mn-cs"/>
+              </a:rPr>
+              <a:t>	</a:t>
+            </a:r>
+            <a:r>
+              <a:rPr lang="zh-CN" altLang="en-US" sz="1200" b="0" i="0" kern="1200" dirty="0">
+                <a:solidFill>
+                  <a:schemeClr val="tx1"/>
+                </a:solidFill>
+                <a:effectLst/>
+                <a:latin typeface="+mn-lt"/>
+                <a:ea typeface="+mn-ea"/>
+                <a:cs typeface="+mn-cs"/>
+              </a:rPr>
+              <a:t>当然，同时由于</a:t>
+            </a:r>
+            <a:r>
+              <a:rPr lang="en-US" altLang="zh-CN" sz="1200" b="0" i="0" kern="1200" dirty="0">
+                <a:solidFill>
+                  <a:schemeClr val="tx1"/>
+                </a:solidFill>
+                <a:effectLst/>
+                <a:latin typeface="+mn-lt"/>
+                <a:ea typeface="+mn-ea"/>
+                <a:cs typeface="+mn-cs"/>
+              </a:rPr>
+              <a:t>Java</a:t>
+            </a:r>
+            <a:r>
+              <a:rPr lang="zh-CN" altLang="en-US" sz="1200" b="0" i="0" kern="1200" dirty="0">
+                <a:solidFill>
+                  <a:schemeClr val="tx1"/>
+                </a:solidFill>
+                <a:effectLst/>
+                <a:latin typeface="+mn-lt"/>
+                <a:ea typeface="+mn-ea"/>
+                <a:cs typeface="+mn-cs"/>
+              </a:rPr>
+              <a:t>、</a:t>
+            </a:r>
+            <a:r>
+              <a:rPr lang="en-US" altLang="zh-CN" sz="1200" b="0" i="0" kern="1200" dirty="0">
+                <a:solidFill>
+                  <a:schemeClr val="tx1"/>
+                </a:solidFill>
+                <a:effectLst/>
+                <a:latin typeface="+mn-lt"/>
+                <a:ea typeface="+mn-ea"/>
+                <a:cs typeface="+mn-cs"/>
+              </a:rPr>
+              <a:t>C#</a:t>
+            </a:r>
+            <a:r>
+              <a:rPr lang="zh-CN" altLang="en-US" sz="1200" b="0" i="0" kern="1200" dirty="0">
+                <a:solidFill>
+                  <a:schemeClr val="tx1"/>
+                </a:solidFill>
+                <a:effectLst/>
+                <a:latin typeface="+mn-lt"/>
+                <a:ea typeface="+mn-ea"/>
+                <a:cs typeface="+mn-cs"/>
+              </a:rPr>
+              <a:t>等语言的出现和硬件价格的大规模下降，</a:t>
+            </a:r>
+            <a:r>
+              <a:rPr lang="en-US" altLang="zh-CN" sz="1200" b="0" i="0" kern="1200" dirty="0">
+                <a:solidFill>
+                  <a:schemeClr val="tx1"/>
+                </a:solidFill>
+                <a:effectLst/>
+                <a:latin typeface="+mn-lt"/>
+                <a:ea typeface="+mn-ea"/>
+                <a:cs typeface="+mn-cs"/>
+              </a:rPr>
+              <a:t>C++</a:t>
+            </a:r>
+            <a:r>
+              <a:rPr lang="zh-CN" altLang="en-US" sz="1200" b="0" i="0" kern="1200" dirty="0">
+                <a:solidFill>
+                  <a:schemeClr val="tx1"/>
+                </a:solidFill>
+                <a:effectLst/>
+                <a:latin typeface="+mn-lt"/>
+                <a:ea typeface="+mn-ea"/>
+                <a:cs typeface="+mn-cs"/>
+              </a:rPr>
+              <a:t>受到了一定的冲击；</a:t>
+            </a:r>
+            <a:endParaRPr lang="en-US" altLang="zh-CN" sz="1200" b="0" i="0" kern="1200" dirty="0">
+              <a:solidFill>
+                <a:schemeClr val="tx1"/>
+              </a:solidFill>
+              <a:effectLst/>
+              <a:latin typeface="+mn-lt"/>
+              <a:ea typeface="+mn-ea"/>
+              <a:cs typeface="+mn-cs"/>
+            </a:endParaRPr>
+          </a:p>
+          <a:p>
+            <a:endParaRPr lang="zh-CN" altLang="en-US" sz="1200" b="0" i="0" kern="1200" dirty="0">
+              <a:solidFill>
+                <a:schemeClr val="tx1"/>
+              </a:solidFill>
+              <a:effectLst/>
+              <a:latin typeface="+mn-lt"/>
+              <a:ea typeface="+mn-ea"/>
+              <a:cs typeface="+mn-cs"/>
+            </a:endParaRPr>
+          </a:p>
+          <a:p>
+            <a:r>
+              <a:rPr lang="zh-CN" altLang="en-US" sz="1200" b="0" i="0" kern="1200" dirty="0">
+                <a:solidFill>
+                  <a:schemeClr val="tx1"/>
+                </a:solidFill>
+                <a:effectLst/>
+                <a:latin typeface="+mn-lt"/>
+                <a:ea typeface="+mn-ea"/>
+                <a:cs typeface="+mn-cs"/>
+              </a:rPr>
+              <a:t>第三阶段从</a:t>
+            </a:r>
+            <a:r>
+              <a:rPr lang="en-US" altLang="zh-CN" sz="1200" b="0" i="0" kern="1200" dirty="0">
+                <a:solidFill>
+                  <a:schemeClr val="tx1"/>
+                </a:solidFill>
+                <a:effectLst/>
+                <a:latin typeface="+mn-lt"/>
+                <a:ea typeface="+mn-ea"/>
+                <a:cs typeface="+mn-cs"/>
+              </a:rPr>
+              <a:t>2000</a:t>
+            </a:r>
+            <a:r>
+              <a:rPr lang="zh-CN" altLang="en-US" sz="1200" b="0" i="0" kern="1200" dirty="0">
+                <a:solidFill>
+                  <a:schemeClr val="tx1"/>
+                </a:solidFill>
+                <a:effectLst/>
+                <a:latin typeface="+mn-lt"/>
+                <a:ea typeface="+mn-ea"/>
+                <a:cs typeface="+mn-cs"/>
+              </a:rPr>
+              <a:t>年至今，由于以</a:t>
+            </a:r>
+            <a:r>
+              <a:rPr lang="en-US" altLang="zh-CN" sz="1200" b="0" i="0" kern="1200" dirty="0">
+                <a:solidFill>
+                  <a:schemeClr val="tx1"/>
+                </a:solidFill>
+                <a:effectLst/>
+                <a:latin typeface="+mn-lt"/>
+                <a:ea typeface="+mn-ea"/>
+                <a:cs typeface="+mn-cs"/>
+              </a:rPr>
+              <a:t>Loki</a:t>
+            </a:r>
+            <a:r>
+              <a:rPr lang="zh-CN" altLang="en-US" sz="1200" b="0" i="0" kern="1200" dirty="0">
+                <a:solidFill>
+                  <a:schemeClr val="tx1"/>
+                </a:solidFill>
+                <a:effectLst/>
+                <a:latin typeface="+mn-lt"/>
+                <a:ea typeface="+mn-ea"/>
+                <a:cs typeface="+mn-cs"/>
+              </a:rPr>
+              <a:t>、</a:t>
+            </a:r>
+            <a:r>
+              <a:rPr lang="en-US" altLang="zh-CN" sz="1200" b="0" i="0" kern="1200" dirty="0">
+                <a:solidFill>
+                  <a:schemeClr val="tx1"/>
+                </a:solidFill>
+                <a:effectLst/>
+                <a:latin typeface="+mn-lt"/>
+                <a:ea typeface="+mn-ea"/>
+                <a:cs typeface="+mn-cs"/>
+              </a:rPr>
+              <a:t>MPL</a:t>
+            </a:r>
+            <a:r>
+              <a:rPr lang="zh-CN" altLang="en-US" sz="1200" b="0" i="0" kern="1200" dirty="0">
+                <a:solidFill>
+                  <a:schemeClr val="tx1"/>
+                </a:solidFill>
+                <a:effectLst/>
+                <a:latin typeface="+mn-lt"/>
+                <a:ea typeface="+mn-ea"/>
+                <a:cs typeface="+mn-cs"/>
+              </a:rPr>
+              <a:t>等程序库为代表的产生式编程和模板元编程的出现，</a:t>
+            </a:r>
+            <a:r>
+              <a:rPr lang="en-US" altLang="zh-CN" sz="1200" b="0" i="0" kern="1200" dirty="0">
+                <a:solidFill>
+                  <a:schemeClr val="tx1"/>
+                </a:solidFill>
+                <a:effectLst/>
+                <a:latin typeface="+mn-lt"/>
+                <a:ea typeface="+mn-ea"/>
+                <a:cs typeface="+mn-cs"/>
+              </a:rPr>
+              <a:t>C++</a:t>
+            </a:r>
+            <a:r>
+              <a:rPr lang="zh-CN" altLang="en-US" sz="1200" b="0" i="0" kern="1200" dirty="0">
+                <a:solidFill>
+                  <a:schemeClr val="tx1"/>
+                </a:solidFill>
+                <a:effectLst/>
+                <a:latin typeface="+mn-lt"/>
+                <a:ea typeface="+mn-ea"/>
+                <a:cs typeface="+mn-cs"/>
+              </a:rPr>
+              <a:t>出现了发展历史上又一个新的高峰</a:t>
+            </a:r>
+            <a:endParaRPr lang="en-US" altLang="zh-CN" sz="1200" b="0" i="0" kern="1200" dirty="0">
+              <a:solidFill>
+                <a:schemeClr val="tx1"/>
+              </a:solidFill>
+              <a:effectLst/>
+              <a:latin typeface="+mn-lt"/>
+              <a:ea typeface="+mn-ea"/>
+              <a:cs typeface="+mn-cs"/>
+            </a:endParaRPr>
+          </a:p>
+          <a:p>
+            <a:r>
+              <a:rPr lang="en-US" altLang="zh-CN" sz="1200" b="0" i="0" kern="1200" dirty="0">
+                <a:solidFill>
+                  <a:schemeClr val="tx1"/>
+                </a:solidFill>
+                <a:effectLst/>
+                <a:latin typeface="+mn-lt"/>
+                <a:ea typeface="+mn-ea"/>
+                <a:cs typeface="+mn-cs"/>
+              </a:rPr>
+              <a:t>	</a:t>
+            </a:r>
+            <a:r>
+              <a:rPr lang="zh-CN" altLang="en-US" sz="1200" b="0" i="0" kern="1200" dirty="0">
+                <a:solidFill>
+                  <a:schemeClr val="tx1"/>
+                </a:solidFill>
+                <a:effectLst/>
+                <a:latin typeface="+mn-lt"/>
+                <a:ea typeface="+mn-ea"/>
+                <a:cs typeface="+mn-cs"/>
+              </a:rPr>
+              <a:t>这些新技术的出现以及和原有技术的融合，使</a:t>
+            </a:r>
+            <a:r>
+              <a:rPr lang="en-US" altLang="zh-CN" sz="1200" b="0" i="0" kern="1200" dirty="0">
+                <a:solidFill>
+                  <a:schemeClr val="tx1"/>
+                </a:solidFill>
+                <a:effectLst/>
+                <a:latin typeface="+mn-lt"/>
+                <a:ea typeface="+mn-ea"/>
+                <a:cs typeface="+mn-cs"/>
+              </a:rPr>
+              <a:t>C++</a:t>
+            </a:r>
+            <a:r>
+              <a:rPr lang="zh-CN" altLang="en-US" sz="1200" b="0" i="0" kern="1200" dirty="0">
+                <a:solidFill>
+                  <a:schemeClr val="tx1"/>
+                </a:solidFill>
+                <a:effectLst/>
+                <a:latin typeface="+mn-lt"/>
+                <a:ea typeface="+mn-ea"/>
+                <a:cs typeface="+mn-cs"/>
+              </a:rPr>
+              <a:t>已经成为当今主流程序设计语言中最复杂的一员。</a:t>
+            </a:r>
+          </a:p>
+          <a:p>
+            <a:endParaRPr lang="en-US" altLang="zh-CN" dirty="0"/>
+          </a:p>
+          <a:p>
+            <a:endParaRPr lang="en-US" altLang="zh-CN" dirty="0"/>
+          </a:p>
+          <a:p>
+            <a:r>
+              <a:rPr lang="en-US" altLang="zh-CN" sz="1200" b="0" i="0" kern="1200" dirty="0">
+                <a:solidFill>
+                  <a:schemeClr val="tx1"/>
+                </a:solidFill>
+                <a:effectLst/>
+                <a:latin typeface="+mn-lt"/>
+                <a:ea typeface="+mn-ea"/>
+                <a:cs typeface="+mn-cs"/>
+              </a:rPr>
+              <a:t>1967 </a:t>
+            </a:r>
+            <a:r>
+              <a:rPr lang="zh-CN" altLang="en-US" sz="1200" b="0" i="0" kern="1200" dirty="0">
+                <a:solidFill>
+                  <a:schemeClr val="tx1"/>
+                </a:solidFill>
+                <a:effectLst/>
+                <a:latin typeface="+mn-lt"/>
+                <a:ea typeface="+mn-ea"/>
+                <a:cs typeface="+mn-cs"/>
+              </a:rPr>
+              <a:t>年，</a:t>
+            </a:r>
+            <a:r>
+              <a:rPr lang="en-US" altLang="zh-CN" sz="1200" b="0" i="0" kern="1200" dirty="0" err="1">
+                <a:solidFill>
+                  <a:schemeClr val="tx1"/>
+                </a:solidFill>
+                <a:effectLst/>
+                <a:latin typeface="+mn-lt"/>
+                <a:ea typeface="+mn-ea"/>
+                <a:cs typeface="+mn-cs"/>
+              </a:rPr>
+              <a:t>Simula</a:t>
+            </a:r>
+            <a:r>
+              <a:rPr lang="en-US" altLang="zh-CN" sz="1200" b="0" i="0" kern="1200" dirty="0">
+                <a:solidFill>
+                  <a:schemeClr val="tx1"/>
+                </a:solidFill>
+                <a:effectLst/>
+                <a:latin typeface="+mn-lt"/>
+                <a:ea typeface="+mn-ea"/>
+                <a:cs typeface="+mn-cs"/>
+              </a:rPr>
+              <a:t> </a:t>
+            </a:r>
+            <a:r>
+              <a:rPr lang="zh-CN" altLang="en-US" sz="1200" b="0" i="0" kern="1200" dirty="0">
+                <a:solidFill>
+                  <a:schemeClr val="tx1"/>
+                </a:solidFill>
+                <a:effectLst/>
+                <a:latin typeface="+mn-lt"/>
+                <a:ea typeface="+mn-ea"/>
+                <a:cs typeface="+mn-cs"/>
+              </a:rPr>
+              <a:t>语言中第一次出现了面向对象 </a:t>
+            </a:r>
+            <a:r>
+              <a:rPr lang="en-US" altLang="zh-CN" sz="1200" b="0" i="0" kern="1200" dirty="0">
+                <a:solidFill>
+                  <a:schemeClr val="tx1"/>
+                </a:solidFill>
+                <a:effectLst/>
+                <a:latin typeface="+mn-lt"/>
+                <a:ea typeface="+mn-ea"/>
+                <a:cs typeface="+mn-cs"/>
+              </a:rPr>
+              <a:t>(OO) </a:t>
+            </a:r>
+            <a:r>
+              <a:rPr lang="zh-CN" altLang="en-US" sz="1200" b="0" i="0" kern="1200" dirty="0">
+                <a:solidFill>
+                  <a:schemeClr val="tx1"/>
+                </a:solidFill>
+                <a:effectLst/>
+                <a:latin typeface="+mn-lt"/>
+                <a:ea typeface="+mn-ea"/>
+                <a:cs typeface="+mn-cs"/>
+              </a:rPr>
+              <a:t>的概念，但由于当时软件规模还不大，技术也还不太成熟，面向对象的优势并未发挥出来。</a:t>
+            </a:r>
+          </a:p>
+          <a:p>
+            <a:r>
+              <a:rPr lang="en-US" altLang="zh-CN" sz="1200" b="0" i="0" kern="1200" dirty="0">
+                <a:solidFill>
+                  <a:schemeClr val="tx1"/>
+                </a:solidFill>
+                <a:effectLst/>
+                <a:latin typeface="+mn-lt"/>
+                <a:ea typeface="+mn-ea"/>
+                <a:cs typeface="+mn-cs"/>
+              </a:rPr>
+              <a:t>1980 </a:t>
+            </a:r>
+            <a:r>
+              <a:rPr lang="zh-CN" altLang="en-US" sz="1200" b="0" i="0" kern="1200" dirty="0">
+                <a:solidFill>
+                  <a:schemeClr val="tx1"/>
+                </a:solidFill>
+                <a:effectLst/>
+                <a:latin typeface="+mn-lt"/>
+                <a:ea typeface="+mn-ea"/>
+                <a:cs typeface="+mn-cs"/>
+              </a:rPr>
+              <a:t>年，</a:t>
+            </a:r>
+            <a:r>
+              <a:rPr lang="en-US" altLang="zh-CN" sz="1200" b="0" i="0" kern="1200" dirty="0">
+                <a:solidFill>
+                  <a:schemeClr val="tx1"/>
+                </a:solidFill>
+                <a:effectLst/>
+                <a:latin typeface="+mn-lt"/>
+                <a:ea typeface="+mn-ea"/>
+                <a:cs typeface="+mn-cs"/>
+              </a:rPr>
+              <a:t>Smalltalk-80 </a:t>
+            </a:r>
+            <a:r>
+              <a:rPr lang="zh-CN" altLang="en-US" sz="1200" b="0" i="0" kern="1200" dirty="0">
+                <a:solidFill>
+                  <a:schemeClr val="tx1"/>
+                </a:solidFill>
+                <a:effectLst/>
+                <a:latin typeface="+mn-lt"/>
+                <a:ea typeface="+mn-ea"/>
+                <a:cs typeface="+mn-cs"/>
+              </a:rPr>
+              <a:t>出现后，面向对象技术才开始发挥魅力。</a:t>
+            </a:r>
+          </a:p>
+          <a:p>
+            <a:r>
+              <a:rPr lang="en-US" altLang="zh-CN" sz="1200" b="0" i="0" kern="1200" dirty="0">
+                <a:solidFill>
+                  <a:schemeClr val="tx1"/>
+                </a:solidFill>
+                <a:effectLst/>
+                <a:latin typeface="+mn-lt"/>
+                <a:ea typeface="+mn-ea"/>
+                <a:cs typeface="+mn-cs"/>
+              </a:rPr>
+              <a:t>1979 </a:t>
+            </a:r>
+            <a:r>
+              <a:rPr lang="zh-CN" altLang="en-US" sz="1200" b="0" i="0" kern="1200" dirty="0">
+                <a:solidFill>
+                  <a:schemeClr val="tx1"/>
+                </a:solidFill>
+                <a:effectLst/>
+                <a:latin typeface="+mn-lt"/>
+                <a:ea typeface="+mn-ea"/>
+                <a:cs typeface="+mn-cs"/>
+              </a:rPr>
+              <a:t>年，</a:t>
+            </a:r>
+            <a:r>
+              <a:rPr lang="en-US" altLang="zh-CN" sz="1200" b="0" i="0" kern="1200" dirty="0">
+                <a:solidFill>
+                  <a:schemeClr val="tx1"/>
+                </a:solidFill>
+                <a:effectLst/>
+                <a:latin typeface="+mn-lt"/>
+                <a:ea typeface="+mn-ea"/>
+                <a:cs typeface="+mn-cs"/>
+              </a:rPr>
+              <a:t>Bjarne </a:t>
+            </a:r>
+            <a:r>
+              <a:rPr lang="en-US" altLang="zh-CN" sz="1200" b="0" i="0" kern="1200" dirty="0" err="1">
+                <a:solidFill>
+                  <a:schemeClr val="tx1"/>
+                </a:solidFill>
+                <a:effectLst/>
+                <a:latin typeface="+mn-lt"/>
+                <a:ea typeface="+mn-ea"/>
+                <a:cs typeface="+mn-cs"/>
+              </a:rPr>
+              <a:t>Stroustrup</a:t>
+            </a:r>
+            <a:r>
+              <a:rPr lang="en-US" altLang="zh-CN" sz="1200" b="0" i="0" kern="1200" dirty="0">
+                <a:solidFill>
+                  <a:schemeClr val="tx1"/>
+                </a:solidFill>
+                <a:effectLst/>
+                <a:latin typeface="+mn-lt"/>
+                <a:ea typeface="+mn-ea"/>
+                <a:cs typeface="+mn-cs"/>
+              </a:rPr>
+              <a:t> </a:t>
+            </a:r>
+            <a:r>
+              <a:rPr lang="zh-CN" altLang="en-US" sz="1200" b="0" i="0" kern="1200" dirty="0">
+                <a:solidFill>
+                  <a:schemeClr val="tx1"/>
+                </a:solidFill>
+                <a:effectLst/>
+                <a:latin typeface="+mn-lt"/>
+                <a:ea typeface="+mn-ea"/>
+                <a:cs typeface="+mn-cs"/>
+              </a:rPr>
+              <a:t>借鉴 </a:t>
+            </a:r>
+            <a:r>
+              <a:rPr lang="en-US" altLang="zh-CN" sz="1200" b="0" i="0" kern="1200" dirty="0" err="1">
+                <a:solidFill>
+                  <a:schemeClr val="tx1"/>
+                </a:solidFill>
+                <a:effectLst/>
+                <a:latin typeface="+mn-lt"/>
+                <a:ea typeface="+mn-ea"/>
+                <a:cs typeface="+mn-cs"/>
+              </a:rPr>
+              <a:t>Simula</a:t>
+            </a:r>
+            <a:r>
+              <a:rPr lang="en-US" altLang="zh-CN" sz="1200" b="0" i="0" kern="1200" dirty="0">
+                <a:solidFill>
+                  <a:schemeClr val="tx1"/>
+                </a:solidFill>
+                <a:effectLst/>
+                <a:latin typeface="+mn-lt"/>
+                <a:ea typeface="+mn-ea"/>
+                <a:cs typeface="+mn-cs"/>
+              </a:rPr>
+              <a:t> </a:t>
+            </a:r>
+            <a:r>
+              <a:rPr lang="zh-CN" altLang="en-US" sz="1200" b="0" i="0" kern="1200" dirty="0">
+                <a:solidFill>
+                  <a:schemeClr val="tx1"/>
+                </a:solidFill>
+                <a:effectLst/>
+                <a:latin typeface="+mn-lt"/>
+                <a:ea typeface="+mn-ea"/>
+                <a:cs typeface="+mn-cs"/>
+              </a:rPr>
+              <a:t>中 </a:t>
+            </a:r>
+            <a:r>
+              <a:rPr lang="en-US" altLang="zh-CN" sz="1200" b="0" i="0" kern="1200" dirty="0">
+                <a:solidFill>
+                  <a:schemeClr val="tx1"/>
+                </a:solidFill>
+                <a:effectLst/>
+                <a:latin typeface="+mn-lt"/>
+                <a:ea typeface="+mn-ea"/>
+                <a:cs typeface="+mn-cs"/>
+              </a:rPr>
+              <a:t>"Class" </a:t>
+            </a:r>
+            <a:r>
+              <a:rPr lang="zh-CN" altLang="en-US" sz="1200" b="0" i="0" kern="1200" dirty="0">
+                <a:solidFill>
+                  <a:schemeClr val="tx1"/>
+                </a:solidFill>
+                <a:effectLst/>
+                <a:latin typeface="+mn-lt"/>
+                <a:ea typeface="+mn-ea"/>
+                <a:cs typeface="+mn-cs"/>
+              </a:rPr>
+              <a:t>的概念，开始研究增强 </a:t>
+            </a:r>
+            <a:r>
+              <a:rPr lang="en-US" altLang="zh-CN" sz="1200" b="0" i="0" kern="1200" dirty="0">
+                <a:solidFill>
+                  <a:schemeClr val="tx1"/>
+                </a:solidFill>
+                <a:effectLst/>
+                <a:latin typeface="+mn-lt"/>
+                <a:ea typeface="+mn-ea"/>
+                <a:cs typeface="+mn-cs"/>
+              </a:rPr>
+              <a:t>C </a:t>
+            </a:r>
+            <a:r>
+              <a:rPr lang="zh-CN" altLang="en-US" sz="1200" b="0" i="0" kern="1200" dirty="0">
+                <a:solidFill>
+                  <a:schemeClr val="tx1"/>
+                </a:solidFill>
+                <a:effectLst/>
+                <a:latin typeface="+mn-lt"/>
+                <a:ea typeface="+mn-ea"/>
+                <a:cs typeface="+mn-cs"/>
+              </a:rPr>
+              <a:t>语言，使其支持面向对象的特性。 </a:t>
+            </a:r>
+            <a:r>
+              <a:rPr lang="en-US" altLang="zh-CN" sz="1200" b="0" i="0" kern="1200" dirty="0" err="1">
+                <a:solidFill>
+                  <a:schemeClr val="tx1"/>
+                </a:solidFill>
+                <a:effectLst/>
+                <a:latin typeface="+mn-lt"/>
+                <a:ea typeface="+mn-ea"/>
+                <a:cs typeface="+mn-cs"/>
+              </a:rPr>
+              <a:t>B.Stroustrup</a:t>
+            </a:r>
+            <a:r>
+              <a:rPr lang="en-US" altLang="zh-CN" sz="1200" b="0" i="0" kern="1200" dirty="0">
+                <a:solidFill>
+                  <a:schemeClr val="tx1"/>
+                </a:solidFill>
+                <a:effectLst/>
+                <a:latin typeface="+mn-lt"/>
+                <a:ea typeface="+mn-ea"/>
+                <a:cs typeface="+mn-cs"/>
+              </a:rPr>
+              <a:t> </a:t>
+            </a:r>
+            <a:r>
+              <a:rPr lang="zh-CN" altLang="en-US" sz="1200" b="0" i="0" kern="1200" dirty="0">
+                <a:solidFill>
+                  <a:schemeClr val="tx1"/>
+                </a:solidFill>
+                <a:effectLst/>
+                <a:latin typeface="+mn-lt"/>
+                <a:ea typeface="+mn-ea"/>
+                <a:cs typeface="+mn-cs"/>
+              </a:rPr>
+              <a:t>写了一个转换程序 </a:t>
+            </a:r>
+            <a:r>
+              <a:rPr lang="en-US" altLang="zh-CN" sz="1200" b="0" i="0" kern="1200" dirty="0">
+                <a:solidFill>
+                  <a:schemeClr val="tx1"/>
+                </a:solidFill>
+                <a:effectLst/>
+                <a:latin typeface="+mn-lt"/>
+                <a:ea typeface="+mn-ea"/>
+                <a:cs typeface="+mn-cs"/>
+              </a:rPr>
+              <a:t>"</a:t>
+            </a:r>
+            <a:r>
+              <a:rPr lang="en-US" altLang="zh-CN" sz="1200" b="0" i="0" kern="1200" dirty="0" err="1">
+                <a:solidFill>
+                  <a:schemeClr val="tx1"/>
+                </a:solidFill>
+                <a:effectLst/>
+                <a:latin typeface="+mn-lt"/>
+                <a:ea typeface="+mn-ea"/>
+                <a:cs typeface="+mn-cs"/>
+              </a:rPr>
+              <a:t>Cfront</a:t>
+            </a:r>
+            <a:r>
+              <a:rPr lang="en-US" altLang="zh-CN" sz="1200" b="0" i="0" kern="1200" dirty="0">
+                <a:solidFill>
+                  <a:schemeClr val="tx1"/>
+                </a:solidFill>
+                <a:effectLst/>
+                <a:latin typeface="+mn-lt"/>
+                <a:ea typeface="+mn-ea"/>
+                <a:cs typeface="+mn-cs"/>
+              </a:rPr>
+              <a:t>" </a:t>
+            </a:r>
+            <a:r>
+              <a:rPr lang="zh-CN" altLang="en-US" sz="1200" b="0" i="0" kern="1200" dirty="0">
+                <a:solidFill>
+                  <a:schemeClr val="tx1"/>
+                </a:solidFill>
+                <a:effectLst/>
+                <a:latin typeface="+mn-lt"/>
+                <a:ea typeface="+mn-ea"/>
+                <a:cs typeface="+mn-cs"/>
+              </a:rPr>
+              <a:t>把 </a:t>
+            </a:r>
+            <a:r>
+              <a:rPr lang="en-US" altLang="zh-CN" sz="1200" b="0" i="0" kern="1200" dirty="0">
+                <a:solidFill>
+                  <a:schemeClr val="tx1"/>
+                </a:solidFill>
+                <a:effectLst/>
+                <a:latin typeface="+mn-lt"/>
+                <a:ea typeface="+mn-ea"/>
+                <a:cs typeface="+mn-cs"/>
+              </a:rPr>
+              <a:t>C++ </a:t>
+            </a:r>
+            <a:r>
+              <a:rPr lang="zh-CN" altLang="en-US" sz="1200" b="0" i="0" kern="1200" dirty="0">
+                <a:solidFill>
+                  <a:schemeClr val="tx1"/>
+                </a:solidFill>
+                <a:effectLst/>
+                <a:latin typeface="+mn-lt"/>
+                <a:ea typeface="+mn-ea"/>
+                <a:cs typeface="+mn-cs"/>
+              </a:rPr>
+              <a:t>代码转换为普通的 </a:t>
+            </a:r>
+            <a:r>
+              <a:rPr lang="en-US" altLang="zh-CN" sz="1200" b="0" i="0" kern="1200" dirty="0">
+                <a:solidFill>
+                  <a:schemeClr val="tx1"/>
+                </a:solidFill>
+                <a:effectLst/>
+                <a:latin typeface="+mn-lt"/>
+                <a:ea typeface="+mn-ea"/>
+                <a:cs typeface="+mn-cs"/>
+              </a:rPr>
+              <a:t>C </a:t>
+            </a:r>
+            <a:r>
+              <a:rPr lang="zh-CN" altLang="en-US" sz="1200" b="0" i="0" kern="1200" dirty="0">
+                <a:solidFill>
+                  <a:schemeClr val="tx1"/>
+                </a:solidFill>
+                <a:effectLst/>
+                <a:latin typeface="+mn-lt"/>
+                <a:ea typeface="+mn-ea"/>
+                <a:cs typeface="+mn-cs"/>
+              </a:rPr>
+              <a:t>代码，使它在各种各样的平台上立即投入使用。 </a:t>
+            </a:r>
+            <a:r>
+              <a:rPr lang="en-US" altLang="zh-CN" sz="1200" b="0" i="0" kern="1200" dirty="0">
+                <a:solidFill>
+                  <a:schemeClr val="tx1"/>
+                </a:solidFill>
+                <a:effectLst/>
+                <a:latin typeface="+mn-lt"/>
+                <a:ea typeface="+mn-ea"/>
+                <a:cs typeface="+mn-cs"/>
+              </a:rPr>
+              <a:t>1983 </a:t>
+            </a:r>
+            <a:r>
+              <a:rPr lang="zh-CN" altLang="en-US" sz="1200" b="0" i="0" kern="1200" dirty="0">
+                <a:solidFill>
+                  <a:schemeClr val="tx1"/>
+                </a:solidFill>
+                <a:effectLst/>
+                <a:latin typeface="+mn-lt"/>
+                <a:ea typeface="+mn-ea"/>
+                <a:cs typeface="+mn-cs"/>
+              </a:rPr>
+              <a:t>年，这种语言被命名为 </a:t>
+            </a:r>
+            <a:r>
+              <a:rPr lang="en-US" altLang="zh-CN" sz="1200" b="0" i="0" kern="1200" dirty="0">
+                <a:solidFill>
+                  <a:schemeClr val="tx1"/>
+                </a:solidFill>
+                <a:effectLst/>
+                <a:latin typeface="+mn-lt"/>
+                <a:ea typeface="+mn-ea"/>
+                <a:cs typeface="+mn-cs"/>
+              </a:rPr>
+              <a:t>C++</a:t>
+            </a:r>
+          </a:p>
+          <a:p>
             <a:endParaRPr lang="zh-CN" altLang="en-US" dirty="0"/>
           </a:p>
         </p:txBody>
@@ -549,7 +1615,7 @@
           <a:p>
             <a:fld id="{46593B6F-300B-4ECE-AE7E-E0BEBEA3A190}" type="slidenum">
               <a:rPr lang="zh-CN" altLang="en-US" smtClean="0"/>
-              <a:t>6</a:t>
+              <a:t>4</a:t>
             </a:fld>
             <a:endParaRPr lang="zh-CN" altLang="en-US"/>
           </a:p>
@@ -558,7 +1624,7 @@
     </p:spTree>
     <p:extLst>
       <p:ext uri="{BB962C8B-B14F-4D97-AF65-F5344CB8AC3E}">
-        <p14:creationId xmlns:p14="http://schemas.microsoft.com/office/powerpoint/2010/main" val="35236224"/>
+        <p14:creationId xmlns:p14="http://schemas.microsoft.com/office/powerpoint/2010/main" val="3360396380"/>
       </p:ext>
     </p:extLst>
   </p:cSld>
@@ -612,6 +1678,66 @@
           <a:bodyPr/>
           <a:lstStyle/>
           <a:p>
+            <a:r>
+              <a:rPr lang="zh-CN" altLang="en-US" dirty="0"/>
+              <a:t>； 作为语句结束符</a:t>
+            </a:r>
+            <a:endParaRPr lang="en-US" altLang="zh-CN" dirty="0"/>
+          </a:p>
+          <a:p>
+            <a:r>
+              <a:rPr lang="zh-CN" altLang="en-US" dirty="0"/>
+              <a:t>注释</a:t>
+            </a:r>
+            <a:endParaRPr lang="en-US" altLang="zh-CN" dirty="0"/>
+          </a:p>
+          <a:p>
+            <a:pPr marL="171450" indent="-171450">
+              <a:buFont typeface="Arial" panose="020B0604020202020204" pitchFamily="34" charset="0"/>
+              <a:buChar char="•"/>
+            </a:pPr>
+            <a:r>
+              <a:rPr lang="zh-CN" altLang="en-US" dirty="0"/>
+              <a:t>单行 </a:t>
+            </a:r>
+            <a:r>
+              <a:rPr lang="en-US" altLang="zh-CN" dirty="0"/>
+              <a:t>//</a:t>
+            </a:r>
+          </a:p>
+          <a:p>
+            <a:pPr marL="171450" indent="-171450">
+              <a:buFont typeface="Arial" panose="020B0604020202020204" pitchFamily="34" charset="0"/>
+              <a:buChar char="•"/>
+            </a:pPr>
+            <a:r>
+              <a:rPr lang="zh-CN" altLang="en-US" dirty="0"/>
+              <a:t>多行 </a:t>
+            </a:r>
+            <a:r>
+              <a:rPr lang="en-US" altLang="zh-CN" dirty="0"/>
+              <a:t>/* */</a:t>
+            </a:r>
+          </a:p>
+          <a:p>
+            <a:pPr marL="171450" indent="-171450">
+              <a:buFont typeface="Arial" panose="020B0604020202020204" pitchFamily="34" charset="0"/>
+              <a:buChar char="•"/>
+            </a:pPr>
+            <a:endParaRPr lang="en-US" altLang="zh-CN" dirty="0"/>
+          </a:p>
+          <a:p>
+            <a:pPr marL="0" indent="0">
+              <a:buFont typeface="Arial" panose="020B0604020202020204" pitchFamily="34" charset="0"/>
+              <a:buNone/>
+            </a:pPr>
+            <a:endParaRPr lang="en-US" altLang="zh-CN" dirty="0"/>
+          </a:p>
+          <a:p>
+            <a:pPr marL="171450" indent="-171450">
+              <a:buFont typeface="Arial" panose="020B0604020202020204" pitchFamily="34" charset="0"/>
+              <a:buChar char="•"/>
+            </a:pPr>
             <a:endParaRPr lang="zh-CN" altLang="en-US" dirty="0"/>
           </a:p>
         </p:txBody>
@@ -633,7 +1759,175 @@
           <a:p>
             <a:fld id="{46593B6F-300B-4ECE-AE7E-E0BEBEA3A190}" type="slidenum">
               <a:rPr lang="zh-CN" altLang="en-US" smtClean="0"/>
+              <a:t>5</a:t>
+            </a:fld>
+            <a:endParaRPr lang="zh-CN" altLang="en-US"/>
+          </a:p>
+        </p:txBody>
+      </p:sp>
+    </p:spTree>
+    <p:extLst>
+      <p:ext uri="{BB962C8B-B14F-4D97-AF65-F5344CB8AC3E}">
+        <p14:creationId xmlns:p14="http://schemas.microsoft.com/office/powerpoint/2010/main" val="531163972"/>
+      </p:ext>
+    </p:extLst>
+  </p:cSld>
+  <p:clrMapOvr>
+    <a:masterClrMapping/>
+  </p:clrMapOvr>
+</p:notes>
+</file>
+
+<file path=ppt/notesSlides/notesSlide3.xml><?xml version="1.0" encoding="utf-8"?>
+<p:notes xmlns:a="http://schemas.openxmlformats.org/drawingml/2006/main" xmlns:r="http://schemas.openxmlformats.org/officeDocument/2006/relationships" xmlns:p="http://schemas.openxmlformats.org/presentationml/2006/main">
+  <p:cSld>
+    <p:spTree>
+      <p:nvGrpSpPr>
+        <p:cNvPr id="1" name=""/>
+        <p:cNvGrpSpPr/>
+        <p:nvPr/>
+      </p:nvGrpSpPr>
+      <p:grpSpPr>
+        <a:xfrm>
+          <a:off x="0" y="0"/>
+          <a:ext cx="0" cy="0"/>
+          <a:chOff x="0" y="0"/>
+          <a:chExt cx="0" cy="0"/>
+        </a:xfrm>
+      </p:grpSpPr>
+      <p:sp>
+        <p:nvSpPr>
+          <p:cNvPr id="2" name="幻灯片图像占位符 1"/>
+          <p:cNvSpPr>
+            <a:spLocks noGrp="1" noRot="1" noChangeAspect="1"/>
+          </p:cNvSpPr>
+          <p:nvPr>
+            <p:ph type="sldImg"/>
+          </p:nvPr>
+        </p:nvSpPr>
+        <p:spPr/>
+      </p:sp>
+      <p:sp>
+        <p:nvSpPr>
+          <p:cNvPr id="3" name="备注占位符 2"/>
+          <p:cNvSpPr>
+            <a:spLocks noGrp="1"/>
+          </p:cNvSpPr>
+          <p:nvPr>
+            <p:ph type="body" idx="1"/>
+          </p:nvPr>
+        </p:nvSpPr>
+        <p:spPr/>
+        <p:txBody>
+          <a:bodyPr/>
+          <a:lstStyle/>
+          <a:p>
+            <a:endParaRPr lang="zh-CN" altLang="en-US" dirty="0"/>
+          </a:p>
+        </p:txBody>
+      </p:sp>
+      <p:sp>
+        <p:nvSpPr>
+          <p:cNvPr id="4" name="灯片编号占位符 3"/>
+          <p:cNvSpPr>
+            <a:spLocks noGrp="1"/>
+          </p:cNvSpPr>
+          <p:nvPr>
+            <p:ph type="sldNum" sz="quarter" idx="10"/>
+          </p:nvPr>
+        </p:nvSpPr>
+        <p:spPr/>
+        <p:txBody>
+          <a:bodyPr/>
+          <a:lstStyle/>
+          <a:p>
+            <a:fld id="{46593B6F-300B-4ECE-AE7E-E0BEBEA3A190}" type="slidenum">
+              <a:rPr lang="zh-CN" altLang="en-US" smtClean="0"/>
               <a:t>7</a:t>
+            </a:fld>
+            <a:endParaRPr lang="zh-CN" altLang="en-US"/>
+          </a:p>
+        </p:txBody>
+      </p:sp>
+    </p:spTree>
+    <p:extLst>
+      <p:ext uri="{BB962C8B-B14F-4D97-AF65-F5344CB8AC3E}">
+        <p14:creationId xmlns:p14="http://schemas.microsoft.com/office/powerpoint/2010/main" val="35236224"/>
+      </p:ext>
+    </p:extLst>
+  </p:cSld>
+  <p:clrMapOvr>
+    <a:masterClrMapping/>
+  </p:clrMapOvr>
+</p:notes>
+</file>
+
+<file path=ppt/notesSlides/notesSlide4.xml><?xml version="1.0" encoding="utf-8"?>
+<p:notes xmlns:a="http://schemas.openxmlformats.org/drawingml/2006/main" xmlns:r="http://schemas.openxmlformats.org/officeDocument/2006/relationships" xmlns:p="http://schemas.openxmlformats.org/presentationml/2006/main">
+  <p:cSld>
+    <p:spTree>
+      <p:nvGrpSpPr>
+        <p:cNvPr id="1" name=""/>
+        <p:cNvGrpSpPr/>
+        <p:nvPr/>
+      </p:nvGrpSpPr>
+      <p:grpSpPr>
+        <a:xfrm>
+          <a:off x="0" y="0"/>
+          <a:ext cx="0" cy="0"/>
+          <a:chOff x="0" y="0"/>
+          <a:chExt cx="0" cy="0"/>
+        </a:xfrm>
+      </p:grpSpPr>
+      <p:sp>
+        <p:nvSpPr>
+          <p:cNvPr id="2" name="幻灯片图像占位符 1"/>
+          <p:cNvSpPr>
+            <a:spLocks noGrp="1" noRot="1" noChangeAspect="1"/>
+          </p:cNvSpPr>
+          <p:nvPr>
+            <p:ph type="sldImg"/>
+          </p:nvPr>
+        </p:nvSpPr>
+        <p:spPr/>
+      </p:sp>
+      <p:sp>
+        <p:nvSpPr>
+          <p:cNvPr id="3" name="备注占位符 2"/>
+          <p:cNvSpPr>
+            <a:spLocks noGrp="1"/>
+          </p:cNvSpPr>
+          <p:nvPr>
+            <p:ph type="body" idx="1"/>
+          </p:nvPr>
+        </p:nvSpPr>
+        <p:spPr/>
+        <p:txBody>
+          <a:bodyPr/>
+          <a:lstStyle/>
+          <a:p>
+            <a:endParaRPr lang="zh-CN" altLang="en-US" dirty="0"/>
+          </a:p>
+        </p:txBody>
+      </p:sp>
+      <p:sp>
+        <p:nvSpPr>
+          <p:cNvPr id="4" name="灯片编号占位符 3"/>
+          <p:cNvSpPr>
+            <a:spLocks noGrp="1"/>
+          </p:cNvSpPr>
+          <p:nvPr>
+            <p:ph type="sldNum" sz="quarter" idx="10"/>
+          </p:nvPr>
+        </p:nvSpPr>
+        <p:spPr/>
+        <p:txBody>
+          <a:bodyPr/>
+          <a:lstStyle/>
+          <a:p>
+            <a:fld id="{46593B6F-300B-4ECE-AE7E-E0BEBEA3A190}" type="slidenum">
+              <a:rPr lang="zh-CN" altLang="en-US" smtClean="0"/>
+              <a:t>8</a:t>
             </a:fld>
             <a:endParaRPr lang="zh-CN" altLang="en-US"/>
           </a:p>
@@ -643,6 +1937,1260 @@
     <p:extLst>
       <p:ext uri="{BB962C8B-B14F-4D97-AF65-F5344CB8AC3E}">
         <p14:creationId xmlns:p14="http://schemas.microsoft.com/office/powerpoint/2010/main" val="3224436046"/>
+      </p:ext>
+    </p:extLst>
+  </p:cSld>
+  <p:clrMapOvr>
+    <a:masterClrMapping/>
+  </p:clrMapOvr>
+</p:notes>
+</file>
+
+<file path=ppt/notesSlides/notesSlide5.xml><?xml version="1.0" encoding="utf-8"?>
+<p:notes xmlns:a="http://schemas.openxmlformats.org/drawingml/2006/main" xmlns:r="http://schemas.openxmlformats.org/officeDocument/2006/relationships" xmlns:p="http://schemas.openxmlformats.org/presentationml/2006/main">
+  <p:cSld>
+    <p:spTree>
+      <p:nvGrpSpPr>
+        <p:cNvPr id="1" name=""/>
+        <p:cNvGrpSpPr/>
+        <p:nvPr/>
+      </p:nvGrpSpPr>
+      <p:grpSpPr>
+        <a:xfrm>
+          <a:off x="0" y="0"/>
+          <a:ext cx="0" cy="0"/>
+          <a:chOff x="0" y="0"/>
+          <a:chExt cx="0" cy="0"/>
+        </a:xfrm>
+      </p:grpSpPr>
+      <p:sp>
+        <p:nvSpPr>
+          <p:cNvPr id="2" name="幻灯片图像占位符 1"/>
+          <p:cNvSpPr>
+            <a:spLocks noGrp="1" noRot="1" noChangeAspect="1"/>
+          </p:cNvSpPr>
+          <p:nvPr>
+            <p:ph type="sldImg"/>
+          </p:nvPr>
+        </p:nvSpPr>
+        <p:spPr/>
+      </p:sp>
+      <p:sp>
+        <p:nvSpPr>
+          <p:cNvPr id="3" name="备注占位符 2"/>
+          <p:cNvSpPr>
+            <a:spLocks noGrp="1"/>
+          </p:cNvSpPr>
+          <p:nvPr>
+            <p:ph type="body" idx="1"/>
+          </p:nvPr>
+        </p:nvSpPr>
+        <p:spPr/>
+        <p:txBody>
+          <a:bodyPr/>
+          <a:lstStyle/>
+          <a:p>
+            <a:endParaRPr lang="zh-CN" altLang="en-US" dirty="0"/>
+          </a:p>
+        </p:txBody>
+      </p:sp>
+      <p:sp>
+        <p:nvSpPr>
+          <p:cNvPr id="4" name="灯片编号占位符 3"/>
+          <p:cNvSpPr>
+            <a:spLocks noGrp="1"/>
+          </p:cNvSpPr>
+          <p:nvPr>
+            <p:ph type="sldNum" sz="quarter" idx="10"/>
+          </p:nvPr>
+        </p:nvSpPr>
+        <p:spPr/>
+        <p:txBody>
+          <a:bodyPr/>
+          <a:lstStyle/>
+          <a:p>
+            <a:fld id="{46593B6F-300B-4ECE-AE7E-E0BEBEA3A190}" type="slidenum">
+              <a:rPr lang="zh-CN" altLang="en-US" smtClean="0"/>
+              <a:t>9</a:t>
+            </a:fld>
+            <a:endParaRPr lang="zh-CN" altLang="en-US"/>
+          </a:p>
+        </p:txBody>
+      </p:sp>
+    </p:spTree>
+    <p:extLst>
+      <p:ext uri="{BB962C8B-B14F-4D97-AF65-F5344CB8AC3E}">
+        <p14:creationId xmlns:p14="http://schemas.microsoft.com/office/powerpoint/2010/main" val="651560386"/>
+      </p:ext>
+    </p:extLst>
+  </p:cSld>
+  <p:clrMapOvr>
+    <a:masterClrMapping/>
+  </p:clrMapOvr>
+</p:notes>
+</file>
+
+<file path=ppt/notesSlides/notesSlide6.xml><?xml version="1.0" encoding="utf-8"?>
+<p:notes xmlns:a="http://schemas.openxmlformats.org/drawingml/2006/main" xmlns:r="http://schemas.openxmlformats.org/officeDocument/2006/relationships" xmlns:p="http://schemas.openxmlformats.org/presentationml/2006/main">
+  <p:cSld>
+    <p:spTree>
+      <p:nvGrpSpPr>
+        <p:cNvPr id="1" name=""/>
+        <p:cNvGrpSpPr/>
+        <p:nvPr/>
+      </p:nvGrpSpPr>
+      <p:grpSpPr>
+        <a:xfrm>
+          <a:off x="0" y="0"/>
+          <a:ext cx="0" cy="0"/>
+          <a:chOff x="0" y="0"/>
+          <a:chExt cx="0" cy="0"/>
+        </a:xfrm>
+      </p:grpSpPr>
+      <p:sp>
+        <p:nvSpPr>
+          <p:cNvPr id="2" name="幻灯片图像占位符 1"/>
+          <p:cNvSpPr>
+            <a:spLocks noGrp="1" noRot="1" noChangeAspect="1"/>
+          </p:cNvSpPr>
+          <p:nvPr>
+            <p:ph type="sldImg"/>
+          </p:nvPr>
+        </p:nvSpPr>
+        <p:spPr/>
+      </p:sp>
+      <p:sp>
+        <p:nvSpPr>
+          <p:cNvPr id="3" name="备注占位符 2"/>
+          <p:cNvSpPr>
+            <a:spLocks noGrp="1"/>
+          </p:cNvSpPr>
+          <p:nvPr>
+            <p:ph type="body" idx="1"/>
+          </p:nvPr>
+        </p:nvSpPr>
+        <p:spPr/>
+        <p:txBody>
+          <a:bodyPr/>
+          <a:lstStyle/>
+          <a:p>
+            <a:r>
+              <a:rPr lang="zh-CN" altLang="en-US" dirty="0"/>
+              <a:t>一个浮点数 </a:t>
+            </a:r>
+            <a:r>
+              <a:rPr lang="en-US" altLang="zh-CN" dirty="0"/>
+              <a:t>N </a:t>
+            </a:r>
+            <a:r>
+              <a:rPr lang="zh-CN" altLang="en-US" dirty="0"/>
+              <a:t>可以由两个数 </a:t>
+            </a:r>
+            <a:r>
+              <a:rPr lang="en-US" altLang="zh-CN" dirty="0"/>
+              <a:t>M </a:t>
+            </a:r>
+            <a:r>
+              <a:rPr lang="zh-CN" altLang="en-US" dirty="0"/>
+              <a:t>和 </a:t>
+            </a:r>
+            <a:r>
+              <a:rPr lang="en-US" altLang="zh-CN" dirty="0"/>
+              <a:t>E </a:t>
+            </a:r>
+            <a:r>
+              <a:rPr lang="zh-CN" altLang="en-US" dirty="0"/>
+              <a:t>来表示</a:t>
+            </a:r>
+            <a:r>
+              <a:rPr lang="en-US" altLang="zh-CN" dirty="0"/>
+              <a:t>: N =M * B ^ E , </a:t>
+            </a:r>
+            <a:r>
+              <a:rPr lang="zh-CN" altLang="en-US" dirty="0"/>
+              <a:t>其中 </a:t>
+            </a:r>
+            <a:r>
+              <a:rPr lang="en-US" altLang="zh-CN" dirty="0"/>
+              <a:t>B </a:t>
+            </a:r>
+            <a:r>
+              <a:rPr lang="zh-CN" altLang="en-US" dirty="0"/>
+              <a:t>为基数</a:t>
+            </a:r>
+            <a:r>
+              <a:rPr lang="en-US" altLang="zh-CN" dirty="0"/>
+              <a:t>, E </a:t>
+            </a:r>
+            <a:r>
+              <a:rPr lang="zh-CN" altLang="en-US" dirty="0"/>
+              <a:t>为指数</a:t>
+            </a:r>
+            <a:r>
+              <a:rPr lang="en-US" altLang="zh-CN" dirty="0"/>
+              <a:t>,M </a:t>
+            </a:r>
+            <a:r>
+              <a:rPr lang="zh-CN" altLang="en-US" dirty="0"/>
+              <a:t>为尾数</a:t>
+            </a:r>
+            <a:r>
+              <a:rPr lang="en-US" altLang="zh-CN" dirty="0"/>
+              <a:t>,</a:t>
+            </a:r>
+          </a:p>
+          <a:p>
+            <a:endParaRPr lang="en-US" altLang="zh-CN" dirty="0"/>
+          </a:p>
+          <a:p>
+            <a:r>
+              <a:rPr lang="zh-CN" altLang="en-US" sz="1200" b="0" i="0" kern="1200" dirty="0">
+                <a:solidFill>
+                  <a:schemeClr val="tx1"/>
+                </a:solidFill>
+                <a:effectLst/>
+                <a:latin typeface="+mn-lt"/>
+                <a:ea typeface="+mn-ea"/>
+                <a:cs typeface="+mn-cs"/>
+              </a:rPr>
+              <a:t>指数部分（</a:t>
+            </a:r>
+            <a:r>
+              <a:rPr lang="en-US" altLang="zh-CN" sz="1200" b="0" i="0" kern="1200" dirty="0">
+                <a:solidFill>
+                  <a:schemeClr val="tx1"/>
+                </a:solidFill>
+                <a:effectLst/>
+                <a:latin typeface="+mn-lt"/>
+                <a:ea typeface="+mn-ea"/>
+                <a:cs typeface="+mn-cs"/>
+              </a:rPr>
+              <a:t>E</a:t>
+            </a:r>
+            <a:r>
+              <a:rPr lang="zh-CN" altLang="en-US" sz="1200" b="0" i="0" kern="1200" dirty="0">
+                <a:solidFill>
+                  <a:schemeClr val="tx1"/>
+                </a:solidFill>
+                <a:effectLst/>
+                <a:latin typeface="+mn-lt"/>
+                <a:ea typeface="+mn-ea"/>
+                <a:cs typeface="+mn-cs"/>
+              </a:rPr>
+              <a:t>）　占用８</a:t>
+            </a:r>
+            <a:r>
+              <a:rPr lang="en-US" altLang="zh-CN" sz="1200" b="0" i="0" kern="1200" dirty="0">
+                <a:solidFill>
+                  <a:schemeClr val="tx1"/>
+                </a:solidFill>
+                <a:effectLst/>
+                <a:latin typeface="+mn-lt"/>
+                <a:ea typeface="+mn-ea"/>
+                <a:cs typeface="+mn-cs"/>
+              </a:rPr>
+              <a:t>-bit</a:t>
+            </a:r>
+            <a:r>
+              <a:rPr lang="zh-CN" altLang="en-US" sz="1200" b="0" i="0" kern="1200" dirty="0">
+                <a:solidFill>
+                  <a:schemeClr val="tx1"/>
+                </a:solidFill>
+                <a:effectLst/>
+                <a:latin typeface="+mn-lt"/>
+                <a:ea typeface="+mn-ea"/>
+                <a:cs typeface="+mn-cs"/>
+              </a:rPr>
+              <a:t>的二进制数，可表示数值范围为</a:t>
+            </a:r>
+            <a:r>
+              <a:rPr lang="en-US" altLang="zh-CN" sz="1200" b="0" i="0" kern="1200" dirty="0">
+                <a:solidFill>
+                  <a:schemeClr val="tx1"/>
+                </a:solidFill>
+                <a:effectLst/>
+                <a:latin typeface="+mn-lt"/>
+                <a:ea typeface="+mn-ea"/>
+                <a:cs typeface="+mn-cs"/>
+              </a:rPr>
+              <a:t>0</a:t>
+            </a:r>
+            <a:r>
+              <a:rPr lang="zh-CN" altLang="en-US" sz="1200" b="0" i="0" kern="1200" dirty="0">
+                <a:solidFill>
+                  <a:schemeClr val="tx1"/>
+                </a:solidFill>
+                <a:effectLst/>
+                <a:latin typeface="+mn-lt"/>
+                <a:ea typeface="+mn-ea"/>
+                <a:cs typeface="+mn-cs"/>
+              </a:rPr>
+              <a:t>－</a:t>
+            </a:r>
+            <a:r>
+              <a:rPr lang="en-US" altLang="zh-CN" sz="1200" b="0" i="0" kern="1200" dirty="0">
+                <a:solidFill>
+                  <a:schemeClr val="tx1"/>
+                </a:solidFill>
+                <a:effectLst/>
+                <a:latin typeface="+mn-lt"/>
+                <a:ea typeface="+mn-ea"/>
+                <a:cs typeface="+mn-cs"/>
+              </a:rPr>
+              <a:t>255</a:t>
+            </a:r>
+            <a:r>
+              <a:rPr lang="zh-CN" altLang="en-US" sz="1200" b="0" i="0" kern="1200" dirty="0">
+                <a:solidFill>
+                  <a:schemeClr val="tx1"/>
+                </a:solidFill>
+                <a:effectLst/>
+                <a:latin typeface="+mn-lt"/>
+                <a:ea typeface="+mn-ea"/>
+                <a:cs typeface="+mn-cs"/>
+              </a:rPr>
+              <a:t>。但是指数应可正可负，所以</a:t>
+            </a:r>
+            <a:r>
+              <a:rPr lang="en-US" altLang="zh-CN" sz="1200" b="0" i="0" kern="1200" dirty="0">
+                <a:solidFill>
+                  <a:schemeClr val="tx1"/>
+                </a:solidFill>
+                <a:effectLst/>
+                <a:latin typeface="+mn-lt"/>
+                <a:ea typeface="+mn-ea"/>
+                <a:cs typeface="+mn-cs"/>
+              </a:rPr>
+              <a:t>IEEE</a:t>
+            </a:r>
+            <a:r>
+              <a:rPr lang="zh-CN" altLang="en-US" sz="1200" b="0" i="0" kern="1200" dirty="0">
+                <a:solidFill>
+                  <a:schemeClr val="tx1"/>
+                </a:solidFill>
+                <a:effectLst/>
+                <a:latin typeface="+mn-lt"/>
+                <a:ea typeface="+mn-ea"/>
+                <a:cs typeface="+mn-cs"/>
+              </a:rPr>
+              <a:t>规定，此处算出的次方须减去</a:t>
+            </a:r>
+            <a:r>
+              <a:rPr lang="en-US" altLang="zh-CN" sz="1200" b="0" i="0" kern="1200" dirty="0">
+                <a:solidFill>
+                  <a:schemeClr val="tx1"/>
+                </a:solidFill>
+                <a:effectLst/>
+                <a:latin typeface="+mn-lt"/>
+                <a:ea typeface="+mn-ea"/>
+                <a:cs typeface="+mn-cs"/>
+              </a:rPr>
+              <a:t>127</a:t>
+            </a:r>
+            <a:r>
+              <a:rPr lang="zh-CN" altLang="en-US" sz="1200" b="0" i="0" kern="1200" dirty="0">
+                <a:solidFill>
+                  <a:schemeClr val="tx1"/>
+                </a:solidFill>
+                <a:effectLst/>
+                <a:latin typeface="+mn-lt"/>
+                <a:ea typeface="+mn-ea"/>
+                <a:cs typeface="+mn-cs"/>
+              </a:rPr>
+              <a:t>才是真正的指数。所以</a:t>
+            </a:r>
+            <a:r>
+              <a:rPr lang="en-US" altLang="zh-CN" sz="1200" b="0" i="0" kern="1200" dirty="0">
+                <a:solidFill>
+                  <a:schemeClr val="tx1"/>
+                </a:solidFill>
+                <a:effectLst/>
+                <a:latin typeface="+mn-lt"/>
+                <a:ea typeface="+mn-ea"/>
+                <a:cs typeface="+mn-cs"/>
+              </a:rPr>
+              <a:t>float</a:t>
+            </a:r>
+            <a:r>
+              <a:rPr lang="zh-CN" altLang="en-US" sz="1200" b="0" i="0" kern="1200" dirty="0">
+                <a:solidFill>
+                  <a:schemeClr val="tx1"/>
+                </a:solidFill>
+                <a:effectLst/>
+                <a:latin typeface="+mn-lt"/>
+                <a:ea typeface="+mn-ea"/>
+                <a:cs typeface="+mn-cs"/>
+              </a:rPr>
+              <a:t>的指数可从 </a:t>
+            </a:r>
+            <a:r>
+              <a:rPr lang="en-US" altLang="zh-CN" sz="1200" b="0" i="0" kern="1200" dirty="0">
+                <a:solidFill>
+                  <a:schemeClr val="tx1"/>
+                </a:solidFill>
+                <a:effectLst/>
+                <a:latin typeface="+mn-lt"/>
+                <a:ea typeface="+mn-ea"/>
+                <a:cs typeface="+mn-cs"/>
+              </a:rPr>
+              <a:t>-126</a:t>
+            </a:r>
+            <a:r>
+              <a:rPr lang="zh-CN" altLang="en-US" sz="1200" b="0" i="0" kern="1200" dirty="0">
+                <a:solidFill>
+                  <a:schemeClr val="tx1"/>
+                </a:solidFill>
+                <a:effectLst/>
+                <a:latin typeface="+mn-lt"/>
+                <a:ea typeface="+mn-ea"/>
+                <a:cs typeface="+mn-cs"/>
+              </a:rPr>
+              <a:t>到</a:t>
+            </a:r>
+            <a:r>
+              <a:rPr lang="en-US" altLang="zh-CN" sz="1200" b="0" i="0" kern="1200" dirty="0">
+                <a:solidFill>
+                  <a:schemeClr val="tx1"/>
+                </a:solidFill>
+                <a:effectLst/>
+                <a:latin typeface="+mn-lt"/>
+                <a:ea typeface="+mn-ea"/>
+                <a:cs typeface="+mn-cs"/>
+              </a:rPr>
+              <a:t>128.</a:t>
+            </a:r>
+          </a:p>
+          <a:p>
+            <a:endParaRPr lang="en-US" altLang="zh-CN" sz="1200" b="0" i="0" kern="1200" dirty="0">
+              <a:solidFill>
+                <a:schemeClr val="tx1"/>
+              </a:solidFill>
+              <a:effectLst/>
+              <a:latin typeface="+mn-lt"/>
+              <a:ea typeface="+mn-ea"/>
+              <a:cs typeface="+mn-cs"/>
+            </a:endParaRPr>
+          </a:p>
+          <a:p>
+            <a:r>
+              <a:rPr lang="zh-CN" altLang="en-US" sz="1200" b="0" i="0" kern="1200" dirty="0">
+                <a:solidFill>
+                  <a:schemeClr val="tx1"/>
+                </a:solidFill>
+                <a:effectLst/>
+                <a:latin typeface="+mn-lt"/>
+                <a:ea typeface="+mn-ea"/>
+                <a:cs typeface="+mn-cs"/>
+              </a:rPr>
+              <a:t>尾数部分（</a:t>
+            </a:r>
+            <a:r>
+              <a:rPr lang="en-US" altLang="zh-CN" sz="1200" b="0" i="0" kern="1200" dirty="0">
+                <a:solidFill>
+                  <a:schemeClr val="tx1"/>
+                </a:solidFill>
+                <a:effectLst/>
+                <a:latin typeface="+mn-lt"/>
+                <a:ea typeface="+mn-ea"/>
+                <a:cs typeface="+mn-cs"/>
+              </a:rPr>
+              <a:t>M</a:t>
+            </a:r>
+            <a:r>
+              <a:rPr lang="zh-CN" altLang="en-US" sz="1200" b="0" i="0" kern="1200" dirty="0">
+                <a:solidFill>
+                  <a:schemeClr val="tx1"/>
+                </a:solidFill>
+                <a:effectLst/>
+                <a:latin typeface="+mn-lt"/>
+                <a:ea typeface="+mn-ea"/>
+                <a:cs typeface="+mn-cs"/>
+              </a:rPr>
+              <a:t>）  实际是占用</a:t>
+            </a:r>
+            <a:r>
+              <a:rPr lang="en-US" altLang="zh-CN" sz="1200" b="0" i="0" kern="1200" dirty="0">
+                <a:solidFill>
+                  <a:schemeClr val="tx1"/>
+                </a:solidFill>
+                <a:effectLst/>
+                <a:latin typeface="+mn-lt"/>
+                <a:ea typeface="+mn-ea"/>
+                <a:cs typeface="+mn-cs"/>
+              </a:rPr>
+              <a:t>24-bit</a:t>
+            </a:r>
+            <a:r>
+              <a:rPr lang="zh-CN" altLang="en-US" sz="1200" b="0" i="0" kern="1200" dirty="0">
+                <a:solidFill>
+                  <a:schemeClr val="tx1"/>
+                </a:solidFill>
+                <a:effectLst/>
+                <a:latin typeface="+mn-lt"/>
+                <a:ea typeface="+mn-ea"/>
+                <a:cs typeface="+mn-cs"/>
+              </a:rPr>
+              <a:t>的一个值，由于其最高位始终为 </a:t>
+            </a:r>
+            <a:r>
+              <a:rPr lang="en-US" altLang="zh-CN" sz="1200" b="0" i="0" kern="1200" dirty="0">
+                <a:solidFill>
+                  <a:schemeClr val="tx1"/>
+                </a:solidFill>
+                <a:effectLst/>
+                <a:latin typeface="+mn-lt"/>
+                <a:ea typeface="+mn-ea"/>
+                <a:cs typeface="+mn-cs"/>
+              </a:rPr>
+              <a:t>1</a:t>
+            </a:r>
+            <a:r>
+              <a:rPr lang="zh-CN" altLang="en-US" sz="1200" b="0" i="0" kern="1200" dirty="0">
+                <a:solidFill>
+                  <a:schemeClr val="tx1"/>
+                </a:solidFill>
+                <a:effectLst/>
+                <a:latin typeface="+mn-lt"/>
+                <a:ea typeface="+mn-ea"/>
+                <a:cs typeface="+mn-cs"/>
+              </a:rPr>
+              <a:t>，所以最高位省去不存储，在存储中只有</a:t>
+            </a:r>
+            <a:r>
+              <a:rPr lang="en-US" altLang="zh-CN" sz="1200" b="0" i="0" kern="1200" dirty="0">
+                <a:solidFill>
+                  <a:schemeClr val="tx1"/>
+                </a:solidFill>
+                <a:effectLst/>
+                <a:latin typeface="+mn-lt"/>
+                <a:ea typeface="+mn-ea"/>
+                <a:cs typeface="+mn-cs"/>
+              </a:rPr>
+              <a:t>23-bit</a:t>
+            </a:r>
+            <a:r>
+              <a:rPr lang="zh-CN" altLang="en-US" sz="1200" b="0" i="0" kern="1200" dirty="0">
+                <a:solidFill>
+                  <a:schemeClr val="tx1"/>
+                </a:solidFill>
+                <a:effectLst/>
+                <a:latin typeface="+mn-lt"/>
+                <a:ea typeface="+mn-ea"/>
+                <a:cs typeface="+mn-cs"/>
+              </a:rPr>
+              <a:t>。</a:t>
+            </a:r>
+            <a:endParaRPr lang="zh-CN" altLang="en-US" dirty="0"/>
+          </a:p>
+          <a:p>
+            <a:endParaRPr lang="zh-CN" altLang="en-US" dirty="0"/>
+          </a:p>
+        </p:txBody>
+      </p:sp>
+      <p:sp>
+        <p:nvSpPr>
+          <p:cNvPr id="4" name="灯片编号占位符 3"/>
+          <p:cNvSpPr>
+            <a:spLocks noGrp="1"/>
+          </p:cNvSpPr>
+          <p:nvPr>
+            <p:ph type="sldNum" sz="quarter" idx="10"/>
+          </p:nvPr>
+        </p:nvSpPr>
+        <p:spPr/>
+        <p:txBody>
+          <a:bodyPr/>
+          <a:lstStyle/>
+          <a:p>
+            <a:fld id="{46593B6F-300B-4ECE-AE7E-E0BEBEA3A190}" type="slidenum">
+              <a:rPr lang="zh-CN" altLang="en-US" smtClean="0"/>
+              <a:t>10</a:t>
+            </a:fld>
+            <a:endParaRPr lang="zh-CN" altLang="en-US"/>
+          </a:p>
+        </p:txBody>
+      </p:sp>
+    </p:spTree>
+    <p:extLst>
+      <p:ext uri="{BB962C8B-B14F-4D97-AF65-F5344CB8AC3E}">
+        <p14:creationId xmlns:p14="http://schemas.microsoft.com/office/powerpoint/2010/main" val="2319292518"/>
+      </p:ext>
+    </p:extLst>
+  </p:cSld>
+  <p:clrMapOvr>
+    <a:masterClrMapping/>
+  </p:clrMapOvr>
+</p:notes>
+</file>
+
+<file path=ppt/notesSlides/notesSlide7.xml><?xml version="1.0" encoding="utf-8"?>
+<p:notes xmlns:a="http://schemas.openxmlformats.org/drawingml/2006/main" xmlns:r="http://schemas.openxmlformats.org/officeDocument/2006/relationships" xmlns:p="http://schemas.openxmlformats.org/presentationml/2006/main">
+  <p:cSld>
+    <p:spTree>
+      <p:nvGrpSpPr>
+        <p:cNvPr id="1" name=""/>
+        <p:cNvGrpSpPr/>
+        <p:nvPr/>
+      </p:nvGrpSpPr>
+      <p:grpSpPr>
+        <a:xfrm>
+          <a:off x="0" y="0"/>
+          <a:ext cx="0" cy="0"/>
+          <a:chOff x="0" y="0"/>
+          <a:chExt cx="0" cy="0"/>
+        </a:xfrm>
+      </p:grpSpPr>
+      <p:sp>
+        <p:nvSpPr>
+          <p:cNvPr id="2" name="幻灯片图像占位符 1"/>
+          <p:cNvSpPr>
+            <a:spLocks noGrp="1" noRot="1" noChangeAspect="1"/>
+          </p:cNvSpPr>
+          <p:nvPr>
+            <p:ph type="sldImg"/>
+          </p:nvPr>
+        </p:nvSpPr>
+        <p:spPr/>
+      </p:sp>
+      <p:sp>
+        <p:nvSpPr>
+          <p:cNvPr id="3" name="备注占位符 2"/>
+          <p:cNvSpPr>
+            <a:spLocks noGrp="1"/>
+          </p:cNvSpPr>
+          <p:nvPr>
+            <p:ph type="body" idx="1"/>
+          </p:nvPr>
+        </p:nvSpPr>
+        <p:spPr/>
+        <p:txBody>
+          <a:bodyPr/>
+          <a:lstStyle/>
+          <a:p>
+            <a:r>
+              <a:rPr lang="zh-CN" altLang="en-US" dirty="0"/>
+              <a:t>一个浮点数 </a:t>
+            </a:r>
+            <a:r>
+              <a:rPr lang="en-US" altLang="zh-CN" dirty="0"/>
+              <a:t>N </a:t>
+            </a:r>
+            <a:r>
+              <a:rPr lang="zh-CN" altLang="en-US" dirty="0"/>
+              <a:t>可以由两个数 </a:t>
+            </a:r>
+            <a:r>
+              <a:rPr lang="en-US" altLang="zh-CN" dirty="0"/>
+              <a:t>M </a:t>
+            </a:r>
+            <a:r>
+              <a:rPr lang="zh-CN" altLang="en-US" dirty="0"/>
+              <a:t>和 </a:t>
+            </a:r>
+            <a:r>
+              <a:rPr lang="en-US" altLang="zh-CN" dirty="0"/>
+              <a:t>E </a:t>
+            </a:r>
+            <a:r>
+              <a:rPr lang="zh-CN" altLang="en-US" dirty="0"/>
+              <a:t>来表示</a:t>
+            </a:r>
+            <a:r>
+              <a:rPr lang="en-US" altLang="zh-CN" dirty="0"/>
+              <a:t>: N =M * B ^ E , </a:t>
+            </a:r>
+            <a:r>
+              <a:rPr lang="zh-CN" altLang="en-US" dirty="0"/>
+              <a:t>其中 </a:t>
+            </a:r>
+            <a:r>
+              <a:rPr lang="en-US" altLang="zh-CN" dirty="0"/>
+              <a:t>B </a:t>
+            </a:r>
+            <a:r>
+              <a:rPr lang="zh-CN" altLang="en-US" dirty="0"/>
+              <a:t>为基数</a:t>
+            </a:r>
+            <a:r>
+              <a:rPr lang="en-US" altLang="zh-CN" dirty="0"/>
+              <a:t>, E </a:t>
+            </a:r>
+            <a:r>
+              <a:rPr lang="zh-CN" altLang="en-US" dirty="0"/>
+              <a:t>为指数</a:t>
+            </a:r>
+            <a:r>
+              <a:rPr lang="en-US" altLang="zh-CN" dirty="0"/>
+              <a:t>,M </a:t>
+            </a:r>
+            <a:r>
+              <a:rPr lang="zh-CN" altLang="en-US" dirty="0"/>
+              <a:t>为尾数</a:t>
+            </a:r>
+            <a:r>
+              <a:rPr lang="en-US" altLang="zh-CN" dirty="0"/>
+              <a:t>,</a:t>
+            </a:r>
+          </a:p>
+          <a:p>
+            <a:endParaRPr lang="en-US" altLang="zh-CN" dirty="0"/>
+          </a:p>
+          <a:p>
+            <a:r>
+              <a:rPr lang="zh-CN" altLang="en-US" sz="1200" b="0" i="0" kern="1200" dirty="0">
+                <a:solidFill>
+                  <a:schemeClr val="tx1"/>
+                </a:solidFill>
+                <a:effectLst/>
+                <a:latin typeface="+mn-lt"/>
+                <a:ea typeface="+mn-ea"/>
+                <a:cs typeface="+mn-cs"/>
+              </a:rPr>
+              <a:t>指数部分（</a:t>
+            </a:r>
+            <a:r>
+              <a:rPr lang="en-US" altLang="zh-CN" sz="1200" b="0" i="0" kern="1200" dirty="0">
+                <a:solidFill>
+                  <a:schemeClr val="tx1"/>
+                </a:solidFill>
+                <a:effectLst/>
+                <a:latin typeface="+mn-lt"/>
+                <a:ea typeface="+mn-ea"/>
+                <a:cs typeface="+mn-cs"/>
+              </a:rPr>
+              <a:t>E</a:t>
+            </a:r>
+            <a:r>
+              <a:rPr lang="zh-CN" altLang="en-US" sz="1200" b="0" i="0" kern="1200" dirty="0">
+                <a:solidFill>
+                  <a:schemeClr val="tx1"/>
+                </a:solidFill>
+                <a:effectLst/>
+                <a:latin typeface="+mn-lt"/>
+                <a:ea typeface="+mn-ea"/>
+                <a:cs typeface="+mn-cs"/>
+              </a:rPr>
+              <a:t>）　占用８</a:t>
+            </a:r>
+            <a:r>
+              <a:rPr lang="en-US" altLang="zh-CN" sz="1200" b="0" i="0" kern="1200" dirty="0">
+                <a:solidFill>
+                  <a:schemeClr val="tx1"/>
+                </a:solidFill>
+                <a:effectLst/>
+                <a:latin typeface="+mn-lt"/>
+                <a:ea typeface="+mn-ea"/>
+                <a:cs typeface="+mn-cs"/>
+              </a:rPr>
+              <a:t>-bit</a:t>
+            </a:r>
+            <a:r>
+              <a:rPr lang="zh-CN" altLang="en-US" sz="1200" b="0" i="0" kern="1200" dirty="0">
+                <a:solidFill>
+                  <a:schemeClr val="tx1"/>
+                </a:solidFill>
+                <a:effectLst/>
+                <a:latin typeface="+mn-lt"/>
+                <a:ea typeface="+mn-ea"/>
+                <a:cs typeface="+mn-cs"/>
+              </a:rPr>
+              <a:t>的二进制数，可表示数值范围为</a:t>
+            </a:r>
+            <a:r>
+              <a:rPr lang="en-US" altLang="zh-CN" sz="1200" b="0" i="0" kern="1200" dirty="0">
+                <a:solidFill>
+                  <a:schemeClr val="tx1"/>
+                </a:solidFill>
+                <a:effectLst/>
+                <a:latin typeface="+mn-lt"/>
+                <a:ea typeface="+mn-ea"/>
+                <a:cs typeface="+mn-cs"/>
+              </a:rPr>
+              <a:t>0</a:t>
+            </a:r>
+            <a:r>
+              <a:rPr lang="zh-CN" altLang="en-US" sz="1200" b="0" i="0" kern="1200" dirty="0">
+                <a:solidFill>
+                  <a:schemeClr val="tx1"/>
+                </a:solidFill>
+                <a:effectLst/>
+                <a:latin typeface="+mn-lt"/>
+                <a:ea typeface="+mn-ea"/>
+                <a:cs typeface="+mn-cs"/>
+              </a:rPr>
+              <a:t>－</a:t>
+            </a:r>
+            <a:r>
+              <a:rPr lang="en-US" altLang="zh-CN" sz="1200" b="0" i="0" kern="1200" dirty="0">
+                <a:solidFill>
+                  <a:schemeClr val="tx1"/>
+                </a:solidFill>
+                <a:effectLst/>
+                <a:latin typeface="+mn-lt"/>
+                <a:ea typeface="+mn-ea"/>
+                <a:cs typeface="+mn-cs"/>
+              </a:rPr>
+              <a:t>255</a:t>
+            </a:r>
+            <a:r>
+              <a:rPr lang="zh-CN" altLang="en-US" sz="1200" b="0" i="0" kern="1200" dirty="0">
+                <a:solidFill>
+                  <a:schemeClr val="tx1"/>
+                </a:solidFill>
+                <a:effectLst/>
+                <a:latin typeface="+mn-lt"/>
+                <a:ea typeface="+mn-ea"/>
+                <a:cs typeface="+mn-cs"/>
+              </a:rPr>
+              <a:t>。但是指数应可正可负，所以</a:t>
+            </a:r>
+            <a:r>
+              <a:rPr lang="en-US" altLang="zh-CN" sz="1200" b="0" i="0" kern="1200" dirty="0">
+                <a:solidFill>
+                  <a:schemeClr val="tx1"/>
+                </a:solidFill>
+                <a:effectLst/>
+                <a:latin typeface="+mn-lt"/>
+                <a:ea typeface="+mn-ea"/>
+                <a:cs typeface="+mn-cs"/>
+              </a:rPr>
+              <a:t>IEEE</a:t>
+            </a:r>
+            <a:r>
+              <a:rPr lang="zh-CN" altLang="en-US" sz="1200" b="0" i="0" kern="1200" dirty="0">
+                <a:solidFill>
+                  <a:schemeClr val="tx1"/>
+                </a:solidFill>
+                <a:effectLst/>
+                <a:latin typeface="+mn-lt"/>
+                <a:ea typeface="+mn-ea"/>
+                <a:cs typeface="+mn-cs"/>
+              </a:rPr>
+              <a:t>规定，此处算出的次方须减去</a:t>
+            </a:r>
+            <a:r>
+              <a:rPr lang="en-US" altLang="zh-CN" sz="1200" b="0" i="0" kern="1200" dirty="0">
+                <a:solidFill>
+                  <a:schemeClr val="tx1"/>
+                </a:solidFill>
+                <a:effectLst/>
+                <a:latin typeface="+mn-lt"/>
+                <a:ea typeface="+mn-ea"/>
+                <a:cs typeface="+mn-cs"/>
+              </a:rPr>
+              <a:t>127</a:t>
+            </a:r>
+            <a:r>
+              <a:rPr lang="zh-CN" altLang="en-US" sz="1200" b="0" i="0" kern="1200" dirty="0">
+                <a:solidFill>
+                  <a:schemeClr val="tx1"/>
+                </a:solidFill>
+                <a:effectLst/>
+                <a:latin typeface="+mn-lt"/>
+                <a:ea typeface="+mn-ea"/>
+                <a:cs typeface="+mn-cs"/>
+              </a:rPr>
+              <a:t>才是真正的指数。所以</a:t>
+            </a:r>
+            <a:r>
+              <a:rPr lang="en-US" altLang="zh-CN" sz="1200" b="0" i="0" kern="1200" dirty="0">
+                <a:solidFill>
+                  <a:schemeClr val="tx1"/>
+                </a:solidFill>
+                <a:effectLst/>
+                <a:latin typeface="+mn-lt"/>
+                <a:ea typeface="+mn-ea"/>
+                <a:cs typeface="+mn-cs"/>
+              </a:rPr>
+              <a:t>float</a:t>
+            </a:r>
+            <a:r>
+              <a:rPr lang="zh-CN" altLang="en-US" sz="1200" b="0" i="0" kern="1200" dirty="0">
+                <a:solidFill>
+                  <a:schemeClr val="tx1"/>
+                </a:solidFill>
+                <a:effectLst/>
+                <a:latin typeface="+mn-lt"/>
+                <a:ea typeface="+mn-ea"/>
+                <a:cs typeface="+mn-cs"/>
+              </a:rPr>
+              <a:t>的指数可从 </a:t>
+            </a:r>
+            <a:r>
+              <a:rPr lang="en-US" altLang="zh-CN" sz="1200" b="0" i="0" kern="1200" dirty="0">
+                <a:solidFill>
+                  <a:schemeClr val="tx1"/>
+                </a:solidFill>
+                <a:effectLst/>
+                <a:latin typeface="+mn-lt"/>
+                <a:ea typeface="+mn-ea"/>
+                <a:cs typeface="+mn-cs"/>
+              </a:rPr>
+              <a:t>-126</a:t>
+            </a:r>
+            <a:r>
+              <a:rPr lang="zh-CN" altLang="en-US" sz="1200" b="0" i="0" kern="1200" dirty="0">
+                <a:solidFill>
+                  <a:schemeClr val="tx1"/>
+                </a:solidFill>
+                <a:effectLst/>
+                <a:latin typeface="+mn-lt"/>
+                <a:ea typeface="+mn-ea"/>
+                <a:cs typeface="+mn-cs"/>
+              </a:rPr>
+              <a:t>到</a:t>
+            </a:r>
+            <a:r>
+              <a:rPr lang="en-US" altLang="zh-CN" sz="1200" b="0" i="0" kern="1200" dirty="0">
+                <a:solidFill>
+                  <a:schemeClr val="tx1"/>
+                </a:solidFill>
+                <a:effectLst/>
+                <a:latin typeface="+mn-lt"/>
+                <a:ea typeface="+mn-ea"/>
+                <a:cs typeface="+mn-cs"/>
+              </a:rPr>
+              <a:t>128.</a:t>
+            </a:r>
+          </a:p>
+          <a:p>
+            <a:endParaRPr lang="en-US" altLang="zh-CN" sz="1200" b="0" i="0" kern="1200" dirty="0">
+              <a:solidFill>
+                <a:schemeClr val="tx1"/>
+              </a:solidFill>
+              <a:effectLst/>
+              <a:latin typeface="+mn-lt"/>
+              <a:ea typeface="+mn-ea"/>
+              <a:cs typeface="+mn-cs"/>
+            </a:endParaRPr>
+          </a:p>
+          <a:p>
+            <a:r>
+              <a:rPr lang="zh-CN" altLang="en-US" sz="1200" b="0" i="0" kern="1200" dirty="0">
+                <a:solidFill>
+                  <a:schemeClr val="tx1"/>
+                </a:solidFill>
+                <a:effectLst/>
+                <a:latin typeface="+mn-lt"/>
+                <a:ea typeface="+mn-ea"/>
+                <a:cs typeface="+mn-cs"/>
+              </a:rPr>
+              <a:t>尾数部分（</a:t>
+            </a:r>
+            <a:r>
+              <a:rPr lang="en-US" altLang="zh-CN" sz="1200" b="0" i="0" kern="1200" dirty="0">
+                <a:solidFill>
+                  <a:schemeClr val="tx1"/>
+                </a:solidFill>
+                <a:effectLst/>
+                <a:latin typeface="+mn-lt"/>
+                <a:ea typeface="+mn-ea"/>
+                <a:cs typeface="+mn-cs"/>
+              </a:rPr>
+              <a:t>M</a:t>
+            </a:r>
+            <a:r>
+              <a:rPr lang="zh-CN" altLang="en-US" sz="1200" b="0" i="0" kern="1200" dirty="0">
+                <a:solidFill>
+                  <a:schemeClr val="tx1"/>
+                </a:solidFill>
+                <a:effectLst/>
+                <a:latin typeface="+mn-lt"/>
+                <a:ea typeface="+mn-ea"/>
+                <a:cs typeface="+mn-cs"/>
+              </a:rPr>
+              <a:t>）  实际是占用</a:t>
+            </a:r>
+            <a:r>
+              <a:rPr lang="en-US" altLang="zh-CN" sz="1200" b="0" i="0" kern="1200" dirty="0">
+                <a:solidFill>
+                  <a:schemeClr val="tx1"/>
+                </a:solidFill>
+                <a:effectLst/>
+                <a:latin typeface="+mn-lt"/>
+                <a:ea typeface="+mn-ea"/>
+                <a:cs typeface="+mn-cs"/>
+              </a:rPr>
+              <a:t>24-bit</a:t>
+            </a:r>
+            <a:r>
+              <a:rPr lang="zh-CN" altLang="en-US" sz="1200" b="0" i="0" kern="1200" dirty="0">
+                <a:solidFill>
+                  <a:schemeClr val="tx1"/>
+                </a:solidFill>
+                <a:effectLst/>
+                <a:latin typeface="+mn-lt"/>
+                <a:ea typeface="+mn-ea"/>
+                <a:cs typeface="+mn-cs"/>
+              </a:rPr>
+              <a:t>的一个值，由于其最高位始终为 </a:t>
+            </a:r>
+            <a:r>
+              <a:rPr lang="en-US" altLang="zh-CN" sz="1200" b="0" i="0" kern="1200" dirty="0">
+                <a:solidFill>
+                  <a:schemeClr val="tx1"/>
+                </a:solidFill>
+                <a:effectLst/>
+                <a:latin typeface="+mn-lt"/>
+                <a:ea typeface="+mn-ea"/>
+                <a:cs typeface="+mn-cs"/>
+              </a:rPr>
+              <a:t>1</a:t>
+            </a:r>
+            <a:r>
+              <a:rPr lang="zh-CN" altLang="en-US" sz="1200" b="0" i="0" kern="1200" dirty="0">
+                <a:solidFill>
+                  <a:schemeClr val="tx1"/>
+                </a:solidFill>
+                <a:effectLst/>
+                <a:latin typeface="+mn-lt"/>
+                <a:ea typeface="+mn-ea"/>
+                <a:cs typeface="+mn-cs"/>
+              </a:rPr>
+              <a:t>，所以最高位省去不存储，在存储中只有</a:t>
+            </a:r>
+            <a:r>
+              <a:rPr lang="en-US" altLang="zh-CN" sz="1200" b="0" i="0" kern="1200" dirty="0">
+                <a:solidFill>
+                  <a:schemeClr val="tx1"/>
+                </a:solidFill>
+                <a:effectLst/>
+                <a:latin typeface="+mn-lt"/>
+                <a:ea typeface="+mn-ea"/>
+                <a:cs typeface="+mn-cs"/>
+              </a:rPr>
+              <a:t>23-bit</a:t>
+            </a:r>
+            <a:r>
+              <a:rPr lang="zh-CN" altLang="en-US" sz="1200" b="0" i="0" kern="1200" dirty="0">
+                <a:solidFill>
+                  <a:schemeClr val="tx1"/>
+                </a:solidFill>
+                <a:effectLst/>
+                <a:latin typeface="+mn-lt"/>
+                <a:ea typeface="+mn-ea"/>
+                <a:cs typeface="+mn-cs"/>
+              </a:rPr>
+              <a:t>。</a:t>
+            </a:r>
+            <a:endParaRPr lang="zh-CN" altLang="en-US" dirty="0"/>
+          </a:p>
+          <a:p>
+            <a:endParaRPr lang="zh-CN" altLang="en-US" dirty="0"/>
+          </a:p>
+        </p:txBody>
+      </p:sp>
+      <p:sp>
+        <p:nvSpPr>
+          <p:cNvPr id="4" name="灯片编号占位符 3"/>
+          <p:cNvSpPr>
+            <a:spLocks noGrp="1"/>
+          </p:cNvSpPr>
+          <p:nvPr>
+            <p:ph type="sldNum" sz="quarter" idx="10"/>
+          </p:nvPr>
+        </p:nvSpPr>
+        <p:spPr/>
+        <p:txBody>
+          <a:bodyPr/>
+          <a:lstStyle/>
+          <a:p>
+            <a:fld id="{46593B6F-300B-4ECE-AE7E-E0BEBEA3A190}" type="slidenum">
+              <a:rPr lang="zh-CN" altLang="en-US" smtClean="0"/>
+              <a:t>11</a:t>
+            </a:fld>
+            <a:endParaRPr lang="zh-CN" altLang="en-US"/>
+          </a:p>
+        </p:txBody>
+      </p:sp>
+    </p:spTree>
+    <p:extLst>
+      <p:ext uri="{BB962C8B-B14F-4D97-AF65-F5344CB8AC3E}">
+        <p14:creationId xmlns:p14="http://schemas.microsoft.com/office/powerpoint/2010/main" val="717580567"/>
+      </p:ext>
+    </p:extLst>
+  </p:cSld>
+  <p:clrMapOvr>
+    <a:masterClrMapping/>
+  </p:clrMapOvr>
+</p:notes>
+</file>
+
+<file path=ppt/notesSlides/notesSlide8.xml><?xml version="1.0" encoding="utf-8"?>
+<p:notes xmlns:a="http://schemas.openxmlformats.org/drawingml/2006/main" xmlns:r="http://schemas.openxmlformats.org/officeDocument/2006/relationships" xmlns:p="http://schemas.openxmlformats.org/presentationml/2006/main">
+  <p:cSld>
+    <p:spTree>
+      <p:nvGrpSpPr>
+        <p:cNvPr id="1" name=""/>
+        <p:cNvGrpSpPr/>
+        <p:nvPr/>
+      </p:nvGrpSpPr>
+      <p:grpSpPr>
+        <a:xfrm>
+          <a:off x="0" y="0"/>
+          <a:ext cx="0" cy="0"/>
+          <a:chOff x="0" y="0"/>
+          <a:chExt cx="0" cy="0"/>
+        </a:xfrm>
+      </p:grpSpPr>
+      <p:sp>
+        <p:nvSpPr>
+          <p:cNvPr id="2" name="幻灯片图像占位符 1"/>
+          <p:cNvSpPr>
+            <a:spLocks noGrp="1" noRot="1" noChangeAspect="1"/>
+          </p:cNvSpPr>
+          <p:nvPr>
+            <p:ph type="sldImg"/>
+          </p:nvPr>
+        </p:nvSpPr>
+        <p:spPr/>
+      </p:sp>
+      <p:sp>
+        <p:nvSpPr>
+          <p:cNvPr id="3" name="备注占位符 2"/>
+          <p:cNvSpPr>
+            <a:spLocks noGrp="1"/>
+          </p:cNvSpPr>
+          <p:nvPr>
+            <p:ph type="body" idx="1"/>
+          </p:nvPr>
+        </p:nvSpPr>
+        <p:spPr/>
+        <p:txBody>
+          <a:bodyPr/>
+          <a:lstStyle/>
+          <a:p>
+            <a:r>
+              <a:rPr lang="zh-CN" altLang="en-US" dirty="0"/>
+              <a:t>无符号转有符号</a:t>
+            </a:r>
+            <a:endParaRPr lang="en-US" altLang="zh-CN" dirty="0"/>
+          </a:p>
+          <a:p>
+            <a:endParaRPr lang="en-US" altLang="zh-CN" dirty="0"/>
+          </a:p>
+          <a:p>
+            <a:r>
+              <a:rPr lang="zh-CN" altLang="en-US" dirty="0"/>
+              <a:t>双精度转单精度</a:t>
+            </a:r>
+          </a:p>
+        </p:txBody>
+      </p:sp>
+      <p:sp>
+        <p:nvSpPr>
+          <p:cNvPr id="4" name="灯片编号占位符 3"/>
+          <p:cNvSpPr>
+            <a:spLocks noGrp="1"/>
+          </p:cNvSpPr>
+          <p:nvPr>
+            <p:ph type="sldNum" sz="quarter" idx="10"/>
+          </p:nvPr>
+        </p:nvSpPr>
+        <p:spPr/>
+        <p:txBody>
+          <a:bodyPr/>
+          <a:lstStyle/>
+          <a:p>
+            <a:fld id="{46593B6F-300B-4ECE-AE7E-E0BEBEA3A190}" type="slidenum">
+              <a:rPr lang="zh-CN" altLang="en-US" smtClean="0"/>
+              <a:t>13</a:t>
+            </a:fld>
+            <a:endParaRPr lang="zh-CN" altLang="en-US"/>
+          </a:p>
+        </p:txBody>
+      </p:sp>
+    </p:spTree>
+    <p:extLst>
+      <p:ext uri="{BB962C8B-B14F-4D97-AF65-F5344CB8AC3E}">
+        <p14:creationId xmlns:p14="http://schemas.microsoft.com/office/powerpoint/2010/main" val="836962670"/>
+      </p:ext>
+    </p:extLst>
+  </p:cSld>
+  <p:clrMapOvr>
+    <a:masterClrMapping/>
+  </p:clrMapOvr>
+</p:notes>
+</file>
+
+<file path=ppt/notesSlides/notesSlide9.xml><?xml version="1.0" encoding="utf-8"?>
+<p:notes xmlns:a="http://schemas.openxmlformats.org/drawingml/2006/main" xmlns:r="http://schemas.openxmlformats.org/officeDocument/2006/relationships" xmlns:p="http://schemas.openxmlformats.org/presentationml/2006/main">
+  <p:cSld>
+    <p:spTree>
+      <p:nvGrpSpPr>
+        <p:cNvPr id="1" name=""/>
+        <p:cNvGrpSpPr/>
+        <p:nvPr/>
+      </p:nvGrpSpPr>
+      <p:grpSpPr>
+        <a:xfrm>
+          <a:off x="0" y="0"/>
+          <a:ext cx="0" cy="0"/>
+          <a:chOff x="0" y="0"/>
+          <a:chExt cx="0" cy="0"/>
+        </a:xfrm>
+      </p:grpSpPr>
+      <p:sp>
+        <p:nvSpPr>
+          <p:cNvPr id="2" name="幻灯片图像占位符 1"/>
+          <p:cNvSpPr>
+            <a:spLocks noGrp="1" noRot="1" noChangeAspect="1"/>
+          </p:cNvSpPr>
+          <p:nvPr>
+            <p:ph type="sldImg"/>
+          </p:nvPr>
+        </p:nvSpPr>
+        <p:spPr/>
+      </p:sp>
+      <p:sp>
+        <p:nvSpPr>
+          <p:cNvPr id="3" name="备注占位符 2"/>
+          <p:cNvSpPr>
+            <a:spLocks noGrp="1"/>
+          </p:cNvSpPr>
+          <p:nvPr>
+            <p:ph type="body" idx="1"/>
+          </p:nvPr>
+        </p:nvSpPr>
+        <p:spPr/>
+        <p:txBody>
+          <a:bodyPr/>
+          <a:lstStyle/>
+          <a:p>
+            <a:r>
+              <a:rPr lang="zh-CN" altLang="en-US" dirty="0"/>
+              <a:t>先左移再右移</a:t>
+            </a:r>
+          </a:p>
+        </p:txBody>
+      </p:sp>
+      <p:sp>
+        <p:nvSpPr>
+          <p:cNvPr id="4" name="灯片编号占位符 3"/>
+          <p:cNvSpPr>
+            <a:spLocks noGrp="1"/>
+          </p:cNvSpPr>
+          <p:nvPr>
+            <p:ph type="sldNum" sz="quarter" idx="10"/>
+          </p:nvPr>
+        </p:nvSpPr>
+        <p:spPr/>
+        <p:txBody>
+          <a:bodyPr/>
+          <a:lstStyle/>
+          <a:p>
+            <a:fld id="{46593B6F-300B-4ECE-AE7E-E0BEBEA3A190}" type="slidenum">
+              <a:rPr lang="zh-CN" altLang="en-US" smtClean="0"/>
+              <a:t>14</a:t>
+            </a:fld>
+            <a:endParaRPr lang="zh-CN" altLang="en-US"/>
+          </a:p>
+        </p:txBody>
+      </p:sp>
+    </p:spTree>
+    <p:extLst>
+      <p:ext uri="{BB962C8B-B14F-4D97-AF65-F5344CB8AC3E}">
+        <p14:creationId xmlns:p14="http://schemas.microsoft.com/office/powerpoint/2010/main" val="1662081748"/>
       </p:ext>
     </p:extLst>
   </p:cSld>
@@ -791,7 +3339,7 @@
           <a:p>
             <a:fld id="{69E25F63-46CB-447C-9865-FD3714DA57D8}" type="datetimeFigureOut">
               <a:rPr lang="zh-CN" altLang="en-US" smtClean="0"/>
-              <a:t>2017/5/24</a:t>
+              <a:t>2017/5/25</a:t>
             </a:fld>
             <a:endParaRPr lang="zh-CN" altLang="en-US"/>
           </a:p>
@@ -1002,7 +3550,7 @@
           <a:p>
             <a:fld id="{69E25F63-46CB-447C-9865-FD3714DA57D8}" type="datetimeFigureOut">
               <a:rPr lang="zh-CN" altLang="en-US" smtClean="0"/>
-              <a:t>2017/5/24</a:t>
+              <a:t>2017/5/25</a:t>
             </a:fld>
             <a:endParaRPr lang="zh-CN" altLang="en-US"/>
           </a:p>
@@ -1217,7 +3765,7 @@
           <a:p>
             <a:fld id="{69E25F63-46CB-447C-9865-FD3714DA57D8}" type="datetimeFigureOut">
               <a:rPr lang="zh-CN" altLang="en-US" smtClean="0"/>
-              <a:t>2017/5/24</a:t>
+              <a:t>2017/5/25</a:t>
             </a:fld>
             <a:endParaRPr lang="zh-CN" altLang="en-US"/>
           </a:p>
@@ -1418,7 +3966,7 @@
           <a:p>
             <a:fld id="{69E25F63-46CB-447C-9865-FD3714DA57D8}" type="datetimeFigureOut">
               <a:rPr lang="zh-CN" altLang="en-US" smtClean="0"/>
-              <a:t>2017/5/24</a:t>
+              <a:t>2017/5/25</a:t>
             </a:fld>
             <a:endParaRPr lang="zh-CN" altLang="en-US"/>
           </a:p>
@@ -1697,7 +4245,7 @@
           <a:p>
             <a:fld id="{69E25F63-46CB-447C-9865-FD3714DA57D8}" type="datetimeFigureOut">
               <a:rPr lang="zh-CN" altLang="en-US" smtClean="0"/>
-              <a:t>2017/5/24</a:t>
+              <a:t>2017/5/25</a:t>
             </a:fld>
             <a:endParaRPr lang="zh-CN" altLang="en-US"/>
           </a:p>
@@ -1965,7 +4513,7 @@
           <a:p>
             <a:fld id="{69E25F63-46CB-447C-9865-FD3714DA57D8}" type="datetimeFigureOut">
               <a:rPr lang="zh-CN" altLang="en-US" smtClean="0"/>
-              <a:t>2017/5/24</a:t>
+              <a:t>2017/5/25</a:t>
             </a:fld>
             <a:endParaRPr lang="zh-CN" altLang="en-US"/>
           </a:p>
@@ -2381,7 +4929,7 @@
           <a:p>
             <a:fld id="{69E25F63-46CB-447C-9865-FD3714DA57D8}" type="datetimeFigureOut">
               <a:rPr lang="zh-CN" altLang="en-US" smtClean="0"/>
-              <a:t>2017/5/24</a:t>
+              <a:t>2017/5/25</a:t>
             </a:fld>
             <a:endParaRPr lang="zh-CN" altLang="en-US"/>
           </a:p>
@@ -2530,7 +5078,7 @@
           <a:p>
             <a:fld id="{69E25F63-46CB-447C-9865-FD3714DA57D8}" type="datetimeFigureOut">
               <a:rPr lang="zh-CN" altLang="en-US" smtClean="0"/>
-              <a:t>2017/5/24</a:t>
+              <a:t>2017/5/25</a:t>
             </a:fld>
             <a:endParaRPr lang="zh-CN" altLang="en-US"/>
           </a:p>
@@ -2656,7 +5204,7 @@
           <a:p>
             <a:fld id="{69E25F63-46CB-447C-9865-FD3714DA57D8}" type="datetimeFigureOut">
               <a:rPr lang="zh-CN" altLang="en-US" smtClean="0"/>
-              <a:t>2017/5/24</a:t>
+              <a:t>2017/5/25</a:t>
             </a:fld>
             <a:endParaRPr lang="zh-CN" altLang="en-US"/>
           </a:p>
@@ -2907,7 +5455,7 @@
           <a:p>
             <a:fld id="{69E25F63-46CB-447C-9865-FD3714DA57D8}" type="datetimeFigureOut">
               <a:rPr lang="zh-CN" altLang="en-US" smtClean="0"/>
-              <a:t>2017/5/24</a:t>
+              <a:t>2017/5/25</a:t>
             </a:fld>
             <a:endParaRPr lang="zh-CN" altLang="en-US"/>
           </a:p>
@@ -3352,7 +5900,7 @@
           <a:p>
             <a:fld id="{69E25F63-46CB-447C-9865-FD3714DA57D8}" type="datetimeFigureOut">
               <a:rPr lang="zh-CN" altLang="en-US" smtClean="0"/>
-              <a:t>2017/5/24</a:t>
+              <a:t>2017/5/25</a:t>
             </a:fld>
             <a:endParaRPr lang="zh-CN" altLang="en-US"/>
           </a:p>
@@ -3678,7 +6226,7 @@
           <a:p>
             <a:fld id="{69E25F63-46CB-447C-9865-FD3714DA57D8}" type="datetimeFigureOut">
               <a:rPr lang="zh-CN" altLang="en-US" smtClean="0"/>
-              <a:t>2017/5/24</a:t>
+              <a:t>2017/5/25</a:t>
             </a:fld>
             <a:endParaRPr lang="zh-CN" altLang="en-US"/>
           </a:p>
@@ -4265,85 +6813,975 @@
           <a:p>
             <a:r>
               <a:rPr lang="zh-CN" altLang="en-US" dirty="0"/>
-              <a:t>探寻</a:t>
+              <a:t>数值存储 </a:t>
             </a:r>
             <a:r>
               <a:rPr lang="en-US" altLang="zh-CN" dirty="0"/>
-              <a:t>C++</a:t>
+              <a:t>– </a:t>
             </a:r>
             <a:r>
               <a:rPr lang="zh-CN" altLang="en-US" dirty="0"/>
-              <a:t>本质</a:t>
-            </a:r>
+              <a:t>浮点数</a:t>
+            </a:r>
+          </a:p>
+        </p:txBody>
+      </p:sp>
+      <p:pic>
+        <p:nvPicPr>
+          <p:cNvPr id="4" name="Picture 2" descr="http://p.blog.csdn.net/images/p_blog_csdn_net/abortexit/EntryImages/20090622/3.JPG"/>
+          <p:cNvPicPr>
+            <a:picLocks noChangeAspect="1" noChangeArrowheads="1"/>
+          </p:cNvPicPr>
+          <p:nvPr/>
+        </p:nvPicPr>
+        <p:blipFill>
+          <a:blip r:embed="rId3">
+            <a:extLst>
+              <a:ext uri="{28A0092B-C50C-407E-A947-70E740481C1C}">
+                <a14:useLocalDpi xmlns:a14="http://schemas.microsoft.com/office/drawing/2010/main" val="0"/>
+              </a:ext>
+            </a:extLst>
+          </a:blip>
+          <a:srcRect/>
+          <a:stretch>
+            <a:fillRect/>
+          </a:stretch>
+        </p:blipFill>
+        <p:spPr bwMode="auto">
+          <a:xfrm>
+            <a:off x="1451578" y="2761888"/>
+            <a:ext cx="3200400" cy="1200150"/>
+          </a:xfrm>
+          <a:prstGeom prst="rect">
+            <a:avLst/>
+          </a:prstGeom>
+          <a:noFill/>
+          <a:effectLst>
+            <a:outerShdw blurRad="63500" sx="102000" sy="102000" algn="ctr" rotWithShape="0">
+              <a:prstClr val="black">
+                <a:alpha val="40000"/>
+              </a:prstClr>
+            </a:outerShdw>
+          </a:effectLst>
+          <a:extLst>
+            <a:ext uri="{909E8E84-426E-40DD-AFC4-6F175D3DCCD1}">
+              <a14:hiddenFill xmlns:a14="http://schemas.microsoft.com/office/drawing/2010/main">
+                <a:solidFill>
+                  <a:srgbClr val="FFFFFF"/>
+                </a:solidFill>
+              </a14:hiddenFill>
+            </a:ext>
+          </a:extLst>
+        </p:spPr>
+      </p:pic>
+      <p:sp>
+        <p:nvSpPr>
+          <p:cNvPr id="5" name="矩形 4"/>
+          <p:cNvSpPr/>
+          <p:nvPr/>
+        </p:nvSpPr>
+        <p:spPr>
+          <a:xfrm>
+            <a:off x="1451578" y="2188576"/>
+            <a:ext cx="6913103" cy="369332"/>
+          </a:xfrm>
+          <a:prstGeom prst="rect">
+            <a:avLst/>
+          </a:prstGeom>
+        </p:spPr>
+        <p:txBody>
+          <a:bodyPr wrap="square">
+            <a:spAutoFit/>
+          </a:bodyPr>
+          <a:lstStyle/>
+          <a:p>
+            <a:r>
+              <a:rPr lang="zh-CN" altLang="en-US" dirty="0">
+                <a:solidFill>
+                  <a:srgbClr val="FF0000"/>
+                </a:solidFill>
+                <a:effectLst>
+                  <a:outerShdw blurRad="38100" dist="38100" dir="2700000" algn="tl">
+                    <a:srgbClr val="000000">
+                      <a:alpha val="43137"/>
+                    </a:srgbClr>
+                  </a:outerShdw>
+                </a:effectLst>
+                <a:latin typeface="黑体" panose="02010609060101010101" pitchFamily="49" charset="-122"/>
+                <a:ea typeface="黑体" panose="02010609060101010101" pitchFamily="49" charset="-122"/>
+              </a:rPr>
+              <a:t>规格化：当</a:t>
+            </a:r>
+            <a:r>
+              <a:rPr lang="en-US" altLang="zh-CN" dirty="0">
+                <a:solidFill>
+                  <a:srgbClr val="FF0000"/>
+                </a:solidFill>
+                <a:effectLst>
+                  <a:outerShdw blurRad="38100" dist="38100" dir="2700000" algn="tl">
+                    <a:srgbClr val="000000">
+                      <a:alpha val="43137"/>
+                    </a:srgbClr>
+                  </a:outerShdw>
+                </a:effectLst>
+                <a:latin typeface="Courier New" panose="02070309020205020404" pitchFamily="49" charset="0"/>
+              </a:rPr>
+              <a:t>E</a:t>
+            </a:r>
+            <a:r>
+              <a:rPr lang="zh-CN" altLang="en-US" dirty="0">
+                <a:solidFill>
+                  <a:srgbClr val="FF0000"/>
+                </a:solidFill>
+                <a:effectLst>
+                  <a:outerShdw blurRad="38100" dist="38100" dir="2700000" algn="tl">
+                    <a:srgbClr val="000000">
+                      <a:alpha val="43137"/>
+                    </a:srgbClr>
+                  </a:outerShdw>
+                </a:effectLst>
+                <a:latin typeface="黑体" panose="02010609060101010101" pitchFamily="49" charset="-122"/>
+                <a:ea typeface="黑体" panose="02010609060101010101" pitchFamily="49" charset="-122"/>
+              </a:rPr>
+              <a:t>的二进制位不全为</a:t>
+            </a:r>
+            <a:r>
+              <a:rPr lang="en-US" altLang="zh-CN" dirty="0">
+                <a:solidFill>
+                  <a:srgbClr val="FF0000"/>
+                </a:solidFill>
+                <a:effectLst>
+                  <a:outerShdw blurRad="38100" dist="38100" dir="2700000" algn="tl">
+                    <a:srgbClr val="000000">
+                      <a:alpha val="43137"/>
+                    </a:srgbClr>
+                  </a:outerShdw>
+                </a:effectLst>
+                <a:latin typeface="Courier New" panose="02070309020205020404" pitchFamily="49" charset="0"/>
+              </a:rPr>
+              <a:t>0,</a:t>
+            </a:r>
+            <a:r>
+              <a:rPr lang="zh-CN" altLang="en-US" dirty="0">
+                <a:solidFill>
+                  <a:srgbClr val="FF0000"/>
+                </a:solidFill>
+                <a:effectLst>
+                  <a:outerShdw blurRad="38100" dist="38100" dir="2700000" algn="tl">
+                    <a:srgbClr val="000000">
+                      <a:alpha val="43137"/>
+                    </a:srgbClr>
+                  </a:outerShdw>
+                </a:effectLst>
+                <a:latin typeface="黑体" panose="02010609060101010101" pitchFamily="49" charset="-122"/>
+                <a:ea typeface="黑体" panose="02010609060101010101" pitchFamily="49" charset="-122"/>
+              </a:rPr>
+              <a:t>也不全为</a:t>
+            </a:r>
+            <a:r>
+              <a:rPr lang="en-US" altLang="zh-CN" dirty="0">
+                <a:solidFill>
+                  <a:srgbClr val="FF0000"/>
+                </a:solidFill>
+                <a:effectLst>
+                  <a:outerShdw blurRad="38100" dist="38100" dir="2700000" algn="tl">
+                    <a:srgbClr val="000000">
+                      <a:alpha val="43137"/>
+                    </a:srgbClr>
+                  </a:outerShdw>
+                </a:effectLst>
+                <a:latin typeface="Courier New" panose="02070309020205020404" pitchFamily="49" charset="0"/>
+              </a:rPr>
+              <a:t>1</a:t>
+            </a:r>
+            <a:r>
+              <a:rPr lang="zh-CN" altLang="en-US" dirty="0">
+                <a:solidFill>
+                  <a:srgbClr val="FF0000"/>
+                </a:solidFill>
+                <a:effectLst>
+                  <a:outerShdw blurRad="38100" dist="38100" dir="2700000" algn="tl">
+                    <a:srgbClr val="000000">
+                      <a:alpha val="43137"/>
+                    </a:srgbClr>
+                  </a:outerShdw>
+                </a:effectLst>
+                <a:latin typeface="黑体" panose="02010609060101010101" pitchFamily="49" charset="-122"/>
+                <a:ea typeface="黑体" panose="02010609060101010101" pitchFamily="49" charset="-122"/>
+              </a:rPr>
+              <a:t>时，</a:t>
+            </a:r>
+            <a:r>
+              <a:rPr lang="en-US" altLang="zh-CN" dirty="0">
+                <a:solidFill>
+                  <a:srgbClr val="FF0000"/>
+                </a:solidFill>
+                <a:effectLst>
+                  <a:outerShdw blurRad="38100" dist="38100" dir="2700000" algn="tl">
+                    <a:srgbClr val="000000">
+                      <a:alpha val="43137"/>
+                    </a:srgbClr>
+                  </a:outerShdw>
+                </a:effectLst>
+                <a:latin typeface="Courier New" panose="02070309020205020404" pitchFamily="49" charset="0"/>
+              </a:rPr>
+              <a:t>N</a:t>
+            </a:r>
+            <a:r>
+              <a:rPr lang="zh-CN" altLang="en-US" dirty="0">
+                <a:solidFill>
+                  <a:srgbClr val="FF0000"/>
+                </a:solidFill>
+                <a:effectLst>
+                  <a:outerShdw blurRad="38100" dist="38100" dir="2700000" algn="tl">
+                    <a:srgbClr val="000000">
+                      <a:alpha val="43137"/>
+                    </a:srgbClr>
+                  </a:outerShdw>
+                </a:effectLst>
+                <a:latin typeface="黑体" panose="02010609060101010101" pitchFamily="49" charset="-122"/>
+                <a:ea typeface="黑体" panose="02010609060101010101" pitchFamily="49" charset="-122"/>
+              </a:rPr>
+              <a:t>为规格化形式。</a:t>
+            </a:r>
+            <a:endParaRPr lang="zh-CN" altLang="en-US" dirty="0">
+              <a:effectLst>
+                <a:outerShdw blurRad="38100" dist="38100" dir="2700000" algn="tl">
+                  <a:srgbClr val="000000">
+                    <a:alpha val="43137"/>
+                  </a:srgbClr>
+                </a:outerShdw>
+              </a:effectLst>
+            </a:endParaRPr>
           </a:p>
         </p:txBody>
       </p:sp>
       <p:sp>
         <p:nvSpPr>
-          <p:cNvPr id="3" name="内容占位符 2"/>
-          <p:cNvSpPr>
-            <a:spLocks noGrp="1"/>
-          </p:cNvSpPr>
-          <p:nvPr>
-            <p:ph idx="1"/>
-          </p:nvPr>
+          <p:cNvPr id="6" name="矩形 5"/>
+          <p:cNvSpPr/>
+          <p:nvPr/>
         </p:nvSpPr>
-        <p:spPr/>
+        <p:spPr>
+          <a:xfrm>
+            <a:off x="1451578" y="4166018"/>
+            <a:ext cx="4876486" cy="923330"/>
+          </a:xfrm>
+          <a:prstGeom prst="rect">
+            <a:avLst/>
+          </a:prstGeom>
+        </p:spPr>
         <p:txBody>
-          <a:bodyPr/>
+          <a:bodyPr wrap="square">
+            <a:spAutoFit/>
+          </a:bodyPr>
           <a:lstStyle/>
           <a:p>
             <a:r>
-              <a:rPr lang="zh-CN" altLang="en-US" dirty="0"/>
-              <a:t>位操作</a:t>
-            </a:r>
-            <a:endParaRPr lang="en-US" altLang="zh-CN" dirty="0"/>
-          </a:p>
-          <a:p>
-            <a:pPr lvl="1"/>
-            <a:r>
-              <a:rPr lang="zh-CN" altLang="en-US" dirty="0"/>
-              <a:t>左移</a:t>
-            </a:r>
-            <a:endParaRPr lang="en-US" altLang="zh-CN" dirty="0"/>
-          </a:p>
-          <a:p>
-            <a:pPr lvl="1"/>
-            <a:r>
-              <a:rPr lang="zh-CN" altLang="en-US" dirty="0"/>
-              <a:t>右移</a:t>
-            </a:r>
-            <a:endParaRPr lang="en-US" altLang="zh-CN" dirty="0"/>
-          </a:p>
-          <a:p>
-            <a:pPr lvl="1"/>
-            <a:r>
-              <a:rPr lang="zh-CN" altLang="en-US" dirty="0"/>
-              <a:t>设置</a:t>
-            </a:r>
-            <a:endParaRPr lang="en-US" altLang="zh-CN" dirty="0"/>
-          </a:p>
-          <a:p>
-            <a:pPr lvl="1"/>
-            <a:r>
-              <a:rPr lang="zh-CN" altLang="en-US" dirty="0"/>
-              <a:t>清除</a:t>
-            </a:r>
-            <a:endParaRPr lang="en-US" altLang="zh-CN" dirty="0"/>
-          </a:p>
-          <a:p>
-            <a:pPr lvl="1"/>
-            <a:r>
-              <a:rPr lang="zh-CN" altLang="en-US" dirty="0"/>
-              <a:t>检查</a:t>
-            </a:r>
+              <a:rPr lang="en-US" altLang="zh-CN" dirty="0">
+                <a:solidFill>
+                  <a:srgbClr val="204967"/>
+                </a:solidFill>
+                <a:latin typeface="Courier New" panose="02070309020205020404" pitchFamily="49" charset="0"/>
+              </a:rPr>
+              <a:t>k</a:t>
+            </a:r>
+            <a:r>
+              <a:rPr lang="zh-CN" altLang="en-US" dirty="0">
+                <a:solidFill>
+                  <a:srgbClr val="204967"/>
+                </a:solidFill>
+                <a:latin typeface="黑体" panose="02010609060101010101" pitchFamily="49" charset="-122"/>
+                <a:ea typeface="黑体" panose="02010609060101010101" pitchFamily="49" charset="-122"/>
+              </a:rPr>
+              <a:t>则表示</a:t>
+            </a:r>
+            <a:r>
+              <a:rPr lang="en-US" altLang="zh-CN" dirty="0">
+                <a:solidFill>
+                  <a:srgbClr val="204967"/>
+                </a:solidFill>
+                <a:latin typeface="Courier New" panose="02070309020205020404" pitchFamily="49" charset="0"/>
+              </a:rPr>
+              <a:t>E</a:t>
+            </a:r>
+            <a:r>
+              <a:rPr lang="zh-CN" altLang="en-US" dirty="0">
+                <a:solidFill>
+                  <a:srgbClr val="204967"/>
+                </a:solidFill>
+                <a:latin typeface="黑体" panose="02010609060101010101" pitchFamily="49" charset="-122"/>
+                <a:ea typeface="黑体" panose="02010609060101010101" pitchFamily="49" charset="-122"/>
+              </a:rPr>
+              <a:t>的位数，</a:t>
+            </a:r>
+            <a:endParaRPr lang="en-US" altLang="zh-CN" dirty="0">
+              <a:solidFill>
+                <a:srgbClr val="204967"/>
+              </a:solidFill>
+              <a:latin typeface="黑体" panose="02010609060101010101" pitchFamily="49" charset="-122"/>
+              <a:ea typeface="黑体" panose="02010609060101010101" pitchFamily="49" charset="-122"/>
+            </a:endParaRPr>
+          </a:p>
+          <a:p>
+            <a:r>
+              <a:rPr lang="en-US" altLang="zh-CN" dirty="0">
+                <a:solidFill>
+                  <a:srgbClr val="204967"/>
+                </a:solidFill>
+                <a:latin typeface="黑体" panose="02010609060101010101" pitchFamily="49" charset="-122"/>
+                <a:ea typeface="黑体" panose="02010609060101010101" pitchFamily="49" charset="-122"/>
+              </a:rPr>
+              <a:t>	</a:t>
+            </a:r>
+            <a:r>
+              <a:rPr lang="zh-CN" altLang="en-US" dirty="0">
+                <a:solidFill>
+                  <a:srgbClr val="204967"/>
+                </a:solidFill>
+                <a:latin typeface="黑体" panose="02010609060101010101" pitchFamily="49" charset="-122"/>
+                <a:ea typeface="黑体" panose="02010609060101010101" pitchFamily="49" charset="-122"/>
+              </a:rPr>
+              <a:t>对单精度来说，</a:t>
+            </a:r>
+            <a:r>
+              <a:rPr lang="en-US" altLang="zh-CN" dirty="0">
+                <a:solidFill>
+                  <a:srgbClr val="204967"/>
+                </a:solidFill>
+                <a:latin typeface="Courier New" panose="02070309020205020404" pitchFamily="49" charset="0"/>
+              </a:rPr>
+              <a:t>k=8,</a:t>
+            </a:r>
+            <a:r>
+              <a:rPr lang="zh-CN" altLang="en-US" dirty="0">
+                <a:solidFill>
+                  <a:srgbClr val="204967"/>
+                </a:solidFill>
+                <a:latin typeface="黑体" panose="02010609060101010101" pitchFamily="49" charset="-122"/>
+                <a:ea typeface="黑体" panose="02010609060101010101" pitchFamily="49" charset="-122"/>
+              </a:rPr>
+              <a:t>则</a:t>
+            </a:r>
+            <a:r>
+              <a:rPr lang="en-US" altLang="zh-CN" dirty="0">
+                <a:solidFill>
+                  <a:srgbClr val="204967"/>
+                </a:solidFill>
+                <a:latin typeface="Courier New" panose="02070309020205020404" pitchFamily="49" charset="0"/>
+              </a:rPr>
+              <a:t>bias=127</a:t>
+            </a:r>
+          </a:p>
+          <a:p>
+            <a:r>
+              <a:rPr lang="en-US" altLang="zh-CN" dirty="0">
+                <a:solidFill>
+                  <a:srgbClr val="204967"/>
+                </a:solidFill>
+                <a:latin typeface="Courier New" panose="02070309020205020404" pitchFamily="49" charset="0"/>
+                <a:ea typeface="黑体" panose="02010609060101010101" pitchFamily="49" charset="-122"/>
+              </a:rPr>
+              <a:t>	</a:t>
+            </a:r>
+            <a:r>
+              <a:rPr lang="zh-CN" altLang="en-US" dirty="0">
+                <a:solidFill>
+                  <a:srgbClr val="204967"/>
+                </a:solidFill>
+                <a:latin typeface="黑体" panose="02010609060101010101" pitchFamily="49" charset="-122"/>
+                <a:ea typeface="黑体" panose="02010609060101010101" pitchFamily="49" charset="-122"/>
+              </a:rPr>
+              <a:t>对双精度来说，</a:t>
+            </a:r>
+            <a:r>
+              <a:rPr lang="en-US" altLang="zh-CN" dirty="0">
+                <a:solidFill>
+                  <a:srgbClr val="204967"/>
+                </a:solidFill>
+                <a:latin typeface="Courier New" panose="02070309020205020404" pitchFamily="49" charset="0"/>
+              </a:rPr>
+              <a:t>k=11,</a:t>
+            </a:r>
+            <a:r>
+              <a:rPr lang="zh-CN" altLang="en-US" dirty="0">
+                <a:solidFill>
+                  <a:srgbClr val="204967"/>
+                </a:solidFill>
+                <a:latin typeface="黑体" panose="02010609060101010101" pitchFamily="49" charset="-122"/>
+                <a:ea typeface="黑体" panose="02010609060101010101" pitchFamily="49" charset="-122"/>
+              </a:rPr>
+              <a:t>则</a:t>
+            </a:r>
+            <a:r>
+              <a:rPr lang="en-US" altLang="zh-CN" dirty="0">
+                <a:solidFill>
+                  <a:srgbClr val="204967"/>
+                </a:solidFill>
+                <a:latin typeface="Courier New" panose="02070309020205020404" pitchFamily="49" charset="0"/>
+              </a:rPr>
+              <a:t>bias=1023</a:t>
+            </a:r>
+            <a:r>
+              <a:rPr lang="zh-CN" altLang="en-US" dirty="0">
+                <a:solidFill>
+                  <a:srgbClr val="204967"/>
+                </a:solidFill>
+                <a:latin typeface="黑体" panose="02010609060101010101" pitchFamily="49" charset="-122"/>
+                <a:ea typeface="黑体" panose="02010609060101010101" pitchFamily="49" charset="-122"/>
+              </a:rPr>
+              <a:t>。</a:t>
+            </a:r>
+            <a:endParaRPr lang="zh-CN" altLang="en-US" dirty="0"/>
           </a:p>
         </p:txBody>
       </p:sp>
+      <p:pic>
+        <p:nvPicPr>
+          <p:cNvPr id="3074" name="Picture 2" descr="http://p.blog.csdn.net/images/p_blog_csdn_net/abortexit/EntryImages/20090622/4.JPG"/>
+          <p:cNvPicPr>
+            <a:picLocks noChangeAspect="1" noChangeArrowheads="1"/>
+          </p:cNvPicPr>
+          <p:nvPr/>
+        </p:nvPicPr>
+        <p:blipFill>
+          <a:blip r:embed="rId4">
+            <a:extLst>
+              <a:ext uri="{28A0092B-C50C-407E-A947-70E740481C1C}">
+                <a14:useLocalDpi xmlns:a14="http://schemas.microsoft.com/office/drawing/2010/main" val="0"/>
+              </a:ext>
+            </a:extLst>
+          </a:blip>
+          <a:srcRect/>
+          <a:stretch>
+            <a:fillRect/>
+          </a:stretch>
+        </p:blipFill>
+        <p:spPr bwMode="auto">
+          <a:xfrm>
+            <a:off x="6580477" y="2761888"/>
+            <a:ext cx="3228975" cy="695325"/>
+          </a:xfrm>
+          <a:prstGeom prst="rect">
+            <a:avLst/>
+          </a:prstGeom>
+          <a:noFill/>
+          <a:effectLst>
+            <a:outerShdw blurRad="63500" sx="102000" sy="102000" algn="ctr" rotWithShape="0">
+              <a:prstClr val="black">
+                <a:alpha val="40000"/>
+              </a:prstClr>
+            </a:outerShdw>
+          </a:effectLst>
+          <a:extLst>
+            <a:ext uri="{909E8E84-426E-40DD-AFC4-6F175D3DCCD1}">
+              <a14:hiddenFill xmlns:a14="http://schemas.microsoft.com/office/drawing/2010/main">
+                <a:solidFill>
+                  <a:srgbClr val="FFFFFF"/>
+                </a:solidFill>
+              </a14:hiddenFill>
+            </a:ext>
+          </a:extLst>
+        </p:spPr>
+      </p:pic>
+      <p:sp>
+        <p:nvSpPr>
+          <p:cNvPr id="7" name="矩形 6"/>
+          <p:cNvSpPr/>
+          <p:nvPr/>
+        </p:nvSpPr>
+        <p:spPr>
+          <a:xfrm>
+            <a:off x="5853113" y="3638872"/>
+            <a:ext cx="6096000" cy="1200329"/>
+          </a:xfrm>
+          <a:prstGeom prst="rect">
+            <a:avLst/>
+          </a:prstGeom>
+        </p:spPr>
+        <p:txBody>
+          <a:bodyPr>
+            <a:spAutoFit/>
+          </a:bodyPr>
+          <a:lstStyle/>
+          <a:p>
+            <a:r>
+              <a:rPr lang="zh-CN" altLang="en-US" dirty="0">
+                <a:solidFill>
+                  <a:srgbClr val="204967"/>
+                </a:solidFill>
+                <a:latin typeface="黑体" panose="02010609060101010101" pitchFamily="49" charset="-122"/>
+                <a:ea typeface="黑体" panose="02010609060101010101" pitchFamily="49" charset="-122"/>
+              </a:rPr>
+              <a:t>标准规定此时小数点左侧的隐含位为</a:t>
+            </a:r>
+            <a:r>
+              <a:rPr lang="en-US" altLang="zh-CN" dirty="0">
+                <a:solidFill>
+                  <a:srgbClr val="204967"/>
+                </a:solidFill>
+                <a:latin typeface="Courier New" panose="02070309020205020404" pitchFamily="49" charset="0"/>
+              </a:rPr>
+              <a:t>1</a:t>
+            </a:r>
+            <a:r>
+              <a:rPr lang="zh-CN" altLang="en-US" dirty="0">
+                <a:solidFill>
+                  <a:srgbClr val="204967"/>
+                </a:solidFill>
+                <a:latin typeface="Courier New" panose="02070309020205020404" pitchFamily="49" charset="0"/>
+              </a:rPr>
+              <a:t>，</a:t>
+            </a:r>
+            <a:r>
+              <a:rPr lang="zh-CN" altLang="en-US" dirty="0">
+                <a:solidFill>
+                  <a:srgbClr val="204967"/>
+                </a:solidFill>
+                <a:latin typeface="黑体" panose="02010609060101010101" pitchFamily="49" charset="-122"/>
+                <a:ea typeface="黑体" panose="02010609060101010101" pitchFamily="49" charset="-122"/>
+              </a:rPr>
+              <a:t>那么</a:t>
+            </a:r>
+            <a:r>
+              <a:rPr lang="en-US" altLang="zh-CN" dirty="0">
+                <a:solidFill>
+                  <a:srgbClr val="204967"/>
+                </a:solidFill>
+                <a:latin typeface="Courier New" panose="02070309020205020404" pitchFamily="49" charset="0"/>
+              </a:rPr>
+              <a:t>m=|1.M|</a:t>
+            </a:r>
+            <a:r>
+              <a:rPr lang="zh-CN" altLang="en-US" dirty="0">
+                <a:solidFill>
+                  <a:srgbClr val="204967"/>
+                </a:solidFill>
+                <a:latin typeface="黑体" panose="02010609060101010101" pitchFamily="49" charset="-122"/>
+                <a:ea typeface="黑体" panose="02010609060101010101" pitchFamily="49" charset="-122"/>
+              </a:rPr>
+              <a:t>。</a:t>
+            </a:r>
+            <a:endParaRPr lang="en-US" altLang="zh-CN" dirty="0">
+              <a:solidFill>
+                <a:srgbClr val="204967"/>
+              </a:solidFill>
+              <a:latin typeface="黑体" panose="02010609060101010101" pitchFamily="49" charset="-122"/>
+              <a:ea typeface="黑体" panose="02010609060101010101" pitchFamily="49" charset="-122"/>
+            </a:endParaRPr>
+          </a:p>
+          <a:p>
+            <a:r>
+              <a:rPr lang="en-US" altLang="zh-CN" dirty="0">
+                <a:solidFill>
+                  <a:srgbClr val="204967"/>
+                </a:solidFill>
+                <a:latin typeface="黑体" panose="02010609060101010101" pitchFamily="49" charset="-122"/>
+                <a:ea typeface="黑体" panose="02010609060101010101" pitchFamily="49" charset="-122"/>
+              </a:rPr>
+              <a:t>	</a:t>
+            </a:r>
+            <a:r>
+              <a:rPr lang="zh-CN" altLang="en-US" dirty="0">
+                <a:solidFill>
+                  <a:srgbClr val="204967"/>
+                </a:solidFill>
+                <a:latin typeface="黑体" panose="02010609060101010101" pitchFamily="49" charset="-122"/>
+                <a:ea typeface="黑体" panose="02010609060101010101" pitchFamily="49" charset="-122"/>
+              </a:rPr>
+              <a:t>如 </a:t>
+            </a:r>
+            <a:r>
+              <a:rPr lang="en-US" altLang="zh-CN" dirty="0">
+                <a:solidFill>
+                  <a:srgbClr val="204967"/>
+                </a:solidFill>
+                <a:latin typeface="Courier New" panose="02070309020205020404" pitchFamily="49" charset="0"/>
+              </a:rPr>
+              <a:t>M="101"</a:t>
+            </a:r>
+            <a:r>
+              <a:rPr lang="zh-CN" altLang="en-US" dirty="0">
+                <a:solidFill>
+                  <a:srgbClr val="204967"/>
+                </a:solidFill>
+                <a:latin typeface="黑体" panose="02010609060101010101" pitchFamily="49" charset="-122"/>
+                <a:ea typeface="黑体" panose="02010609060101010101" pitchFamily="49" charset="-122"/>
+              </a:rPr>
+              <a:t>，</a:t>
+            </a:r>
+            <a:endParaRPr lang="en-US" altLang="zh-CN" dirty="0">
+              <a:solidFill>
+                <a:srgbClr val="204967"/>
+              </a:solidFill>
+              <a:latin typeface="黑体" panose="02010609060101010101" pitchFamily="49" charset="-122"/>
+              <a:ea typeface="黑体" panose="02010609060101010101" pitchFamily="49" charset="-122"/>
+            </a:endParaRPr>
+          </a:p>
+          <a:p>
+            <a:r>
+              <a:rPr lang="en-US" altLang="zh-CN" dirty="0">
+                <a:solidFill>
+                  <a:srgbClr val="204967"/>
+                </a:solidFill>
+                <a:latin typeface="黑体" panose="02010609060101010101" pitchFamily="49" charset="-122"/>
+                <a:ea typeface="黑体" panose="02010609060101010101" pitchFamily="49" charset="-122"/>
+              </a:rPr>
+              <a:t>	</a:t>
+            </a:r>
+            <a:r>
+              <a:rPr lang="zh-CN" altLang="en-US" dirty="0">
+                <a:solidFill>
+                  <a:srgbClr val="204967"/>
+                </a:solidFill>
+                <a:latin typeface="黑体" panose="02010609060101010101" pitchFamily="49" charset="-122"/>
+                <a:ea typeface="黑体" panose="02010609060101010101" pitchFamily="49" charset="-122"/>
+              </a:rPr>
+              <a:t>则 </a:t>
+            </a:r>
+            <a:r>
+              <a:rPr lang="en-US" altLang="zh-CN" dirty="0">
+                <a:solidFill>
+                  <a:srgbClr val="204967"/>
+                </a:solidFill>
+                <a:latin typeface="Courier New" panose="02070309020205020404" pitchFamily="49" charset="0"/>
+              </a:rPr>
+              <a:t>|1.M|=|1.101|=1.625</a:t>
+            </a:r>
+          </a:p>
+          <a:p>
+            <a:r>
+              <a:rPr lang="en-US" altLang="zh-CN" dirty="0">
+                <a:solidFill>
+                  <a:srgbClr val="204967"/>
+                </a:solidFill>
+                <a:latin typeface="Courier New" panose="02070309020205020404" pitchFamily="49" charset="0"/>
+                <a:ea typeface="黑体" panose="02010609060101010101" pitchFamily="49" charset="-122"/>
+              </a:rPr>
+              <a:t>	</a:t>
+            </a:r>
+            <a:r>
+              <a:rPr lang="zh-CN" altLang="en-US" dirty="0">
+                <a:solidFill>
+                  <a:srgbClr val="204967"/>
+                </a:solidFill>
+                <a:latin typeface="黑体" panose="02010609060101010101" pitchFamily="49" charset="-122"/>
+                <a:ea typeface="黑体" panose="02010609060101010101" pitchFamily="49" charset="-122"/>
+              </a:rPr>
+              <a:t>即</a:t>
+            </a:r>
+            <a:r>
+              <a:rPr lang="zh-CN" altLang="en-US" dirty="0">
+                <a:solidFill>
+                  <a:srgbClr val="204967"/>
+                </a:solidFill>
+                <a:latin typeface="Courier New" panose="02070309020205020404" pitchFamily="49" charset="0"/>
+              </a:rPr>
+              <a:t> </a:t>
+            </a:r>
+            <a:r>
+              <a:rPr lang="en-US" altLang="zh-CN" dirty="0">
+                <a:solidFill>
+                  <a:srgbClr val="204967"/>
+                </a:solidFill>
+                <a:latin typeface="Courier New" panose="02070309020205020404" pitchFamily="49" charset="0"/>
+              </a:rPr>
+              <a:t>m=1.625</a:t>
+            </a:r>
+            <a:endParaRPr lang="zh-CN" altLang="en-US" dirty="0"/>
+          </a:p>
+        </p:txBody>
+      </p:sp>
+      <p:graphicFrame>
+        <p:nvGraphicFramePr>
+          <p:cNvPr id="8" name="表格 7"/>
+          <p:cNvGraphicFramePr>
+            <a:graphicFrameLocks noGrp="1"/>
+          </p:cNvGraphicFramePr>
+          <p:nvPr>
+            <p:extLst>
+              <p:ext uri="{D42A27DB-BD31-4B8C-83A1-F6EECF244321}">
+                <p14:modId xmlns:p14="http://schemas.microsoft.com/office/powerpoint/2010/main" val="4275868925"/>
+              </p:ext>
+            </p:extLst>
+          </p:nvPr>
+        </p:nvGraphicFramePr>
+        <p:xfrm>
+          <a:off x="2930236" y="5366347"/>
+          <a:ext cx="8334346" cy="387307"/>
+        </p:xfrm>
+        <a:graphic>
+          <a:graphicData uri="http://schemas.openxmlformats.org/drawingml/2006/table">
+            <a:tbl>
+              <a:tblPr>
+                <a:effectLst>
+                  <a:outerShdw blurRad="63500" sx="102000" sy="102000" algn="ctr" rotWithShape="0">
+                    <a:prstClr val="black">
+                      <a:alpha val="40000"/>
+                    </a:prstClr>
+                  </a:outerShdw>
+                </a:effectLst>
+              </a:tblPr>
+              <a:tblGrid>
+                <a:gridCol w="2777464">
+                  <a:extLst>
+                    <a:ext uri="{9D8B030D-6E8A-4147-A177-3AD203B41FA5}">
+                      <a16:colId xmlns:a16="http://schemas.microsoft.com/office/drawing/2014/main" val="113970904"/>
+                    </a:ext>
+                  </a:extLst>
+                </a:gridCol>
+                <a:gridCol w="2778441">
+                  <a:extLst>
+                    <a:ext uri="{9D8B030D-6E8A-4147-A177-3AD203B41FA5}">
+                      <a16:colId xmlns:a16="http://schemas.microsoft.com/office/drawing/2014/main" val="1503206015"/>
+                    </a:ext>
+                  </a:extLst>
+                </a:gridCol>
+                <a:gridCol w="2778441">
+                  <a:extLst>
+                    <a:ext uri="{9D8B030D-6E8A-4147-A177-3AD203B41FA5}">
+                      <a16:colId xmlns:a16="http://schemas.microsoft.com/office/drawing/2014/main" val="3157675970"/>
+                    </a:ext>
+                  </a:extLst>
+                </a:gridCol>
+              </a:tblGrid>
+              <a:tr h="387307">
+                <a:tc>
+                  <a:txBody>
+                    <a:bodyPr/>
+                    <a:lstStyle/>
+                    <a:p>
+                      <a:pPr algn="ctr">
+                        <a:spcAft>
+                          <a:spcPts val="0"/>
+                        </a:spcAft>
+                      </a:pPr>
+                      <a:r>
+                        <a:rPr lang="en-US" dirty="0">
+                          <a:effectLst/>
+                          <a:latin typeface="宋体" panose="02010600030101010101" pitchFamily="2" charset="-122"/>
+                          <a:ea typeface="宋体" panose="02010600030101010101" pitchFamily="2" charset="-122"/>
+                        </a:rPr>
+                        <a:t>S 1bit（</a:t>
+                      </a:r>
+                      <a:r>
+                        <a:rPr lang="zh-CN" altLang="en-US" dirty="0">
+                          <a:effectLst/>
+                          <a:latin typeface="宋体" panose="02010600030101010101" pitchFamily="2" charset="-122"/>
+                          <a:ea typeface="宋体" panose="02010600030101010101" pitchFamily="2" charset="-122"/>
+                        </a:rPr>
+                        <a:t>符号位）</a:t>
+                      </a:r>
+                      <a:endParaRPr lang="zh-CN" altLang="en-US" dirty="0">
+                        <a:effectLst/>
+                        <a:latin typeface="Verdana" panose="020B0604030504040204" pitchFamily="34" charset="0"/>
+                      </a:endParaRPr>
+                    </a:p>
+                  </a:txBody>
+                  <a:tcPr marL="68580" marR="68580" marT="0" marB="0" anchor="ctr">
+                    <a:lnL w="12700" cap="flat" cmpd="sng" algn="ctr">
+                      <a:solidFill>
+                        <a:srgbClr val="000000"/>
+                      </a:solidFill>
+                      <a:prstDash val="solid"/>
+                      <a:round/>
+                      <a:headEnd type="none" w="med" len="med"/>
+                      <a:tailEnd type="none" w="med" len="med"/>
+                    </a:lnL>
+                    <a:lnR w="12700" cap="flat" cmpd="sng" algn="ctr">
+                      <a:solidFill>
+                        <a:srgbClr val="000000"/>
+                      </a:solidFill>
+                      <a:prstDash val="solid"/>
+                      <a:round/>
+                      <a:headEnd type="none" w="med" len="med"/>
+                      <a:tailEnd type="none" w="med" len="med"/>
+                    </a:lnR>
+                    <a:lnT w="12700" cap="flat" cmpd="sng" algn="ctr">
+                      <a:solidFill>
+                        <a:srgbClr val="000000"/>
+                      </a:solidFill>
+                      <a:prstDash val="solid"/>
+                      <a:round/>
+                      <a:headEnd type="none" w="med" len="med"/>
+                      <a:tailEnd type="none" w="med" len="med"/>
+                    </a:lnT>
+                    <a:lnB w="12700" cap="flat" cmpd="sng" algn="ctr">
+                      <a:solidFill>
+                        <a:srgbClr val="000000"/>
+                      </a:solidFill>
+                      <a:prstDash val="solid"/>
+                      <a:round/>
+                      <a:headEnd type="none" w="med" len="med"/>
+                      <a:tailEnd type="none" w="med" len="med"/>
+                    </a:lnB>
+                    <a:solidFill>
+                      <a:srgbClr val="FFFFFF"/>
+                    </a:solidFill>
+                  </a:tcPr>
+                </a:tc>
+                <a:tc>
+                  <a:txBody>
+                    <a:bodyPr/>
+                    <a:lstStyle/>
+                    <a:p>
+                      <a:pPr algn="ctr">
+                        <a:spcAft>
+                          <a:spcPts val="0"/>
+                        </a:spcAft>
+                      </a:pPr>
+                      <a:r>
+                        <a:rPr lang="en-US" dirty="0">
+                          <a:effectLst/>
+                          <a:latin typeface="宋体" panose="02010600030101010101" pitchFamily="2" charset="-122"/>
+                          <a:ea typeface="宋体" panose="02010600030101010101" pitchFamily="2" charset="-122"/>
+                        </a:rPr>
+                        <a:t>E 11bits（</a:t>
+                      </a:r>
+                      <a:r>
+                        <a:rPr lang="zh-CN" altLang="en-US" dirty="0">
+                          <a:effectLst/>
+                          <a:latin typeface="宋体" panose="02010600030101010101" pitchFamily="2" charset="-122"/>
+                          <a:ea typeface="宋体" panose="02010600030101010101" pitchFamily="2" charset="-122"/>
+                        </a:rPr>
+                        <a:t>指数位）</a:t>
+                      </a:r>
+                      <a:endParaRPr lang="zh-CN" altLang="en-US" dirty="0">
+                        <a:effectLst/>
+                        <a:latin typeface="Verdana" panose="020B0604030504040204" pitchFamily="34" charset="0"/>
+                      </a:endParaRPr>
+                    </a:p>
+                  </a:txBody>
+                  <a:tcPr marL="68580" marR="68580" marT="0" marB="0" anchor="ctr">
+                    <a:lnL w="12700" cap="flat" cmpd="sng" algn="ctr">
+                      <a:solidFill>
+                        <a:srgbClr val="000000"/>
+                      </a:solidFill>
+                      <a:prstDash val="solid"/>
+                      <a:round/>
+                      <a:headEnd type="none" w="med" len="med"/>
+                      <a:tailEnd type="none" w="med" len="med"/>
+                    </a:lnL>
+                    <a:lnR w="12700" cap="flat" cmpd="sng" algn="ctr">
+                      <a:solidFill>
+                        <a:srgbClr val="000000"/>
+                      </a:solidFill>
+                      <a:prstDash val="solid"/>
+                      <a:round/>
+                      <a:headEnd type="none" w="med" len="med"/>
+                      <a:tailEnd type="none" w="med" len="med"/>
+                    </a:lnR>
+                    <a:lnT w="12700" cap="flat" cmpd="sng" algn="ctr">
+                      <a:solidFill>
+                        <a:srgbClr val="000000"/>
+                      </a:solidFill>
+                      <a:prstDash val="solid"/>
+                      <a:round/>
+                      <a:headEnd type="none" w="med" len="med"/>
+                      <a:tailEnd type="none" w="med" len="med"/>
+                    </a:lnT>
+                    <a:lnB w="12700" cap="flat" cmpd="sng" algn="ctr">
+                      <a:solidFill>
+                        <a:srgbClr val="000000"/>
+                      </a:solidFill>
+                      <a:prstDash val="solid"/>
+                      <a:round/>
+                      <a:headEnd type="none" w="med" len="med"/>
+                      <a:tailEnd type="none" w="med" len="med"/>
+                    </a:lnB>
+                    <a:solidFill>
+                      <a:srgbClr val="FFFFFF"/>
+                    </a:solidFill>
+                  </a:tcPr>
+                </a:tc>
+                <a:tc>
+                  <a:txBody>
+                    <a:bodyPr/>
+                    <a:lstStyle/>
+                    <a:p>
+                      <a:pPr algn="ctr">
+                        <a:spcAft>
+                          <a:spcPts val="0"/>
+                        </a:spcAft>
+                      </a:pPr>
+                      <a:r>
+                        <a:rPr lang="en-US" dirty="0">
+                          <a:effectLst/>
+                          <a:latin typeface="宋体" panose="02010600030101010101" pitchFamily="2" charset="-122"/>
+                          <a:ea typeface="宋体" panose="02010600030101010101" pitchFamily="2" charset="-122"/>
+                        </a:rPr>
+                        <a:t>M 52bits（</a:t>
+                      </a:r>
+                      <a:r>
+                        <a:rPr lang="zh-CN" altLang="en-US" dirty="0">
+                          <a:effectLst/>
+                          <a:latin typeface="宋体" panose="02010600030101010101" pitchFamily="2" charset="-122"/>
+                          <a:ea typeface="宋体" panose="02010600030101010101" pitchFamily="2" charset="-122"/>
+                        </a:rPr>
+                        <a:t>尾数位）</a:t>
+                      </a:r>
+                      <a:endParaRPr lang="zh-CN" altLang="en-US" dirty="0">
+                        <a:effectLst/>
+                        <a:latin typeface="Verdana" panose="020B0604030504040204" pitchFamily="34" charset="0"/>
+                      </a:endParaRPr>
+                    </a:p>
+                  </a:txBody>
+                  <a:tcPr marL="68580" marR="68580" marT="0" marB="0" anchor="ctr">
+                    <a:lnL w="12700" cap="flat" cmpd="sng" algn="ctr">
+                      <a:solidFill>
+                        <a:srgbClr val="000000"/>
+                      </a:solidFill>
+                      <a:prstDash val="solid"/>
+                      <a:round/>
+                      <a:headEnd type="none" w="med" len="med"/>
+                      <a:tailEnd type="none" w="med" len="med"/>
+                    </a:lnL>
+                    <a:lnR w="12700" cap="flat" cmpd="sng" algn="ctr">
+                      <a:solidFill>
+                        <a:srgbClr val="000000"/>
+                      </a:solidFill>
+                      <a:prstDash val="solid"/>
+                      <a:round/>
+                      <a:headEnd type="none" w="med" len="med"/>
+                      <a:tailEnd type="none" w="med" len="med"/>
+                    </a:lnR>
+                    <a:lnT w="12700" cap="flat" cmpd="sng" algn="ctr">
+                      <a:solidFill>
+                        <a:srgbClr val="000000"/>
+                      </a:solidFill>
+                      <a:prstDash val="solid"/>
+                      <a:round/>
+                      <a:headEnd type="none" w="med" len="med"/>
+                      <a:tailEnd type="none" w="med" len="med"/>
+                    </a:lnT>
+                    <a:lnB w="12700" cap="flat" cmpd="sng" algn="ctr">
+                      <a:solidFill>
+                        <a:srgbClr val="000000"/>
+                      </a:solidFill>
+                      <a:prstDash val="solid"/>
+                      <a:round/>
+                      <a:headEnd type="none" w="med" len="med"/>
+                      <a:tailEnd type="none" w="med" len="med"/>
+                    </a:lnB>
+                    <a:solidFill>
+                      <a:srgbClr val="FFFFFF"/>
+                    </a:solidFill>
+                  </a:tcPr>
+                </a:tc>
+                <a:extLst>
+                  <a:ext uri="{0D108BD9-81ED-4DB2-BD59-A6C34878D82A}">
+                    <a16:rowId xmlns:a16="http://schemas.microsoft.com/office/drawing/2014/main" val="2086713303"/>
+                  </a:ext>
+                </a:extLst>
+              </a:tr>
+            </a:tbl>
+          </a:graphicData>
+        </a:graphic>
+      </p:graphicFrame>
     </p:spTree>
     <p:extLst>
       <p:ext uri="{BB962C8B-B14F-4D97-AF65-F5344CB8AC3E}">
-        <p14:creationId xmlns:p14="http://schemas.microsoft.com/office/powerpoint/2010/main" val="2212456058"/>
+        <p14:creationId xmlns:p14="http://schemas.microsoft.com/office/powerpoint/2010/main" val="2339583637"/>
       </p:ext>
     </p:extLst>
   </p:cSld>
@@ -4387,98 +7825,156 @@
           <a:p>
             <a:r>
               <a:rPr lang="zh-CN" altLang="en-US" dirty="0"/>
-              <a:t>探寻</a:t>
+              <a:t>数值存储 </a:t>
             </a:r>
             <a:r>
               <a:rPr lang="en-US" altLang="zh-CN" dirty="0"/>
-              <a:t>C++</a:t>
+              <a:t>– </a:t>
             </a:r>
             <a:r>
               <a:rPr lang="zh-CN" altLang="en-US" dirty="0"/>
-              <a:t>本质</a:t>
+              <a:t>浮点数</a:t>
             </a:r>
           </a:p>
         </p:txBody>
       </p:sp>
       <p:sp>
         <p:nvSpPr>
-          <p:cNvPr id="3" name="内容占位符 2"/>
-          <p:cNvSpPr>
-            <a:spLocks noGrp="1"/>
-          </p:cNvSpPr>
-          <p:nvPr>
-            <p:ph idx="1"/>
-          </p:nvPr>
+          <p:cNvPr id="4" name="矩形 3"/>
+          <p:cNvSpPr/>
+          <p:nvPr/>
         </p:nvSpPr>
-        <p:spPr/>
+        <p:spPr>
+          <a:xfrm>
+            <a:off x="1451579" y="2101334"/>
+            <a:ext cx="6138219" cy="369332"/>
+          </a:xfrm>
+          <a:prstGeom prst="rect">
+            <a:avLst/>
+          </a:prstGeom>
+        </p:spPr>
         <p:txBody>
-          <a:bodyPr/>
+          <a:bodyPr wrap="none">
+            <a:spAutoFit/>
+          </a:bodyPr>
           <a:lstStyle/>
           <a:p>
             <a:r>
-              <a:rPr lang="zh-CN" altLang="en-US" dirty="0"/>
-              <a:t>数值问题</a:t>
-            </a:r>
-            <a:endParaRPr lang="en-US" altLang="zh-CN" dirty="0"/>
-          </a:p>
-          <a:p>
-            <a:pPr lvl="1"/>
-            <a:r>
-              <a:rPr lang="zh-CN" altLang="en-US" dirty="0"/>
-              <a:t>整数溢出</a:t>
-            </a:r>
-            <a:endParaRPr lang="en-US" altLang="zh-CN" dirty="0"/>
-          </a:p>
-          <a:p>
-            <a:pPr lvl="1"/>
-            <a:r>
-              <a:rPr lang="zh-CN" altLang="en-US" dirty="0"/>
-              <a:t>浮点精度</a:t>
-            </a:r>
-            <a:endParaRPr lang="en-US" altLang="zh-CN" dirty="0"/>
-          </a:p>
-          <a:p>
-            <a:pPr lvl="2"/>
-            <a:r>
-              <a:rPr lang="zh-CN" altLang="en-US" dirty="0"/>
-              <a:t>字面值转浮点值</a:t>
-            </a:r>
-            <a:endParaRPr lang="en-US" altLang="zh-CN" dirty="0"/>
-          </a:p>
-          <a:p>
-            <a:pPr lvl="2"/>
-            <a:r>
-              <a:rPr lang="zh-CN" altLang="en-US" dirty="0"/>
-              <a:t>浮点数比较</a:t>
-            </a:r>
-            <a:endParaRPr lang="en-US" altLang="zh-CN" dirty="0"/>
-          </a:p>
-          <a:p>
-            <a:pPr lvl="1"/>
-            <a:r>
-              <a:rPr lang="zh-CN" altLang="en-US" dirty="0"/>
-              <a:t>类型转换</a:t>
-            </a:r>
-            <a:endParaRPr lang="en-US" altLang="zh-CN" dirty="0"/>
-          </a:p>
-          <a:p>
-            <a:pPr lvl="1"/>
-            <a:r>
-              <a:rPr lang="zh-CN" altLang="en-US" dirty="0"/>
-              <a:t>移位操作（左移再右移）</a:t>
-            </a:r>
-            <a:endParaRPr lang="en-US" altLang="zh-CN" dirty="0"/>
-          </a:p>
-          <a:p>
-            <a:pPr lvl="2"/>
+              <a:rPr lang="zh-CN" altLang="en-US" dirty="0">
+                <a:solidFill>
+                  <a:srgbClr val="FF0000"/>
+                </a:solidFill>
+                <a:latin typeface="黑体" panose="02010609060101010101" pitchFamily="49" charset="-122"/>
+                <a:ea typeface="黑体" panose="02010609060101010101" pitchFamily="49" charset="-122"/>
+              </a:rPr>
+              <a:t>非规格化：当</a:t>
+            </a:r>
+            <a:r>
+              <a:rPr lang="en-US" altLang="zh-CN" dirty="0">
+                <a:solidFill>
+                  <a:srgbClr val="FF0000"/>
+                </a:solidFill>
+                <a:latin typeface="Courier New" panose="02070309020205020404" pitchFamily="49" charset="0"/>
+              </a:rPr>
+              <a:t>E</a:t>
+            </a:r>
+            <a:r>
+              <a:rPr lang="zh-CN" altLang="en-US" dirty="0">
+                <a:solidFill>
+                  <a:srgbClr val="FF0000"/>
+                </a:solidFill>
+                <a:latin typeface="黑体" panose="02010609060101010101" pitchFamily="49" charset="-122"/>
+                <a:ea typeface="黑体" panose="02010609060101010101" pitchFamily="49" charset="-122"/>
+              </a:rPr>
+              <a:t>的二进制位全部为</a:t>
+            </a:r>
+            <a:r>
+              <a:rPr lang="en-US" altLang="zh-CN" dirty="0">
+                <a:solidFill>
+                  <a:srgbClr val="FF0000"/>
+                </a:solidFill>
+                <a:latin typeface="Courier New" panose="02070309020205020404" pitchFamily="49" charset="0"/>
+              </a:rPr>
+              <a:t>0</a:t>
+            </a:r>
+            <a:r>
+              <a:rPr lang="zh-CN" altLang="en-US" dirty="0">
+                <a:solidFill>
+                  <a:srgbClr val="FF0000"/>
+                </a:solidFill>
+                <a:latin typeface="黑体" panose="02010609060101010101" pitchFamily="49" charset="-122"/>
+                <a:ea typeface="黑体" panose="02010609060101010101" pitchFamily="49" charset="-122"/>
+              </a:rPr>
+              <a:t>时，</a:t>
+            </a:r>
+            <a:r>
+              <a:rPr lang="en-US" altLang="zh-CN" dirty="0">
+                <a:solidFill>
+                  <a:srgbClr val="FF0000"/>
+                </a:solidFill>
+                <a:latin typeface="Courier New" panose="02070309020205020404" pitchFamily="49" charset="0"/>
+              </a:rPr>
+              <a:t>N</a:t>
+            </a:r>
+            <a:r>
+              <a:rPr lang="zh-CN" altLang="en-US" dirty="0">
+                <a:solidFill>
+                  <a:srgbClr val="FF0000"/>
+                </a:solidFill>
+                <a:latin typeface="黑体" panose="02010609060101010101" pitchFamily="49" charset="-122"/>
+                <a:ea typeface="黑体" panose="02010609060101010101" pitchFamily="49" charset="-122"/>
+              </a:rPr>
+              <a:t>为非规格化形式。</a:t>
+            </a:r>
             <a:endParaRPr lang="zh-CN" altLang="en-US" dirty="0"/>
           </a:p>
         </p:txBody>
       </p:sp>
+      <p:pic>
+        <p:nvPicPr>
+          <p:cNvPr id="4098" name="Picture 2" descr="http://p.blog.csdn.net/images/p_blog_csdn_net/abortexit/EntryImages/20090622/5.JPG"/>
+          <p:cNvPicPr>
+            <a:picLocks noChangeAspect="1" noChangeArrowheads="1"/>
+          </p:cNvPicPr>
+          <p:nvPr/>
+        </p:nvPicPr>
+        <p:blipFill>
+          <a:blip r:embed="rId3">
+            <a:extLst>
+              <a:ext uri="{28A0092B-C50C-407E-A947-70E740481C1C}">
+                <a14:useLocalDpi xmlns:a14="http://schemas.microsoft.com/office/drawing/2010/main" val="0"/>
+              </a:ext>
+            </a:extLst>
+          </a:blip>
+          <a:srcRect/>
+          <a:stretch>
+            <a:fillRect/>
+          </a:stretch>
+        </p:blipFill>
+        <p:spPr bwMode="auto">
+          <a:xfrm>
+            <a:off x="2235345" y="2954049"/>
+            <a:ext cx="3190875" cy="1095375"/>
+          </a:xfrm>
+          <a:prstGeom prst="rect">
+            <a:avLst/>
+          </a:prstGeom>
+          <a:noFill/>
+          <a:extLst>
+            <a:ext uri="{909E8E84-426E-40DD-AFC4-6F175D3DCCD1}">
+              <a14:hiddenFill xmlns:a14="http://schemas.microsoft.com/office/drawing/2010/main">
+                <a:solidFill>
+                  <a:srgbClr val="FFFFFF"/>
+                </a:solidFill>
+              </a14:hiddenFill>
+            </a:ext>
+          </a:extLst>
+        </p:spPr>
+      </p:pic>
     </p:spTree>
     <p:extLst>
       <p:ext uri="{BB962C8B-B14F-4D97-AF65-F5344CB8AC3E}">
-        <p14:creationId xmlns:p14="http://schemas.microsoft.com/office/powerpoint/2010/main" val="4155274339"/>
+        <p14:creationId xmlns:p14="http://schemas.microsoft.com/office/powerpoint/2010/main" val="2718844223"/>
       </p:ext>
     </p:extLst>
   </p:cSld>
@@ -4522,132 +8018,587 @@
           <a:p>
             <a:r>
               <a:rPr lang="zh-CN" altLang="en-US" dirty="0"/>
-              <a:t>探寻</a:t>
+              <a:t>数值存储 </a:t>
             </a:r>
             <a:r>
               <a:rPr lang="en-US" altLang="zh-CN" dirty="0"/>
-              <a:t>C++</a:t>
+              <a:t>– </a:t>
             </a:r>
             <a:r>
               <a:rPr lang="zh-CN" altLang="en-US" dirty="0"/>
-              <a:t>本质</a:t>
+              <a:t>浮点数</a:t>
             </a:r>
           </a:p>
         </p:txBody>
       </p:sp>
       <p:sp>
         <p:nvSpPr>
-          <p:cNvPr id="3" name="内容占位符 2"/>
-          <p:cNvSpPr>
-            <a:spLocks noGrp="1"/>
-          </p:cNvSpPr>
-          <p:nvPr>
-            <p:ph idx="1"/>
-          </p:nvPr>
+          <p:cNvPr id="4" name="矩形 3"/>
+          <p:cNvSpPr/>
+          <p:nvPr/>
         </p:nvSpPr>
-        <p:spPr/>
+        <p:spPr>
+          <a:xfrm>
+            <a:off x="1451579" y="2115281"/>
+            <a:ext cx="6096000" cy="1477328"/>
+          </a:xfrm>
+          <a:prstGeom prst="rect">
+            <a:avLst/>
+          </a:prstGeom>
+        </p:spPr>
         <p:txBody>
           <a:bodyPr>
-            <a:normAutofit fontScale="85000" lnSpcReduction="20000"/>
+            <a:spAutoFit/>
           </a:bodyPr>
           <a:lstStyle/>
           <a:p>
             <a:r>
+              <a:rPr lang="zh-CN" altLang="en-US" dirty="0">
+                <a:solidFill>
+                  <a:srgbClr val="FF0000"/>
+                </a:solidFill>
+                <a:latin typeface="黑体" panose="02010609060101010101" pitchFamily="49" charset="-122"/>
+                <a:ea typeface="黑体" panose="02010609060101010101" pitchFamily="49" charset="-122"/>
+              </a:rPr>
+              <a:t>特殊数值：当</a:t>
+            </a:r>
+            <a:r>
+              <a:rPr lang="en-US" altLang="zh-CN" dirty="0">
+                <a:solidFill>
+                  <a:srgbClr val="FF0000"/>
+                </a:solidFill>
+                <a:latin typeface="Courier New" panose="02070309020205020404" pitchFamily="49" charset="0"/>
+              </a:rPr>
+              <a:t>E</a:t>
+            </a:r>
+            <a:r>
+              <a:rPr lang="zh-CN" altLang="en-US" dirty="0">
+                <a:solidFill>
+                  <a:srgbClr val="FF0000"/>
+                </a:solidFill>
+                <a:latin typeface="黑体" panose="02010609060101010101" pitchFamily="49" charset="-122"/>
+                <a:ea typeface="黑体" panose="02010609060101010101" pitchFamily="49" charset="-122"/>
+              </a:rPr>
+              <a:t>的二进制位全为</a:t>
+            </a:r>
+            <a:r>
+              <a:rPr lang="en-US" altLang="zh-CN" dirty="0">
+                <a:solidFill>
+                  <a:srgbClr val="FF0000"/>
+                </a:solidFill>
+                <a:latin typeface="Courier New" panose="02070309020205020404" pitchFamily="49" charset="0"/>
+              </a:rPr>
+              <a:t>1</a:t>
+            </a:r>
+            <a:r>
+              <a:rPr lang="zh-CN" altLang="en-US" dirty="0">
+                <a:solidFill>
+                  <a:srgbClr val="FF0000"/>
+                </a:solidFill>
+                <a:latin typeface="黑体" panose="02010609060101010101" pitchFamily="49" charset="-122"/>
+                <a:ea typeface="黑体" panose="02010609060101010101" pitchFamily="49" charset="-122"/>
+              </a:rPr>
+              <a:t>时为特殊数值。</a:t>
+            </a:r>
+            <a:endParaRPr lang="en-US" altLang="zh-CN" dirty="0">
+              <a:solidFill>
+                <a:srgbClr val="FF0000"/>
+              </a:solidFill>
+              <a:latin typeface="黑体" panose="02010609060101010101" pitchFamily="49" charset="-122"/>
+              <a:ea typeface="黑体" panose="02010609060101010101" pitchFamily="49" charset="-122"/>
+            </a:endParaRPr>
+          </a:p>
+          <a:p>
+            <a:pPr marL="285750" indent="-285750">
+              <a:buFont typeface="Arial" panose="020B0604020202020204" pitchFamily="34" charset="0"/>
+              <a:buChar char="•"/>
+            </a:pPr>
+            <a:r>
+              <a:rPr lang="en-US" altLang="zh-CN" dirty="0">
+                <a:solidFill>
+                  <a:srgbClr val="204967"/>
+                </a:solidFill>
+                <a:latin typeface="Courier New" panose="02070309020205020404" pitchFamily="49" charset="0"/>
+              </a:rPr>
+              <a:t>M</a:t>
+            </a:r>
+            <a:r>
+              <a:rPr lang="zh-CN" altLang="en-US" dirty="0">
+                <a:solidFill>
+                  <a:srgbClr val="204967"/>
+                </a:solidFill>
+                <a:latin typeface="黑体" panose="02010609060101010101" pitchFamily="49" charset="-122"/>
+                <a:ea typeface="黑体" panose="02010609060101010101" pitchFamily="49" charset="-122"/>
+              </a:rPr>
+              <a:t>的二进制位全为</a:t>
+            </a:r>
+            <a:r>
+              <a:rPr lang="en-US" altLang="zh-CN" dirty="0">
+                <a:solidFill>
+                  <a:srgbClr val="204967"/>
+                </a:solidFill>
+                <a:latin typeface="Courier New" panose="02070309020205020404" pitchFamily="49" charset="0"/>
+              </a:rPr>
+              <a:t>0</a:t>
+            </a:r>
+            <a:r>
+              <a:rPr lang="zh-CN" altLang="en-US" dirty="0">
+                <a:solidFill>
+                  <a:srgbClr val="204967"/>
+                </a:solidFill>
+                <a:latin typeface="黑体" panose="02010609060101010101" pitchFamily="49" charset="-122"/>
+                <a:ea typeface="黑体" panose="02010609060101010101" pitchFamily="49" charset="-122"/>
+              </a:rPr>
+              <a:t>，则</a:t>
+            </a:r>
+            <a:r>
+              <a:rPr lang="en-US" altLang="zh-CN" dirty="0">
+                <a:solidFill>
+                  <a:srgbClr val="204967"/>
+                </a:solidFill>
+                <a:latin typeface="Courier New" panose="02070309020205020404" pitchFamily="49" charset="0"/>
+              </a:rPr>
+              <a:t>n</a:t>
+            </a:r>
+            <a:r>
+              <a:rPr lang="zh-CN" altLang="en-US" dirty="0">
+                <a:solidFill>
+                  <a:srgbClr val="204967"/>
+                </a:solidFill>
+                <a:latin typeface="黑体" panose="02010609060101010101" pitchFamily="49" charset="-122"/>
+                <a:ea typeface="黑体" panose="02010609060101010101" pitchFamily="49" charset="-122"/>
+              </a:rPr>
+              <a:t>表示无穷大</a:t>
+            </a:r>
+            <a:endParaRPr lang="en-US" altLang="zh-CN" dirty="0">
+              <a:solidFill>
+                <a:srgbClr val="204967"/>
+              </a:solidFill>
+              <a:latin typeface="黑体" panose="02010609060101010101" pitchFamily="49" charset="-122"/>
+              <a:ea typeface="黑体" panose="02010609060101010101" pitchFamily="49" charset="-122"/>
+            </a:endParaRPr>
+          </a:p>
+          <a:p>
+            <a:pPr marL="285750" indent="-285750">
+              <a:buFont typeface="Arial" panose="020B0604020202020204" pitchFamily="34" charset="0"/>
+              <a:buChar char="•"/>
+            </a:pPr>
+            <a:r>
+              <a:rPr lang="en-US" altLang="zh-CN" dirty="0">
+                <a:solidFill>
+                  <a:srgbClr val="204967"/>
+                </a:solidFill>
+                <a:latin typeface="Courier New" panose="02070309020205020404" pitchFamily="49" charset="0"/>
+              </a:rPr>
+              <a:t>S</a:t>
+            </a:r>
+            <a:r>
+              <a:rPr lang="zh-CN" altLang="en-US" dirty="0">
+                <a:solidFill>
+                  <a:srgbClr val="204967"/>
+                </a:solidFill>
+                <a:latin typeface="黑体" panose="02010609060101010101" pitchFamily="49" charset="-122"/>
+                <a:ea typeface="黑体" panose="02010609060101010101" pitchFamily="49" charset="-122"/>
+              </a:rPr>
+              <a:t>为</a:t>
+            </a:r>
+            <a:r>
+              <a:rPr lang="en-US" altLang="zh-CN" dirty="0">
+                <a:solidFill>
+                  <a:srgbClr val="204967"/>
+                </a:solidFill>
+                <a:latin typeface="Courier New" panose="02070309020205020404" pitchFamily="49" charset="0"/>
+              </a:rPr>
+              <a:t>1</a:t>
+            </a:r>
+            <a:r>
+              <a:rPr lang="zh-CN" altLang="en-US" dirty="0">
+                <a:solidFill>
+                  <a:srgbClr val="204967"/>
+                </a:solidFill>
+                <a:latin typeface="黑体" panose="02010609060101010101" pitchFamily="49" charset="-122"/>
+                <a:ea typeface="黑体" panose="02010609060101010101" pitchFamily="49" charset="-122"/>
+              </a:rPr>
+              <a:t>则为负无穷大</a:t>
+            </a:r>
+            <a:endParaRPr lang="en-US" altLang="zh-CN" dirty="0">
+              <a:solidFill>
+                <a:srgbClr val="204967"/>
+              </a:solidFill>
+              <a:latin typeface="黑体" panose="02010609060101010101" pitchFamily="49" charset="-122"/>
+              <a:ea typeface="黑体" panose="02010609060101010101" pitchFamily="49" charset="-122"/>
+            </a:endParaRPr>
+          </a:p>
+          <a:p>
+            <a:pPr marL="285750" indent="-285750">
+              <a:buFont typeface="Arial" panose="020B0604020202020204" pitchFamily="34" charset="0"/>
+              <a:buChar char="•"/>
+            </a:pPr>
+            <a:r>
+              <a:rPr lang="en-US" altLang="zh-CN" dirty="0">
+                <a:solidFill>
+                  <a:srgbClr val="204967"/>
+                </a:solidFill>
+                <a:latin typeface="Courier New" panose="02070309020205020404" pitchFamily="49" charset="0"/>
+              </a:rPr>
+              <a:t>S</a:t>
+            </a:r>
+            <a:r>
+              <a:rPr lang="zh-CN" altLang="en-US" dirty="0">
+                <a:solidFill>
+                  <a:srgbClr val="204967"/>
+                </a:solidFill>
+                <a:latin typeface="黑体" panose="02010609060101010101" pitchFamily="49" charset="-122"/>
+                <a:ea typeface="黑体" panose="02010609060101010101" pitchFamily="49" charset="-122"/>
+              </a:rPr>
+              <a:t>为</a:t>
+            </a:r>
+            <a:r>
+              <a:rPr lang="en-US" altLang="zh-CN" dirty="0">
+                <a:solidFill>
+                  <a:srgbClr val="204967"/>
+                </a:solidFill>
+                <a:latin typeface="Courier New" panose="02070309020205020404" pitchFamily="49" charset="0"/>
+              </a:rPr>
+              <a:t>0</a:t>
+            </a:r>
+            <a:r>
+              <a:rPr lang="zh-CN" altLang="en-US" dirty="0">
+                <a:solidFill>
+                  <a:srgbClr val="204967"/>
+                </a:solidFill>
+                <a:latin typeface="黑体" panose="02010609060101010101" pitchFamily="49" charset="-122"/>
+                <a:ea typeface="黑体" panose="02010609060101010101" pitchFamily="49" charset="-122"/>
+              </a:rPr>
+              <a:t>则为正无穷大</a:t>
+            </a:r>
+            <a:endParaRPr lang="en-US" altLang="zh-CN" dirty="0">
+              <a:solidFill>
+                <a:srgbClr val="204967"/>
+              </a:solidFill>
+              <a:latin typeface="黑体" panose="02010609060101010101" pitchFamily="49" charset="-122"/>
+              <a:ea typeface="黑体" panose="02010609060101010101" pitchFamily="49" charset="-122"/>
+            </a:endParaRPr>
+          </a:p>
+          <a:p>
+            <a:pPr marL="285750" indent="-285750">
+              <a:buFont typeface="Arial" panose="020B0604020202020204" pitchFamily="34" charset="0"/>
+              <a:buChar char="•"/>
+            </a:pPr>
+            <a:r>
+              <a:rPr lang="en-US" altLang="zh-CN" dirty="0"/>
+              <a:t>M</a:t>
+            </a:r>
+            <a:r>
               <a:rPr lang="zh-CN" altLang="en-US" dirty="0"/>
-              <a:t>内存地址</a:t>
-            </a:r>
-            <a:endParaRPr lang="en-US" altLang="zh-CN" dirty="0"/>
-          </a:p>
-          <a:p>
-            <a:pPr lvl="1"/>
+              <a:t>的二进制位不全为</a:t>
+            </a:r>
+            <a:r>
+              <a:rPr lang="en-US" altLang="zh-CN" dirty="0"/>
+              <a:t>0</a:t>
+            </a:r>
             <a:r>
               <a:rPr lang="zh-CN" altLang="en-US" dirty="0"/>
-              <a:t>实地址</a:t>
-            </a:r>
-            <a:endParaRPr lang="en-US" altLang="zh-CN" dirty="0"/>
-          </a:p>
-          <a:p>
-            <a:pPr lvl="1"/>
-            <a:r>
-              <a:rPr lang="zh-CN" altLang="en-US" dirty="0"/>
-              <a:t>虚地址</a:t>
-            </a:r>
-            <a:endParaRPr lang="en-US" altLang="zh-CN" dirty="0"/>
-          </a:p>
-          <a:p>
-            <a:pPr lvl="2"/>
-            <a:r>
-              <a:rPr lang="zh-CN" altLang="en-US" dirty="0"/>
-              <a:t>分页内存</a:t>
-            </a:r>
-            <a:endParaRPr lang="en-US" altLang="zh-CN" dirty="0"/>
-          </a:p>
-          <a:p>
-            <a:pPr lvl="2"/>
-            <a:r>
-              <a:rPr lang="zh-CN" altLang="en-US" dirty="0"/>
-              <a:t>未分页内存</a:t>
-            </a:r>
-            <a:endParaRPr lang="en-US" altLang="zh-CN" dirty="0"/>
-          </a:p>
-          <a:p>
-            <a:r>
-              <a:rPr lang="zh-CN" altLang="en-US" dirty="0"/>
-              <a:t>地址对齐</a:t>
-            </a:r>
-            <a:endParaRPr lang="en-US" altLang="zh-CN" dirty="0"/>
-          </a:p>
-          <a:p>
-            <a:pPr lvl="1"/>
-            <a:r>
-              <a:rPr lang="zh-CN" altLang="en-US" dirty="0"/>
-              <a:t>非对齐数据读取的效率影响</a:t>
-            </a:r>
-            <a:endParaRPr lang="en-US" altLang="zh-CN" dirty="0"/>
-          </a:p>
-          <a:p>
-            <a:pPr lvl="1"/>
-            <a:r>
-              <a:rPr lang="zh-CN" altLang="en-US" dirty="0"/>
-              <a:t>结构中的内存分布</a:t>
-            </a:r>
-            <a:endParaRPr lang="en-US" altLang="zh-CN" dirty="0"/>
-          </a:p>
-          <a:p>
-            <a:r>
-              <a:rPr lang="zh-CN" altLang="en-US" dirty="0"/>
-              <a:t>堆和栈</a:t>
-            </a:r>
-            <a:endParaRPr lang="en-US" altLang="zh-CN" dirty="0"/>
-          </a:p>
-          <a:p>
-            <a:pPr lvl="1"/>
-            <a:r>
-              <a:rPr lang="zh-CN" altLang="en-US" dirty="0"/>
-              <a:t>堆内存分配过程</a:t>
-            </a:r>
-            <a:endParaRPr lang="en-US" altLang="zh-CN" dirty="0"/>
-          </a:p>
-          <a:p>
-            <a:pPr lvl="1"/>
-            <a:r>
-              <a:rPr lang="zh-CN" altLang="en-US" dirty="0"/>
-              <a:t>栈内存分配过程</a:t>
-            </a:r>
-            <a:endParaRPr lang="en-US" altLang="zh-CN" dirty="0"/>
-          </a:p>
-          <a:p>
-            <a:endParaRPr lang="en-US" altLang="zh-CN" dirty="0"/>
-          </a:p>
-          <a:p>
+              <a:t>时，表示</a:t>
+            </a:r>
+            <a:r>
+              <a:rPr lang="en-US" altLang="zh-CN" dirty="0"/>
+              <a:t>NaN(Not a Number)</a:t>
+            </a:r>
             <a:endParaRPr lang="zh-CN" altLang="en-US" dirty="0"/>
           </a:p>
         </p:txBody>
       </p:sp>
+      <p:graphicFrame>
+        <p:nvGraphicFramePr>
+          <p:cNvPr id="5" name="表格 4"/>
+          <p:cNvGraphicFramePr>
+            <a:graphicFrameLocks noGrp="1"/>
+          </p:cNvGraphicFramePr>
+          <p:nvPr>
+            <p:extLst>
+              <p:ext uri="{D42A27DB-BD31-4B8C-83A1-F6EECF244321}">
+                <p14:modId xmlns:p14="http://schemas.microsoft.com/office/powerpoint/2010/main" val="978811150"/>
+              </p:ext>
+            </p:extLst>
+          </p:nvPr>
+        </p:nvGraphicFramePr>
+        <p:xfrm>
+          <a:off x="2720508" y="4171392"/>
+          <a:ext cx="8334346" cy="387307"/>
+        </p:xfrm>
+        <a:graphic>
+          <a:graphicData uri="http://schemas.openxmlformats.org/drawingml/2006/table">
+            <a:tbl>
+              <a:tblPr>
+                <a:effectLst>
+                  <a:outerShdw blurRad="63500" sx="102000" sy="102000" algn="ctr" rotWithShape="0">
+                    <a:prstClr val="black">
+                      <a:alpha val="40000"/>
+                    </a:prstClr>
+                  </a:outerShdw>
+                </a:effectLst>
+              </a:tblPr>
+              <a:tblGrid>
+                <a:gridCol w="2777464">
+                  <a:extLst>
+                    <a:ext uri="{9D8B030D-6E8A-4147-A177-3AD203B41FA5}">
+                      <a16:colId xmlns:a16="http://schemas.microsoft.com/office/drawing/2014/main" val="113970904"/>
+                    </a:ext>
+                  </a:extLst>
+                </a:gridCol>
+                <a:gridCol w="2778441">
+                  <a:extLst>
+                    <a:ext uri="{9D8B030D-6E8A-4147-A177-3AD203B41FA5}">
+                      <a16:colId xmlns:a16="http://schemas.microsoft.com/office/drawing/2014/main" val="1503206015"/>
+                    </a:ext>
+                  </a:extLst>
+                </a:gridCol>
+                <a:gridCol w="2778441">
+                  <a:extLst>
+                    <a:ext uri="{9D8B030D-6E8A-4147-A177-3AD203B41FA5}">
+                      <a16:colId xmlns:a16="http://schemas.microsoft.com/office/drawing/2014/main" val="3157675970"/>
+                    </a:ext>
+                  </a:extLst>
+                </a:gridCol>
+              </a:tblGrid>
+              <a:tr h="387307">
+                <a:tc>
+                  <a:txBody>
+                    <a:bodyPr/>
+                    <a:lstStyle/>
+                    <a:p>
+                      <a:pPr algn="ctr">
+                        <a:spcAft>
+                          <a:spcPts val="0"/>
+                        </a:spcAft>
+                      </a:pPr>
+                      <a:r>
+                        <a:rPr lang="en-US" dirty="0">
+                          <a:effectLst/>
+                          <a:latin typeface="宋体" panose="02010600030101010101" pitchFamily="2" charset="-122"/>
+                          <a:ea typeface="宋体" panose="02010600030101010101" pitchFamily="2" charset="-122"/>
+                        </a:rPr>
+                        <a:t>S 1bit（</a:t>
+                      </a:r>
+                      <a:r>
+                        <a:rPr lang="zh-CN" altLang="en-US" dirty="0">
+                          <a:effectLst/>
+                          <a:latin typeface="宋体" panose="02010600030101010101" pitchFamily="2" charset="-122"/>
+                          <a:ea typeface="宋体" panose="02010600030101010101" pitchFamily="2" charset="-122"/>
+                        </a:rPr>
+                        <a:t>符号位）</a:t>
+                      </a:r>
+                      <a:endParaRPr lang="zh-CN" altLang="en-US" dirty="0">
+                        <a:effectLst/>
+                        <a:latin typeface="Verdana" panose="020B0604030504040204" pitchFamily="34" charset="0"/>
+                      </a:endParaRPr>
+                    </a:p>
+                  </a:txBody>
+                  <a:tcPr marL="68580" marR="68580" marT="0" marB="0" anchor="ctr">
+                    <a:lnL w="12700" cap="flat" cmpd="sng" algn="ctr">
+                      <a:solidFill>
+                        <a:srgbClr val="000000"/>
+                      </a:solidFill>
+                      <a:prstDash val="solid"/>
+                      <a:round/>
+                      <a:headEnd type="none" w="med" len="med"/>
+                      <a:tailEnd type="none" w="med" len="med"/>
+                    </a:lnL>
+                    <a:lnR w="12700" cap="flat" cmpd="sng" algn="ctr">
+                      <a:solidFill>
+                        <a:srgbClr val="000000"/>
+                      </a:solidFill>
+                      <a:prstDash val="solid"/>
+                      <a:round/>
+                      <a:headEnd type="none" w="med" len="med"/>
+                      <a:tailEnd type="none" w="med" len="med"/>
+                    </a:lnR>
+                    <a:lnT w="12700" cap="flat" cmpd="sng" algn="ctr">
+                      <a:solidFill>
+                        <a:srgbClr val="000000"/>
+                      </a:solidFill>
+                      <a:prstDash val="solid"/>
+                      <a:round/>
+                      <a:headEnd type="none" w="med" len="med"/>
+                      <a:tailEnd type="none" w="med" len="med"/>
+                    </a:lnT>
+                    <a:lnB w="12700" cap="flat" cmpd="sng" algn="ctr">
+                      <a:solidFill>
+                        <a:srgbClr val="000000"/>
+                      </a:solidFill>
+                      <a:prstDash val="solid"/>
+                      <a:round/>
+                      <a:headEnd type="none" w="med" len="med"/>
+                      <a:tailEnd type="none" w="med" len="med"/>
+                    </a:lnB>
+                    <a:solidFill>
+                      <a:srgbClr val="FFFFFF"/>
+                    </a:solidFill>
+                  </a:tcPr>
+                </a:tc>
+                <a:tc>
+                  <a:txBody>
+                    <a:bodyPr/>
+                    <a:lstStyle/>
+                    <a:p>
+                      <a:pPr algn="ctr">
+                        <a:spcAft>
+                          <a:spcPts val="0"/>
+                        </a:spcAft>
+                      </a:pPr>
+                      <a:r>
+                        <a:rPr lang="en-US" dirty="0">
+                          <a:effectLst/>
+                          <a:latin typeface="宋体" panose="02010600030101010101" pitchFamily="2" charset="-122"/>
+                          <a:ea typeface="宋体" panose="02010600030101010101" pitchFamily="2" charset="-122"/>
+                        </a:rPr>
+                        <a:t>E 11bits（</a:t>
+                      </a:r>
+                      <a:r>
+                        <a:rPr lang="zh-CN" altLang="en-US" dirty="0">
+                          <a:effectLst/>
+                          <a:latin typeface="宋体" panose="02010600030101010101" pitchFamily="2" charset="-122"/>
+                          <a:ea typeface="宋体" panose="02010600030101010101" pitchFamily="2" charset="-122"/>
+                        </a:rPr>
+                        <a:t>指数位）</a:t>
+                      </a:r>
+                      <a:endParaRPr lang="zh-CN" altLang="en-US" dirty="0">
+                        <a:effectLst/>
+                        <a:latin typeface="Verdana" panose="020B0604030504040204" pitchFamily="34" charset="0"/>
+                      </a:endParaRPr>
+                    </a:p>
+                  </a:txBody>
+                  <a:tcPr marL="68580" marR="68580" marT="0" marB="0" anchor="ctr">
+                    <a:lnL w="12700" cap="flat" cmpd="sng" algn="ctr">
+                      <a:solidFill>
+                        <a:srgbClr val="000000"/>
+                      </a:solidFill>
+                      <a:prstDash val="solid"/>
+                      <a:round/>
+                      <a:headEnd type="none" w="med" len="med"/>
+                      <a:tailEnd type="none" w="med" len="med"/>
+                    </a:lnL>
+                    <a:lnR w="12700" cap="flat" cmpd="sng" algn="ctr">
+                      <a:solidFill>
+                        <a:srgbClr val="000000"/>
+                      </a:solidFill>
+                      <a:prstDash val="solid"/>
+                      <a:round/>
+                      <a:headEnd type="none" w="med" len="med"/>
+                      <a:tailEnd type="none" w="med" len="med"/>
+                    </a:lnR>
+                    <a:lnT w="12700" cap="flat" cmpd="sng" algn="ctr">
+                      <a:solidFill>
+                        <a:srgbClr val="000000"/>
+                      </a:solidFill>
+                      <a:prstDash val="solid"/>
+                      <a:round/>
+                      <a:headEnd type="none" w="med" len="med"/>
+                      <a:tailEnd type="none" w="med" len="med"/>
+                    </a:lnT>
+                    <a:lnB w="12700" cap="flat" cmpd="sng" algn="ctr">
+                      <a:solidFill>
+                        <a:srgbClr val="000000"/>
+                      </a:solidFill>
+                      <a:prstDash val="solid"/>
+                      <a:round/>
+                      <a:headEnd type="none" w="med" len="med"/>
+                      <a:tailEnd type="none" w="med" len="med"/>
+                    </a:lnB>
+                    <a:solidFill>
+                      <a:srgbClr val="FFFFFF"/>
+                    </a:solidFill>
+                  </a:tcPr>
+                </a:tc>
+                <a:tc>
+                  <a:txBody>
+                    <a:bodyPr/>
+                    <a:lstStyle/>
+                    <a:p>
+                      <a:pPr algn="ctr">
+                        <a:spcAft>
+                          <a:spcPts val="0"/>
+                        </a:spcAft>
+                      </a:pPr>
+                      <a:r>
+                        <a:rPr lang="en-US" dirty="0">
+                          <a:effectLst/>
+                          <a:latin typeface="宋体" panose="02010600030101010101" pitchFamily="2" charset="-122"/>
+                          <a:ea typeface="宋体" panose="02010600030101010101" pitchFamily="2" charset="-122"/>
+                        </a:rPr>
+                        <a:t>M 52bits（</a:t>
+                      </a:r>
+                      <a:r>
+                        <a:rPr lang="zh-CN" altLang="en-US" dirty="0">
+                          <a:effectLst/>
+                          <a:latin typeface="宋体" panose="02010600030101010101" pitchFamily="2" charset="-122"/>
+                          <a:ea typeface="宋体" panose="02010600030101010101" pitchFamily="2" charset="-122"/>
+                        </a:rPr>
+                        <a:t>尾数位）</a:t>
+                      </a:r>
+                      <a:endParaRPr lang="zh-CN" altLang="en-US" dirty="0">
+                        <a:effectLst/>
+                        <a:latin typeface="Verdana" panose="020B0604030504040204" pitchFamily="34" charset="0"/>
+                      </a:endParaRPr>
+                    </a:p>
+                  </a:txBody>
+                  <a:tcPr marL="68580" marR="68580" marT="0" marB="0" anchor="ctr">
+                    <a:lnL w="12700" cap="flat" cmpd="sng" algn="ctr">
+                      <a:solidFill>
+                        <a:srgbClr val="000000"/>
+                      </a:solidFill>
+                      <a:prstDash val="solid"/>
+                      <a:round/>
+                      <a:headEnd type="none" w="med" len="med"/>
+                      <a:tailEnd type="none" w="med" len="med"/>
+                    </a:lnL>
+                    <a:lnR w="12700" cap="flat" cmpd="sng" algn="ctr">
+                      <a:solidFill>
+                        <a:srgbClr val="000000"/>
+                      </a:solidFill>
+                      <a:prstDash val="solid"/>
+                      <a:round/>
+                      <a:headEnd type="none" w="med" len="med"/>
+                      <a:tailEnd type="none" w="med" len="med"/>
+                    </a:lnR>
+                    <a:lnT w="12700" cap="flat" cmpd="sng" algn="ctr">
+                      <a:solidFill>
+                        <a:srgbClr val="000000"/>
+                      </a:solidFill>
+                      <a:prstDash val="solid"/>
+                      <a:round/>
+                      <a:headEnd type="none" w="med" len="med"/>
+                      <a:tailEnd type="none" w="med" len="med"/>
+                    </a:lnT>
+                    <a:lnB w="12700" cap="flat" cmpd="sng" algn="ctr">
+                      <a:solidFill>
+                        <a:srgbClr val="000000"/>
+                      </a:solidFill>
+                      <a:prstDash val="solid"/>
+                      <a:round/>
+                      <a:headEnd type="none" w="med" len="med"/>
+                      <a:tailEnd type="none" w="med" len="med"/>
+                    </a:lnB>
+                    <a:solidFill>
+                      <a:srgbClr val="FFFFFF"/>
+                    </a:solidFill>
+                  </a:tcPr>
+                </a:tc>
+                <a:extLst>
+                  <a:ext uri="{0D108BD9-81ED-4DB2-BD59-A6C34878D82A}">
+                    <a16:rowId xmlns:a16="http://schemas.microsoft.com/office/drawing/2014/main" val="2086713303"/>
+                  </a:ext>
+                </a:extLst>
+              </a:tr>
+            </a:tbl>
+          </a:graphicData>
+        </a:graphic>
+      </p:graphicFrame>
     </p:spTree>
     <p:extLst>
       <p:ext uri="{BB962C8B-B14F-4D97-AF65-F5344CB8AC3E}">
-        <p14:creationId xmlns:p14="http://schemas.microsoft.com/office/powerpoint/2010/main" val="2280167480"/>
+        <p14:creationId xmlns:p14="http://schemas.microsoft.com/office/powerpoint/2010/main" val="106139261"/>
       </p:ext>
     </p:extLst>
   </p:cSld>
@@ -4691,16 +8642,9 @@
           <a:p>
             <a:r>
               <a:rPr lang="zh-CN" altLang="en-US" dirty="0"/>
-              <a:t>探寻</a:t>
-            </a:r>
-            <a:r>
-              <a:rPr lang="en-US" altLang="zh-CN" dirty="0"/>
-              <a:t>C++</a:t>
-            </a:r>
-            <a:r>
-              <a:rPr lang="zh-CN" altLang="en-US" dirty="0"/>
-              <a:t>本质</a:t>
-            </a:r>
+              <a:t>数值转换</a:t>
+            </a:r>
+            <a:endParaRPr lang="en-US" altLang="zh-CN" dirty="0"/>
           </a:p>
         </p:txBody>
       </p:sp>
@@ -4716,45 +8660,59 @@
         </p:nvSpPr>
         <p:spPr/>
         <p:txBody>
-          <a:bodyPr>
-            <a:normAutofit/>
-          </a:bodyPr>
+          <a:bodyPr/>
           <a:lstStyle/>
           <a:p>
             <a:r>
               <a:rPr lang="zh-CN" altLang="en-US" dirty="0"/>
-              <a:t>结构</a:t>
+              <a:t>整型数值转换</a:t>
             </a:r>
             <a:endParaRPr lang="en-US" altLang="zh-CN" dirty="0"/>
           </a:p>
           <a:p>
             <a:pPr lvl="1"/>
             <a:r>
-              <a:rPr lang="en-US" altLang="zh-CN" dirty="0"/>
-              <a:t>POD</a:t>
-            </a:r>
+              <a:rPr lang="zh-CN" altLang="en-US" dirty="0"/>
+              <a:t>无符号转有符号</a:t>
+            </a:r>
+            <a:endParaRPr lang="en-US" altLang="zh-CN" dirty="0"/>
           </a:p>
           <a:p>
             <a:pPr lvl="1"/>
             <a:r>
               <a:rPr lang="zh-CN" altLang="en-US" dirty="0"/>
-              <a:t>位域</a:t>
+              <a:t>有符号转无符号</a:t>
             </a:r>
             <a:endParaRPr lang="en-US" altLang="zh-CN" dirty="0"/>
           </a:p>
           <a:p>
             <a:r>
               <a:rPr lang="zh-CN" altLang="en-US" dirty="0"/>
-              <a:t>联合</a:t>
+              <a:t>浮点类型转换</a:t>
             </a:r>
             <a:endParaRPr lang="en-US" altLang="zh-CN" dirty="0"/>
+          </a:p>
+          <a:p>
+            <a:pPr lvl="1"/>
+            <a:r>
+              <a:rPr lang="zh-CN" altLang="en-US" dirty="0"/>
+              <a:t>单精度转双精度</a:t>
+            </a:r>
+            <a:endParaRPr lang="en-US" altLang="zh-CN" dirty="0"/>
+          </a:p>
+          <a:p>
+            <a:pPr lvl="1"/>
+            <a:r>
+              <a:rPr lang="zh-CN" altLang="en-US" dirty="0"/>
+              <a:t>双精度转单精度</a:t>
+            </a:r>
           </a:p>
         </p:txBody>
       </p:sp>
     </p:spTree>
     <p:extLst>
       <p:ext uri="{BB962C8B-B14F-4D97-AF65-F5344CB8AC3E}">
-        <p14:creationId xmlns:p14="http://schemas.microsoft.com/office/powerpoint/2010/main" val="3272268261"/>
+        <p14:creationId xmlns:p14="http://schemas.microsoft.com/office/powerpoint/2010/main" val="532271199"/>
       </p:ext>
     </p:extLst>
   </p:cSld>
@@ -4823,14 +8781,12 @@
         </p:nvSpPr>
         <p:spPr/>
         <p:txBody>
-          <a:bodyPr>
-            <a:normAutofit fontScale="92500" lnSpcReduction="20000"/>
-          </a:bodyPr>
+          <a:bodyPr/>
           <a:lstStyle/>
           <a:p>
             <a:r>
               <a:rPr lang="zh-CN" altLang="en-US" dirty="0"/>
-              <a:t>类</a:t>
+              <a:t>位操作</a:t>
             </a:r>
             <a:endParaRPr lang="en-US" altLang="zh-CN" dirty="0"/>
           </a:p>
@@ -4838,91 +8794,274 @@
             <a:pPr lvl="1"/>
             <a:r>
               <a:rPr lang="zh-CN" altLang="en-US" dirty="0"/>
-              <a:t>构造</a:t>
+              <a:t>左移</a:t>
             </a:r>
             <a:endParaRPr lang="en-US" altLang="zh-CN" dirty="0"/>
           </a:p>
           <a:p>
-            <a:pPr lvl="2"/>
+            <a:pPr lvl="1"/>
             <a:r>
               <a:rPr lang="zh-CN" altLang="en-US" dirty="0"/>
-              <a:t>默认构造</a:t>
+              <a:t>右移</a:t>
             </a:r>
             <a:endParaRPr lang="en-US" altLang="zh-CN" dirty="0"/>
           </a:p>
           <a:p>
-            <a:pPr lvl="2"/>
+            <a:pPr lvl="1"/>
             <a:r>
               <a:rPr lang="zh-CN" altLang="en-US" dirty="0"/>
-              <a:t>拷贝构造</a:t>
+              <a:t>设置</a:t>
             </a:r>
             <a:endParaRPr lang="en-US" altLang="zh-CN" dirty="0"/>
           </a:p>
           <a:p>
-            <a:pPr lvl="2"/>
+            <a:pPr lvl="1"/>
             <a:r>
               <a:rPr lang="zh-CN" altLang="en-US" dirty="0"/>
-              <a:t>赋值构造</a:t>
+              <a:t>清除</a:t>
             </a:r>
             <a:endParaRPr lang="en-US" altLang="zh-CN" dirty="0"/>
           </a:p>
           <a:p>
-            <a:pPr lvl="2"/>
-            <a:r>
-              <a:rPr lang="en-US" altLang="zh-CN" dirty="0"/>
-              <a:t>explicit </a:t>
-            </a:r>
+            <a:pPr lvl="1"/>
             <a:r>
               <a:rPr lang="zh-CN" altLang="en-US" dirty="0"/>
-              <a:t>关键字</a:t>
-            </a:r>
-            <a:endParaRPr lang="en-US" altLang="zh-CN" dirty="0"/>
-          </a:p>
-          <a:p>
-            <a:pPr lvl="1"/>
-            <a:r>
-              <a:rPr lang="zh-CN" altLang="en-US" dirty="0"/>
-              <a:t>成员变量</a:t>
-            </a:r>
-            <a:endParaRPr lang="en-US" altLang="zh-CN" dirty="0"/>
-          </a:p>
-          <a:p>
-            <a:pPr lvl="1"/>
-            <a:r>
-              <a:rPr lang="zh-CN" altLang="en-US" dirty="0"/>
-              <a:t>成员函数</a:t>
-            </a:r>
-            <a:endParaRPr lang="en-US" altLang="zh-CN" dirty="0"/>
-          </a:p>
-          <a:p>
-            <a:pPr lvl="1"/>
-            <a:r>
-              <a:rPr lang="zh-CN" altLang="en-US" dirty="0"/>
-              <a:t>虚函数</a:t>
-            </a:r>
-            <a:endParaRPr lang="en-US" altLang="zh-CN" dirty="0"/>
-          </a:p>
-          <a:p>
-            <a:pPr lvl="2"/>
-            <a:r>
-              <a:rPr lang="zh-CN" altLang="en-US" dirty="0"/>
-              <a:t>虚表</a:t>
-            </a:r>
-            <a:endParaRPr lang="en-US" altLang="zh-CN" dirty="0"/>
-          </a:p>
-          <a:p>
-            <a:pPr lvl="2"/>
-            <a:r>
-              <a:rPr lang="zh-CN" altLang="en-US" dirty="0"/>
-              <a:t>多重继承中的问题</a:t>
-            </a:r>
+              <a:t>检查</a:t>
+            </a:r>
+          </a:p>
+        </p:txBody>
+      </p:sp>
+      <p:sp>
+        <p:nvSpPr>
+          <p:cNvPr id="4" name="矩形 3"/>
+          <p:cNvSpPr/>
+          <p:nvPr/>
+        </p:nvSpPr>
+        <p:spPr>
+          <a:xfrm>
+            <a:off x="5694218" y="2015732"/>
+            <a:ext cx="5029200" cy="2816041"/>
+          </a:xfrm>
+          <a:prstGeom prst="rect">
+            <a:avLst/>
+          </a:prstGeom>
+          <a:solidFill>
+            <a:schemeClr val="bg1"/>
+          </a:solidFill>
+        </p:spPr>
+        <p:style>
+          <a:lnRef idx="2">
+            <a:schemeClr val="accent1">
+              <a:shade val="50000"/>
+            </a:schemeClr>
+          </a:lnRef>
+          <a:fillRef idx="1">
+            <a:schemeClr val="accent1"/>
+          </a:fillRef>
+          <a:effectRef idx="0">
+            <a:schemeClr val="accent1"/>
+          </a:effectRef>
+          <a:fontRef idx="minor">
+            <a:schemeClr val="lt1"/>
+          </a:fontRef>
+        </p:style>
+        <p:txBody>
+          <a:bodyPr rtlCol="0" anchor="ctr"/>
+          <a:lstStyle/>
+          <a:p>
+            <a:r>
+              <a:rPr lang="en-US" altLang="zh-CN" dirty="0">
+                <a:solidFill>
+                  <a:srgbClr val="0000FF"/>
+                </a:solidFill>
+                <a:latin typeface="Consolas" panose="020B0609020204030204" pitchFamily="49" charset="0"/>
+              </a:rPr>
+              <a:t>int</a:t>
+            </a:r>
+            <a:r>
+              <a:rPr lang="en-US" altLang="zh-CN" dirty="0">
+                <a:solidFill>
+                  <a:srgbClr val="000000"/>
+                </a:solidFill>
+                <a:latin typeface="Consolas" panose="020B0609020204030204" pitchFamily="49" charset="0"/>
+              </a:rPr>
+              <a:t> </a:t>
+            </a:r>
+            <a:r>
+              <a:rPr lang="en-US" altLang="zh-CN" dirty="0" err="1">
+                <a:solidFill>
+                  <a:srgbClr val="000000"/>
+                </a:solidFill>
+                <a:latin typeface="Consolas" panose="020B0609020204030204" pitchFamily="49" charset="0"/>
+              </a:rPr>
+              <a:t>i</a:t>
+            </a:r>
+            <a:r>
+              <a:rPr lang="en-US" altLang="zh-CN" dirty="0">
+                <a:solidFill>
+                  <a:srgbClr val="000000"/>
+                </a:solidFill>
+                <a:latin typeface="Consolas" panose="020B0609020204030204" pitchFamily="49" charset="0"/>
+              </a:rPr>
+              <a:t> = 0x80000001;</a:t>
+            </a:r>
+          </a:p>
+          <a:p>
+            <a:endParaRPr lang="zh-CN" altLang="en-US" dirty="0">
+              <a:solidFill>
+                <a:srgbClr val="000000"/>
+              </a:solidFill>
+              <a:latin typeface="Consolas" panose="020B0609020204030204" pitchFamily="49" charset="0"/>
+            </a:endParaRPr>
+          </a:p>
+          <a:p>
+            <a:r>
+              <a:rPr lang="en-US" altLang="zh-CN" dirty="0">
+                <a:solidFill>
+                  <a:srgbClr val="0000FF"/>
+                </a:solidFill>
+                <a:latin typeface="Consolas" panose="020B0609020204030204" pitchFamily="49" charset="0"/>
+              </a:rPr>
+              <a:t>int</a:t>
+            </a:r>
+            <a:r>
+              <a:rPr lang="en-US" altLang="zh-CN" dirty="0">
+                <a:solidFill>
+                  <a:srgbClr val="000000"/>
+                </a:solidFill>
+                <a:latin typeface="Consolas" panose="020B0609020204030204" pitchFamily="49" charset="0"/>
+              </a:rPr>
+              <a:t> a = </a:t>
+            </a:r>
+            <a:r>
+              <a:rPr lang="en-US" altLang="zh-CN" dirty="0" err="1">
+                <a:solidFill>
+                  <a:srgbClr val="000000"/>
+                </a:solidFill>
+                <a:latin typeface="Consolas" panose="020B0609020204030204" pitchFamily="49" charset="0"/>
+              </a:rPr>
+              <a:t>i</a:t>
+            </a:r>
+            <a:r>
+              <a:rPr lang="en-US" altLang="zh-CN" dirty="0">
+                <a:solidFill>
+                  <a:srgbClr val="000000"/>
+                </a:solidFill>
+                <a:latin typeface="Consolas" panose="020B0609020204030204" pitchFamily="49" charset="0"/>
+              </a:rPr>
+              <a:t> &lt;&lt; 1;</a:t>
+            </a:r>
+          </a:p>
+          <a:p>
+            <a:r>
+              <a:rPr lang="en-US" altLang="zh-CN" dirty="0">
+                <a:solidFill>
+                  <a:srgbClr val="0000FF"/>
+                </a:solidFill>
+                <a:latin typeface="Consolas" panose="020B0609020204030204" pitchFamily="49" charset="0"/>
+              </a:rPr>
+              <a:t>int</a:t>
+            </a:r>
+            <a:r>
+              <a:rPr lang="en-US" altLang="zh-CN" dirty="0">
+                <a:solidFill>
+                  <a:srgbClr val="000000"/>
+                </a:solidFill>
+                <a:latin typeface="Consolas" panose="020B0609020204030204" pitchFamily="49" charset="0"/>
+              </a:rPr>
+              <a:t> b = </a:t>
+            </a:r>
+            <a:r>
+              <a:rPr lang="en-US" altLang="zh-CN" dirty="0" err="1">
+                <a:solidFill>
+                  <a:srgbClr val="000000"/>
+                </a:solidFill>
+                <a:latin typeface="Consolas" panose="020B0609020204030204" pitchFamily="49" charset="0"/>
+              </a:rPr>
+              <a:t>i</a:t>
+            </a:r>
+            <a:r>
+              <a:rPr lang="en-US" altLang="zh-CN" dirty="0">
+                <a:solidFill>
+                  <a:srgbClr val="000000"/>
+                </a:solidFill>
+                <a:latin typeface="Consolas" panose="020B0609020204030204" pitchFamily="49" charset="0"/>
+              </a:rPr>
+              <a:t> &gt;&gt; 1;</a:t>
+            </a:r>
+          </a:p>
+          <a:p>
+            <a:endParaRPr lang="zh-CN" altLang="en-US" dirty="0">
+              <a:solidFill>
+                <a:srgbClr val="000000"/>
+              </a:solidFill>
+              <a:latin typeface="Consolas" panose="020B0609020204030204" pitchFamily="49" charset="0"/>
+            </a:endParaRPr>
+          </a:p>
+          <a:p>
+            <a:r>
+              <a:rPr lang="pt-BR" altLang="zh-CN" dirty="0">
+                <a:solidFill>
+                  <a:srgbClr val="000000"/>
+                </a:solidFill>
+                <a:latin typeface="Consolas" panose="020B0609020204030204" pitchFamily="49" charset="0"/>
+              </a:rPr>
+              <a:t>print</a:t>
+            </a:r>
+            <a:r>
+              <a:rPr lang="en-US" altLang="zh-CN" dirty="0">
+                <a:solidFill>
+                  <a:srgbClr val="000000"/>
+                </a:solidFill>
+                <a:latin typeface="Consolas" panose="020B0609020204030204" pitchFamily="49" charset="0"/>
+              </a:rPr>
+              <a:t>f</a:t>
+            </a:r>
+            <a:r>
+              <a:rPr lang="pt-BR" altLang="zh-CN" dirty="0">
+                <a:solidFill>
+                  <a:srgbClr val="000000"/>
+                </a:solidFill>
+                <a:latin typeface="Consolas" panose="020B0609020204030204" pitchFamily="49" charset="0"/>
+              </a:rPr>
+              <a:t>( </a:t>
+            </a:r>
+            <a:r>
+              <a:rPr lang="pt-BR" altLang="zh-CN" dirty="0">
+                <a:solidFill>
+                  <a:srgbClr val="A31515"/>
+                </a:solidFill>
+                <a:latin typeface="Consolas" panose="020B0609020204030204" pitchFamily="49" charset="0"/>
+              </a:rPr>
+              <a:t>"a = %08X, b = %08X"</a:t>
+            </a:r>
+            <a:r>
+              <a:rPr lang="pt-BR" altLang="zh-CN" dirty="0">
+                <a:solidFill>
+                  <a:srgbClr val="000000"/>
+                </a:solidFill>
+                <a:latin typeface="Consolas" panose="020B0609020204030204" pitchFamily="49" charset="0"/>
+              </a:rPr>
+              <a:t>, a, b );</a:t>
+            </a:r>
+          </a:p>
+          <a:p>
+            <a:endParaRPr lang="zh-CN" altLang="en-US" dirty="0">
+              <a:solidFill>
+                <a:schemeClr val="tx1">
+                  <a:lumMod val="50000"/>
+                  <a:lumOff val="50000"/>
+                </a:schemeClr>
+              </a:solidFill>
+              <a:latin typeface="Consolas" panose="020B0609020204030204" pitchFamily="49" charset="0"/>
+            </a:endParaRPr>
           </a:p>
         </p:txBody>
       </p:sp>
     </p:spTree>
     <p:extLst>
       <p:ext uri="{BB962C8B-B14F-4D97-AF65-F5344CB8AC3E}">
-        <p14:creationId xmlns:p14="http://schemas.microsoft.com/office/powerpoint/2010/main" val="2489840384"/>
+        <p14:creationId xmlns:p14="http://schemas.microsoft.com/office/powerpoint/2010/main" val="2212456058"/>
       </p:ext>
     </p:extLst>
   </p:cSld>
@@ -4991,12 +9130,14 @@
         </p:nvSpPr>
         <p:spPr/>
         <p:txBody>
-          <a:bodyPr/>
+          <a:bodyPr>
+            <a:normAutofit fontScale="85000" lnSpcReduction="20000"/>
+          </a:bodyPr>
           <a:lstStyle/>
           <a:p>
             <a:r>
               <a:rPr lang="zh-CN" altLang="en-US" dirty="0"/>
-              <a:t>编译</a:t>
+              <a:t>内存地址</a:t>
             </a:r>
             <a:endParaRPr lang="en-US" altLang="zh-CN" dirty="0"/>
           </a:p>
@@ -5004,7 +9145,7 @@
             <a:pPr lvl="1"/>
             <a:r>
               <a:rPr lang="zh-CN" altLang="en-US" dirty="0"/>
-              <a:t>语法检查</a:t>
+              <a:t>实地址</a:t>
             </a:r>
             <a:endParaRPr lang="en-US" altLang="zh-CN" dirty="0"/>
           </a:p>
@@ -5012,22 +9153,38 @@
             <a:pPr lvl="1"/>
             <a:r>
               <a:rPr lang="zh-CN" altLang="en-US" dirty="0"/>
-              <a:t>将文件翻译为二进制机器码</a:t>
+              <a:t>虚地址</a:t>
             </a:r>
             <a:endParaRPr lang="en-US" altLang="zh-CN" dirty="0"/>
           </a:p>
           <a:p>
+            <a:pPr lvl="2"/>
             <a:r>
               <a:rPr lang="zh-CN" altLang="en-US" dirty="0"/>
-              <a:t>链接</a:t>
+              <a:t>分页内存</a:t>
             </a:r>
             <a:endParaRPr lang="en-US" altLang="zh-CN" dirty="0"/>
           </a:p>
           <a:p>
+            <a:pPr lvl="2"/>
+            <a:r>
+              <a:rPr lang="zh-CN" altLang="en-US" dirty="0"/>
+              <a:t>未分页内存</a:t>
+            </a:r>
+            <a:endParaRPr lang="en-US" altLang="zh-CN" dirty="0"/>
+          </a:p>
+          <a:p>
+            <a:r>
+              <a:rPr lang="zh-CN" altLang="en-US" dirty="0"/>
+              <a:t>地址对齐</a:t>
+            </a:r>
+            <a:endParaRPr lang="en-US" altLang="zh-CN" dirty="0"/>
+          </a:p>
+          <a:p>
             <a:pPr lvl="1"/>
             <a:r>
               <a:rPr lang="zh-CN" altLang="en-US" dirty="0"/>
-              <a:t>检查依赖关系</a:t>
+              <a:t>非对齐数据读取的效率影响</a:t>
             </a:r>
             <a:endParaRPr lang="en-US" altLang="zh-CN" dirty="0"/>
           </a:p>
@@ -5035,31 +9192,45 @@
             <a:pPr lvl="1"/>
             <a:r>
               <a:rPr lang="zh-CN" altLang="en-US" dirty="0"/>
-              <a:t>合并目标文件</a:t>
+              <a:t>结构中的内存分布</a:t>
             </a:r>
             <a:endParaRPr lang="en-US" altLang="zh-CN" dirty="0"/>
           </a:p>
           <a:p>
-            <a:pPr lvl="2"/>
             <a:r>
               <a:rPr lang="zh-CN" altLang="en-US" dirty="0"/>
-              <a:t>重新计算入口地址</a:t>
+              <a:t>堆和栈</a:t>
             </a:r>
             <a:endParaRPr lang="en-US" altLang="zh-CN" dirty="0"/>
           </a:p>
           <a:p>
-            <a:pPr lvl="2"/>
+            <a:pPr lvl="1"/>
             <a:r>
               <a:rPr lang="zh-CN" altLang="en-US" dirty="0"/>
-              <a:t>生成目标文件</a:t>
-            </a:r>
+              <a:t>堆内存分配过程</a:t>
+            </a:r>
+            <a:endParaRPr lang="en-US" altLang="zh-CN" dirty="0"/>
+          </a:p>
+          <a:p>
+            <a:pPr lvl="1"/>
+            <a:r>
+              <a:rPr lang="zh-CN" altLang="en-US" dirty="0"/>
+              <a:t>栈内存分配过程</a:t>
+            </a:r>
+            <a:endParaRPr lang="en-US" altLang="zh-CN" dirty="0"/>
+          </a:p>
+          <a:p>
+            <a:endParaRPr lang="en-US" altLang="zh-CN" dirty="0"/>
+          </a:p>
+          <a:p>
+            <a:endParaRPr lang="zh-CN" altLang="en-US" dirty="0"/>
           </a:p>
         </p:txBody>
       </p:sp>
     </p:spTree>
     <p:extLst>
       <p:ext uri="{BB962C8B-B14F-4D97-AF65-F5344CB8AC3E}">
-        <p14:creationId xmlns:p14="http://schemas.microsoft.com/office/powerpoint/2010/main" val="1470468776"/>
+        <p14:creationId xmlns:p14="http://schemas.microsoft.com/office/powerpoint/2010/main" val="2280167480"/>
       </p:ext>
     </p:extLst>
   </p:cSld>
@@ -5128,61 +9299,45 @@
         </p:nvSpPr>
         <p:spPr/>
         <p:txBody>
-          <a:bodyPr/>
+          <a:bodyPr>
+            <a:normAutofit/>
+          </a:bodyPr>
           <a:lstStyle/>
           <a:p>
             <a:r>
+              <a:rPr lang="zh-CN" altLang="en-US" dirty="0"/>
+              <a:t>结构</a:t>
+            </a:r>
+            <a:endParaRPr lang="en-US" altLang="zh-CN" dirty="0"/>
+          </a:p>
+          <a:p>
+            <a:pPr lvl="1"/>
+            <a:r>
               <a:rPr lang="en-US" altLang="zh-CN" dirty="0"/>
-              <a:t>C++</a:t>
-            </a:r>
+              <a:t>POD</a:t>
+            </a:r>
+          </a:p>
+          <a:p>
+            <a:pPr lvl="1"/>
             <a:r>
               <a:rPr lang="zh-CN" altLang="en-US" dirty="0"/>
-              <a:t>程序启动过程</a:t>
+              <a:t>位域</a:t>
             </a:r>
             <a:endParaRPr lang="en-US" altLang="zh-CN" dirty="0"/>
           </a:p>
           <a:p>
-            <a:pPr lvl="1"/>
             <a:r>
               <a:rPr lang="zh-CN" altLang="en-US" dirty="0"/>
-              <a:t>初始化全局变量</a:t>
+              <a:t>联合</a:t>
             </a:r>
             <a:endParaRPr lang="en-US" altLang="zh-CN" dirty="0"/>
-          </a:p>
-          <a:p>
-            <a:pPr lvl="2"/>
-            <a:r>
-              <a:rPr lang="zh-CN" altLang="en-US" dirty="0"/>
-              <a:t>全局变量的内存布局</a:t>
-            </a:r>
-            <a:endParaRPr lang="en-US" altLang="zh-CN" dirty="0"/>
-          </a:p>
-          <a:p>
-            <a:pPr lvl="2"/>
-            <a:r>
-              <a:rPr lang="zh-CN" altLang="en-US" dirty="0"/>
-              <a:t>初始化</a:t>
-            </a:r>
-            <a:endParaRPr lang="en-US" altLang="zh-CN" dirty="0"/>
-          </a:p>
-          <a:p>
-            <a:pPr lvl="1"/>
-            <a:r>
-              <a:rPr lang="zh-CN" altLang="en-US" dirty="0"/>
-              <a:t>调用入口函数</a:t>
-            </a:r>
-            <a:endParaRPr lang="en-US" altLang="zh-CN" dirty="0"/>
-          </a:p>
-          <a:p>
-            <a:pPr lvl="1"/>
-            <a:endParaRPr lang="zh-CN" altLang="en-US" dirty="0"/>
           </a:p>
         </p:txBody>
       </p:sp>
     </p:spTree>
     <p:extLst>
       <p:ext uri="{BB962C8B-B14F-4D97-AF65-F5344CB8AC3E}">
-        <p14:creationId xmlns:p14="http://schemas.microsoft.com/office/powerpoint/2010/main" val="3517181332"/>
+        <p14:creationId xmlns:p14="http://schemas.microsoft.com/office/powerpoint/2010/main" val="3272268261"/>
       </p:ext>
     </p:extLst>
   </p:cSld>
@@ -5225,12 +9380,184 @@
           <a:lstStyle/>
           <a:p>
             <a:r>
+              <a:rPr lang="zh-CN" altLang="en-US" dirty="0"/>
+              <a:t>探寻</a:t>
+            </a:r>
+            <a:r>
               <a:rPr lang="en-US" altLang="zh-CN" dirty="0"/>
-              <a:t>C </a:t>
+              <a:t>C++</a:t>
             </a:r>
             <a:r>
               <a:rPr lang="zh-CN" altLang="en-US" dirty="0"/>
-              <a:t>标准库函数</a:t>
+              <a:t>本质</a:t>
+            </a:r>
+          </a:p>
+        </p:txBody>
+      </p:sp>
+      <p:sp>
+        <p:nvSpPr>
+          <p:cNvPr id="3" name="内容占位符 2"/>
+          <p:cNvSpPr>
+            <a:spLocks noGrp="1"/>
+          </p:cNvSpPr>
+          <p:nvPr>
+            <p:ph idx="1"/>
+          </p:nvPr>
+        </p:nvSpPr>
+        <p:spPr/>
+        <p:txBody>
+          <a:bodyPr>
+            <a:normAutofit fontScale="92500" lnSpcReduction="20000"/>
+          </a:bodyPr>
+          <a:lstStyle/>
+          <a:p>
+            <a:r>
+              <a:rPr lang="zh-CN" altLang="en-US" dirty="0"/>
+              <a:t>类</a:t>
+            </a:r>
+            <a:endParaRPr lang="en-US" altLang="zh-CN" dirty="0"/>
+          </a:p>
+          <a:p>
+            <a:pPr lvl="1"/>
+            <a:r>
+              <a:rPr lang="zh-CN" altLang="en-US" dirty="0"/>
+              <a:t>构造</a:t>
+            </a:r>
+            <a:endParaRPr lang="en-US" altLang="zh-CN" dirty="0"/>
+          </a:p>
+          <a:p>
+            <a:pPr lvl="2"/>
+            <a:r>
+              <a:rPr lang="zh-CN" altLang="en-US" dirty="0"/>
+              <a:t>默认构造</a:t>
+            </a:r>
+            <a:endParaRPr lang="en-US" altLang="zh-CN" dirty="0"/>
+          </a:p>
+          <a:p>
+            <a:pPr lvl="2"/>
+            <a:r>
+              <a:rPr lang="zh-CN" altLang="en-US" dirty="0"/>
+              <a:t>拷贝构造</a:t>
+            </a:r>
+            <a:endParaRPr lang="en-US" altLang="zh-CN" dirty="0"/>
+          </a:p>
+          <a:p>
+            <a:pPr lvl="2"/>
+            <a:r>
+              <a:rPr lang="zh-CN" altLang="en-US" dirty="0"/>
+              <a:t>赋值构造</a:t>
+            </a:r>
+            <a:endParaRPr lang="en-US" altLang="zh-CN" dirty="0"/>
+          </a:p>
+          <a:p>
+            <a:pPr lvl="2"/>
+            <a:r>
+              <a:rPr lang="en-US" altLang="zh-CN" dirty="0"/>
+              <a:t>explicit </a:t>
+            </a:r>
+            <a:r>
+              <a:rPr lang="zh-CN" altLang="en-US" dirty="0"/>
+              <a:t>关键字</a:t>
+            </a:r>
+            <a:endParaRPr lang="en-US" altLang="zh-CN" dirty="0"/>
+          </a:p>
+          <a:p>
+            <a:pPr lvl="1"/>
+            <a:r>
+              <a:rPr lang="zh-CN" altLang="en-US" dirty="0"/>
+              <a:t>成员变量</a:t>
+            </a:r>
+            <a:endParaRPr lang="en-US" altLang="zh-CN" dirty="0"/>
+          </a:p>
+          <a:p>
+            <a:pPr lvl="1"/>
+            <a:r>
+              <a:rPr lang="zh-CN" altLang="en-US" dirty="0"/>
+              <a:t>成员函数</a:t>
+            </a:r>
+            <a:endParaRPr lang="en-US" altLang="zh-CN" dirty="0"/>
+          </a:p>
+          <a:p>
+            <a:pPr lvl="1"/>
+            <a:r>
+              <a:rPr lang="zh-CN" altLang="en-US" dirty="0"/>
+              <a:t>虚函数</a:t>
+            </a:r>
+            <a:endParaRPr lang="en-US" altLang="zh-CN" dirty="0"/>
+          </a:p>
+          <a:p>
+            <a:pPr lvl="2"/>
+            <a:r>
+              <a:rPr lang="zh-CN" altLang="en-US" dirty="0"/>
+              <a:t>虚表</a:t>
+            </a:r>
+            <a:endParaRPr lang="en-US" altLang="zh-CN" dirty="0"/>
+          </a:p>
+          <a:p>
+            <a:pPr lvl="2"/>
+            <a:r>
+              <a:rPr lang="zh-CN" altLang="en-US" dirty="0"/>
+              <a:t>多重继承中的问题</a:t>
+            </a:r>
+          </a:p>
+        </p:txBody>
+      </p:sp>
+    </p:spTree>
+    <p:extLst>
+      <p:ext uri="{BB962C8B-B14F-4D97-AF65-F5344CB8AC3E}">
+        <p14:creationId xmlns:p14="http://schemas.microsoft.com/office/powerpoint/2010/main" val="2489840384"/>
+      </p:ext>
+    </p:extLst>
+  </p:cSld>
+  <p:clrMapOvr>
+    <a:masterClrMapping/>
+  </p:clrMapOvr>
+</p:sld>
+</file>
+
+<file path=ppt/slides/slide18.xml><?xml version="1.0" encoding="utf-8"?>
+<p:sld xmlns:a="http://schemas.openxmlformats.org/drawingml/2006/main" xmlns:r="http://schemas.openxmlformats.org/officeDocument/2006/relationships" xmlns:p="http://schemas.openxmlformats.org/presentationml/2006/main">
+  <p:cSld>
+    <p:spTree>
+      <p:nvGrpSpPr>
+        <p:cNvPr id="1" name=""/>
+        <p:cNvGrpSpPr/>
+        <p:nvPr/>
+      </p:nvGrpSpPr>
+      <p:grpSpPr>
+        <a:xfrm>
+          <a:off x="0" y="0"/>
+          <a:ext cx="0" cy="0"/>
+          <a:chOff x="0" y="0"/>
+          <a:chExt cx="0" cy="0"/>
+        </a:xfrm>
+      </p:grpSpPr>
+      <p:sp>
+        <p:nvSpPr>
+          <p:cNvPr id="2" name="标题 1"/>
+          <p:cNvSpPr>
+            <a:spLocks noGrp="1"/>
+          </p:cNvSpPr>
+          <p:nvPr>
+            <p:ph type="title"/>
+          </p:nvPr>
+        </p:nvSpPr>
+        <p:spPr/>
+        <p:txBody>
+          <a:bodyPr/>
+          <a:lstStyle/>
+          <a:p>
+            <a:r>
+              <a:rPr lang="zh-CN" altLang="en-US" dirty="0"/>
+              <a:t>探寻</a:t>
+            </a:r>
+            <a:r>
+              <a:rPr lang="en-US" altLang="zh-CN" dirty="0"/>
+              <a:t>C++</a:t>
+            </a:r>
+            <a:r>
+              <a:rPr lang="zh-CN" altLang="en-US" dirty="0"/>
+              <a:t>本质</a:t>
             </a:r>
           </a:p>
         </p:txBody>
@@ -5251,60 +9578,194 @@
           <a:lstStyle/>
           <a:p>
             <a:r>
-              <a:rPr lang="en-US" altLang="zh-CN" dirty="0"/>
-              <a:t>strcpy</a:t>
-            </a:r>
-          </a:p>
-          <a:p>
-            <a:r>
-              <a:rPr lang="en-US" altLang="zh-CN" dirty="0"/>
-              <a:t>memcpy</a:t>
-            </a:r>
-          </a:p>
-          <a:p>
-            <a:r>
-              <a:rPr lang="en-US" altLang="zh-CN" dirty="0" err="1"/>
-              <a:t>memmove</a:t>
+              <a:rPr lang="zh-CN" altLang="en-US" dirty="0"/>
+              <a:t>编译</a:t>
             </a:r>
             <a:endParaRPr lang="en-US" altLang="zh-CN" dirty="0"/>
           </a:p>
           <a:p>
-            <a:r>
-              <a:rPr lang="en-US" altLang="zh-CN" dirty="0"/>
-              <a:t>sprintf</a:t>
-            </a:r>
-          </a:p>
-          <a:p>
-            <a:r>
-              <a:rPr lang="en-US" altLang="zh-CN" dirty="0" err="1"/>
-              <a:t>strtok</a:t>
+            <a:pPr lvl="1"/>
+            <a:r>
+              <a:rPr lang="zh-CN" altLang="en-US" dirty="0"/>
+              <a:t>语法检查</a:t>
             </a:r>
             <a:endParaRPr lang="en-US" altLang="zh-CN" dirty="0"/>
           </a:p>
           <a:p>
-            <a:r>
-              <a:rPr lang="en-US" altLang="zh-CN" dirty="0"/>
-              <a:t>rand</a:t>
-            </a:r>
-          </a:p>
-          <a:p>
-            <a:r>
-              <a:rPr lang="en-US" altLang="zh-CN" dirty="0"/>
-              <a:t>time</a:t>
-            </a:r>
-          </a:p>
-          <a:p>
+            <a:pPr lvl="1"/>
+            <a:r>
+              <a:rPr lang="zh-CN" altLang="en-US" dirty="0"/>
+              <a:t>将文件翻译为二进制机器码</a:t>
+            </a:r>
             <a:endParaRPr lang="en-US" altLang="zh-CN" dirty="0"/>
           </a:p>
           <a:p>
-            <a:endParaRPr lang="zh-CN" altLang="en-US" dirty="0"/>
+            <a:r>
+              <a:rPr lang="zh-CN" altLang="en-US" dirty="0"/>
+              <a:t>链接</a:t>
+            </a:r>
+            <a:endParaRPr lang="en-US" altLang="zh-CN" dirty="0"/>
+          </a:p>
+          <a:p>
+            <a:pPr lvl="1"/>
+            <a:r>
+              <a:rPr lang="zh-CN" altLang="en-US" dirty="0"/>
+              <a:t>检查依赖关系</a:t>
+            </a:r>
+            <a:endParaRPr lang="en-US" altLang="zh-CN" dirty="0"/>
+          </a:p>
+          <a:p>
+            <a:pPr lvl="1"/>
+            <a:r>
+              <a:rPr lang="zh-CN" altLang="en-US" dirty="0"/>
+              <a:t>合并目标文件</a:t>
+            </a:r>
+            <a:endParaRPr lang="en-US" altLang="zh-CN" dirty="0"/>
+          </a:p>
+          <a:p>
+            <a:pPr lvl="2"/>
+            <a:r>
+              <a:rPr lang="zh-CN" altLang="en-US" dirty="0"/>
+              <a:t>重新计算入口地址</a:t>
+            </a:r>
+            <a:endParaRPr lang="en-US" altLang="zh-CN" dirty="0"/>
+          </a:p>
+          <a:p>
+            <a:pPr lvl="2"/>
+            <a:r>
+              <a:rPr lang="zh-CN" altLang="en-US" dirty="0"/>
+              <a:t>生成目标文件</a:t>
+            </a:r>
           </a:p>
         </p:txBody>
       </p:sp>
     </p:spTree>
     <p:extLst>
       <p:ext uri="{BB962C8B-B14F-4D97-AF65-F5344CB8AC3E}">
-        <p14:creationId xmlns:p14="http://schemas.microsoft.com/office/powerpoint/2010/main" val="254229036"/>
+        <p14:creationId xmlns:p14="http://schemas.microsoft.com/office/powerpoint/2010/main" val="1470468776"/>
+      </p:ext>
+    </p:extLst>
+  </p:cSld>
+  <p:clrMapOvr>
+    <a:masterClrMapping/>
+  </p:clrMapOvr>
+</p:sld>
+</file>
+
+<file path=ppt/slides/slide19.xml><?xml version="1.0" encoding="utf-8"?>
+<p:sld xmlns:a="http://schemas.openxmlformats.org/drawingml/2006/main" xmlns:r="http://schemas.openxmlformats.org/officeDocument/2006/relationships" xmlns:p="http://schemas.openxmlformats.org/presentationml/2006/main">
+  <p:cSld>
+    <p:spTree>
+      <p:nvGrpSpPr>
+        <p:cNvPr id="1" name=""/>
+        <p:cNvGrpSpPr/>
+        <p:nvPr/>
+      </p:nvGrpSpPr>
+      <p:grpSpPr>
+        <a:xfrm>
+          <a:off x="0" y="0"/>
+          <a:ext cx="0" cy="0"/>
+          <a:chOff x="0" y="0"/>
+          <a:chExt cx="0" cy="0"/>
+        </a:xfrm>
+      </p:grpSpPr>
+      <p:sp>
+        <p:nvSpPr>
+          <p:cNvPr id="2" name="标题 1"/>
+          <p:cNvSpPr>
+            <a:spLocks noGrp="1"/>
+          </p:cNvSpPr>
+          <p:nvPr>
+            <p:ph type="title"/>
+          </p:nvPr>
+        </p:nvSpPr>
+        <p:spPr/>
+        <p:txBody>
+          <a:bodyPr/>
+          <a:lstStyle/>
+          <a:p>
+            <a:r>
+              <a:rPr lang="zh-CN" altLang="en-US" dirty="0"/>
+              <a:t>探寻</a:t>
+            </a:r>
+            <a:r>
+              <a:rPr lang="en-US" altLang="zh-CN" dirty="0"/>
+              <a:t>C++</a:t>
+            </a:r>
+            <a:r>
+              <a:rPr lang="zh-CN" altLang="en-US" dirty="0"/>
+              <a:t>本质</a:t>
+            </a:r>
+          </a:p>
+        </p:txBody>
+      </p:sp>
+      <p:sp>
+        <p:nvSpPr>
+          <p:cNvPr id="3" name="内容占位符 2"/>
+          <p:cNvSpPr>
+            <a:spLocks noGrp="1"/>
+          </p:cNvSpPr>
+          <p:nvPr>
+            <p:ph idx="1"/>
+          </p:nvPr>
+        </p:nvSpPr>
+        <p:spPr/>
+        <p:txBody>
+          <a:bodyPr/>
+          <a:lstStyle/>
+          <a:p>
+            <a:r>
+              <a:rPr lang="en-US" altLang="zh-CN" dirty="0"/>
+              <a:t>C++</a:t>
+            </a:r>
+            <a:r>
+              <a:rPr lang="zh-CN" altLang="en-US" dirty="0"/>
+              <a:t>程序启动过程</a:t>
+            </a:r>
+            <a:endParaRPr lang="en-US" altLang="zh-CN" dirty="0"/>
+          </a:p>
+          <a:p>
+            <a:pPr lvl="1"/>
+            <a:r>
+              <a:rPr lang="zh-CN" altLang="en-US" dirty="0"/>
+              <a:t>初始化全局变量</a:t>
+            </a:r>
+            <a:endParaRPr lang="en-US" altLang="zh-CN" dirty="0"/>
+          </a:p>
+          <a:p>
+            <a:pPr lvl="2"/>
+            <a:r>
+              <a:rPr lang="zh-CN" altLang="en-US" dirty="0"/>
+              <a:t>全局变量的内存布局</a:t>
+            </a:r>
+            <a:endParaRPr lang="en-US" altLang="zh-CN" dirty="0"/>
+          </a:p>
+          <a:p>
+            <a:pPr lvl="2"/>
+            <a:r>
+              <a:rPr lang="zh-CN" altLang="en-US" dirty="0"/>
+              <a:t>初始化</a:t>
+            </a:r>
+            <a:endParaRPr lang="en-US" altLang="zh-CN" dirty="0"/>
+          </a:p>
+          <a:p>
+            <a:pPr lvl="1"/>
+            <a:r>
+              <a:rPr lang="zh-CN" altLang="en-US" dirty="0"/>
+              <a:t>调用入口函数</a:t>
+            </a:r>
+            <a:endParaRPr lang="en-US" altLang="zh-CN" dirty="0"/>
+          </a:p>
+          <a:p>
+            <a:pPr lvl="1"/>
+            <a:endParaRPr lang="zh-CN" altLang="en-US" dirty="0"/>
+          </a:p>
+        </p:txBody>
+      </p:sp>
+    </p:spTree>
+    <p:extLst>
+      <p:ext uri="{BB962C8B-B14F-4D97-AF65-F5344CB8AC3E}">
+        <p14:creationId xmlns:p14="http://schemas.microsoft.com/office/powerpoint/2010/main" val="3517181332"/>
       </p:ext>
     </p:extLst>
   </p:cSld>
@@ -5407,6 +9868,128 @@
 </p:sld>
 </file>
 
+<file path=ppt/slides/slide20.xml><?xml version="1.0" encoding="utf-8"?>
+<p:sld xmlns:a="http://schemas.openxmlformats.org/drawingml/2006/main" xmlns:r="http://schemas.openxmlformats.org/officeDocument/2006/relationships" xmlns:p="http://schemas.openxmlformats.org/presentationml/2006/main">
+  <p:cSld>
+    <p:spTree>
+      <p:nvGrpSpPr>
+        <p:cNvPr id="1" name=""/>
+        <p:cNvGrpSpPr/>
+        <p:nvPr/>
+      </p:nvGrpSpPr>
+      <p:grpSpPr>
+        <a:xfrm>
+          <a:off x="0" y="0"/>
+          <a:ext cx="0" cy="0"/>
+          <a:chOff x="0" y="0"/>
+          <a:chExt cx="0" cy="0"/>
+        </a:xfrm>
+      </p:grpSpPr>
+      <p:sp>
+        <p:nvSpPr>
+          <p:cNvPr id="2" name="标题 1"/>
+          <p:cNvSpPr>
+            <a:spLocks noGrp="1"/>
+          </p:cNvSpPr>
+          <p:nvPr>
+            <p:ph type="title"/>
+          </p:nvPr>
+        </p:nvSpPr>
+        <p:spPr/>
+        <p:txBody>
+          <a:bodyPr/>
+          <a:lstStyle/>
+          <a:p>
+            <a:r>
+              <a:rPr lang="en-US" altLang="zh-CN" dirty="0"/>
+              <a:t>C </a:t>
+            </a:r>
+            <a:r>
+              <a:rPr lang="zh-CN" altLang="en-US" dirty="0"/>
+              <a:t>标准库函数</a:t>
+            </a:r>
+          </a:p>
+        </p:txBody>
+      </p:sp>
+      <p:sp>
+        <p:nvSpPr>
+          <p:cNvPr id="3" name="内容占位符 2"/>
+          <p:cNvSpPr>
+            <a:spLocks noGrp="1"/>
+          </p:cNvSpPr>
+          <p:nvPr>
+            <p:ph idx="1"/>
+          </p:nvPr>
+        </p:nvSpPr>
+        <p:spPr/>
+        <p:txBody>
+          <a:bodyPr/>
+          <a:lstStyle/>
+          <a:p>
+            <a:r>
+              <a:rPr lang="en-US" altLang="zh-CN" dirty="0"/>
+              <a:t>strcpy</a:t>
+            </a:r>
+          </a:p>
+          <a:p>
+            <a:r>
+              <a:rPr lang="en-US" altLang="zh-CN" dirty="0"/>
+              <a:t>memcpy</a:t>
+            </a:r>
+          </a:p>
+          <a:p>
+            <a:r>
+              <a:rPr lang="en-US" altLang="zh-CN" dirty="0" err="1"/>
+              <a:t>memmove</a:t>
+            </a:r>
+            <a:endParaRPr lang="en-US" altLang="zh-CN" dirty="0"/>
+          </a:p>
+          <a:p>
+            <a:r>
+              <a:rPr lang="en-US" altLang="zh-CN" dirty="0"/>
+              <a:t>sprintf</a:t>
+            </a:r>
+          </a:p>
+          <a:p>
+            <a:r>
+              <a:rPr lang="en-US" altLang="zh-CN" dirty="0" err="1"/>
+              <a:t>strtok</a:t>
+            </a:r>
+            <a:endParaRPr lang="en-US" altLang="zh-CN" dirty="0"/>
+          </a:p>
+          <a:p>
+            <a:r>
+              <a:rPr lang="en-US" altLang="zh-CN" dirty="0"/>
+              <a:t>rand</a:t>
+            </a:r>
+          </a:p>
+          <a:p>
+            <a:r>
+              <a:rPr lang="en-US" altLang="zh-CN" dirty="0"/>
+              <a:t>time</a:t>
+            </a:r>
+          </a:p>
+          <a:p>
+            <a:endParaRPr lang="en-US" altLang="zh-CN" dirty="0"/>
+          </a:p>
+          <a:p>
+            <a:endParaRPr lang="zh-CN" altLang="en-US" dirty="0"/>
+          </a:p>
+        </p:txBody>
+      </p:sp>
+    </p:spTree>
+    <p:extLst>
+      <p:ext uri="{BB962C8B-B14F-4D97-AF65-F5344CB8AC3E}">
+        <p14:creationId xmlns:p14="http://schemas.microsoft.com/office/powerpoint/2010/main" val="254229036"/>
+      </p:ext>
+    </p:extLst>
+  </p:cSld>
+  <p:clrMapOvr>
+    <a:masterClrMapping/>
+  </p:clrMapOvr>
+</p:sld>
+</file>
+
 <file path=ppt/slides/slide3.xml><?xml version="1.0" encoding="utf-8"?>
 <p:sld xmlns:a="http://schemas.openxmlformats.org/drawingml/2006/main" xmlns:r="http://schemas.openxmlformats.org/officeDocument/2006/relationships" xmlns:p="http://schemas.openxmlformats.org/presentationml/2006/main">
   <p:cSld>
@@ -5608,7 +10191,7 @@
             </a:r>
             <a:r>
               <a:rPr lang="zh-CN" altLang="en-US" dirty="0"/>
-              <a:t>？</a:t>
+              <a:t>的发展</a:t>
             </a:r>
           </a:p>
         </p:txBody>
@@ -8435,7 +13018,7 @@
           <a:p>
             <a:r>
               <a:rPr lang="en-US" altLang="zh-CN" dirty="0"/>
-              <a:t>Hello WORLD</a:t>
+              <a:t>Hello  WORLD</a:t>
             </a:r>
             <a:endParaRPr lang="zh-CN" altLang="en-US" dirty="0"/>
           </a:p>
@@ -8621,40 +13204,76 @@
           </a:p>
           <a:p>
             <a:r>
+              <a:rPr lang="en-US" altLang="zh-CN" sz="1400" dirty="0">
+                <a:solidFill>
+                  <a:srgbClr val="000000"/>
+                </a:solidFill>
+                <a:latin typeface="Consolas" panose="020B0609020204030204" pitchFamily="49" charset="0"/>
+              </a:rPr>
+              <a:t>int</a:t>
+            </a:r>
+            <a:r>
+              <a:rPr lang="en-US" altLang="zh-CN" sz="1400" dirty="0">
+                <a:solidFill>
+                  <a:srgbClr val="808080"/>
+                </a:solidFill>
+                <a:latin typeface="Consolas" panose="020B0609020204030204" pitchFamily="49" charset="0"/>
+              </a:rPr>
+              <a:t> </a:t>
+            </a:r>
+            <a:r>
+              <a:rPr lang="en-US" altLang="zh-CN" sz="1400" dirty="0">
+                <a:solidFill>
+                  <a:srgbClr val="0055AA"/>
+                </a:solidFill>
+                <a:latin typeface="Consolas" panose="020B0609020204030204" pitchFamily="49" charset="0"/>
+              </a:rPr>
+              <a:t>main</a:t>
+            </a:r>
+            <a:r>
+              <a:rPr lang="en-US" altLang="zh-CN" sz="1400" dirty="0">
+                <a:solidFill>
+                  <a:srgbClr val="808000"/>
+                </a:solidFill>
+                <a:latin typeface="Consolas" panose="020B0609020204030204" pitchFamily="49" charset="0"/>
+              </a:rPr>
+              <a:t>( int </a:t>
+            </a:r>
+            <a:r>
               <a:rPr lang="en-US" altLang="zh-CN" sz="1400" dirty="0" err="1">
                 <a:solidFill>
-                  <a:srgbClr val="000000"/>
+                  <a:srgbClr val="808000"/>
                 </a:solidFill>
                 <a:latin typeface="Consolas" panose="020B0609020204030204" pitchFamily="49" charset="0"/>
               </a:rPr>
-              <a:t>int</a:t>
+              <a:t>argc</a:t>
             </a:r>
             <a:r>
               <a:rPr lang="en-US" altLang="zh-CN" sz="1400" dirty="0">
                 <a:solidFill>
-                  <a:srgbClr val="808080"/>
+                  <a:srgbClr val="808000"/>
                 </a:solidFill>
                 <a:latin typeface="Consolas" panose="020B0609020204030204" pitchFamily="49" charset="0"/>
               </a:rPr>
-              <a:t> </a:t>
+              <a:t>, char** </a:t>
+            </a:r>
+            <a:r>
+              <a:rPr lang="en-US" altLang="zh-CN" sz="1400" dirty="0" err="1">
+                <a:solidFill>
+                  <a:srgbClr val="808000"/>
+                </a:solidFill>
+                <a:latin typeface="Consolas" panose="020B0609020204030204" pitchFamily="49" charset="0"/>
+              </a:rPr>
+              <a:t>argv</a:t>
             </a:r>
             <a:r>
               <a:rPr lang="en-US" altLang="zh-CN" sz="1400" dirty="0">
                 <a:solidFill>
-                  <a:srgbClr val="0055AA"/>
+                  <a:srgbClr val="808000"/>
                 </a:solidFill>
                 <a:latin typeface="Consolas" panose="020B0609020204030204" pitchFamily="49" charset="0"/>
               </a:rPr>
-              <a:t>main</a:t>
-            </a:r>
-            <a:r>
-              <a:rPr lang="en-US" altLang="zh-CN" sz="1400" dirty="0">
-                <a:solidFill>
-                  <a:srgbClr val="808000"/>
-                </a:solidFill>
-                <a:latin typeface="Consolas" panose="020B0609020204030204" pitchFamily="49" charset="0"/>
-              </a:rPr>
-              <a:t>()</a:t>
+              <a:t> )</a:t>
             </a:r>
             <a:r>
               <a:rPr lang="en-US" altLang="zh-CN" sz="1400" dirty="0">
@@ -9140,6 +13759,1065 @@
 </file>
 
 <file path=ppt/slides/slide6.xml><?xml version="1.0" encoding="utf-8"?>
+<p:sld xmlns:a="http://schemas.openxmlformats.org/drawingml/2006/main" xmlns:r="http://schemas.openxmlformats.org/officeDocument/2006/relationships" xmlns:p="http://schemas.openxmlformats.org/presentationml/2006/main">
+  <p:cSld>
+    <p:spTree>
+      <p:nvGrpSpPr>
+        <p:cNvPr id="1" name=""/>
+        <p:cNvGrpSpPr/>
+        <p:nvPr/>
+      </p:nvGrpSpPr>
+      <p:grpSpPr>
+        <a:xfrm>
+          <a:off x="0" y="0"/>
+          <a:ext cx="0" cy="0"/>
+          <a:chOff x="0" y="0"/>
+          <a:chExt cx="0" cy="0"/>
+        </a:xfrm>
+      </p:grpSpPr>
+      <p:sp>
+        <p:nvSpPr>
+          <p:cNvPr id="2" name="标题 1"/>
+          <p:cNvSpPr>
+            <a:spLocks noGrp="1"/>
+          </p:cNvSpPr>
+          <p:nvPr>
+            <p:ph type="title"/>
+          </p:nvPr>
+        </p:nvSpPr>
+        <p:spPr/>
+        <p:txBody>
+          <a:bodyPr/>
+          <a:lstStyle/>
+          <a:p>
+            <a:r>
+              <a:rPr lang="en-US" altLang="zh-CN" dirty="0"/>
+              <a:t>C++</a:t>
+            </a:r>
+            <a:r>
+              <a:rPr lang="zh-CN" altLang="en-US" dirty="0"/>
+              <a:t>中的类型</a:t>
+            </a:r>
+          </a:p>
+        </p:txBody>
+      </p:sp>
+      <p:graphicFrame>
+        <p:nvGraphicFramePr>
+          <p:cNvPr id="4" name="表格 3"/>
+          <p:cNvGraphicFramePr>
+            <a:graphicFrameLocks noGrp="1"/>
+          </p:cNvGraphicFramePr>
+          <p:nvPr>
+            <p:extLst>
+              <p:ext uri="{D42A27DB-BD31-4B8C-83A1-F6EECF244321}">
+                <p14:modId xmlns:p14="http://schemas.microsoft.com/office/powerpoint/2010/main" val="1891988710"/>
+              </p:ext>
+            </p:extLst>
+          </p:nvPr>
+        </p:nvGraphicFramePr>
+        <p:xfrm>
+          <a:off x="2781353" y="2148364"/>
+          <a:ext cx="6943726" cy="3185160"/>
+        </p:xfrm>
+        <a:graphic>
+          <a:graphicData uri="http://schemas.openxmlformats.org/drawingml/2006/table">
+            <a:tbl>
+              <a:tblPr/>
+              <a:tblGrid>
+                <a:gridCol w="3471863">
+                  <a:extLst>
+                    <a:ext uri="{9D8B030D-6E8A-4147-A177-3AD203B41FA5}">
+                      <a16:colId xmlns:a16="http://schemas.microsoft.com/office/drawing/2014/main" val="2236968412"/>
+                    </a:ext>
+                  </a:extLst>
+                </a:gridCol>
+                <a:gridCol w="3471863">
+                  <a:extLst>
+                    <a:ext uri="{9D8B030D-6E8A-4147-A177-3AD203B41FA5}">
+                      <a16:colId xmlns:a16="http://schemas.microsoft.com/office/drawing/2014/main" val="893147216"/>
+                    </a:ext>
+                  </a:extLst>
+                </a:gridCol>
+              </a:tblGrid>
+              <a:tr h="0">
+                <a:tc>
+                  <a:txBody>
+                    <a:bodyPr/>
+                    <a:lstStyle/>
+                    <a:p>
+                      <a:pPr algn="l" fontAlgn="t"/>
+                      <a:r>
+                        <a:rPr lang="zh-CN" altLang="en-US" dirty="0">
+                          <a:solidFill>
+                            <a:srgbClr val="FFFFFF"/>
+                          </a:solidFill>
+                          <a:effectLst/>
+                        </a:rPr>
+                        <a:t>类型</a:t>
+                      </a:r>
+                    </a:p>
+                  </a:txBody>
+                  <a:tcPr marL="28575" marR="28575" marT="28575" marB="28575">
+                    <a:lnL w="9525" cap="flat" cmpd="sng" algn="ctr">
+                      <a:solidFill>
+                        <a:srgbClr val="555555"/>
+                      </a:solidFill>
+                      <a:prstDash val="solid"/>
+                      <a:round/>
+                      <a:headEnd type="none" w="med" len="med"/>
+                      <a:tailEnd type="none" w="med" len="med"/>
+                    </a:lnL>
+                    <a:lnR w="9525" cap="flat" cmpd="sng" algn="ctr">
+                      <a:solidFill>
+                        <a:srgbClr val="555555"/>
+                      </a:solidFill>
+                      <a:prstDash val="solid"/>
+                      <a:round/>
+                      <a:headEnd type="none" w="med" len="med"/>
+                      <a:tailEnd type="none" w="med" len="med"/>
+                    </a:lnR>
+                    <a:lnT w="9525" cap="flat" cmpd="sng" algn="ctr">
+                      <a:solidFill>
+                        <a:srgbClr val="555555"/>
+                      </a:solidFill>
+                      <a:prstDash val="solid"/>
+                      <a:round/>
+                      <a:headEnd type="none" w="med" len="med"/>
+                      <a:tailEnd type="none" w="med" len="med"/>
+                    </a:lnT>
+                    <a:lnB w="9525" cap="flat" cmpd="sng" algn="ctr">
+                      <a:solidFill>
+                        <a:srgbClr val="D4D4D4"/>
+                      </a:solidFill>
+                      <a:prstDash val="solid"/>
+                      <a:round/>
+                      <a:headEnd type="none" w="med" len="med"/>
+                      <a:tailEnd type="none" w="med" len="med"/>
+                    </a:lnB>
+                    <a:solidFill>
+                      <a:srgbClr val="555555"/>
+                    </a:solidFill>
+                  </a:tcPr>
+                </a:tc>
+                <a:tc>
+                  <a:txBody>
+                    <a:bodyPr/>
+                    <a:lstStyle/>
+                    <a:p>
+                      <a:pPr algn="l" fontAlgn="t"/>
+                      <a:r>
+                        <a:rPr lang="zh-CN" altLang="en-US">
+                          <a:solidFill>
+                            <a:srgbClr val="FFFFFF"/>
+                          </a:solidFill>
+                          <a:effectLst/>
+                        </a:rPr>
+                        <a:t>关键字</a:t>
+                      </a:r>
+                    </a:p>
+                  </a:txBody>
+                  <a:tcPr marL="28575" marR="28575" marT="28575" marB="28575">
+                    <a:lnL w="9525" cap="flat" cmpd="sng" algn="ctr">
+                      <a:solidFill>
+                        <a:srgbClr val="555555"/>
+                      </a:solidFill>
+                      <a:prstDash val="solid"/>
+                      <a:round/>
+                      <a:headEnd type="none" w="med" len="med"/>
+                      <a:tailEnd type="none" w="med" len="med"/>
+                    </a:lnL>
+                    <a:lnR w="9525" cap="flat" cmpd="sng" algn="ctr">
+                      <a:solidFill>
+                        <a:srgbClr val="555555"/>
+                      </a:solidFill>
+                      <a:prstDash val="solid"/>
+                      <a:round/>
+                      <a:headEnd type="none" w="med" len="med"/>
+                      <a:tailEnd type="none" w="med" len="med"/>
+                    </a:lnR>
+                    <a:lnT w="9525" cap="flat" cmpd="sng" algn="ctr">
+                      <a:solidFill>
+                        <a:srgbClr val="555555"/>
+                      </a:solidFill>
+                      <a:prstDash val="solid"/>
+                      <a:round/>
+                      <a:headEnd type="none" w="med" len="med"/>
+                      <a:tailEnd type="none" w="med" len="med"/>
+                    </a:lnT>
+                    <a:lnB w="9525" cap="flat" cmpd="sng" algn="ctr">
+                      <a:solidFill>
+                        <a:srgbClr val="D4D4D4"/>
+                      </a:solidFill>
+                      <a:prstDash val="solid"/>
+                      <a:round/>
+                      <a:headEnd type="none" w="med" len="med"/>
+                      <a:tailEnd type="none" w="med" len="med"/>
+                    </a:lnB>
+                    <a:solidFill>
+                      <a:srgbClr val="555555"/>
+                    </a:solidFill>
+                  </a:tcPr>
+                </a:tc>
+                <a:extLst>
+                  <a:ext uri="{0D108BD9-81ED-4DB2-BD59-A6C34878D82A}">
+                    <a16:rowId xmlns:a16="http://schemas.microsoft.com/office/drawing/2014/main" val="2692423433"/>
+                  </a:ext>
+                </a:extLst>
+              </a:tr>
+              <a:tr h="0">
+                <a:tc>
+                  <a:txBody>
+                    <a:bodyPr/>
+                    <a:lstStyle/>
+                    <a:p>
+                      <a:pPr fontAlgn="t"/>
+                      <a:r>
+                        <a:rPr lang="zh-CN" altLang="en-US">
+                          <a:effectLst/>
+                        </a:rPr>
+                        <a:t>布尔型</a:t>
+                      </a:r>
+                    </a:p>
+                  </a:txBody>
+                  <a:tcPr marL="47625" marR="47625" marT="66675" marB="66675">
+                    <a:lnL w="9525" cap="flat" cmpd="sng" algn="ctr">
+                      <a:solidFill>
+                        <a:srgbClr val="D4D4D4"/>
+                      </a:solidFill>
+                      <a:prstDash val="solid"/>
+                      <a:round/>
+                      <a:headEnd type="none" w="med" len="med"/>
+                      <a:tailEnd type="none" w="med" len="med"/>
+                    </a:lnL>
+                    <a:lnR w="9525" cap="flat" cmpd="sng" algn="ctr">
+                      <a:solidFill>
+                        <a:srgbClr val="D4D4D4"/>
+                      </a:solidFill>
+                      <a:prstDash val="solid"/>
+                      <a:round/>
+                      <a:headEnd type="none" w="med" len="med"/>
+                      <a:tailEnd type="none" w="med" len="med"/>
+                    </a:lnR>
+                    <a:lnT w="9525" cap="flat" cmpd="sng" algn="ctr">
+                      <a:solidFill>
+                        <a:srgbClr val="D4D4D4"/>
+                      </a:solidFill>
+                      <a:prstDash val="solid"/>
+                      <a:round/>
+                      <a:headEnd type="none" w="med" len="med"/>
+                      <a:tailEnd type="none" w="med" len="med"/>
+                    </a:lnT>
+                    <a:lnB w="9525" cap="flat" cmpd="sng" algn="ctr">
+                      <a:solidFill>
+                        <a:srgbClr val="D4D4D4"/>
+                      </a:solidFill>
+                      <a:prstDash val="solid"/>
+                      <a:round/>
+                      <a:headEnd type="none" w="med" len="med"/>
+                      <a:tailEnd type="none" w="med" len="med"/>
+                    </a:lnB>
+                    <a:solidFill>
+                      <a:srgbClr val="FFFFFF"/>
+                    </a:solidFill>
+                  </a:tcPr>
+                </a:tc>
+                <a:tc>
+                  <a:txBody>
+                    <a:bodyPr/>
+                    <a:lstStyle/>
+                    <a:p>
+                      <a:pPr fontAlgn="t"/>
+                      <a:r>
+                        <a:rPr lang="en-US">
+                          <a:effectLst/>
+                        </a:rPr>
+                        <a:t>bool</a:t>
+                      </a:r>
+                    </a:p>
+                  </a:txBody>
+                  <a:tcPr marL="47625" marR="47625" marT="66675" marB="66675">
+                    <a:lnL w="9525" cap="flat" cmpd="sng" algn="ctr">
+                      <a:solidFill>
+                        <a:srgbClr val="D4D4D4"/>
+                      </a:solidFill>
+                      <a:prstDash val="solid"/>
+                      <a:round/>
+                      <a:headEnd type="none" w="med" len="med"/>
+                      <a:tailEnd type="none" w="med" len="med"/>
+                    </a:lnL>
+                    <a:lnR w="9525" cap="flat" cmpd="sng" algn="ctr">
+                      <a:solidFill>
+                        <a:srgbClr val="D4D4D4"/>
+                      </a:solidFill>
+                      <a:prstDash val="solid"/>
+                      <a:round/>
+                      <a:headEnd type="none" w="med" len="med"/>
+                      <a:tailEnd type="none" w="med" len="med"/>
+                    </a:lnR>
+                    <a:lnT w="9525" cap="flat" cmpd="sng" algn="ctr">
+                      <a:solidFill>
+                        <a:srgbClr val="D4D4D4"/>
+                      </a:solidFill>
+                      <a:prstDash val="solid"/>
+                      <a:round/>
+                      <a:headEnd type="none" w="med" len="med"/>
+                      <a:tailEnd type="none" w="med" len="med"/>
+                    </a:lnT>
+                    <a:lnB w="9525" cap="flat" cmpd="sng" algn="ctr">
+                      <a:solidFill>
+                        <a:srgbClr val="D4D4D4"/>
+                      </a:solidFill>
+                      <a:prstDash val="solid"/>
+                      <a:round/>
+                      <a:headEnd type="none" w="med" len="med"/>
+                      <a:tailEnd type="none" w="med" len="med"/>
+                    </a:lnB>
+                    <a:solidFill>
+                      <a:srgbClr val="FFFFFF"/>
+                    </a:solidFill>
+                  </a:tcPr>
+                </a:tc>
+                <a:extLst>
+                  <a:ext uri="{0D108BD9-81ED-4DB2-BD59-A6C34878D82A}">
+                    <a16:rowId xmlns:a16="http://schemas.microsoft.com/office/drawing/2014/main" val="3117235664"/>
+                  </a:ext>
+                </a:extLst>
+              </a:tr>
+              <a:tr h="0">
+                <a:tc>
+                  <a:txBody>
+                    <a:bodyPr/>
+                    <a:lstStyle/>
+                    <a:p>
+                      <a:pPr fontAlgn="t"/>
+                      <a:r>
+                        <a:rPr lang="zh-CN" altLang="en-US">
+                          <a:effectLst/>
+                        </a:rPr>
+                        <a:t>字符型</a:t>
+                      </a:r>
+                    </a:p>
+                  </a:txBody>
+                  <a:tcPr marL="47625" marR="47625" marT="66675" marB="66675">
+                    <a:lnL w="9525" cap="flat" cmpd="sng" algn="ctr">
+                      <a:solidFill>
+                        <a:srgbClr val="D4D4D4"/>
+                      </a:solidFill>
+                      <a:prstDash val="solid"/>
+                      <a:round/>
+                      <a:headEnd type="none" w="med" len="med"/>
+                      <a:tailEnd type="none" w="med" len="med"/>
+                    </a:lnL>
+                    <a:lnR w="9525" cap="flat" cmpd="sng" algn="ctr">
+                      <a:solidFill>
+                        <a:srgbClr val="D4D4D4"/>
+                      </a:solidFill>
+                      <a:prstDash val="solid"/>
+                      <a:round/>
+                      <a:headEnd type="none" w="med" len="med"/>
+                      <a:tailEnd type="none" w="med" len="med"/>
+                    </a:lnR>
+                    <a:lnT w="9525" cap="flat" cmpd="sng" algn="ctr">
+                      <a:solidFill>
+                        <a:srgbClr val="D4D4D4"/>
+                      </a:solidFill>
+                      <a:prstDash val="solid"/>
+                      <a:round/>
+                      <a:headEnd type="none" w="med" len="med"/>
+                      <a:tailEnd type="none" w="med" len="med"/>
+                    </a:lnT>
+                    <a:lnB w="9525" cap="flat" cmpd="sng" algn="ctr">
+                      <a:solidFill>
+                        <a:srgbClr val="D4D4D4"/>
+                      </a:solidFill>
+                      <a:prstDash val="solid"/>
+                      <a:round/>
+                      <a:headEnd type="none" w="med" len="med"/>
+                      <a:tailEnd type="none" w="med" len="med"/>
+                    </a:lnB>
+                    <a:solidFill>
+                      <a:srgbClr val="F6F4F0"/>
+                    </a:solidFill>
+                  </a:tcPr>
+                </a:tc>
+                <a:tc>
+                  <a:txBody>
+                    <a:bodyPr/>
+                    <a:lstStyle/>
+                    <a:p>
+                      <a:pPr fontAlgn="t"/>
+                      <a:r>
+                        <a:rPr lang="en-US">
+                          <a:effectLst/>
+                        </a:rPr>
+                        <a:t>char</a:t>
+                      </a:r>
+                    </a:p>
+                  </a:txBody>
+                  <a:tcPr marL="47625" marR="47625" marT="66675" marB="66675">
+                    <a:lnL w="9525" cap="flat" cmpd="sng" algn="ctr">
+                      <a:solidFill>
+                        <a:srgbClr val="D4D4D4"/>
+                      </a:solidFill>
+                      <a:prstDash val="solid"/>
+                      <a:round/>
+                      <a:headEnd type="none" w="med" len="med"/>
+                      <a:tailEnd type="none" w="med" len="med"/>
+                    </a:lnL>
+                    <a:lnR w="9525" cap="flat" cmpd="sng" algn="ctr">
+                      <a:solidFill>
+                        <a:srgbClr val="D4D4D4"/>
+                      </a:solidFill>
+                      <a:prstDash val="solid"/>
+                      <a:round/>
+                      <a:headEnd type="none" w="med" len="med"/>
+                      <a:tailEnd type="none" w="med" len="med"/>
+                    </a:lnR>
+                    <a:lnT w="9525" cap="flat" cmpd="sng" algn="ctr">
+                      <a:solidFill>
+                        <a:srgbClr val="D4D4D4"/>
+                      </a:solidFill>
+                      <a:prstDash val="solid"/>
+                      <a:round/>
+                      <a:headEnd type="none" w="med" len="med"/>
+                      <a:tailEnd type="none" w="med" len="med"/>
+                    </a:lnT>
+                    <a:lnB w="9525" cap="flat" cmpd="sng" algn="ctr">
+                      <a:solidFill>
+                        <a:srgbClr val="D4D4D4"/>
+                      </a:solidFill>
+                      <a:prstDash val="solid"/>
+                      <a:round/>
+                      <a:headEnd type="none" w="med" len="med"/>
+                      <a:tailEnd type="none" w="med" len="med"/>
+                    </a:lnB>
+                    <a:solidFill>
+                      <a:srgbClr val="F6F4F0"/>
+                    </a:solidFill>
+                  </a:tcPr>
+                </a:tc>
+                <a:extLst>
+                  <a:ext uri="{0D108BD9-81ED-4DB2-BD59-A6C34878D82A}">
+                    <a16:rowId xmlns:a16="http://schemas.microsoft.com/office/drawing/2014/main" val="2336224600"/>
+                  </a:ext>
+                </a:extLst>
+              </a:tr>
+              <a:tr h="0">
+                <a:tc>
+                  <a:txBody>
+                    <a:bodyPr/>
+                    <a:lstStyle/>
+                    <a:p>
+                      <a:pPr fontAlgn="t"/>
+                      <a:r>
+                        <a:rPr lang="zh-CN" altLang="en-US" dirty="0">
+                          <a:effectLst/>
+                        </a:rPr>
+                        <a:t>整型</a:t>
+                      </a:r>
+                    </a:p>
+                  </a:txBody>
+                  <a:tcPr marL="47625" marR="47625" marT="66675" marB="66675">
+                    <a:lnL w="9525" cap="flat" cmpd="sng" algn="ctr">
+                      <a:solidFill>
+                        <a:srgbClr val="D4D4D4"/>
+                      </a:solidFill>
+                      <a:prstDash val="solid"/>
+                      <a:round/>
+                      <a:headEnd type="none" w="med" len="med"/>
+                      <a:tailEnd type="none" w="med" len="med"/>
+                    </a:lnL>
+                    <a:lnR w="9525" cap="flat" cmpd="sng" algn="ctr">
+                      <a:solidFill>
+                        <a:srgbClr val="D4D4D4"/>
+                      </a:solidFill>
+                      <a:prstDash val="solid"/>
+                      <a:round/>
+                      <a:headEnd type="none" w="med" len="med"/>
+                      <a:tailEnd type="none" w="med" len="med"/>
+                    </a:lnR>
+                    <a:lnT w="9525" cap="flat" cmpd="sng" algn="ctr">
+                      <a:solidFill>
+                        <a:srgbClr val="D4D4D4"/>
+                      </a:solidFill>
+                      <a:prstDash val="solid"/>
+                      <a:round/>
+                      <a:headEnd type="none" w="med" len="med"/>
+                      <a:tailEnd type="none" w="med" len="med"/>
+                    </a:lnT>
+                    <a:lnB w="9525" cap="flat" cmpd="sng" algn="ctr">
+                      <a:solidFill>
+                        <a:srgbClr val="D4D4D4"/>
+                      </a:solidFill>
+                      <a:prstDash val="solid"/>
+                      <a:round/>
+                      <a:headEnd type="none" w="med" len="med"/>
+                      <a:tailEnd type="none" w="med" len="med"/>
+                    </a:lnB>
+                    <a:solidFill>
+                      <a:srgbClr val="FFFFFF"/>
+                    </a:solidFill>
+                  </a:tcPr>
+                </a:tc>
+                <a:tc>
+                  <a:txBody>
+                    <a:bodyPr/>
+                    <a:lstStyle/>
+                    <a:p>
+                      <a:pPr fontAlgn="t"/>
+                      <a:r>
+                        <a:rPr lang="en-US" dirty="0">
+                          <a:effectLst/>
+                        </a:rPr>
+                        <a:t>int</a:t>
+                      </a:r>
+                    </a:p>
+                  </a:txBody>
+                  <a:tcPr marL="47625" marR="47625" marT="66675" marB="66675">
+                    <a:lnL w="9525" cap="flat" cmpd="sng" algn="ctr">
+                      <a:solidFill>
+                        <a:srgbClr val="D4D4D4"/>
+                      </a:solidFill>
+                      <a:prstDash val="solid"/>
+                      <a:round/>
+                      <a:headEnd type="none" w="med" len="med"/>
+                      <a:tailEnd type="none" w="med" len="med"/>
+                    </a:lnL>
+                    <a:lnR w="9525" cap="flat" cmpd="sng" algn="ctr">
+                      <a:solidFill>
+                        <a:srgbClr val="D4D4D4"/>
+                      </a:solidFill>
+                      <a:prstDash val="solid"/>
+                      <a:round/>
+                      <a:headEnd type="none" w="med" len="med"/>
+                      <a:tailEnd type="none" w="med" len="med"/>
+                    </a:lnR>
+                    <a:lnT w="9525" cap="flat" cmpd="sng" algn="ctr">
+                      <a:solidFill>
+                        <a:srgbClr val="D4D4D4"/>
+                      </a:solidFill>
+                      <a:prstDash val="solid"/>
+                      <a:round/>
+                      <a:headEnd type="none" w="med" len="med"/>
+                      <a:tailEnd type="none" w="med" len="med"/>
+                    </a:lnT>
+                    <a:lnB w="9525" cap="flat" cmpd="sng" algn="ctr">
+                      <a:solidFill>
+                        <a:srgbClr val="D4D4D4"/>
+                      </a:solidFill>
+                      <a:prstDash val="solid"/>
+                      <a:round/>
+                      <a:headEnd type="none" w="med" len="med"/>
+                      <a:tailEnd type="none" w="med" len="med"/>
+                    </a:lnB>
+                    <a:solidFill>
+                      <a:srgbClr val="FFFFFF"/>
+                    </a:solidFill>
+                  </a:tcPr>
+                </a:tc>
+                <a:extLst>
+                  <a:ext uri="{0D108BD9-81ED-4DB2-BD59-A6C34878D82A}">
+                    <a16:rowId xmlns:a16="http://schemas.microsoft.com/office/drawing/2014/main" val="2203252919"/>
+                  </a:ext>
+                </a:extLst>
+              </a:tr>
+              <a:tr h="0">
+                <a:tc>
+                  <a:txBody>
+                    <a:bodyPr/>
+                    <a:lstStyle/>
+                    <a:p>
+                      <a:pPr fontAlgn="t"/>
+                      <a:r>
+                        <a:rPr lang="zh-CN" altLang="en-US">
+                          <a:effectLst/>
+                        </a:rPr>
+                        <a:t>浮点型</a:t>
+                      </a:r>
+                    </a:p>
+                  </a:txBody>
+                  <a:tcPr marL="47625" marR="47625" marT="66675" marB="66675">
+                    <a:lnL w="9525" cap="flat" cmpd="sng" algn="ctr">
+                      <a:solidFill>
+                        <a:srgbClr val="D4D4D4"/>
+                      </a:solidFill>
+                      <a:prstDash val="solid"/>
+                      <a:round/>
+                      <a:headEnd type="none" w="med" len="med"/>
+                      <a:tailEnd type="none" w="med" len="med"/>
+                    </a:lnL>
+                    <a:lnR w="9525" cap="flat" cmpd="sng" algn="ctr">
+                      <a:solidFill>
+                        <a:srgbClr val="D4D4D4"/>
+                      </a:solidFill>
+                      <a:prstDash val="solid"/>
+                      <a:round/>
+                      <a:headEnd type="none" w="med" len="med"/>
+                      <a:tailEnd type="none" w="med" len="med"/>
+                    </a:lnR>
+                    <a:lnT w="9525" cap="flat" cmpd="sng" algn="ctr">
+                      <a:solidFill>
+                        <a:srgbClr val="D4D4D4"/>
+                      </a:solidFill>
+                      <a:prstDash val="solid"/>
+                      <a:round/>
+                      <a:headEnd type="none" w="med" len="med"/>
+                      <a:tailEnd type="none" w="med" len="med"/>
+                    </a:lnT>
+                    <a:lnB w="9525" cap="flat" cmpd="sng" algn="ctr">
+                      <a:solidFill>
+                        <a:srgbClr val="D4D4D4"/>
+                      </a:solidFill>
+                      <a:prstDash val="solid"/>
+                      <a:round/>
+                      <a:headEnd type="none" w="med" len="med"/>
+                      <a:tailEnd type="none" w="med" len="med"/>
+                    </a:lnB>
+                    <a:solidFill>
+                      <a:srgbClr val="F6F4F0"/>
+                    </a:solidFill>
+                  </a:tcPr>
+                </a:tc>
+                <a:tc>
+                  <a:txBody>
+                    <a:bodyPr/>
+                    <a:lstStyle/>
+                    <a:p>
+                      <a:pPr fontAlgn="t"/>
+                      <a:r>
+                        <a:rPr lang="en-US">
+                          <a:effectLst/>
+                        </a:rPr>
+                        <a:t>float</a:t>
+                      </a:r>
+                    </a:p>
+                  </a:txBody>
+                  <a:tcPr marL="47625" marR="47625" marT="66675" marB="66675">
+                    <a:lnL w="9525" cap="flat" cmpd="sng" algn="ctr">
+                      <a:solidFill>
+                        <a:srgbClr val="D4D4D4"/>
+                      </a:solidFill>
+                      <a:prstDash val="solid"/>
+                      <a:round/>
+                      <a:headEnd type="none" w="med" len="med"/>
+                      <a:tailEnd type="none" w="med" len="med"/>
+                    </a:lnL>
+                    <a:lnR w="9525" cap="flat" cmpd="sng" algn="ctr">
+                      <a:solidFill>
+                        <a:srgbClr val="D4D4D4"/>
+                      </a:solidFill>
+                      <a:prstDash val="solid"/>
+                      <a:round/>
+                      <a:headEnd type="none" w="med" len="med"/>
+                      <a:tailEnd type="none" w="med" len="med"/>
+                    </a:lnR>
+                    <a:lnT w="9525" cap="flat" cmpd="sng" algn="ctr">
+                      <a:solidFill>
+                        <a:srgbClr val="D4D4D4"/>
+                      </a:solidFill>
+                      <a:prstDash val="solid"/>
+                      <a:round/>
+                      <a:headEnd type="none" w="med" len="med"/>
+                      <a:tailEnd type="none" w="med" len="med"/>
+                    </a:lnT>
+                    <a:lnB w="9525" cap="flat" cmpd="sng" algn="ctr">
+                      <a:solidFill>
+                        <a:srgbClr val="D4D4D4"/>
+                      </a:solidFill>
+                      <a:prstDash val="solid"/>
+                      <a:round/>
+                      <a:headEnd type="none" w="med" len="med"/>
+                      <a:tailEnd type="none" w="med" len="med"/>
+                    </a:lnB>
+                    <a:solidFill>
+                      <a:srgbClr val="F6F4F0"/>
+                    </a:solidFill>
+                  </a:tcPr>
+                </a:tc>
+                <a:extLst>
+                  <a:ext uri="{0D108BD9-81ED-4DB2-BD59-A6C34878D82A}">
+                    <a16:rowId xmlns:a16="http://schemas.microsoft.com/office/drawing/2014/main" val="133402775"/>
+                  </a:ext>
+                </a:extLst>
+              </a:tr>
+              <a:tr h="0">
+                <a:tc>
+                  <a:txBody>
+                    <a:bodyPr/>
+                    <a:lstStyle/>
+                    <a:p>
+                      <a:pPr fontAlgn="t"/>
+                      <a:r>
+                        <a:rPr lang="zh-CN" altLang="en-US">
+                          <a:effectLst/>
+                        </a:rPr>
+                        <a:t>双浮点型</a:t>
+                      </a:r>
+                    </a:p>
+                  </a:txBody>
+                  <a:tcPr marL="47625" marR="47625" marT="66675" marB="66675">
+                    <a:lnL w="9525" cap="flat" cmpd="sng" algn="ctr">
+                      <a:solidFill>
+                        <a:srgbClr val="D4D4D4"/>
+                      </a:solidFill>
+                      <a:prstDash val="solid"/>
+                      <a:round/>
+                      <a:headEnd type="none" w="med" len="med"/>
+                      <a:tailEnd type="none" w="med" len="med"/>
+                    </a:lnL>
+                    <a:lnR w="9525" cap="flat" cmpd="sng" algn="ctr">
+                      <a:solidFill>
+                        <a:srgbClr val="D4D4D4"/>
+                      </a:solidFill>
+                      <a:prstDash val="solid"/>
+                      <a:round/>
+                      <a:headEnd type="none" w="med" len="med"/>
+                      <a:tailEnd type="none" w="med" len="med"/>
+                    </a:lnR>
+                    <a:lnT w="9525" cap="flat" cmpd="sng" algn="ctr">
+                      <a:solidFill>
+                        <a:srgbClr val="D4D4D4"/>
+                      </a:solidFill>
+                      <a:prstDash val="solid"/>
+                      <a:round/>
+                      <a:headEnd type="none" w="med" len="med"/>
+                      <a:tailEnd type="none" w="med" len="med"/>
+                    </a:lnT>
+                    <a:lnB w="9525" cap="flat" cmpd="sng" algn="ctr">
+                      <a:solidFill>
+                        <a:srgbClr val="D4D4D4"/>
+                      </a:solidFill>
+                      <a:prstDash val="solid"/>
+                      <a:round/>
+                      <a:headEnd type="none" w="med" len="med"/>
+                      <a:tailEnd type="none" w="med" len="med"/>
+                    </a:lnB>
+                    <a:solidFill>
+                      <a:srgbClr val="FFFFFF"/>
+                    </a:solidFill>
+                  </a:tcPr>
+                </a:tc>
+                <a:tc>
+                  <a:txBody>
+                    <a:bodyPr/>
+                    <a:lstStyle/>
+                    <a:p>
+                      <a:pPr fontAlgn="t"/>
+                      <a:r>
+                        <a:rPr lang="en-US">
+                          <a:effectLst/>
+                        </a:rPr>
+                        <a:t>double</a:t>
+                      </a:r>
+                    </a:p>
+                  </a:txBody>
+                  <a:tcPr marL="47625" marR="47625" marT="66675" marB="66675">
+                    <a:lnL w="9525" cap="flat" cmpd="sng" algn="ctr">
+                      <a:solidFill>
+                        <a:srgbClr val="D4D4D4"/>
+                      </a:solidFill>
+                      <a:prstDash val="solid"/>
+                      <a:round/>
+                      <a:headEnd type="none" w="med" len="med"/>
+                      <a:tailEnd type="none" w="med" len="med"/>
+                    </a:lnL>
+                    <a:lnR w="9525" cap="flat" cmpd="sng" algn="ctr">
+                      <a:solidFill>
+                        <a:srgbClr val="D4D4D4"/>
+                      </a:solidFill>
+                      <a:prstDash val="solid"/>
+                      <a:round/>
+                      <a:headEnd type="none" w="med" len="med"/>
+                      <a:tailEnd type="none" w="med" len="med"/>
+                    </a:lnR>
+                    <a:lnT w="9525" cap="flat" cmpd="sng" algn="ctr">
+                      <a:solidFill>
+                        <a:srgbClr val="D4D4D4"/>
+                      </a:solidFill>
+                      <a:prstDash val="solid"/>
+                      <a:round/>
+                      <a:headEnd type="none" w="med" len="med"/>
+                      <a:tailEnd type="none" w="med" len="med"/>
+                    </a:lnT>
+                    <a:lnB w="9525" cap="flat" cmpd="sng" algn="ctr">
+                      <a:solidFill>
+                        <a:srgbClr val="D4D4D4"/>
+                      </a:solidFill>
+                      <a:prstDash val="solid"/>
+                      <a:round/>
+                      <a:headEnd type="none" w="med" len="med"/>
+                      <a:tailEnd type="none" w="med" len="med"/>
+                    </a:lnB>
+                    <a:solidFill>
+                      <a:srgbClr val="FFFFFF"/>
+                    </a:solidFill>
+                  </a:tcPr>
+                </a:tc>
+                <a:extLst>
+                  <a:ext uri="{0D108BD9-81ED-4DB2-BD59-A6C34878D82A}">
+                    <a16:rowId xmlns:a16="http://schemas.microsoft.com/office/drawing/2014/main" val="3288626525"/>
+                  </a:ext>
+                </a:extLst>
+              </a:tr>
+              <a:tr h="0">
+                <a:tc>
+                  <a:txBody>
+                    <a:bodyPr/>
+                    <a:lstStyle/>
+                    <a:p>
+                      <a:pPr fontAlgn="t"/>
+                      <a:r>
+                        <a:rPr lang="zh-CN" altLang="en-US">
+                          <a:effectLst/>
+                        </a:rPr>
+                        <a:t>无类型</a:t>
+                      </a:r>
+                    </a:p>
+                  </a:txBody>
+                  <a:tcPr marL="47625" marR="47625" marT="66675" marB="66675">
+                    <a:lnL w="9525" cap="flat" cmpd="sng" algn="ctr">
+                      <a:solidFill>
+                        <a:srgbClr val="D4D4D4"/>
+                      </a:solidFill>
+                      <a:prstDash val="solid"/>
+                      <a:round/>
+                      <a:headEnd type="none" w="med" len="med"/>
+                      <a:tailEnd type="none" w="med" len="med"/>
+                    </a:lnL>
+                    <a:lnR w="9525" cap="flat" cmpd="sng" algn="ctr">
+                      <a:solidFill>
+                        <a:srgbClr val="D4D4D4"/>
+                      </a:solidFill>
+                      <a:prstDash val="solid"/>
+                      <a:round/>
+                      <a:headEnd type="none" w="med" len="med"/>
+                      <a:tailEnd type="none" w="med" len="med"/>
+                    </a:lnR>
+                    <a:lnT w="9525" cap="flat" cmpd="sng" algn="ctr">
+                      <a:solidFill>
+                        <a:srgbClr val="D4D4D4"/>
+                      </a:solidFill>
+                      <a:prstDash val="solid"/>
+                      <a:round/>
+                      <a:headEnd type="none" w="med" len="med"/>
+                      <a:tailEnd type="none" w="med" len="med"/>
+                    </a:lnT>
+                    <a:lnB w="9525" cap="flat" cmpd="sng" algn="ctr">
+                      <a:solidFill>
+                        <a:srgbClr val="D4D4D4"/>
+                      </a:solidFill>
+                      <a:prstDash val="solid"/>
+                      <a:round/>
+                      <a:headEnd type="none" w="med" len="med"/>
+                      <a:tailEnd type="none" w="med" len="med"/>
+                    </a:lnB>
+                    <a:solidFill>
+                      <a:srgbClr val="F6F4F0"/>
+                    </a:solidFill>
+                  </a:tcPr>
+                </a:tc>
+                <a:tc>
+                  <a:txBody>
+                    <a:bodyPr/>
+                    <a:lstStyle/>
+                    <a:p>
+                      <a:pPr fontAlgn="t"/>
+                      <a:r>
+                        <a:rPr lang="en-US">
+                          <a:effectLst/>
+                        </a:rPr>
+                        <a:t>void</a:t>
+                      </a:r>
+                    </a:p>
+                  </a:txBody>
+                  <a:tcPr marL="47625" marR="47625" marT="66675" marB="66675">
+                    <a:lnL w="9525" cap="flat" cmpd="sng" algn="ctr">
+                      <a:solidFill>
+                        <a:srgbClr val="D4D4D4"/>
+                      </a:solidFill>
+                      <a:prstDash val="solid"/>
+                      <a:round/>
+                      <a:headEnd type="none" w="med" len="med"/>
+                      <a:tailEnd type="none" w="med" len="med"/>
+                    </a:lnL>
+                    <a:lnR w="9525" cap="flat" cmpd="sng" algn="ctr">
+                      <a:solidFill>
+                        <a:srgbClr val="D4D4D4"/>
+                      </a:solidFill>
+                      <a:prstDash val="solid"/>
+                      <a:round/>
+                      <a:headEnd type="none" w="med" len="med"/>
+                      <a:tailEnd type="none" w="med" len="med"/>
+                    </a:lnR>
+                    <a:lnT w="9525" cap="flat" cmpd="sng" algn="ctr">
+                      <a:solidFill>
+                        <a:srgbClr val="D4D4D4"/>
+                      </a:solidFill>
+                      <a:prstDash val="solid"/>
+                      <a:round/>
+                      <a:headEnd type="none" w="med" len="med"/>
+                      <a:tailEnd type="none" w="med" len="med"/>
+                    </a:lnT>
+                    <a:lnB w="9525" cap="flat" cmpd="sng" algn="ctr">
+                      <a:solidFill>
+                        <a:srgbClr val="D4D4D4"/>
+                      </a:solidFill>
+                      <a:prstDash val="solid"/>
+                      <a:round/>
+                      <a:headEnd type="none" w="med" len="med"/>
+                      <a:tailEnd type="none" w="med" len="med"/>
+                    </a:lnB>
+                    <a:solidFill>
+                      <a:srgbClr val="F6F4F0"/>
+                    </a:solidFill>
+                  </a:tcPr>
+                </a:tc>
+                <a:extLst>
+                  <a:ext uri="{0D108BD9-81ED-4DB2-BD59-A6C34878D82A}">
+                    <a16:rowId xmlns:a16="http://schemas.microsoft.com/office/drawing/2014/main" val="2030566939"/>
+                  </a:ext>
+                </a:extLst>
+              </a:tr>
+              <a:tr h="0">
+                <a:tc>
+                  <a:txBody>
+                    <a:bodyPr/>
+                    <a:lstStyle/>
+                    <a:p>
+                      <a:pPr fontAlgn="t"/>
+                      <a:r>
+                        <a:rPr lang="zh-CN" altLang="en-US">
+                          <a:effectLst/>
+                        </a:rPr>
+                        <a:t>宽字符型</a:t>
+                      </a:r>
+                    </a:p>
+                  </a:txBody>
+                  <a:tcPr marL="47625" marR="47625" marT="66675" marB="66675">
+                    <a:lnL w="9525" cap="flat" cmpd="sng" algn="ctr">
+                      <a:solidFill>
+                        <a:srgbClr val="D4D4D4"/>
+                      </a:solidFill>
+                      <a:prstDash val="solid"/>
+                      <a:round/>
+                      <a:headEnd type="none" w="med" len="med"/>
+                      <a:tailEnd type="none" w="med" len="med"/>
+                    </a:lnL>
+                    <a:lnR w="9525" cap="flat" cmpd="sng" algn="ctr">
+                      <a:solidFill>
+                        <a:srgbClr val="D4D4D4"/>
+                      </a:solidFill>
+                      <a:prstDash val="solid"/>
+                      <a:round/>
+                      <a:headEnd type="none" w="med" len="med"/>
+                      <a:tailEnd type="none" w="med" len="med"/>
+                    </a:lnR>
+                    <a:lnT w="9525" cap="flat" cmpd="sng" algn="ctr">
+                      <a:solidFill>
+                        <a:srgbClr val="D4D4D4"/>
+                      </a:solidFill>
+                      <a:prstDash val="solid"/>
+                      <a:round/>
+                      <a:headEnd type="none" w="med" len="med"/>
+                      <a:tailEnd type="none" w="med" len="med"/>
+                    </a:lnT>
+                    <a:lnB w="9525" cap="flat" cmpd="sng" algn="ctr">
+                      <a:solidFill>
+                        <a:srgbClr val="D4D4D4"/>
+                      </a:solidFill>
+                      <a:prstDash val="solid"/>
+                      <a:round/>
+                      <a:headEnd type="none" w="med" len="med"/>
+                      <a:tailEnd type="none" w="med" len="med"/>
+                    </a:lnB>
+                    <a:solidFill>
+                      <a:srgbClr val="FFFFFF"/>
+                    </a:solidFill>
+                  </a:tcPr>
+                </a:tc>
+                <a:tc>
+                  <a:txBody>
+                    <a:bodyPr/>
+                    <a:lstStyle/>
+                    <a:p>
+                      <a:pPr fontAlgn="t"/>
+                      <a:r>
+                        <a:rPr lang="en-US" dirty="0" err="1">
+                          <a:effectLst/>
+                        </a:rPr>
+                        <a:t>wchar_t</a:t>
+                      </a:r>
+                      <a:endParaRPr lang="en-US" dirty="0">
+                        <a:effectLst/>
+                      </a:endParaRPr>
+                    </a:p>
+                  </a:txBody>
+                  <a:tcPr marL="47625" marR="47625" marT="66675" marB="66675">
+                    <a:lnL w="9525" cap="flat" cmpd="sng" algn="ctr">
+                      <a:solidFill>
+                        <a:srgbClr val="D4D4D4"/>
+                      </a:solidFill>
+                      <a:prstDash val="solid"/>
+                      <a:round/>
+                      <a:headEnd type="none" w="med" len="med"/>
+                      <a:tailEnd type="none" w="med" len="med"/>
+                    </a:lnL>
+                    <a:lnR w="9525" cap="flat" cmpd="sng" algn="ctr">
+                      <a:solidFill>
+                        <a:srgbClr val="D4D4D4"/>
+                      </a:solidFill>
+                      <a:prstDash val="solid"/>
+                      <a:round/>
+                      <a:headEnd type="none" w="med" len="med"/>
+                      <a:tailEnd type="none" w="med" len="med"/>
+                    </a:lnR>
+                    <a:lnT w="9525" cap="flat" cmpd="sng" algn="ctr">
+                      <a:solidFill>
+                        <a:srgbClr val="D4D4D4"/>
+                      </a:solidFill>
+                      <a:prstDash val="solid"/>
+                      <a:round/>
+                      <a:headEnd type="none" w="med" len="med"/>
+                      <a:tailEnd type="none" w="med" len="med"/>
+                    </a:lnT>
+                    <a:lnB w="9525" cap="flat" cmpd="sng" algn="ctr">
+                      <a:solidFill>
+                        <a:srgbClr val="D4D4D4"/>
+                      </a:solidFill>
+                      <a:prstDash val="solid"/>
+                      <a:round/>
+                      <a:headEnd type="none" w="med" len="med"/>
+                      <a:tailEnd type="none" w="med" len="med"/>
+                    </a:lnB>
+                    <a:solidFill>
+                      <a:srgbClr val="FFFFFF"/>
+                    </a:solidFill>
+                  </a:tcPr>
+                </a:tc>
+                <a:extLst>
+                  <a:ext uri="{0D108BD9-81ED-4DB2-BD59-A6C34878D82A}">
+                    <a16:rowId xmlns:a16="http://schemas.microsoft.com/office/drawing/2014/main" val="1516967983"/>
+                  </a:ext>
+                </a:extLst>
+              </a:tr>
+            </a:tbl>
+          </a:graphicData>
+        </a:graphic>
+      </p:graphicFrame>
+    </p:spTree>
+    <p:extLst>
+      <p:ext uri="{BB962C8B-B14F-4D97-AF65-F5344CB8AC3E}">
+        <p14:creationId xmlns:p14="http://schemas.microsoft.com/office/powerpoint/2010/main" val="351669958"/>
+      </p:ext>
+    </p:extLst>
+  </p:cSld>
+  <p:clrMapOvr>
+    <a:masterClrMapping/>
+  </p:clrMapOvr>
+</p:sld>
+</file>
+
+<file path=ppt/slides/slide7.xml><?xml version="1.0" encoding="utf-8"?>
 <p:sld xmlns:a="http://schemas.openxmlformats.org/drawingml/2006/main" xmlns:r="http://schemas.openxmlformats.org/officeDocument/2006/relationships" xmlns:p="http://schemas.openxmlformats.org/presentationml/2006/main">
   <p:cSld>
     <p:spTree>
@@ -9774,7 +15452,9 @@
             <a:ext cx="1371600" cy="1190467"/>
           </a:xfrm>
           <a:prstGeom prst="roundRect">
-            <a:avLst/>
+            <a:avLst>
+              <a:gd name="adj" fmla="val 40234"/>
+            </a:avLst>
           </a:prstGeom>
           <a:solidFill>
             <a:schemeClr val="accent4">
@@ -9822,6 +15502,366 @@
           </a:p>
         </p:txBody>
       </p:sp>
+      <p:sp>
+        <p:nvSpPr>
+          <p:cNvPr id="3" name="矩形: 圆角 2"/>
+          <p:cNvSpPr/>
+          <p:nvPr/>
+        </p:nvSpPr>
+        <p:spPr>
+          <a:xfrm>
+            <a:off x="1451579" y="2408130"/>
+            <a:ext cx="1832265" cy="379585"/>
+          </a:xfrm>
+          <a:prstGeom prst="roundRect">
+            <a:avLst/>
+          </a:prstGeom>
+          <a:solidFill>
+            <a:schemeClr val="tx2">
+              <a:lumMod val="40000"/>
+              <a:lumOff val="60000"/>
+            </a:schemeClr>
+          </a:solidFill>
+          <a:ln>
+            <a:noFill/>
+          </a:ln>
+          <a:effectLst>
+            <a:outerShdw blurRad="50800" dist="38100" dir="13500000" algn="br" rotWithShape="0">
+              <a:prstClr val="black">
+                <a:alpha val="40000"/>
+              </a:prstClr>
+            </a:outerShdw>
+          </a:effectLst>
+        </p:spPr>
+        <p:style>
+          <a:lnRef idx="2">
+            <a:schemeClr val="accent1">
+              <a:shade val="50000"/>
+            </a:schemeClr>
+          </a:lnRef>
+          <a:fillRef idx="1">
+            <a:schemeClr val="accent1"/>
+          </a:fillRef>
+          <a:effectRef idx="0">
+            <a:schemeClr val="accent1"/>
+          </a:effectRef>
+          <a:fontRef idx="minor">
+            <a:schemeClr val="lt1"/>
+          </a:fontRef>
+        </p:style>
+        <p:txBody>
+          <a:bodyPr rtlCol="0" anchor="ctr"/>
+          <a:lstStyle/>
+          <a:p>
+            <a:pPr algn="ctr"/>
+            <a:r>
+              <a:rPr lang="en-US" altLang="zh-CN" dirty="0"/>
+              <a:t>unsigned int</a:t>
+            </a:r>
+            <a:endParaRPr lang="zh-CN" altLang="en-US" dirty="0"/>
+          </a:p>
+        </p:txBody>
+      </p:sp>
+      <p:sp>
+        <p:nvSpPr>
+          <p:cNvPr id="17" name="矩形: 圆角 16"/>
+          <p:cNvSpPr/>
+          <p:nvPr/>
+        </p:nvSpPr>
+        <p:spPr>
+          <a:xfrm>
+            <a:off x="1686791" y="3245366"/>
+            <a:ext cx="1832265" cy="379585"/>
+          </a:xfrm>
+          <a:prstGeom prst="roundRect">
+            <a:avLst/>
+          </a:prstGeom>
+          <a:solidFill>
+            <a:schemeClr val="tx2">
+              <a:lumMod val="40000"/>
+              <a:lumOff val="60000"/>
+            </a:schemeClr>
+          </a:solidFill>
+          <a:ln>
+            <a:noFill/>
+          </a:ln>
+          <a:effectLst>
+            <a:outerShdw blurRad="50800" dist="38100" dir="13500000" algn="br" rotWithShape="0">
+              <a:prstClr val="black">
+                <a:alpha val="40000"/>
+              </a:prstClr>
+            </a:outerShdw>
+          </a:effectLst>
+        </p:spPr>
+        <p:style>
+          <a:lnRef idx="2">
+            <a:schemeClr val="accent1">
+              <a:shade val="50000"/>
+            </a:schemeClr>
+          </a:lnRef>
+          <a:fillRef idx="1">
+            <a:schemeClr val="accent1"/>
+          </a:fillRef>
+          <a:effectRef idx="0">
+            <a:schemeClr val="accent1"/>
+          </a:effectRef>
+          <a:fontRef idx="minor">
+            <a:schemeClr val="lt1"/>
+          </a:fontRef>
+        </p:style>
+        <p:txBody>
+          <a:bodyPr rtlCol="0" anchor="ctr"/>
+          <a:lstStyle/>
+          <a:p>
+            <a:pPr algn="ctr"/>
+            <a:r>
+              <a:rPr lang="en-US" altLang="zh-CN" dirty="0"/>
+              <a:t>long</a:t>
+            </a:r>
+            <a:endParaRPr lang="zh-CN" altLang="en-US" dirty="0"/>
+          </a:p>
+        </p:txBody>
+      </p:sp>
+      <p:sp>
+        <p:nvSpPr>
+          <p:cNvPr id="18" name="矩形: 圆角 17"/>
+          <p:cNvSpPr/>
+          <p:nvPr/>
+        </p:nvSpPr>
+        <p:spPr>
+          <a:xfrm>
+            <a:off x="8628234" y="2218338"/>
+            <a:ext cx="1832265" cy="379585"/>
+          </a:xfrm>
+          <a:prstGeom prst="roundRect">
+            <a:avLst/>
+          </a:prstGeom>
+          <a:solidFill>
+            <a:schemeClr val="tx2">
+              <a:lumMod val="40000"/>
+              <a:lumOff val="60000"/>
+            </a:schemeClr>
+          </a:solidFill>
+          <a:ln>
+            <a:noFill/>
+          </a:ln>
+          <a:effectLst>
+            <a:outerShdw blurRad="50800" dist="38100" dir="13500000" algn="br" rotWithShape="0">
+              <a:prstClr val="black">
+                <a:alpha val="40000"/>
+              </a:prstClr>
+            </a:outerShdw>
+          </a:effectLst>
+        </p:spPr>
+        <p:style>
+          <a:lnRef idx="2">
+            <a:schemeClr val="accent1">
+              <a:shade val="50000"/>
+            </a:schemeClr>
+          </a:lnRef>
+          <a:fillRef idx="1">
+            <a:schemeClr val="accent1"/>
+          </a:fillRef>
+          <a:effectRef idx="0">
+            <a:schemeClr val="accent1"/>
+          </a:effectRef>
+          <a:fontRef idx="minor">
+            <a:schemeClr val="lt1"/>
+          </a:fontRef>
+        </p:style>
+        <p:txBody>
+          <a:bodyPr rtlCol="0" anchor="ctr"/>
+          <a:lstStyle/>
+          <a:p>
+            <a:pPr algn="ctr"/>
+            <a:r>
+              <a:rPr lang="en-US" altLang="zh-CN" dirty="0"/>
+              <a:t>char</a:t>
+            </a:r>
+            <a:endParaRPr lang="zh-CN" altLang="en-US" dirty="0"/>
+          </a:p>
+        </p:txBody>
+      </p:sp>
+      <p:sp>
+        <p:nvSpPr>
+          <p:cNvPr id="19" name="矩形: 圆角 18"/>
+          <p:cNvSpPr/>
+          <p:nvPr/>
+        </p:nvSpPr>
+        <p:spPr>
+          <a:xfrm>
+            <a:off x="8534404" y="2960385"/>
+            <a:ext cx="1832265" cy="379585"/>
+          </a:xfrm>
+          <a:prstGeom prst="roundRect">
+            <a:avLst/>
+          </a:prstGeom>
+          <a:solidFill>
+            <a:schemeClr val="tx2">
+              <a:lumMod val="40000"/>
+              <a:lumOff val="60000"/>
+            </a:schemeClr>
+          </a:solidFill>
+          <a:ln>
+            <a:noFill/>
+          </a:ln>
+          <a:effectLst>
+            <a:outerShdw blurRad="50800" dist="38100" dir="13500000" algn="br" rotWithShape="0">
+              <a:prstClr val="black">
+                <a:alpha val="40000"/>
+              </a:prstClr>
+            </a:outerShdw>
+          </a:effectLst>
+        </p:spPr>
+        <p:style>
+          <a:lnRef idx="2">
+            <a:schemeClr val="accent1">
+              <a:shade val="50000"/>
+            </a:schemeClr>
+          </a:lnRef>
+          <a:fillRef idx="1">
+            <a:schemeClr val="accent1"/>
+          </a:fillRef>
+          <a:effectRef idx="0">
+            <a:schemeClr val="accent1"/>
+          </a:effectRef>
+          <a:fontRef idx="minor">
+            <a:schemeClr val="lt1"/>
+          </a:fontRef>
+        </p:style>
+        <p:txBody>
+          <a:bodyPr rtlCol="0" anchor="ctr"/>
+          <a:lstStyle/>
+          <a:p>
+            <a:pPr algn="ctr"/>
+            <a:r>
+              <a:rPr lang="en-US" altLang="zh-CN" dirty="0"/>
+              <a:t>bool</a:t>
+            </a:r>
+            <a:endParaRPr lang="zh-CN" altLang="en-US" dirty="0"/>
+          </a:p>
+        </p:txBody>
+      </p:sp>
+      <p:sp>
+        <p:nvSpPr>
+          <p:cNvPr id="20" name="矩形: 圆角 19"/>
+          <p:cNvSpPr/>
+          <p:nvPr/>
+        </p:nvSpPr>
+        <p:spPr>
+          <a:xfrm>
+            <a:off x="8721752" y="3741436"/>
+            <a:ext cx="1832265" cy="379585"/>
+          </a:xfrm>
+          <a:prstGeom prst="roundRect">
+            <a:avLst/>
+          </a:prstGeom>
+          <a:solidFill>
+            <a:schemeClr val="tx2">
+              <a:lumMod val="40000"/>
+              <a:lumOff val="60000"/>
+            </a:schemeClr>
+          </a:solidFill>
+          <a:ln>
+            <a:noFill/>
+          </a:ln>
+          <a:effectLst>
+            <a:outerShdw blurRad="50800" dist="38100" dir="13500000" algn="br" rotWithShape="0">
+              <a:prstClr val="black">
+                <a:alpha val="40000"/>
+              </a:prstClr>
+            </a:outerShdw>
+          </a:effectLst>
+        </p:spPr>
+        <p:style>
+          <a:lnRef idx="2">
+            <a:schemeClr val="accent1">
+              <a:shade val="50000"/>
+            </a:schemeClr>
+          </a:lnRef>
+          <a:fillRef idx="1">
+            <a:schemeClr val="accent1"/>
+          </a:fillRef>
+          <a:effectRef idx="0">
+            <a:schemeClr val="accent1"/>
+          </a:effectRef>
+          <a:fontRef idx="minor">
+            <a:schemeClr val="lt1"/>
+          </a:fontRef>
+        </p:style>
+        <p:txBody>
+          <a:bodyPr rtlCol="0" anchor="ctr"/>
+          <a:lstStyle/>
+          <a:p>
+            <a:pPr algn="ctr"/>
+            <a:r>
+              <a:rPr lang="en-US" altLang="zh-CN" dirty="0"/>
+              <a:t>double</a:t>
+            </a:r>
+            <a:endParaRPr lang="zh-CN" altLang="en-US" dirty="0"/>
+          </a:p>
+        </p:txBody>
+      </p:sp>
+      <p:sp>
+        <p:nvSpPr>
+          <p:cNvPr id="21" name="矩形: 圆角 20"/>
+          <p:cNvSpPr/>
+          <p:nvPr/>
+        </p:nvSpPr>
+        <p:spPr>
+          <a:xfrm>
+            <a:off x="1374908" y="4082603"/>
+            <a:ext cx="1832265" cy="379585"/>
+          </a:xfrm>
+          <a:prstGeom prst="roundRect">
+            <a:avLst/>
+          </a:prstGeom>
+          <a:solidFill>
+            <a:schemeClr val="tx2">
+              <a:lumMod val="40000"/>
+              <a:lumOff val="60000"/>
+            </a:schemeClr>
+          </a:solidFill>
+          <a:ln>
+            <a:noFill/>
+          </a:ln>
+          <a:effectLst>
+            <a:outerShdw blurRad="50800" dist="38100" dir="13500000" algn="br" rotWithShape="0">
+              <a:prstClr val="black">
+                <a:alpha val="40000"/>
+              </a:prstClr>
+            </a:outerShdw>
+          </a:effectLst>
+        </p:spPr>
+        <p:style>
+          <a:lnRef idx="2">
+            <a:schemeClr val="accent1">
+              <a:shade val="50000"/>
+            </a:schemeClr>
+          </a:lnRef>
+          <a:fillRef idx="1">
+            <a:schemeClr val="accent1"/>
+          </a:fillRef>
+          <a:effectRef idx="0">
+            <a:schemeClr val="accent1"/>
+          </a:effectRef>
+          <a:fontRef idx="minor">
+            <a:schemeClr val="lt1"/>
+          </a:fontRef>
+        </p:style>
+        <p:txBody>
+          <a:bodyPr rtlCol="0" anchor="ctr"/>
+          <a:lstStyle/>
+          <a:p>
+            <a:pPr algn="ctr"/>
+            <a:r>
+              <a:rPr lang="en-US" altLang="zh-CN" dirty="0"/>
+              <a:t>short</a:t>
+            </a:r>
+            <a:endParaRPr lang="zh-CN" altLang="en-US" dirty="0"/>
+          </a:p>
+        </p:txBody>
+      </p:sp>
     </p:spTree>
     <p:extLst>
       <p:ext uri="{BB962C8B-B14F-4D97-AF65-F5344CB8AC3E}">
@@ -9832,10 +15872,228 @@
   <p:clrMapOvr>
     <a:masterClrMapping/>
   </p:clrMapOvr>
+  <p:timing>
+    <p:tnLst>
+      <p:par>
+        <p:cTn id="1" dur="indefinite" restart="never" nodeType="tmRoot">
+          <p:childTnLst>
+            <p:seq concurrent="1" nextAc="seek">
+              <p:cTn id="2" dur="indefinite" nodeType="mainSeq">
+                <p:childTnLst>
+                  <p:par>
+                    <p:cTn id="3" fill="hold">
+                      <p:stCondLst>
+                        <p:cond delay="indefinite"/>
+                      </p:stCondLst>
+                      <p:childTnLst>
+                        <p:par>
+                          <p:cTn id="4" fill="hold">
+                            <p:stCondLst>
+                              <p:cond delay="0"/>
+                            </p:stCondLst>
+                            <p:childTnLst>
+                              <p:par>
+                                <p:cTn id="5" presetID="1" presetClass="entr" presetSubtype="0" fill="hold" grpId="0" nodeType="clickEffect">
+                                  <p:stCondLst>
+                                    <p:cond delay="0"/>
+                                  </p:stCondLst>
+                                  <p:childTnLst>
+                                    <p:set>
+                                      <p:cBhvr>
+                                        <p:cTn id="6" dur="1" fill="hold">
+                                          <p:stCondLst>
+                                            <p:cond delay="0"/>
+                                          </p:stCondLst>
+                                        </p:cTn>
+                                        <p:tgtEl>
+                                          <p:spTgt spid="17"/>
+                                        </p:tgtEl>
+                                        <p:attrNameLst>
+                                          <p:attrName>style.visibility</p:attrName>
+                                        </p:attrNameLst>
+                                      </p:cBhvr>
+                                      <p:to>
+                                        <p:strVal val="visible"/>
+                                      </p:to>
+                                    </p:set>
+                                  </p:childTnLst>
+                                </p:cTn>
+                              </p:par>
+                              <p:par>
+                                <p:cTn id="7" presetID="1" presetClass="entr" presetSubtype="0" fill="hold" grpId="0" nodeType="withEffect">
+                                  <p:stCondLst>
+                                    <p:cond delay="0"/>
+                                  </p:stCondLst>
+                                  <p:childTnLst>
+                                    <p:set>
+                                      <p:cBhvr>
+                                        <p:cTn id="8" dur="1" fill="hold">
+                                          <p:stCondLst>
+                                            <p:cond delay="0"/>
+                                          </p:stCondLst>
+                                        </p:cTn>
+                                        <p:tgtEl>
+                                          <p:spTgt spid="21"/>
+                                        </p:tgtEl>
+                                        <p:attrNameLst>
+                                          <p:attrName>style.visibility</p:attrName>
+                                        </p:attrNameLst>
+                                      </p:cBhvr>
+                                      <p:to>
+                                        <p:strVal val="visible"/>
+                                      </p:to>
+                                    </p:set>
+                                  </p:childTnLst>
+                                </p:cTn>
+                              </p:par>
+                              <p:par>
+                                <p:cTn id="9" presetID="1" presetClass="entr" presetSubtype="0" fill="hold" grpId="0" nodeType="withEffect">
+                                  <p:stCondLst>
+                                    <p:cond delay="0"/>
+                                  </p:stCondLst>
+                                  <p:childTnLst>
+                                    <p:set>
+                                      <p:cBhvr>
+                                        <p:cTn id="10" dur="1" fill="hold">
+                                          <p:stCondLst>
+                                            <p:cond delay="0"/>
+                                          </p:stCondLst>
+                                        </p:cTn>
+                                        <p:tgtEl>
+                                          <p:spTgt spid="3"/>
+                                        </p:tgtEl>
+                                        <p:attrNameLst>
+                                          <p:attrName>style.visibility</p:attrName>
+                                        </p:attrNameLst>
+                                      </p:cBhvr>
+                                      <p:to>
+                                        <p:strVal val="visible"/>
+                                      </p:to>
+                                    </p:set>
+                                  </p:childTnLst>
+                                </p:cTn>
+                              </p:par>
+                              <p:par>
+                                <p:cTn id="11" presetID="1" presetClass="entr" presetSubtype="0" fill="hold" grpId="0" nodeType="withEffect">
+                                  <p:stCondLst>
+                                    <p:cond delay="0"/>
+                                  </p:stCondLst>
+                                  <p:childTnLst>
+                                    <p:set>
+                                      <p:cBhvr>
+                                        <p:cTn id="12" dur="1" fill="hold">
+                                          <p:stCondLst>
+                                            <p:cond delay="0"/>
+                                          </p:stCondLst>
+                                        </p:cTn>
+                                        <p:tgtEl>
+                                          <p:spTgt spid="18"/>
+                                        </p:tgtEl>
+                                        <p:attrNameLst>
+                                          <p:attrName>style.visibility</p:attrName>
+                                        </p:attrNameLst>
+                                      </p:cBhvr>
+                                      <p:to>
+                                        <p:strVal val="visible"/>
+                                      </p:to>
+                                    </p:set>
+                                  </p:childTnLst>
+                                </p:cTn>
+                              </p:par>
+                              <p:par>
+                                <p:cTn id="13" presetID="1" presetClass="entr" presetSubtype="0" fill="hold" grpId="0" nodeType="withEffect">
+                                  <p:stCondLst>
+                                    <p:cond delay="0"/>
+                                  </p:stCondLst>
+                                  <p:childTnLst>
+                                    <p:set>
+                                      <p:cBhvr>
+                                        <p:cTn id="14" dur="1" fill="hold">
+                                          <p:stCondLst>
+                                            <p:cond delay="0"/>
+                                          </p:stCondLst>
+                                        </p:cTn>
+                                        <p:tgtEl>
+                                          <p:spTgt spid="19"/>
+                                        </p:tgtEl>
+                                        <p:attrNameLst>
+                                          <p:attrName>style.visibility</p:attrName>
+                                        </p:attrNameLst>
+                                      </p:cBhvr>
+                                      <p:to>
+                                        <p:strVal val="visible"/>
+                                      </p:to>
+                                    </p:set>
+                                  </p:childTnLst>
+                                </p:cTn>
+                              </p:par>
+                              <p:par>
+                                <p:cTn id="15" presetID="1" presetClass="entr" presetSubtype="0" fill="hold" grpId="0" nodeType="withEffect">
+                                  <p:stCondLst>
+                                    <p:cond delay="0"/>
+                                  </p:stCondLst>
+                                  <p:childTnLst>
+                                    <p:set>
+                                      <p:cBhvr>
+                                        <p:cTn id="16" dur="1" fill="hold">
+                                          <p:stCondLst>
+                                            <p:cond delay="0"/>
+                                          </p:stCondLst>
+                                        </p:cTn>
+                                        <p:tgtEl>
+                                          <p:spTgt spid="20"/>
+                                        </p:tgtEl>
+                                        <p:attrNameLst>
+                                          <p:attrName>style.visibility</p:attrName>
+                                        </p:attrNameLst>
+                                      </p:cBhvr>
+                                      <p:to>
+                                        <p:strVal val="visible"/>
+                                      </p:to>
+                                    </p:set>
+                                  </p:childTnLst>
+                                </p:cTn>
+                              </p:par>
+                            </p:childTnLst>
+                          </p:cTn>
+                        </p:par>
+                      </p:childTnLst>
+                    </p:cTn>
+                  </p:par>
+                </p:childTnLst>
+              </p:cTn>
+              <p:prevCondLst>
+                <p:cond evt="onPrev" delay="0">
+                  <p:tgtEl>
+                    <p:sldTgt/>
+                  </p:tgtEl>
+                </p:cond>
+              </p:prevCondLst>
+              <p:nextCondLst>
+                <p:cond evt="onNext" delay="0">
+                  <p:tgtEl>
+                    <p:sldTgt/>
+                  </p:tgtEl>
+                </p:cond>
+              </p:nextCondLst>
+            </p:seq>
+          </p:childTnLst>
+        </p:cTn>
+      </p:par>
+    </p:tnLst>
+    <p:bldLst>
+      <p:bldP spid="3" grpId="0" animBg="1"/>
+      <p:bldP spid="17" grpId="0" animBg="1"/>
+      <p:bldP spid="18" grpId="0" animBg="1"/>
+      <p:bldP spid="19" grpId="0" animBg="1"/>
+      <p:bldP spid="20" grpId="0" animBg="1"/>
+      <p:bldP spid="21" grpId="0" animBg="1"/>
+    </p:bldLst>
+  </p:timing>
 </p:sld>
 </file>
 
-<file path=ppt/slides/slide7.xml><?xml version="1.0" encoding="utf-8"?>
+<file path=ppt/slides/slide8.xml><?xml version="1.0" encoding="utf-8"?>
 <p:sld xmlns:a="http://schemas.openxmlformats.org/drawingml/2006/main" xmlns:r="http://schemas.openxmlformats.org/officeDocument/2006/relationships" xmlns:p="http://schemas.openxmlformats.org/presentationml/2006/main">
   <p:cSld>
     <p:spTree>
@@ -10100,7 +16358,7 @@
             <a:pPr algn="ctr"/>
             <a:r>
               <a:rPr lang="en-US" altLang="zh-CN" dirty="0"/>
-              <a:t>0C</a:t>
+              <a:t>C0</a:t>
             </a:r>
             <a:endParaRPr lang="zh-CN" altLang="en-US" dirty="0"/>
           </a:p>
@@ -10276,7 +16534,7 @@
             <a:pPr algn="ctr"/>
             <a:r>
               <a:rPr lang="en-US" altLang="zh-CN" dirty="0"/>
-              <a:t>0C</a:t>
+              <a:t>C0</a:t>
             </a:r>
             <a:endParaRPr lang="zh-CN" altLang="en-US" dirty="0"/>
           </a:p>
@@ -10558,7 +16816,7 @@
                   </a:outerShdw>
                 </a:effectLst>
               </a:rPr>
-              <a:t>1289371926364</a:t>
+              <a:t>3223789237</a:t>
             </a:r>
             <a:endParaRPr lang="zh-CN" altLang="en-US" dirty="0">
               <a:solidFill>
@@ -10627,8 +16885,80 @@
                   </a:outerShdw>
                 </a:effectLst>
               </a:rPr>
-              <a:t>1289371926364</a:t>
-            </a:r>
+              <a:t>3038652352</a:t>
+            </a:r>
+            <a:endParaRPr lang="zh-CN" altLang="en-US" dirty="0">
+              <a:solidFill>
+                <a:schemeClr val="tx1"/>
+              </a:solidFill>
+              <a:effectLst>
+                <a:outerShdw blurRad="38100" dist="38100" dir="2700000" algn="tl">
+                  <a:srgbClr val="000000">
+                    <a:alpha val="43137"/>
+                  </a:srgbClr>
+                </a:outerShdw>
+              </a:effectLst>
+            </a:endParaRPr>
+          </a:p>
+        </p:txBody>
+      </p:sp>
+      <p:sp>
+        <p:nvSpPr>
+          <p:cNvPr id="8" name="等腰三角形 7">
+            <a:hlinkClick r:id="rId4" action="ppaction://hlinkfile"/>
+          </p:cNvPr>
+          <p:cNvSpPr/>
+          <p:nvPr>
+            <p:custDataLst>
+              <p:custData r:id="rId1"/>
+            </p:custDataLst>
+          </p:nvPr>
+        </p:nvSpPr>
+        <p:spPr>
+          <a:xfrm rot="5400000">
+            <a:off x="11034071" y="5164287"/>
+            <a:ext cx="924793" cy="883227"/>
+          </a:xfrm>
+          <a:prstGeom prst="triangle">
+            <a:avLst/>
+          </a:prstGeom>
+          <a:solidFill>
+            <a:srgbClr val="00B050"/>
+          </a:solidFill>
+          <a:ln>
+            <a:noFill/>
+          </a:ln>
+          <a:effectLst>
+            <a:outerShdw blurRad="50800" dist="38100" dir="2700000" sx="105000" sy="105000" algn="tl" rotWithShape="0">
+              <a:schemeClr val="tx2">
+                <a:lumMod val="60000"/>
+                <a:lumOff val="40000"/>
+                <a:alpha val="50000"/>
+              </a:schemeClr>
+            </a:outerShdw>
+          </a:effectLst>
+        </p:spPr>
+        <p:style>
+          <a:lnRef idx="2">
+            <a:schemeClr val="accent1">
+              <a:shade val="50000"/>
+            </a:schemeClr>
+          </a:lnRef>
+          <a:fillRef idx="1">
+            <a:schemeClr val="accent1"/>
+          </a:fillRef>
+          <a:effectRef idx="0">
+            <a:schemeClr val="accent1"/>
+          </a:effectRef>
+          <a:fontRef idx="minor">
+            <a:schemeClr val="lt1"/>
+          </a:fontRef>
+        </p:style>
+        <p:txBody>
+          <a:bodyPr rtlCol="0" anchor="ctr"/>
+          <a:lstStyle/>
+          <a:p>
+            <a:pPr algn="ctr"/>
             <a:endParaRPr lang="zh-CN" altLang="en-US" dirty="0"/>
           </a:p>
         </p:txBody>
@@ -10637,66 +16967,6 @@
     <p:extLst>
       <p:ext uri="{BB962C8B-B14F-4D97-AF65-F5344CB8AC3E}">
         <p14:creationId xmlns:p14="http://schemas.microsoft.com/office/powerpoint/2010/main" val="128449478"/>
-      </p:ext>
-    </p:extLst>
-  </p:cSld>
-  <p:clrMapOvr>
-    <a:masterClrMapping/>
-  </p:clrMapOvr>
-</p:sld>
-</file>
-
-<file path=ppt/slides/slide8.xml><?xml version="1.0" encoding="utf-8"?>
-<p:sld xmlns:a="http://schemas.openxmlformats.org/drawingml/2006/main" xmlns:r="http://schemas.openxmlformats.org/officeDocument/2006/relationships" xmlns:p="http://schemas.openxmlformats.org/presentationml/2006/main">
-  <p:cSld>
-    <p:spTree>
-      <p:nvGrpSpPr>
-        <p:cNvPr id="1" name=""/>
-        <p:cNvGrpSpPr/>
-        <p:nvPr/>
-      </p:nvGrpSpPr>
-      <p:grpSpPr>
-        <a:xfrm>
-          <a:off x="0" y="0"/>
-          <a:ext cx="0" cy="0"/>
-          <a:chOff x="0" y="0"/>
-          <a:chExt cx="0" cy="0"/>
-        </a:xfrm>
-      </p:grpSpPr>
-      <p:sp>
-        <p:nvSpPr>
-          <p:cNvPr id="2" name="标题 1"/>
-          <p:cNvSpPr>
-            <a:spLocks noGrp="1"/>
-          </p:cNvSpPr>
-          <p:nvPr>
-            <p:ph type="title"/>
-          </p:nvPr>
-        </p:nvSpPr>
-        <p:spPr/>
-        <p:txBody>
-          <a:bodyPr/>
-          <a:lstStyle/>
-          <a:p>
-            <a:r>
-              <a:rPr lang="zh-CN" altLang="en-US" dirty="0"/>
-              <a:t>数值存储 </a:t>
-            </a:r>
-            <a:r>
-              <a:rPr lang="en-US" altLang="zh-CN" dirty="0"/>
-              <a:t>– </a:t>
-            </a:r>
-            <a:r>
-              <a:rPr lang="zh-CN" altLang="en-US" dirty="0"/>
-              <a:t>浮点数</a:t>
-            </a:r>
-          </a:p>
-        </p:txBody>
-      </p:sp>
-    </p:spTree>
-    <p:extLst>
-      <p:ext uri="{BB962C8B-B14F-4D97-AF65-F5344CB8AC3E}">
-        <p14:creationId xmlns:p14="http://schemas.microsoft.com/office/powerpoint/2010/main" val="1799319793"/>
       </p:ext>
     </p:extLst>
   </p:cSld>
@@ -10740,93 +17010,721 @@
           <a:p>
             <a:r>
               <a:rPr lang="zh-CN" altLang="en-US" dirty="0"/>
-              <a:t>探寻</a:t>
+              <a:t>数值存储 </a:t>
             </a:r>
             <a:r>
               <a:rPr lang="en-US" altLang="zh-CN" dirty="0"/>
-              <a:t>C++</a:t>
+              <a:t>– </a:t>
             </a:r>
             <a:r>
               <a:rPr lang="zh-CN" altLang="en-US" dirty="0"/>
-              <a:t>本质</a:t>
+              <a:t>浮点数</a:t>
             </a:r>
           </a:p>
         </p:txBody>
       </p:sp>
-      <p:sp>
-        <p:nvSpPr>
-          <p:cNvPr id="3" name="内容占位符 2"/>
-          <p:cNvSpPr>
-            <a:spLocks noGrp="1"/>
-          </p:cNvSpPr>
+      <p:graphicFrame>
+        <p:nvGraphicFramePr>
+          <p:cNvPr id="3" name="表格 2"/>
+          <p:cNvGraphicFramePr>
+            <a:graphicFrameLocks noGrp="1"/>
+          </p:cNvGraphicFramePr>
           <p:nvPr>
-            <p:ph idx="1"/>
+            <p:extLst>
+              <p:ext uri="{D42A27DB-BD31-4B8C-83A1-F6EECF244321}">
+                <p14:modId xmlns:p14="http://schemas.microsoft.com/office/powerpoint/2010/main" val="1519157806"/>
+              </p:ext>
+            </p:extLst>
           </p:nvPr>
-        </p:nvSpPr>
-        <p:spPr/>
-        <p:txBody>
-          <a:bodyPr/>
-          <a:lstStyle/>
-          <a:p>
-            <a:r>
-              <a:rPr lang="zh-CN" altLang="en-US" dirty="0"/>
-              <a:t>数值转换</a:t>
-            </a:r>
-            <a:endParaRPr lang="en-US" altLang="zh-CN" dirty="0"/>
-          </a:p>
-          <a:p>
-            <a:pPr lvl="1"/>
-            <a:r>
-              <a:rPr lang="zh-CN" altLang="en-US" dirty="0"/>
-              <a:t>整型数值转换</a:t>
-            </a:r>
-            <a:endParaRPr lang="en-US" altLang="zh-CN" dirty="0"/>
-          </a:p>
-          <a:p>
-            <a:pPr lvl="2"/>
-            <a:r>
-              <a:rPr lang="zh-CN" altLang="en-US" dirty="0"/>
-              <a:t>无符号转有符号</a:t>
-            </a:r>
-            <a:endParaRPr lang="en-US" altLang="zh-CN" dirty="0"/>
-          </a:p>
-          <a:p>
-            <a:pPr lvl="2"/>
-            <a:r>
-              <a:rPr lang="zh-CN" altLang="en-US" dirty="0"/>
-              <a:t>有符号转无符号</a:t>
-            </a:r>
-            <a:endParaRPr lang="en-US" altLang="zh-CN" dirty="0"/>
-          </a:p>
-          <a:p>
-            <a:pPr lvl="1"/>
-            <a:r>
-              <a:rPr lang="zh-CN" altLang="en-US" dirty="0"/>
-              <a:t>浮点类型转换</a:t>
-            </a:r>
-            <a:endParaRPr lang="en-US" altLang="zh-CN" dirty="0"/>
-          </a:p>
-          <a:p>
-            <a:pPr lvl="2"/>
-            <a:r>
-              <a:rPr lang="zh-CN" altLang="en-US" dirty="0"/>
-              <a:t>单精度转双精度</a:t>
-            </a:r>
-            <a:endParaRPr lang="en-US" altLang="zh-CN" dirty="0"/>
-          </a:p>
-          <a:p>
-            <a:pPr lvl="2"/>
-            <a:r>
-              <a:rPr lang="zh-CN" altLang="en-US" dirty="0"/>
-              <a:t>双精度转单精度</a:t>
-            </a:r>
-          </a:p>
-        </p:txBody>
-      </p:sp>
+        </p:nvGraphicFramePr>
+        <p:xfrm>
+          <a:off x="1451579" y="2229413"/>
+          <a:ext cx="6133786" cy="1859280"/>
+        </p:xfrm>
+        <a:graphic>
+          <a:graphicData uri="http://schemas.openxmlformats.org/drawingml/2006/table">
+            <a:tbl>
+              <a:tblPr/>
+              <a:tblGrid>
+                <a:gridCol w="1925466">
+                  <a:extLst>
+                    <a:ext uri="{9D8B030D-6E8A-4147-A177-3AD203B41FA5}">
+                      <a16:colId xmlns:a16="http://schemas.microsoft.com/office/drawing/2014/main" val="350990700"/>
+                    </a:ext>
+                  </a:extLst>
+                </a:gridCol>
+                <a:gridCol w="4208320">
+                  <a:extLst>
+                    <a:ext uri="{9D8B030D-6E8A-4147-A177-3AD203B41FA5}">
+                      <a16:colId xmlns:a16="http://schemas.microsoft.com/office/drawing/2014/main" val="2568021294"/>
+                    </a:ext>
+                  </a:extLst>
+                </a:gridCol>
+              </a:tblGrid>
+              <a:tr h="464820">
+                <a:tc>
+                  <a:txBody>
+                    <a:bodyPr/>
+                    <a:lstStyle/>
+                    <a:p>
+                      <a:pPr algn="l"/>
+                      <a:r>
+                        <a:rPr lang="zh-CN" altLang="en-US" sz="1800">
+                          <a:solidFill>
+                            <a:srgbClr val="636363"/>
+                          </a:solidFill>
+                          <a:effectLst/>
+                          <a:latin typeface="Microsoft YaHei UI" panose="020B0503020204020204" pitchFamily="34" charset="-122"/>
+                          <a:ea typeface="Microsoft YaHei UI" panose="020B0503020204020204" pitchFamily="34" charset="-122"/>
+                        </a:rPr>
+                        <a:t>值</a:t>
+                      </a:r>
+                    </a:p>
+                  </a:txBody>
+                  <a:tcPr marL="76200" marR="76200" marT="95250" marB="95250" anchor="ctr">
+                    <a:lnL w="9525" cap="flat" cmpd="sng" algn="ctr">
+                      <a:solidFill>
+                        <a:srgbClr val="BBBBBB"/>
+                      </a:solidFill>
+                      <a:prstDash val="solid"/>
+                      <a:round/>
+                      <a:headEnd type="none" w="med" len="med"/>
+                      <a:tailEnd type="none" w="med" len="med"/>
+                    </a:lnL>
+                    <a:lnR w="9525" cap="flat" cmpd="sng" algn="ctr">
+                      <a:solidFill>
+                        <a:srgbClr val="BBBBBB"/>
+                      </a:solidFill>
+                      <a:prstDash val="solid"/>
+                      <a:round/>
+                      <a:headEnd type="none" w="med" len="med"/>
+                      <a:tailEnd type="none" w="med" len="med"/>
+                    </a:lnR>
+                    <a:lnT w="9525" cap="flat" cmpd="sng" algn="ctr">
+                      <a:solidFill>
+                        <a:srgbClr val="BBBBBB"/>
+                      </a:solidFill>
+                      <a:prstDash val="solid"/>
+                      <a:round/>
+                      <a:headEnd type="none" w="med" len="med"/>
+                      <a:tailEnd type="none" w="med" len="med"/>
+                    </a:lnT>
+                    <a:lnB w="9525" cap="flat" cmpd="sng" algn="ctr">
+                      <a:solidFill>
+                        <a:srgbClr val="BBBBBB"/>
+                      </a:solidFill>
+                      <a:prstDash val="solid"/>
+                      <a:round/>
+                      <a:headEnd type="none" w="med" len="med"/>
+                      <a:tailEnd type="none" w="med" len="med"/>
+                    </a:lnB>
+                    <a:solidFill>
+                      <a:srgbClr val="EDEDED"/>
+                    </a:solidFill>
+                  </a:tcPr>
+                </a:tc>
+                <a:tc>
+                  <a:txBody>
+                    <a:bodyPr/>
+                    <a:lstStyle/>
+                    <a:p>
+                      <a:pPr algn="l"/>
+                      <a:r>
+                        <a:rPr lang="zh-CN" altLang="en-US" sz="1800">
+                          <a:solidFill>
+                            <a:srgbClr val="636363"/>
+                          </a:solidFill>
+                          <a:effectLst/>
+                          <a:latin typeface="Microsoft YaHei UI" panose="020B0503020204020204" pitchFamily="34" charset="-122"/>
+                          <a:ea typeface="Microsoft YaHei UI" panose="020B0503020204020204" pitchFamily="34" charset="-122"/>
+                        </a:rPr>
+                        <a:t>存储为</a:t>
+                      </a:r>
+                    </a:p>
+                  </a:txBody>
+                  <a:tcPr marL="76200" marR="76200" marT="95250" marB="95250" anchor="ctr">
+                    <a:lnL w="9525" cap="flat" cmpd="sng" algn="ctr">
+                      <a:solidFill>
+                        <a:srgbClr val="BBBBBB"/>
+                      </a:solidFill>
+                      <a:prstDash val="solid"/>
+                      <a:round/>
+                      <a:headEnd type="none" w="med" len="med"/>
+                      <a:tailEnd type="none" w="med" len="med"/>
+                    </a:lnL>
+                    <a:lnR w="9525" cap="flat" cmpd="sng" algn="ctr">
+                      <a:solidFill>
+                        <a:srgbClr val="BBBBBB"/>
+                      </a:solidFill>
+                      <a:prstDash val="solid"/>
+                      <a:round/>
+                      <a:headEnd type="none" w="med" len="med"/>
+                      <a:tailEnd type="none" w="med" len="med"/>
+                    </a:lnR>
+                    <a:lnT w="9525" cap="flat" cmpd="sng" algn="ctr">
+                      <a:solidFill>
+                        <a:srgbClr val="BBBBBB"/>
+                      </a:solidFill>
+                      <a:prstDash val="solid"/>
+                      <a:round/>
+                      <a:headEnd type="none" w="med" len="med"/>
+                      <a:tailEnd type="none" w="med" len="med"/>
+                    </a:lnT>
+                    <a:lnB w="9525" cap="flat" cmpd="sng" algn="ctr">
+                      <a:solidFill>
+                        <a:srgbClr val="BBBBBB"/>
+                      </a:solidFill>
+                      <a:prstDash val="solid"/>
+                      <a:round/>
+                      <a:headEnd type="none" w="med" len="med"/>
+                      <a:tailEnd type="none" w="med" len="med"/>
+                    </a:lnB>
+                    <a:solidFill>
+                      <a:srgbClr val="EDEDED"/>
+                    </a:solidFill>
+                  </a:tcPr>
+                </a:tc>
+                <a:extLst>
+                  <a:ext uri="{0D108BD9-81ED-4DB2-BD59-A6C34878D82A}">
+                    <a16:rowId xmlns:a16="http://schemas.microsoft.com/office/drawing/2014/main" val="3152167784"/>
+                  </a:ext>
+                </a:extLst>
+              </a:tr>
+              <a:tr h="464820">
+                <a:tc>
+                  <a:txBody>
+                    <a:bodyPr/>
+                    <a:lstStyle/>
+                    <a:p>
+                      <a:pPr fontAlgn="t"/>
+                      <a:r>
+                        <a:rPr lang="en-US" altLang="zh-CN" sz="1800" dirty="0">
+                          <a:solidFill>
+                            <a:srgbClr val="2A2A2A"/>
+                          </a:solidFill>
+                          <a:effectLst/>
+                          <a:latin typeface="Microsoft YaHei UI" panose="020B0503020204020204" pitchFamily="34" charset="-122"/>
+                          <a:ea typeface="Microsoft YaHei UI" panose="020B0503020204020204" pitchFamily="34" charset="-122"/>
+                        </a:rPr>
+                        <a:t>float</a:t>
+                      </a:r>
+                      <a:endParaRPr lang="en-US" sz="1800" dirty="0">
+                        <a:solidFill>
+                          <a:srgbClr val="2A2A2A"/>
+                        </a:solidFill>
+                        <a:effectLst/>
+                        <a:latin typeface="Microsoft YaHei UI" panose="020B0503020204020204" pitchFamily="34" charset="-122"/>
+                        <a:ea typeface="Microsoft YaHei UI" panose="020B0503020204020204" pitchFamily="34" charset="-122"/>
+                      </a:endParaRPr>
+                    </a:p>
+                  </a:txBody>
+                  <a:tcPr marL="76200" marR="76200" marT="95250" marB="95250">
+                    <a:lnL w="9525" cap="flat" cmpd="sng" algn="ctr">
+                      <a:solidFill>
+                        <a:srgbClr val="BBBBBB"/>
+                      </a:solidFill>
+                      <a:prstDash val="solid"/>
+                      <a:round/>
+                      <a:headEnd type="none" w="med" len="med"/>
+                      <a:tailEnd type="none" w="med" len="med"/>
+                    </a:lnL>
+                    <a:lnR w="9525" cap="flat" cmpd="sng" algn="ctr">
+                      <a:solidFill>
+                        <a:srgbClr val="BBBBBB"/>
+                      </a:solidFill>
+                      <a:prstDash val="solid"/>
+                      <a:round/>
+                      <a:headEnd type="none" w="med" len="med"/>
+                      <a:tailEnd type="none" w="med" len="med"/>
+                    </a:lnR>
+                    <a:lnT w="9525" cap="flat" cmpd="sng" algn="ctr">
+                      <a:solidFill>
+                        <a:srgbClr val="BBBBBB"/>
+                      </a:solidFill>
+                      <a:prstDash val="solid"/>
+                      <a:round/>
+                      <a:headEnd type="none" w="med" len="med"/>
+                      <a:tailEnd type="none" w="med" len="med"/>
+                    </a:lnT>
+                    <a:lnB w="9525" cap="flat" cmpd="sng" algn="ctr">
+                      <a:solidFill>
+                        <a:srgbClr val="BBBBBB"/>
+                      </a:solidFill>
+                      <a:prstDash val="solid"/>
+                      <a:round/>
+                      <a:headEnd type="none" w="med" len="med"/>
+                      <a:tailEnd type="none" w="med" len="med"/>
+                    </a:lnB>
+                    <a:solidFill>
+                      <a:srgbClr val="FFFFFF"/>
+                    </a:solidFill>
+                  </a:tcPr>
+                </a:tc>
+                <a:tc>
+                  <a:txBody>
+                    <a:bodyPr/>
+                    <a:lstStyle/>
+                    <a:p>
+                      <a:pPr fontAlgn="t"/>
+                      <a:r>
+                        <a:rPr lang="zh-CN" altLang="en-US" sz="1800" dirty="0">
+                          <a:solidFill>
+                            <a:srgbClr val="2A2A2A"/>
+                          </a:solidFill>
+                          <a:effectLst/>
+                          <a:latin typeface="Microsoft YaHei UI" panose="020B0503020204020204" pitchFamily="34" charset="-122"/>
+                          <a:ea typeface="Microsoft YaHei UI" panose="020B0503020204020204" pitchFamily="34" charset="-122"/>
+                        </a:rPr>
+                        <a:t>符号位、</a:t>
+                      </a:r>
+                      <a:r>
+                        <a:rPr lang="en-US" altLang="zh-CN" sz="1800" dirty="0">
+                          <a:solidFill>
+                            <a:srgbClr val="2A2A2A"/>
+                          </a:solidFill>
+                          <a:effectLst/>
+                          <a:latin typeface="Microsoft YaHei UI" panose="020B0503020204020204" pitchFamily="34" charset="-122"/>
+                          <a:ea typeface="Microsoft YaHei UI" panose="020B0503020204020204" pitchFamily="34" charset="-122"/>
+                        </a:rPr>
+                        <a:t>08 </a:t>
+                      </a:r>
+                      <a:r>
+                        <a:rPr lang="zh-CN" altLang="en-US" sz="1800" dirty="0">
+                          <a:solidFill>
+                            <a:srgbClr val="2A2A2A"/>
+                          </a:solidFill>
+                          <a:effectLst/>
+                          <a:latin typeface="Microsoft YaHei UI" panose="020B0503020204020204" pitchFamily="34" charset="-122"/>
+                          <a:ea typeface="Microsoft YaHei UI" panose="020B0503020204020204" pitchFamily="34" charset="-122"/>
+                        </a:rPr>
+                        <a:t>位指数、</a:t>
+                      </a:r>
+                      <a:r>
+                        <a:rPr lang="en-US" altLang="zh-CN" sz="1800" dirty="0">
+                          <a:solidFill>
+                            <a:srgbClr val="2A2A2A"/>
+                          </a:solidFill>
+                          <a:effectLst/>
+                          <a:latin typeface="Microsoft YaHei UI" panose="020B0503020204020204" pitchFamily="34" charset="-122"/>
+                          <a:ea typeface="Microsoft YaHei UI" panose="020B0503020204020204" pitchFamily="34" charset="-122"/>
+                        </a:rPr>
+                        <a:t>23 </a:t>
+                      </a:r>
+                      <a:r>
+                        <a:rPr lang="zh-CN" altLang="en-US" sz="1800" dirty="0">
+                          <a:solidFill>
+                            <a:srgbClr val="2A2A2A"/>
+                          </a:solidFill>
+                          <a:effectLst/>
+                          <a:latin typeface="Microsoft YaHei UI" panose="020B0503020204020204" pitchFamily="34" charset="-122"/>
+                          <a:ea typeface="Microsoft YaHei UI" panose="020B0503020204020204" pitchFamily="34" charset="-122"/>
+                        </a:rPr>
+                        <a:t>位尾数</a:t>
+                      </a:r>
+                    </a:p>
+                  </a:txBody>
+                  <a:tcPr marL="76200" marR="76200" marT="95250" marB="95250">
+                    <a:lnL w="9525" cap="flat" cmpd="sng" algn="ctr">
+                      <a:solidFill>
+                        <a:srgbClr val="BBBBBB"/>
+                      </a:solidFill>
+                      <a:prstDash val="solid"/>
+                      <a:round/>
+                      <a:headEnd type="none" w="med" len="med"/>
+                      <a:tailEnd type="none" w="med" len="med"/>
+                    </a:lnL>
+                    <a:lnR w="9525" cap="flat" cmpd="sng" algn="ctr">
+                      <a:solidFill>
+                        <a:srgbClr val="BBBBBB"/>
+                      </a:solidFill>
+                      <a:prstDash val="solid"/>
+                      <a:round/>
+                      <a:headEnd type="none" w="med" len="med"/>
+                      <a:tailEnd type="none" w="med" len="med"/>
+                    </a:lnR>
+                    <a:lnT w="9525" cap="flat" cmpd="sng" algn="ctr">
+                      <a:solidFill>
+                        <a:srgbClr val="BBBBBB"/>
+                      </a:solidFill>
+                      <a:prstDash val="solid"/>
+                      <a:round/>
+                      <a:headEnd type="none" w="med" len="med"/>
+                      <a:tailEnd type="none" w="med" len="med"/>
+                    </a:lnT>
+                    <a:lnB w="9525" cap="flat" cmpd="sng" algn="ctr">
+                      <a:solidFill>
+                        <a:srgbClr val="BBBBBB"/>
+                      </a:solidFill>
+                      <a:prstDash val="solid"/>
+                      <a:round/>
+                      <a:headEnd type="none" w="med" len="med"/>
+                      <a:tailEnd type="none" w="med" len="med"/>
+                    </a:lnB>
+                    <a:solidFill>
+                      <a:srgbClr val="FFFFFF"/>
+                    </a:solidFill>
+                  </a:tcPr>
+                </a:tc>
+                <a:extLst>
+                  <a:ext uri="{0D108BD9-81ED-4DB2-BD59-A6C34878D82A}">
+                    <a16:rowId xmlns:a16="http://schemas.microsoft.com/office/drawing/2014/main" val="522417622"/>
+                  </a:ext>
+                </a:extLst>
+              </a:tr>
+              <a:tr h="464820">
+                <a:tc>
+                  <a:txBody>
+                    <a:bodyPr/>
+                    <a:lstStyle/>
+                    <a:p>
+                      <a:pPr fontAlgn="t"/>
+                      <a:r>
+                        <a:rPr lang="en-US" sz="1800" dirty="0">
+                          <a:solidFill>
+                            <a:srgbClr val="2A2A2A"/>
+                          </a:solidFill>
+                          <a:effectLst/>
+                          <a:latin typeface="Microsoft YaHei UI" panose="020B0503020204020204" pitchFamily="34" charset="-122"/>
+                          <a:ea typeface="Microsoft YaHei UI" panose="020B0503020204020204" pitchFamily="34" charset="-122"/>
+                        </a:rPr>
+                        <a:t>double</a:t>
+                      </a:r>
+                    </a:p>
+                  </a:txBody>
+                  <a:tcPr marL="76200" marR="76200" marT="95250" marB="95250">
+                    <a:lnL w="9525" cap="flat" cmpd="sng" algn="ctr">
+                      <a:solidFill>
+                        <a:srgbClr val="BBBBBB"/>
+                      </a:solidFill>
+                      <a:prstDash val="solid"/>
+                      <a:round/>
+                      <a:headEnd type="none" w="med" len="med"/>
+                      <a:tailEnd type="none" w="med" len="med"/>
+                    </a:lnL>
+                    <a:lnR w="9525" cap="flat" cmpd="sng" algn="ctr">
+                      <a:solidFill>
+                        <a:srgbClr val="BBBBBB"/>
+                      </a:solidFill>
+                      <a:prstDash val="solid"/>
+                      <a:round/>
+                      <a:headEnd type="none" w="med" len="med"/>
+                      <a:tailEnd type="none" w="med" len="med"/>
+                    </a:lnR>
+                    <a:lnT w="9525" cap="flat" cmpd="sng" algn="ctr">
+                      <a:solidFill>
+                        <a:srgbClr val="BBBBBB"/>
+                      </a:solidFill>
+                      <a:prstDash val="solid"/>
+                      <a:round/>
+                      <a:headEnd type="none" w="med" len="med"/>
+                      <a:tailEnd type="none" w="med" len="med"/>
+                    </a:lnT>
+                    <a:lnB w="9525" cap="flat" cmpd="sng" algn="ctr">
+                      <a:solidFill>
+                        <a:srgbClr val="BBBBBB"/>
+                      </a:solidFill>
+                      <a:prstDash val="solid"/>
+                      <a:round/>
+                      <a:headEnd type="none" w="med" len="med"/>
+                      <a:tailEnd type="none" w="med" len="med"/>
+                    </a:lnB>
+                    <a:solidFill>
+                      <a:srgbClr val="FFFFFF"/>
+                    </a:solidFill>
+                  </a:tcPr>
+                </a:tc>
+                <a:tc>
+                  <a:txBody>
+                    <a:bodyPr/>
+                    <a:lstStyle/>
+                    <a:p>
+                      <a:pPr fontAlgn="t"/>
+                      <a:r>
+                        <a:rPr lang="zh-CN" altLang="en-US" sz="1800" dirty="0">
+                          <a:solidFill>
+                            <a:srgbClr val="2A2A2A"/>
+                          </a:solidFill>
+                          <a:effectLst/>
+                          <a:latin typeface="Microsoft YaHei UI" panose="020B0503020204020204" pitchFamily="34" charset="-122"/>
+                          <a:ea typeface="Microsoft YaHei UI" panose="020B0503020204020204" pitchFamily="34" charset="-122"/>
+                        </a:rPr>
+                        <a:t>符号位、</a:t>
+                      </a:r>
+                      <a:r>
+                        <a:rPr lang="en-US" altLang="zh-CN" sz="1800" dirty="0">
+                          <a:solidFill>
+                            <a:srgbClr val="2A2A2A"/>
+                          </a:solidFill>
+                          <a:effectLst/>
+                          <a:latin typeface="Microsoft YaHei UI" panose="020B0503020204020204" pitchFamily="34" charset="-122"/>
+                          <a:ea typeface="Microsoft YaHei UI" panose="020B0503020204020204" pitchFamily="34" charset="-122"/>
+                        </a:rPr>
+                        <a:t>11 </a:t>
+                      </a:r>
+                      <a:r>
+                        <a:rPr lang="zh-CN" altLang="en-US" sz="1800" dirty="0">
+                          <a:solidFill>
+                            <a:srgbClr val="2A2A2A"/>
+                          </a:solidFill>
+                          <a:effectLst/>
+                          <a:latin typeface="Microsoft YaHei UI" panose="020B0503020204020204" pitchFamily="34" charset="-122"/>
+                          <a:ea typeface="Microsoft YaHei UI" panose="020B0503020204020204" pitchFamily="34" charset="-122"/>
+                        </a:rPr>
+                        <a:t>位指数、</a:t>
+                      </a:r>
+                      <a:r>
+                        <a:rPr lang="en-US" altLang="zh-CN" sz="1800" dirty="0">
+                          <a:solidFill>
+                            <a:srgbClr val="2A2A2A"/>
+                          </a:solidFill>
+                          <a:effectLst/>
+                          <a:latin typeface="Microsoft YaHei UI" panose="020B0503020204020204" pitchFamily="34" charset="-122"/>
+                          <a:ea typeface="Microsoft YaHei UI" panose="020B0503020204020204" pitchFamily="34" charset="-122"/>
+                        </a:rPr>
+                        <a:t>52 </a:t>
+                      </a:r>
+                      <a:r>
+                        <a:rPr lang="zh-CN" altLang="en-US" sz="1800" dirty="0">
+                          <a:solidFill>
+                            <a:srgbClr val="2A2A2A"/>
+                          </a:solidFill>
+                          <a:effectLst/>
+                          <a:latin typeface="Microsoft YaHei UI" panose="020B0503020204020204" pitchFamily="34" charset="-122"/>
+                          <a:ea typeface="Microsoft YaHei UI" panose="020B0503020204020204" pitchFamily="34" charset="-122"/>
+                        </a:rPr>
+                        <a:t>位尾数</a:t>
+                      </a:r>
+                    </a:p>
+                  </a:txBody>
+                  <a:tcPr marL="76200" marR="76200" marT="95250" marB="95250">
+                    <a:lnL w="9525" cap="flat" cmpd="sng" algn="ctr">
+                      <a:solidFill>
+                        <a:srgbClr val="BBBBBB"/>
+                      </a:solidFill>
+                      <a:prstDash val="solid"/>
+                      <a:round/>
+                      <a:headEnd type="none" w="med" len="med"/>
+                      <a:tailEnd type="none" w="med" len="med"/>
+                    </a:lnL>
+                    <a:lnR w="9525" cap="flat" cmpd="sng" algn="ctr">
+                      <a:solidFill>
+                        <a:srgbClr val="BBBBBB"/>
+                      </a:solidFill>
+                      <a:prstDash val="solid"/>
+                      <a:round/>
+                      <a:headEnd type="none" w="med" len="med"/>
+                      <a:tailEnd type="none" w="med" len="med"/>
+                    </a:lnR>
+                    <a:lnT w="9525" cap="flat" cmpd="sng" algn="ctr">
+                      <a:solidFill>
+                        <a:srgbClr val="BBBBBB"/>
+                      </a:solidFill>
+                      <a:prstDash val="solid"/>
+                      <a:round/>
+                      <a:headEnd type="none" w="med" len="med"/>
+                      <a:tailEnd type="none" w="med" len="med"/>
+                    </a:lnT>
+                    <a:lnB w="9525" cap="flat" cmpd="sng" algn="ctr">
+                      <a:solidFill>
+                        <a:srgbClr val="BBBBBB"/>
+                      </a:solidFill>
+                      <a:prstDash val="solid"/>
+                      <a:round/>
+                      <a:headEnd type="none" w="med" len="med"/>
+                      <a:tailEnd type="none" w="med" len="med"/>
+                    </a:lnB>
+                    <a:solidFill>
+                      <a:srgbClr val="FFFFFF"/>
+                    </a:solidFill>
+                  </a:tcPr>
+                </a:tc>
+                <a:extLst>
+                  <a:ext uri="{0D108BD9-81ED-4DB2-BD59-A6C34878D82A}">
+                    <a16:rowId xmlns:a16="http://schemas.microsoft.com/office/drawing/2014/main" val="553897112"/>
+                  </a:ext>
+                </a:extLst>
+              </a:tr>
+              <a:tr h="464820">
+                <a:tc>
+                  <a:txBody>
+                    <a:bodyPr/>
+                    <a:lstStyle/>
+                    <a:p>
+                      <a:pPr fontAlgn="t"/>
+                      <a:r>
+                        <a:rPr lang="en-US" sz="1800" dirty="0">
+                          <a:solidFill>
+                            <a:srgbClr val="2A2A2A"/>
+                          </a:solidFill>
+                          <a:effectLst/>
+                          <a:latin typeface="Microsoft YaHei UI" panose="020B0503020204020204" pitchFamily="34" charset="-122"/>
+                          <a:ea typeface="Microsoft YaHei UI" panose="020B0503020204020204" pitchFamily="34" charset="-122"/>
+                        </a:rPr>
+                        <a:t>long double</a:t>
+                      </a:r>
+                    </a:p>
+                  </a:txBody>
+                  <a:tcPr marL="76200" marR="76200" marT="95250" marB="95250">
+                    <a:lnL w="9525" cap="flat" cmpd="sng" algn="ctr">
+                      <a:solidFill>
+                        <a:srgbClr val="BBBBBB"/>
+                      </a:solidFill>
+                      <a:prstDash val="solid"/>
+                      <a:round/>
+                      <a:headEnd type="none" w="med" len="med"/>
+                      <a:tailEnd type="none" w="med" len="med"/>
+                    </a:lnL>
+                    <a:lnR w="9525" cap="flat" cmpd="sng" algn="ctr">
+                      <a:solidFill>
+                        <a:srgbClr val="BBBBBB"/>
+                      </a:solidFill>
+                      <a:prstDash val="solid"/>
+                      <a:round/>
+                      <a:headEnd type="none" w="med" len="med"/>
+                      <a:tailEnd type="none" w="med" len="med"/>
+                    </a:lnR>
+                    <a:lnT w="9525" cap="flat" cmpd="sng" algn="ctr">
+                      <a:solidFill>
+                        <a:srgbClr val="BBBBBB"/>
+                      </a:solidFill>
+                      <a:prstDash val="solid"/>
+                      <a:round/>
+                      <a:headEnd type="none" w="med" len="med"/>
+                      <a:tailEnd type="none" w="med" len="med"/>
+                    </a:lnT>
+                    <a:lnB w="9525" cap="flat" cmpd="sng" algn="ctr">
+                      <a:solidFill>
+                        <a:srgbClr val="BBBBBB"/>
+                      </a:solidFill>
+                      <a:prstDash val="solid"/>
+                      <a:round/>
+                      <a:headEnd type="none" w="med" len="med"/>
+                      <a:tailEnd type="none" w="med" len="med"/>
+                    </a:lnB>
+                    <a:solidFill>
+                      <a:srgbClr val="FFFFFF"/>
+                    </a:solidFill>
+                  </a:tcPr>
+                </a:tc>
+                <a:tc>
+                  <a:txBody>
+                    <a:bodyPr/>
+                    <a:lstStyle/>
+                    <a:p>
+                      <a:pPr fontAlgn="t"/>
+                      <a:r>
+                        <a:rPr lang="zh-CN" altLang="en-US" sz="1800" dirty="0">
+                          <a:solidFill>
+                            <a:srgbClr val="2A2A2A"/>
+                          </a:solidFill>
+                          <a:effectLst/>
+                          <a:latin typeface="Microsoft YaHei UI" panose="020B0503020204020204" pitchFamily="34" charset="-122"/>
+                          <a:ea typeface="Microsoft YaHei UI" panose="020B0503020204020204" pitchFamily="34" charset="-122"/>
+                        </a:rPr>
+                        <a:t>符号位、</a:t>
+                      </a:r>
+                      <a:r>
+                        <a:rPr lang="en-US" altLang="zh-CN" sz="1800" dirty="0">
+                          <a:solidFill>
+                            <a:srgbClr val="2A2A2A"/>
+                          </a:solidFill>
+                          <a:effectLst/>
+                          <a:latin typeface="Microsoft YaHei UI" panose="020B0503020204020204" pitchFamily="34" charset="-122"/>
+                          <a:ea typeface="Microsoft YaHei UI" panose="020B0503020204020204" pitchFamily="34" charset="-122"/>
+                        </a:rPr>
+                        <a:t>15 </a:t>
+                      </a:r>
+                      <a:r>
+                        <a:rPr lang="zh-CN" altLang="en-US" sz="1800" dirty="0">
+                          <a:solidFill>
+                            <a:srgbClr val="2A2A2A"/>
+                          </a:solidFill>
+                          <a:effectLst/>
+                          <a:latin typeface="Microsoft YaHei UI" panose="020B0503020204020204" pitchFamily="34" charset="-122"/>
+                          <a:ea typeface="Microsoft YaHei UI" panose="020B0503020204020204" pitchFamily="34" charset="-122"/>
+                        </a:rPr>
+                        <a:t>位指数、</a:t>
+                      </a:r>
+                      <a:r>
+                        <a:rPr lang="en-US" altLang="zh-CN" sz="1800" dirty="0">
+                          <a:solidFill>
+                            <a:srgbClr val="2A2A2A"/>
+                          </a:solidFill>
+                          <a:effectLst/>
+                          <a:latin typeface="Microsoft YaHei UI" panose="020B0503020204020204" pitchFamily="34" charset="-122"/>
+                          <a:ea typeface="Microsoft YaHei UI" panose="020B0503020204020204" pitchFamily="34" charset="-122"/>
+                        </a:rPr>
+                        <a:t>64 </a:t>
+                      </a:r>
+                      <a:r>
+                        <a:rPr lang="zh-CN" altLang="en-US" sz="1800" dirty="0">
+                          <a:solidFill>
+                            <a:srgbClr val="2A2A2A"/>
+                          </a:solidFill>
+                          <a:effectLst/>
+                          <a:latin typeface="Microsoft YaHei UI" panose="020B0503020204020204" pitchFamily="34" charset="-122"/>
+                          <a:ea typeface="Microsoft YaHei UI" panose="020B0503020204020204" pitchFamily="34" charset="-122"/>
+                        </a:rPr>
+                        <a:t>位尾数</a:t>
+                      </a:r>
+                    </a:p>
+                  </a:txBody>
+                  <a:tcPr marL="76200" marR="76200" marT="95250" marB="95250">
+                    <a:lnL w="9525" cap="flat" cmpd="sng" algn="ctr">
+                      <a:solidFill>
+                        <a:srgbClr val="BBBBBB"/>
+                      </a:solidFill>
+                      <a:prstDash val="solid"/>
+                      <a:round/>
+                      <a:headEnd type="none" w="med" len="med"/>
+                      <a:tailEnd type="none" w="med" len="med"/>
+                    </a:lnL>
+                    <a:lnR w="9525" cap="flat" cmpd="sng" algn="ctr">
+                      <a:solidFill>
+                        <a:srgbClr val="BBBBBB"/>
+                      </a:solidFill>
+                      <a:prstDash val="solid"/>
+                      <a:round/>
+                      <a:headEnd type="none" w="med" len="med"/>
+                      <a:tailEnd type="none" w="med" len="med"/>
+                    </a:lnR>
+                    <a:lnT w="9525" cap="flat" cmpd="sng" algn="ctr">
+                      <a:solidFill>
+                        <a:srgbClr val="BBBBBB"/>
+                      </a:solidFill>
+                      <a:prstDash val="solid"/>
+                      <a:round/>
+                      <a:headEnd type="none" w="med" len="med"/>
+                      <a:tailEnd type="none" w="med" len="med"/>
+                    </a:lnT>
+                    <a:lnB w="9525" cap="flat" cmpd="sng" algn="ctr">
+                      <a:solidFill>
+                        <a:srgbClr val="BBBBBB"/>
+                      </a:solidFill>
+                      <a:prstDash val="solid"/>
+                      <a:round/>
+                      <a:headEnd type="none" w="med" len="med"/>
+                      <a:tailEnd type="none" w="med" len="med"/>
+                    </a:lnB>
+                    <a:solidFill>
+                      <a:srgbClr val="FFFFFF"/>
+                    </a:solidFill>
+                  </a:tcPr>
+                </a:tc>
+                <a:extLst>
+                  <a:ext uri="{0D108BD9-81ED-4DB2-BD59-A6C34878D82A}">
+                    <a16:rowId xmlns:a16="http://schemas.microsoft.com/office/drawing/2014/main" val="119710827"/>
+                  </a:ext>
+                </a:extLst>
+              </a:tr>
+            </a:tbl>
+          </a:graphicData>
+        </a:graphic>
+      </p:graphicFrame>
     </p:spTree>
     <p:extLst>
       <p:ext uri="{BB962C8B-B14F-4D97-AF65-F5344CB8AC3E}">
-        <p14:creationId xmlns:p14="http://schemas.microsoft.com/office/powerpoint/2010/main" val="532271199"/>
+        <p14:creationId xmlns:p14="http://schemas.microsoft.com/office/powerpoint/2010/main" val="1799319793"/>
       </p:ext>
     </p:extLst>
   </p:cSld>
@@ -11382,4 +18280,18 @@
     </a:ext>
   </a:extLst>
 </a:theme>
+</file>
+
+<file path=customXml/item1.xml><?xml version="1.0" encoding="utf-8"?>
+<Control xmlns="http://schemas.microsoft.com/VisualStudio/2011/storyboarding/control">
+  <Id Name="578f3cf8-278f-4572-aaba-cf46013e7f5d" Revision="1" Stencil="System.MyShapes" StencilVersion="1.0"/>
+</Control>
+</file>
+
+<file path=customXml/itemProps1.xml><?xml version="1.0" encoding="utf-8"?>
+<ds:datastoreItem xmlns:ds="http://schemas.openxmlformats.org/officeDocument/2006/customXml" ds:itemID="{856F230A-B12A-42A7-A8D4-8F26283098AC}">
+  <ds:schemaRefs>
+    <ds:schemaRef ds:uri="http://schemas.microsoft.com/VisualStudio/2011/storyboarding/control"/>
+  </ds:schemaRefs>
+</ds:datastoreItem>
 </file>
--- a/advance c++/courseware.pptx
+++ b/advance c++/courseware.pptx
@@ -5,7 +5,7 @@
     <p:sldMasterId id="2147483899" r:id="rId2"/>
   </p:sldMasterIdLst>
   <p:notesMasterIdLst>
-    <p:notesMasterId r:id="rId37"/>
+    <p:notesMasterId r:id="rId41"/>
   </p:notesMasterIdLst>
   <p:sldIdLst>
     <p:sldId id="256" r:id="rId3"/>
@@ -42,6 +42,10 @@
     <p:sldId id="288" r:id="rId34"/>
     <p:sldId id="289" r:id="rId35"/>
     <p:sldId id="290" r:id="rId36"/>
+    <p:sldId id="294" r:id="rId37"/>
+    <p:sldId id="291" r:id="rId38"/>
+    <p:sldId id="292" r:id="rId39"/>
+    <p:sldId id="293" r:id="rId40"/>
   </p:sldIdLst>
   <p:sldSz cx="12192000" cy="6858000"/>
   <p:notesSz cx="6858000" cy="9144000"/>
@@ -234,7 +238,7 @@
           <a:p>
             <a:fld id="{42D05AB1-CFCA-4702-9B4D-FCAB6AF0FE14}" type="datetimeFigureOut">
               <a:rPr lang="zh-CN" altLang="en-US" smtClean="0"/>
-              <a:t>2017/6/1</a:t>
+              <a:t>2017/6/7</a:t>
             </a:fld>
             <a:endParaRPr lang="zh-CN" altLang="en-US"/>
           </a:p>
@@ -10139,7 +10143,7 @@
           <a:p>
             <a:fld id="{69E25F63-46CB-447C-9865-FD3714DA57D8}" type="datetimeFigureOut">
               <a:rPr lang="zh-CN" altLang="en-US" smtClean="0"/>
-              <a:t>2017/6/1</a:t>
+              <a:t>2017/6/7</a:t>
             </a:fld>
             <a:endParaRPr lang="zh-CN" altLang="en-US"/>
           </a:p>
@@ -10325,7 +10329,7 @@
           <a:p>
             <a:fld id="{69E25F63-46CB-447C-9865-FD3714DA57D8}" type="datetimeFigureOut">
               <a:rPr lang="zh-CN" altLang="en-US" smtClean="0"/>
-              <a:t>2017/6/1</a:t>
+              <a:t>2017/6/7</a:t>
             </a:fld>
             <a:endParaRPr lang="zh-CN" altLang="en-US"/>
           </a:p>
@@ -10548,7 +10552,7 @@
           <a:p>
             <a:fld id="{69E25F63-46CB-447C-9865-FD3714DA57D8}" type="datetimeFigureOut">
               <a:rPr lang="zh-CN" altLang="en-US" smtClean="0"/>
-              <a:t>2017/6/1</a:t>
+              <a:t>2017/6/7</a:t>
             </a:fld>
             <a:endParaRPr lang="zh-CN" altLang="en-US"/>
           </a:p>
@@ -10728,7 +10732,7 @@
           <a:p>
             <a:fld id="{69E25F63-46CB-447C-9865-FD3714DA57D8}" type="datetimeFigureOut">
               <a:rPr lang="zh-CN" altLang="en-US" smtClean="0"/>
-              <a:t>2017/6/1</a:t>
+              <a:t>2017/6/7</a:t>
             </a:fld>
             <a:endParaRPr lang="zh-CN" altLang="en-US"/>
           </a:p>
@@ -11067,7 +11071,7 @@
           <a:p>
             <a:fld id="{69E25F63-46CB-447C-9865-FD3714DA57D8}" type="datetimeFigureOut">
               <a:rPr lang="zh-CN" altLang="en-US" smtClean="0"/>
-              <a:t>2017/6/1</a:t>
+              <a:t>2017/6/7</a:t>
             </a:fld>
             <a:endParaRPr lang="zh-CN" altLang="en-US"/>
           </a:p>
@@ -11371,7 +11375,7 @@
           <a:p>
             <a:fld id="{69E25F63-46CB-447C-9865-FD3714DA57D8}" type="datetimeFigureOut">
               <a:rPr lang="zh-CN" altLang="en-US" smtClean="0"/>
-              <a:t>2017/6/1</a:t>
+              <a:t>2017/6/7</a:t>
             </a:fld>
             <a:endParaRPr lang="zh-CN" altLang="en-US"/>
           </a:p>
@@ -11793,7 +11797,7 @@
           <a:p>
             <a:fld id="{69E25F63-46CB-447C-9865-FD3714DA57D8}" type="datetimeFigureOut">
               <a:rPr lang="zh-CN" altLang="en-US" smtClean="0"/>
-              <a:t>2017/6/1</a:t>
+              <a:t>2017/6/7</a:t>
             </a:fld>
             <a:endParaRPr lang="zh-CN" altLang="en-US"/>
           </a:p>
@@ -11911,7 +11915,7 @@
           <a:p>
             <a:fld id="{69E25F63-46CB-447C-9865-FD3714DA57D8}" type="datetimeFigureOut">
               <a:rPr lang="zh-CN" altLang="en-US" smtClean="0"/>
-              <a:t>2017/6/1</a:t>
+              <a:t>2017/6/7</a:t>
             </a:fld>
             <a:endParaRPr lang="zh-CN" altLang="en-US"/>
           </a:p>
@@ -12006,7 +12010,7 @@
           <a:p>
             <a:fld id="{69E25F63-46CB-447C-9865-FD3714DA57D8}" type="datetimeFigureOut">
               <a:rPr lang="zh-CN" altLang="en-US" smtClean="0"/>
-              <a:t>2017/6/1</a:t>
+              <a:t>2017/6/7</a:t>
             </a:fld>
             <a:endParaRPr lang="zh-CN" altLang="en-US"/>
           </a:p>
@@ -12279,7 +12283,7 @@
           <a:p>
             <a:fld id="{69E25F63-46CB-447C-9865-FD3714DA57D8}" type="datetimeFigureOut">
               <a:rPr lang="zh-CN" altLang="en-US" smtClean="0"/>
-              <a:t>2017/6/1</a:t>
+              <a:t>2017/6/7</a:t>
             </a:fld>
             <a:endParaRPr lang="zh-CN" altLang="en-US"/>
           </a:p>
@@ -12544,7 +12548,7 @@
           <a:p>
             <a:fld id="{69E25F63-46CB-447C-9865-FD3714DA57D8}" type="datetimeFigureOut">
               <a:rPr lang="zh-CN" altLang="en-US" smtClean="0"/>
-              <a:t>2017/6/1</a:t>
+              <a:t>2017/6/7</a:t>
             </a:fld>
             <a:endParaRPr lang="zh-CN" altLang="en-US"/>
           </a:p>
@@ -12793,7 +12797,7 @@
           <a:p>
             <a:fld id="{69E25F63-46CB-447C-9865-FD3714DA57D8}" type="datetimeFigureOut">
               <a:rPr lang="zh-CN" altLang="en-US" smtClean="0"/>
-              <a:t>2017/6/1</a:t>
+              <a:t>2017/6/7</a:t>
             </a:fld>
             <a:endParaRPr lang="zh-CN" altLang="en-US"/>
           </a:p>
@@ -13313,6 +13317,13 @@
   <p:clrMapOvr>
     <a:masterClrMapping/>
   </p:clrMapOvr>
+  <p:timing>
+    <p:tnLst>
+      <p:par>
+        <p:cTn id="1" dur="indefinite" restart="never" nodeType="tmRoot"/>
+      </p:par>
+    </p:tnLst>
+  </p:timing>
 </p:sld>
 </file>
 
@@ -13443,7 +13454,7 @@
           <a:graphicData uri="http://schemas.openxmlformats.org/presentationml/2006/ole">
             <mc:AlternateContent xmlns:mc="http://schemas.openxmlformats.org/markup-compatibility/2006">
               <mc:Choice xmlns:v="urn:schemas-microsoft-com:vml" Requires="v">
-                <p:oleObj spid="_x0000_s1107" name="公式" r:id="rId3" imgW="850680" imgH="203040" progId="Equation.3">
+                <p:oleObj spid="_x0000_s1118" name="公式" r:id="rId3" imgW="850680" imgH="203040" progId="Equation.3">
                   <p:embed/>
                 </p:oleObj>
               </mc:Choice>
@@ -30480,6 +30491,13 @@
   <p:clrMapOvr>
     <a:masterClrMapping/>
   </p:clrMapOvr>
+  <p:timing>
+    <p:tnLst>
+      <p:par>
+        <p:cTn id="1" dur="indefinite" restart="never" nodeType="tmRoot"/>
+      </p:par>
+    </p:tnLst>
+  </p:timing>
 </p:sld>
 </file>
 
@@ -30573,6 +30591,13 @@
   <p:clrMapOvr>
     <a:masterClrMapping/>
   </p:clrMapOvr>
+  <p:timing>
+    <p:tnLst>
+      <p:par>
+        <p:cTn id="1" dur="indefinite" restart="never" nodeType="tmRoot"/>
+      </p:par>
+    </p:tnLst>
+  </p:timing>
 </p:sld>
 </file>
 
@@ -30796,6 +30821,13 @@
   <p:clrMapOvr>
     <a:masterClrMapping/>
   </p:clrMapOvr>
+  <p:timing>
+    <p:tnLst>
+      <p:par>
+        <p:cTn id="1" dur="indefinite" restart="never" nodeType="tmRoot"/>
+      </p:par>
+    </p:tnLst>
+  </p:timing>
 </p:sld>
 </file>
 
@@ -30884,6 +30916,13 @@
   <p:clrMapOvr>
     <a:masterClrMapping/>
   </p:clrMapOvr>
+  <p:timing>
+    <p:tnLst>
+      <p:par>
+        <p:cTn id="1" dur="indefinite" restart="never" nodeType="tmRoot"/>
+      </p:par>
+    </p:tnLst>
+  </p:timing>
 </p:sld>
 </file>
 
@@ -31000,6 +31039,13 @@
   <p:clrMapOvr>
     <a:masterClrMapping/>
   </p:clrMapOvr>
+  <p:timing>
+    <p:tnLst>
+      <p:par>
+        <p:cTn id="1" dur="indefinite" restart="never" nodeType="tmRoot"/>
+      </p:par>
+    </p:tnLst>
+  </p:timing>
 </p:sld>
 </file>
 
@@ -31040,7 +31086,7 @@
               <a:t>关于</a:t>
             </a:r>
             <a:r>
-              <a:rPr lang="en-US" altLang="zh-CN" dirty="0" err="1"/>
+              <a:rPr lang="en-US" altLang="zh-CN" dirty="0"/>
               <a:t>memcpy</a:t>
             </a:r>
             <a:endParaRPr lang="zh-CN" altLang="en-US" dirty="0"/>
@@ -31063,17 +31109,47 @@
           <a:lstStyle/>
           <a:p>
             <a:r>
+              <a:rPr lang="zh-CN" altLang="en-US" dirty="0" smtClean="0"/>
+              <a:t>代码分析</a:t>
+            </a:r>
+            <a:endParaRPr lang="en-US" altLang="zh-CN" dirty="0" smtClean="0"/>
+          </a:p>
+          <a:p>
+            <a:r>
+              <a:rPr lang="en-US" altLang="zh-CN" dirty="0" smtClean="0"/>
+              <a:t>UV</a:t>
+            </a:r>
+            <a:r>
+              <a:rPr lang="zh-CN" altLang="en-US" dirty="0" smtClean="0"/>
+              <a:t>指令和优化</a:t>
+            </a:r>
+            <a:endParaRPr lang="en-US" altLang="zh-CN" dirty="0" smtClean="0"/>
+          </a:p>
+          <a:p>
+            <a:r>
+              <a:rPr lang="zh-CN" altLang="en-US" dirty="0" smtClean="0"/>
+              <a:t>在对象</a:t>
+            </a:r>
+            <a:r>
               <a:rPr lang="zh-CN" altLang="en-US" dirty="0"/>
-              <a:t>在类对象上使用</a:t>
-            </a:r>
-            <a:r>
-              <a:rPr lang="en-US" altLang="zh-CN" dirty="0" err="1"/>
-              <a:t>memcpy</a:t>
-            </a:r>
-            <a:endParaRPr lang="en-US" altLang="zh-CN"/>
-          </a:p>
-          <a:p>
-            <a:endParaRPr lang="zh-CN" altLang="en-US"/>
+              <a:t>上</a:t>
+            </a:r>
+            <a:r>
+              <a:rPr lang="zh-CN" altLang="en-US" dirty="0" smtClean="0"/>
+              <a:t>使用 </a:t>
+            </a:r>
+            <a:r>
+              <a:rPr lang="en-US" altLang="zh-CN" dirty="0" smtClean="0"/>
+              <a:t>memcpy </a:t>
+            </a:r>
+            <a:r>
+              <a:rPr lang="zh-CN" altLang="en-US" dirty="0" smtClean="0"/>
+              <a:t>引发的问题</a:t>
+            </a:r>
+            <a:endParaRPr lang="en-US" altLang="zh-CN" dirty="0"/>
+          </a:p>
+          <a:p>
+            <a:endParaRPr lang="zh-CN" altLang="en-US" dirty="0"/>
           </a:p>
         </p:txBody>
       </p:sp>
@@ -31087,6 +31163,660 @@
   <p:clrMapOvr>
     <a:masterClrMapping/>
   </p:clrMapOvr>
+  <p:timing>
+    <p:tnLst>
+      <p:par>
+        <p:cTn id="1" dur="indefinite" restart="never" nodeType="tmRoot"/>
+      </p:par>
+    </p:tnLst>
+  </p:timing>
+</p:sld>
+</file>
+
+<file path=ppt/slides/slide35.xml><?xml version="1.0" encoding="utf-8"?>
+<p:sld xmlns:a="http://schemas.openxmlformats.org/drawingml/2006/main" xmlns:r="http://schemas.openxmlformats.org/officeDocument/2006/relationships" xmlns:p="http://schemas.openxmlformats.org/presentationml/2006/main">
+  <p:cSld>
+    <p:spTree>
+      <p:nvGrpSpPr>
+        <p:cNvPr id="1" name=""/>
+        <p:cNvGrpSpPr/>
+        <p:nvPr/>
+      </p:nvGrpSpPr>
+      <p:grpSpPr>
+        <a:xfrm>
+          <a:off x="0" y="0"/>
+          <a:ext cx="0" cy="0"/>
+          <a:chOff x="0" y="0"/>
+          <a:chExt cx="0" cy="0"/>
+        </a:xfrm>
+      </p:grpSpPr>
+      <p:sp>
+        <p:nvSpPr>
+          <p:cNvPr id="2" name="标题 1"/>
+          <p:cNvSpPr>
+            <a:spLocks noGrp="1"/>
+          </p:cNvSpPr>
+          <p:nvPr>
+            <p:ph type="title"/>
+          </p:nvPr>
+        </p:nvSpPr>
+        <p:spPr/>
+        <p:txBody>
+          <a:bodyPr/>
+          <a:lstStyle/>
+          <a:p>
+            <a:r>
+              <a:rPr lang="en-US" altLang="zh-CN" dirty="0" smtClean="0"/>
+              <a:t>C++ Iterator</a:t>
+            </a:r>
+            <a:endParaRPr lang="zh-CN" altLang="en-US" dirty="0"/>
+          </a:p>
+        </p:txBody>
+      </p:sp>
+      <p:sp>
+        <p:nvSpPr>
+          <p:cNvPr id="3" name="内容占位符 2"/>
+          <p:cNvSpPr>
+            <a:spLocks noGrp="1"/>
+          </p:cNvSpPr>
+          <p:nvPr>
+            <p:ph idx="1"/>
+          </p:nvPr>
+        </p:nvSpPr>
+        <p:spPr/>
+        <p:txBody>
+          <a:bodyPr/>
+          <a:lstStyle/>
+          <a:p>
+            <a:r>
+              <a:rPr lang="zh-CN" altLang="en-US" dirty="0" smtClean="0"/>
+              <a:t>什么是迭代器</a:t>
+            </a:r>
+            <a:endParaRPr lang="en-US" altLang="zh-CN" dirty="0" smtClean="0"/>
+          </a:p>
+          <a:p>
+            <a:r>
+              <a:rPr lang="zh-CN" altLang="en-US" dirty="0"/>
+              <a:t>迭代</a:t>
+            </a:r>
+            <a:r>
+              <a:rPr lang="zh-CN" altLang="en-US" dirty="0" smtClean="0"/>
+              <a:t>器分类</a:t>
+            </a:r>
+            <a:endParaRPr lang="en-US" altLang="zh-CN" dirty="0" smtClean="0"/>
+          </a:p>
+          <a:p>
+            <a:pPr lvl="1"/>
+            <a:r>
+              <a:rPr lang="en-US" altLang="zh-CN" dirty="0" smtClean="0"/>
+              <a:t>input iterator</a:t>
+            </a:r>
+          </a:p>
+          <a:p>
+            <a:pPr lvl="1"/>
+            <a:r>
+              <a:rPr lang="en-US" altLang="zh-CN" dirty="0" smtClean="0"/>
+              <a:t>output iterator</a:t>
+            </a:r>
+          </a:p>
+          <a:p>
+            <a:pPr lvl="1"/>
+            <a:r>
+              <a:rPr lang="en-US" altLang="zh-CN" dirty="0" smtClean="0"/>
+              <a:t>forward iterator</a:t>
+            </a:r>
+          </a:p>
+          <a:p>
+            <a:pPr lvl="1"/>
+            <a:r>
+              <a:rPr lang="en-US" altLang="zh-CN" dirty="0" smtClean="0"/>
+              <a:t>bidirectional iterator</a:t>
+            </a:r>
+          </a:p>
+          <a:p>
+            <a:pPr lvl="1"/>
+            <a:r>
+              <a:rPr lang="en-US" altLang="zh-CN" dirty="0" smtClean="0"/>
+              <a:t>random iterator</a:t>
+            </a:r>
+          </a:p>
+          <a:p>
+            <a:pPr lvl="1"/>
+            <a:r>
+              <a:rPr lang="en-US" altLang="zh-CN" dirty="0" smtClean="0"/>
+              <a:t>reverse iterator</a:t>
+            </a:r>
+          </a:p>
+          <a:p>
+            <a:pPr lvl="1"/>
+            <a:endParaRPr lang="en-US" altLang="zh-CN" dirty="0" smtClean="0"/>
+          </a:p>
+        </p:txBody>
+      </p:sp>
+    </p:spTree>
+    <p:extLst>
+      <p:ext uri="{BB962C8B-B14F-4D97-AF65-F5344CB8AC3E}">
+        <p14:creationId xmlns:p14="http://schemas.microsoft.com/office/powerpoint/2010/main" val="822872759"/>
+      </p:ext>
+    </p:extLst>
+  </p:cSld>
+  <p:clrMapOvr>
+    <a:masterClrMapping/>
+  </p:clrMapOvr>
+  <p:timing>
+    <p:tnLst>
+      <p:par>
+        <p:cTn id="1" dur="indefinite" restart="never" nodeType="tmRoot"/>
+      </p:par>
+    </p:tnLst>
+  </p:timing>
+</p:sld>
+</file>
+
+<file path=ppt/slides/slide36.xml><?xml version="1.0" encoding="utf-8"?>
+<p:sld xmlns:a="http://schemas.openxmlformats.org/drawingml/2006/main" xmlns:r="http://schemas.openxmlformats.org/officeDocument/2006/relationships" xmlns:p="http://schemas.openxmlformats.org/presentationml/2006/main">
+  <p:cSld>
+    <p:spTree>
+      <p:nvGrpSpPr>
+        <p:cNvPr id="1" name=""/>
+        <p:cNvGrpSpPr/>
+        <p:nvPr/>
+      </p:nvGrpSpPr>
+      <p:grpSpPr>
+        <a:xfrm>
+          <a:off x="0" y="0"/>
+          <a:ext cx="0" cy="0"/>
+          <a:chOff x="0" y="0"/>
+          <a:chExt cx="0" cy="0"/>
+        </a:xfrm>
+      </p:grpSpPr>
+      <p:sp>
+        <p:nvSpPr>
+          <p:cNvPr id="2" name="标题 1"/>
+          <p:cNvSpPr>
+            <a:spLocks noGrp="1"/>
+          </p:cNvSpPr>
+          <p:nvPr>
+            <p:ph type="title"/>
+          </p:nvPr>
+        </p:nvSpPr>
+        <p:spPr/>
+        <p:txBody>
+          <a:bodyPr/>
+          <a:lstStyle/>
+          <a:p>
+            <a:r>
+              <a:rPr lang="en-US" altLang="zh-CN" dirty="0" smtClean="0"/>
+              <a:t>C++ 11 – </a:t>
+            </a:r>
+            <a:r>
+              <a:rPr lang="zh-CN" altLang="en-US" dirty="0" smtClean="0"/>
+              <a:t>新增特性</a:t>
+            </a:r>
+            <a:endParaRPr lang="zh-CN" altLang="en-US" dirty="0"/>
+          </a:p>
+        </p:txBody>
+      </p:sp>
+      <p:sp>
+        <p:nvSpPr>
+          <p:cNvPr id="3" name="内容占位符 2"/>
+          <p:cNvSpPr>
+            <a:spLocks noGrp="1"/>
+          </p:cNvSpPr>
+          <p:nvPr>
+            <p:ph idx="1"/>
+          </p:nvPr>
+        </p:nvSpPr>
+        <p:spPr/>
+        <p:txBody>
+          <a:bodyPr>
+            <a:normAutofit lnSpcReduction="10000"/>
+          </a:bodyPr>
+          <a:lstStyle/>
+          <a:p>
+            <a:r>
+              <a:rPr lang="en-US" altLang="zh-CN" dirty="0"/>
+              <a:t>Lambda </a:t>
+            </a:r>
+            <a:r>
+              <a:rPr lang="zh-CN" altLang="en-US" dirty="0" smtClean="0"/>
+              <a:t>表达式</a:t>
+            </a:r>
+            <a:endParaRPr lang="en-US" altLang="zh-CN" dirty="0" smtClean="0"/>
+          </a:p>
+          <a:p>
+            <a:r>
+              <a:rPr lang="zh-CN" altLang="en-US" dirty="0" smtClean="0"/>
+              <a:t>自动类型推导 </a:t>
+            </a:r>
+            <a:endParaRPr lang="en-US" altLang="zh-CN" dirty="0" smtClean="0"/>
+          </a:p>
+          <a:p>
+            <a:pPr lvl="1"/>
+            <a:r>
+              <a:rPr lang="en-US" altLang="zh-CN" dirty="0" smtClean="0"/>
+              <a:t>auto</a:t>
+            </a:r>
+          </a:p>
+          <a:p>
+            <a:pPr lvl="1"/>
+            <a:r>
+              <a:rPr lang="en-US" altLang="zh-CN" dirty="0" err="1" smtClean="0"/>
+              <a:t>decltype</a:t>
+            </a:r>
+            <a:endParaRPr lang="en-US" altLang="zh-CN" dirty="0" smtClean="0"/>
+          </a:p>
+          <a:p>
+            <a:r>
+              <a:rPr lang="en-US" altLang="zh-CN" dirty="0" err="1" smtClean="0"/>
+              <a:t>InitializeList</a:t>
+            </a:r>
+            <a:r>
+              <a:rPr lang="en-US" altLang="zh-CN" dirty="0" smtClean="0"/>
+              <a:t> </a:t>
+            </a:r>
+            <a:r>
+              <a:rPr lang="zh-CN" altLang="en-US" dirty="0" smtClean="0"/>
+              <a:t>初始化</a:t>
+            </a:r>
+            <a:endParaRPr lang="en-US" altLang="zh-CN" dirty="0" smtClean="0"/>
+          </a:p>
+          <a:p>
+            <a:r>
+              <a:rPr lang="zh-CN" altLang="en-US" dirty="0"/>
+              <a:t>右值</a:t>
+            </a:r>
+            <a:r>
+              <a:rPr lang="zh-CN" altLang="en-US" dirty="0" smtClean="0"/>
+              <a:t>引用 和 </a:t>
+            </a:r>
+            <a:r>
+              <a:rPr lang="en-US" altLang="zh-CN" dirty="0" smtClean="0"/>
+              <a:t>move </a:t>
+            </a:r>
+            <a:r>
+              <a:rPr lang="zh-CN" altLang="en-US" dirty="0" smtClean="0"/>
+              <a:t>语义</a:t>
+            </a:r>
+            <a:endParaRPr lang="en-US" altLang="zh-CN" dirty="0" smtClean="0"/>
+          </a:p>
+          <a:p>
+            <a:r>
+              <a:rPr lang="zh-CN" altLang="en-US" dirty="0" smtClean="0"/>
+              <a:t>构造函数</a:t>
+            </a:r>
+            <a:endParaRPr lang="en-US" altLang="zh-CN" dirty="0" smtClean="0"/>
+          </a:p>
+          <a:p>
+            <a:pPr lvl="1"/>
+            <a:r>
+              <a:rPr lang="zh-CN" altLang="en-US" dirty="0" smtClean="0"/>
+              <a:t>委托构造</a:t>
+            </a:r>
+            <a:endParaRPr lang="en-US" altLang="zh-CN" dirty="0" smtClean="0"/>
+          </a:p>
+          <a:p>
+            <a:pPr lvl="1"/>
+            <a:r>
+              <a:rPr lang="en-US" altLang="zh-CN" dirty="0" smtClean="0"/>
+              <a:t>default</a:t>
+            </a:r>
+          </a:p>
+          <a:p>
+            <a:pPr lvl="1"/>
+            <a:r>
+              <a:rPr lang="en-US" altLang="zh-CN" dirty="0" smtClean="0"/>
+              <a:t>Delete</a:t>
+            </a:r>
+          </a:p>
+          <a:p>
+            <a:r>
+              <a:rPr lang="en-US" altLang="zh-CN" dirty="0" err="1" smtClean="0"/>
+              <a:t>nullptr</a:t>
+            </a:r>
+            <a:endParaRPr lang="zh-CN" altLang="en-US" dirty="0"/>
+          </a:p>
+        </p:txBody>
+      </p:sp>
+    </p:spTree>
+    <p:extLst>
+      <p:ext uri="{BB962C8B-B14F-4D97-AF65-F5344CB8AC3E}">
+        <p14:creationId xmlns:p14="http://schemas.microsoft.com/office/powerpoint/2010/main" val="3598366651"/>
+      </p:ext>
+    </p:extLst>
+  </p:cSld>
+  <p:clrMapOvr>
+    <a:masterClrMapping/>
+  </p:clrMapOvr>
+  <p:timing>
+    <p:tnLst>
+      <p:par>
+        <p:cTn id="1" dur="indefinite" restart="never" nodeType="tmRoot"/>
+      </p:par>
+    </p:tnLst>
+  </p:timing>
+</p:sld>
+</file>
+
+<file path=ppt/slides/slide37.xml><?xml version="1.0" encoding="utf-8"?>
+<p:sld xmlns:a="http://schemas.openxmlformats.org/drawingml/2006/main" xmlns:r="http://schemas.openxmlformats.org/officeDocument/2006/relationships" xmlns:p="http://schemas.openxmlformats.org/presentationml/2006/main">
+  <p:cSld>
+    <p:spTree>
+      <p:nvGrpSpPr>
+        <p:cNvPr id="1" name=""/>
+        <p:cNvGrpSpPr/>
+        <p:nvPr/>
+      </p:nvGrpSpPr>
+      <p:grpSpPr>
+        <a:xfrm>
+          <a:off x="0" y="0"/>
+          <a:ext cx="0" cy="0"/>
+          <a:chOff x="0" y="0"/>
+          <a:chExt cx="0" cy="0"/>
+        </a:xfrm>
+      </p:grpSpPr>
+      <p:sp>
+        <p:nvSpPr>
+          <p:cNvPr id="2" name="标题 1"/>
+          <p:cNvSpPr>
+            <a:spLocks noGrp="1"/>
+          </p:cNvSpPr>
+          <p:nvPr>
+            <p:ph type="title"/>
+          </p:nvPr>
+        </p:nvSpPr>
+        <p:spPr/>
+        <p:txBody>
+          <a:bodyPr/>
+          <a:lstStyle/>
+          <a:p>
+            <a:r>
+              <a:rPr lang="en-US" altLang="zh-CN" dirty="0" smtClean="0"/>
+              <a:t>C++ 11 – </a:t>
+            </a:r>
+            <a:r>
+              <a:rPr lang="zh-CN" altLang="en-US" dirty="0" smtClean="0"/>
+              <a:t>新增标准库</a:t>
+            </a:r>
+            <a:endParaRPr lang="zh-CN" altLang="en-US" dirty="0"/>
+          </a:p>
+        </p:txBody>
+      </p:sp>
+      <p:sp>
+        <p:nvSpPr>
+          <p:cNvPr id="3" name="内容占位符 2"/>
+          <p:cNvSpPr>
+            <a:spLocks noGrp="1"/>
+          </p:cNvSpPr>
+          <p:nvPr>
+            <p:ph idx="1"/>
+          </p:nvPr>
+        </p:nvSpPr>
+        <p:spPr/>
+        <p:txBody>
+          <a:bodyPr/>
+          <a:lstStyle/>
+          <a:p>
+            <a:r>
+              <a:rPr lang="zh-CN" altLang="en-US" dirty="0" smtClean="0"/>
+              <a:t>非排序关联容器</a:t>
+            </a:r>
+            <a:endParaRPr lang="en-US" altLang="zh-CN" dirty="0" smtClean="0"/>
+          </a:p>
+          <a:p>
+            <a:pPr lvl="1"/>
+            <a:r>
+              <a:rPr lang="en-US" altLang="zh-CN" dirty="0" err="1" smtClean="0"/>
+              <a:t>unordered_set</a:t>
+            </a:r>
+            <a:endParaRPr lang="en-US" altLang="zh-CN" dirty="0" smtClean="0"/>
+          </a:p>
+          <a:p>
+            <a:pPr lvl="1"/>
+            <a:r>
+              <a:rPr lang="en-US" altLang="zh-CN" dirty="0" err="1" smtClean="0"/>
+              <a:t>unordered_map</a:t>
+            </a:r>
+            <a:endParaRPr lang="en-US" altLang="zh-CN" dirty="0" smtClean="0"/>
+          </a:p>
+          <a:p>
+            <a:r>
+              <a:rPr lang="zh-CN" altLang="en-US" dirty="0" smtClean="0"/>
+              <a:t>智能指针</a:t>
+            </a:r>
+            <a:endParaRPr lang="en-US" altLang="zh-CN" dirty="0" smtClean="0"/>
+          </a:p>
+          <a:p>
+            <a:pPr lvl="1"/>
+            <a:r>
+              <a:rPr lang="en-US" altLang="zh-CN" dirty="0" err="1" smtClean="0"/>
+              <a:t>unique_ptr</a:t>
+            </a:r>
+            <a:endParaRPr lang="en-US" altLang="zh-CN" dirty="0" smtClean="0"/>
+          </a:p>
+          <a:p>
+            <a:pPr lvl="1"/>
+            <a:r>
+              <a:rPr lang="en-US" altLang="zh-CN" dirty="0" err="1" smtClean="0"/>
+              <a:t>shared_ptr</a:t>
+            </a:r>
+            <a:endParaRPr lang="en-US" altLang="zh-CN" dirty="0"/>
+          </a:p>
+          <a:p>
+            <a:r>
+              <a:rPr lang="zh-CN" altLang="en-US" b="1" dirty="0" smtClean="0"/>
+              <a:t>线程库</a:t>
+            </a:r>
+            <a:endParaRPr lang="en-US" altLang="zh-CN" b="1" dirty="0" smtClean="0"/>
+          </a:p>
+          <a:p>
+            <a:pPr lvl="1"/>
+            <a:r>
+              <a:rPr lang="en-US" altLang="zh-CN" b="1" dirty="0" smtClean="0"/>
+              <a:t>thread</a:t>
+            </a:r>
+          </a:p>
+          <a:p>
+            <a:pPr lvl="1"/>
+            <a:r>
+              <a:rPr lang="en-US" altLang="zh-CN" b="1" dirty="0" smtClean="0"/>
+              <a:t>promises</a:t>
+            </a:r>
+          </a:p>
+          <a:p>
+            <a:pPr lvl="1"/>
+            <a:r>
+              <a:rPr lang="en-US" altLang="zh-CN" b="1" dirty="0" smtClean="0"/>
+              <a:t>futures</a:t>
+            </a:r>
+          </a:p>
+          <a:p>
+            <a:pPr lvl="1"/>
+            <a:r>
+              <a:rPr lang="en-US" altLang="zh-CN" b="1" dirty="0" err="1" smtClean="0"/>
+              <a:t>async</a:t>
+            </a:r>
+            <a:r>
+              <a:rPr lang="en-US" altLang="zh-CN" b="1" dirty="0" smtClean="0"/>
+              <a:t>()</a:t>
+            </a:r>
+          </a:p>
+          <a:p>
+            <a:endParaRPr lang="zh-CN" altLang="en-US" b="1" dirty="0"/>
+          </a:p>
+          <a:p>
+            <a:endParaRPr lang="zh-CN" altLang="en-US" dirty="0"/>
+          </a:p>
+        </p:txBody>
+      </p:sp>
+    </p:spTree>
+    <p:extLst>
+      <p:ext uri="{BB962C8B-B14F-4D97-AF65-F5344CB8AC3E}">
+        <p14:creationId xmlns:p14="http://schemas.microsoft.com/office/powerpoint/2010/main" val="2054094033"/>
+      </p:ext>
+    </p:extLst>
+  </p:cSld>
+  <p:clrMapOvr>
+    <a:masterClrMapping/>
+  </p:clrMapOvr>
+  <p:timing>
+    <p:tnLst>
+      <p:par>
+        <p:cTn id="1" dur="indefinite" restart="never" nodeType="tmRoot"/>
+      </p:par>
+    </p:tnLst>
+  </p:timing>
+</p:sld>
+</file>
+
+<file path=ppt/slides/slide38.xml><?xml version="1.0" encoding="utf-8"?>
+<p:sld xmlns:a="http://schemas.openxmlformats.org/drawingml/2006/main" xmlns:r="http://schemas.openxmlformats.org/officeDocument/2006/relationships" xmlns:p="http://schemas.openxmlformats.org/presentationml/2006/main">
+  <p:cSld>
+    <p:spTree>
+      <p:nvGrpSpPr>
+        <p:cNvPr id="1" name=""/>
+        <p:cNvGrpSpPr/>
+        <p:nvPr/>
+      </p:nvGrpSpPr>
+      <p:grpSpPr>
+        <a:xfrm>
+          <a:off x="0" y="0"/>
+          <a:ext cx="0" cy="0"/>
+          <a:chOff x="0" y="0"/>
+          <a:chExt cx="0" cy="0"/>
+        </a:xfrm>
+      </p:grpSpPr>
+      <p:sp>
+        <p:nvSpPr>
+          <p:cNvPr id="2" name="标题 1"/>
+          <p:cNvSpPr>
+            <a:spLocks noGrp="1"/>
+          </p:cNvSpPr>
+          <p:nvPr>
+            <p:ph type="title"/>
+          </p:nvPr>
+        </p:nvSpPr>
+        <p:spPr/>
+        <p:txBody>
+          <a:bodyPr/>
+          <a:lstStyle/>
+          <a:p>
+            <a:r>
+              <a:rPr lang="en-US" altLang="zh-CN" dirty="0" smtClean="0"/>
+              <a:t>C++ Template</a:t>
+            </a:r>
+            <a:endParaRPr lang="zh-CN" altLang="en-US" dirty="0"/>
+          </a:p>
+        </p:txBody>
+      </p:sp>
+      <p:sp>
+        <p:nvSpPr>
+          <p:cNvPr id="3" name="内容占位符 2"/>
+          <p:cNvSpPr>
+            <a:spLocks noGrp="1"/>
+          </p:cNvSpPr>
+          <p:nvPr>
+            <p:ph idx="1"/>
+          </p:nvPr>
+        </p:nvSpPr>
+        <p:spPr/>
+        <p:txBody>
+          <a:bodyPr/>
+          <a:lstStyle/>
+          <a:p>
+            <a:r>
+              <a:rPr lang="en-US" altLang="zh-CN" dirty="0" smtClean="0"/>
+              <a:t>template </a:t>
+            </a:r>
+            <a:r>
+              <a:rPr lang="zh-CN" altLang="en-US" dirty="0" smtClean="0"/>
+              <a:t>不是简单的 </a:t>
+            </a:r>
+            <a:r>
+              <a:rPr lang="en-US" altLang="zh-CN" dirty="0" smtClean="0"/>
+              <a:t>macro </a:t>
+            </a:r>
+            <a:r>
+              <a:rPr lang="zh-CN" altLang="en-US" dirty="0" smtClean="0"/>
+              <a:t>替换</a:t>
+            </a:r>
+            <a:endParaRPr lang="en-US" altLang="zh-CN" dirty="0" smtClean="0"/>
+          </a:p>
+          <a:p>
+            <a:r>
+              <a:rPr lang="zh-CN" altLang="en-US" dirty="0" smtClean="0"/>
+              <a:t>贪婪匹配法则</a:t>
+            </a:r>
+            <a:endParaRPr lang="en-US" altLang="zh-CN" dirty="0" smtClean="0"/>
+          </a:p>
+          <a:p>
+            <a:r>
+              <a:rPr lang="en-US" altLang="zh-CN" dirty="0" err="1" smtClean="0"/>
+              <a:t>type_list</a:t>
+            </a:r>
+            <a:r>
+              <a:rPr lang="en-US" altLang="zh-CN" dirty="0" smtClean="0"/>
+              <a:t> </a:t>
+            </a:r>
+            <a:r>
+              <a:rPr lang="zh-CN" altLang="en-US" dirty="0" smtClean="0"/>
+              <a:t>和 </a:t>
+            </a:r>
+            <a:r>
+              <a:rPr lang="en-US" altLang="zh-CN" dirty="0" err="1" smtClean="0"/>
+              <a:t>none_type</a:t>
+            </a:r>
+            <a:endParaRPr lang="en-US" altLang="zh-CN" dirty="0" smtClean="0"/>
+          </a:p>
+          <a:p>
+            <a:r>
+              <a:rPr lang="en-US" altLang="zh-CN" dirty="0" err="1" smtClean="0"/>
+              <a:t>type_traits</a:t>
+            </a:r>
+            <a:r>
+              <a:rPr lang="en-US" altLang="zh-CN" dirty="0" smtClean="0"/>
+              <a:t> </a:t>
+            </a:r>
+            <a:r>
+              <a:rPr lang="zh-CN" altLang="en-US" dirty="0" smtClean="0"/>
+              <a:t>类型萃取</a:t>
+            </a:r>
+            <a:endParaRPr lang="en-US" altLang="zh-CN" dirty="0" smtClean="0"/>
+          </a:p>
+          <a:p>
+            <a:r>
+              <a:rPr lang="en-US" altLang="zh-CN" dirty="0" err="1" smtClean="0"/>
+              <a:t>type_police</a:t>
+            </a:r>
+            <a:r>
+              <a:rPr lang="en-US" altLang="zh-CN" dirty="0" smtClean="0"/>
+              <a:t> </a:t>
+            </a:r>
+            <a:r>
+              <a:rPr lang="zh-CN" altLang="en-US" dirty="0" smtClean="0"/>
+              <a:t>类型策略</a:t>
+            </a:r>
+            <a:endParaRPr lang="zh-CN" altLang="en-US" dirty="0"/>
+          </a:p>
+        </p:txBody>
+      </p:sp>
+    </p:spTree>
+    <p:extLst>
+      <p:ext uri="{BB962C8B-B14F-4D97-AF65-F5344CB8AC3E}">
+        <p14:creationId xmlns:p14="http://schemas.microsoft.com/office/powerpoint/2010/main" val="2247655697"/>
+      </p:ext>
+    </p:extLst>
+  </p:cSld>
+  <p:clrMapOvr>
+    <a:masterClrMapping/>
+  </p:clrMapOvr>
+  <p:timing>
+    <p:tnLst>
+      <p:par>
+        <p:cTn id="1" dur="indefinite" restart="never" nodeType="tmRoot"/>
+      </p:par>
+    </p:tnLst>
+  </p:timing>
 </p:sld>
 </file>
 

--- a/advance c++/courseware.pptx
+++ b/advance c++/courseware.pptx
@@ -238,7 +238,7 @@
           <a:p>
             <a:fld id="{42D05AB1-CFCA-4702-9B4D-FCAB6AF0FE14}" type="datetimeFigureOut">
               <a:rPr lang="zh-CN" altLang="en-US" smtClean="0"/>
-              <a:t>2017/6/7</a:t>
+              <a:t>2017/6/15</a:t>
             </a:fld>
             <a:endParaRPr lang="zh-CN" altLang="en-US"/>
           </a:p>
@@ -10143,7 +10143,7 @@
           <a:p>
             <a:fld id="{69E25F63-46CB-447C-9865-FD3714DA57D8}" type="datetimeFigureOut">
               <a:rPr lang="zh-CN" altLang="en-US" smtClean="0"/>
-              <a:t>2017/6/7</a:t>
+              <a:t>2017/6/15</a:t>
             </a:fld>
             <a:endParaRPr lang="zh-CN" altLang="en-US"/>
           </a:p>
@@ -10329,7 +10329,7 @@
           <a:p>
             <a:fld id="{69E25F63-46CB-447C-9865-FD3714DA57D8}" type="datetimeFigureOut">
               <a:rPr lang="zh-CN" altLang="en-US" smtClean="0"/>
-              <a:t>2017/6/7</a:t>
+              <a:t>2017/6/15</a:t>
             </a:fld>
             <a:endParaRPr lang="zh-CN" altLang="en-US"/>
           </a:p>
@@ -10552,7 +10552,7 @@
           <a:p>
             <a:fld id="{69E25F63-46CB-447C-9865-FD3714DA57D8}" type="datetimeFigureOut">
               <a:rPr lang="zh-CN" altLang="en-US" smtClean="0"/>
-              <a:t>2017/6/7</a:t>
+              <a:t>2017/6/15</a:t>
             </a:fld>
             <a:endParaRPr lang="zh-CN" altLang="en-US"/>
           </a:p>
@@ -10732,7 +10732,7 @@
           <a:p>
             <a:fld id="{69E25F63-46CB-447C-9865-FD3714DA57D8}" type="datetimeFigureOut">
               <a:rPr lang="zh-CN" altLang="en-US" smtClean="0"/>
-              <a:t>2017/6/7</a:t>
+              <a:t>2017/6/15</a:t>
             </a:fld>
             <a:endParaRPr lang="zh-CN" altLang="en-US"/>
           </a:p>
@@ -11071,7 +11071,7 @@
           <a:p>
             <a:fld id="{69E25F63-46CB-447C-9865-FD3714DA57D8}" type="datetimeFigureOut">
               <a:rPr lang="zh-CN" altLang="en-US" smtClean="0"/>
-              <a:t>2017/6/7</a:t>
+              <a:t>2017/6/15</a:t>
             </a:fld>
             <a:endParaRPr lang="zh-CN" altLang="en-US"/>
           </a:p>
@@ -11375,7 +11375,7 @@
           <a:p>
             <a:fld id="{69E25F63-46CB-447C-9865-FD3714DA57D8}" type="datetimeFigureOut">
               <a:rPr lang="zh-CN" altLang="en-US" smtClean="0"/>
-              <a:t>2017/6/7</a:t>
+              <a:t>2017/6/15</a:t>
             </a:fld>
             <a:endParaRPr lang="zh-CN" altLang="en-US"/>
           </a:p>
@@ -11797,7 +11797,7 @@
           <a:p>
             <a:fld id="{69E25F63-46CB-447C-9865-FD3714DA57D8}" type="datetimeFigureOut">
               <a:rPr lang="zh-CN" altLang="en-US" smtClean="0"/>
-              <a:t>2017/6/7</a:t>
+              <a:t>2017/6/15</a:t>
             </a:fld>
             <a:endParaRPr lang="zh-CN" altLang="en-US"/>
           </a:p>
@@ -11915,7 +11915,7 @@
           <a:p>
             <a:fld id="{69E25F63-46CB-447C-9865-FD3714DA57D8}" type="datetimeFigureOut">
               <a:rPr lang="zh-CN" altLang="en-US" smtClean="0"/>
-              <a:t>2017/6/7</a:t>
+              <a:t>2017/6/15</a:t>
             </a:fld>
             <a:endParaRPr lang="zh-CN" altLang="en-US"/>
           </a:p>
@@ -12010,7 +12010,7 @@
           <a:p>
             <a:fld id="{69E25F63-46CB-447C-9865-FD3714DA57D8}" type="datetimeFigureOut">
               <a:rPr lang="zh-CN" altLang="en-US" smtClean="0"/>
-              <a:t>2017/6/7</a:t>
+              <a:t>2017/6/15</a:t>
             </a:fld>
             <a:endParaRPr lang="zh-CN" altLang="en-US"/>
           </a:p>
@@ -12283,7 +12283,7 @@
           <a:p>
             <a:fld id="{69E25F63-46CB-447C-9865-FD3714DA57D8}" type="datetimeFigureOut">
               <a:rPr lang="zh-CN" altLang="en-US" smtClean="0"/>
-              <a:t>2017/6/7</a:t>
+              <a:t>2017/6/15</a:t>
             </a:fld>
             <a:endParaRPr lang="zh-CN" altLang="en-US"/>
           </a:p>
@@ -12548,7 +12548,7 @@
           <a:p>
             <a:fld id="{69E25F63-46CB-447C-9865-FD3714DA57D8}" type="datetimeFigureOut">
               <a:rPr lang="zh-CN" altLang="en-US" smtClean="0"/>
-              <a:t>2017/6/7</a:t>
+              <a:t>2017/6/15</a:t>
             </a:fld>
             <a:endParaRPr lang="zh-CN" altLang="en-US"/>
           </a:p>
@@ -12797,7 +12797,7 @@
           <a:p>
             <a:fld id="{69E25F63-46CB-447C-9865-FD3714DA57D8}" type="datetimeFigureOut">
               <a:rPr lang="zh-CN" altLang="en-US" smtClean="0"/>
-              <a:t>2017/6/7</a:t>
+              <a:t>2017/6/15</a:t>
             </a:fld>
             <a:endParaRPr lang="zh-CN" altLang="en-US"/>
           </a:p>
@@ -13317,13 +13317,6 @@
   <p:clrMapOvr>
     <a:masterClrMapping/>
   </p:clrMapOvr>
-  <p:timing>
-    <p:tnLst>
-      <p:par>
-        <p:cTn id="1" dur="indefinite" restart="never" nodeType="tmRoot"/>
-      </p:par>
-    </p:tnLst>
-  </p:timing>
 </p:sld>
 </file>
 
@@ -13454,7 +13447,7 @@
           <a:graphicData uri="http://schemas.openxmlformats.org/presentationml/2006/ole">
             <mc:AlternateContent xmlns:mc="http://schemas.openxmlformats.org/markup-compatibility/2006">
               <mc:Choice xmlns:v="urn:schemas-microsoft-com:vml" Requires="v">
-                <p:oleObj spid="_x0000_s1118" name="公式" r:id="rId3" imgW="850680" imgH="203040" progId="Equation.3">
+                <p:oleObj spid="_x0000_s1121" name="公式" r:id="rId3" imgW="850680" imgH="203040" progId="Equation.3">
                   <p:embed/>
                 </p:oleObj>
               </mc:Choice>
@@ -15704,7 +15697,7 @@
                 </a:solidFill>
                 <a:latin typeface="Consolas" panose="020B0609020204030204" pitchFamily="49" charset="0"/>
               </a:rPr>
-              <a:t>int</a:t>
+              <a:t>int32_t</a:t>
             </a:r>
             <a:r>
               <a:rPr lang="en-US" altLang="zh-CN" dirty="0">
@@ -15724,7 +15717,7 @@
                 </a:solidFill>
                 <a:latin typeface="Consolas" panose="020B0609020204030204" pitchFamily="49" charset="0"/>
               </a:rPr>
-              <a:t>short</a:t>
+              <a:t>int16_t</a:t>
             </a:r>
             <a:r>
               <a:rPr lang="en-US" altLang="zh-CN" dirty="0">
@@ -15742,7 +15735,7 @@
                 </a:solidFill>
                 <a:latin typeface="Consolas" panose="020B0609020204030204" pitchFamily="49" charset="0"/>
               </a:rPr>
-              <a:t>short</a:t>
+              <a:t>int16_t</a:t>
             </a:r>
             <a:r>
               <a:rPr lang="en-US" altLang="zh-CN" dirty="0">
@@ -15982,41 +15975,6 @@
             <a:endParaRPr lang="en-US" altLang="zh-CN" dirty="0"/>
           </a:p>
           <a:p>
-            <a:r>
-              <a:rPr lang="zh-CN" altLang="en-US" dirty="0"/>
-              <a:t>有符号数</a:t>
-            </a:r>
-            <a:r>
-              <a:rPr lang="zh-CN" altLang="en-US" dirty="0">
-                <a:solidFill>
-                  <a:srgbClr val="FF0000"/>
-                </a:solidFill>
-              </a:rPr>
-              <a:t>比较</a:t>
-            </a:r>
-            <a:r>
-              <a:rPr lang="zh-CN" altLang="en-US" dirty="0"/>
-              <a:t>布尔值</a:t>
-            </a:r>
-            <a:endParaRPr lang="en-US" altLang="zh-CN" dirty="0"/>
-          </a:p>
-          <a:p>
-            <a:r>
-              <a:rPr lang="zh-CN" altLang="en-US" dirty="0"/>
-              <a:t>浮点数</a:t>
-            </a:r>
-            <a:r>
-              <a:rPr lang="zh-CN" altLang="en-US" dirty="0">
-                <a:solidFill>
-                  <a:srgbClr val="FF0000"/>
-                </a:solidFill>
-              </a:rPr>
-              <a:t>比较</a:t>
-            </a:r>
-            <a:r>
-              <a:rPr lang="zh-CN" altLang="en-US" dirty="0"/>
-              <a:t>布尔值</a:t>
-            </a:r>
             <a:endParaRPr lang="en-US" altLang="zh-CN" dirty="0"/>
           </a:p>
         </p:txBody>
@@ -30491,13 +30449,6 @@
   <p:clrMapOvr>
     <a:masterClrMapping/>
   </p:clrMapOvr>
-  <p:timing>
-    <p:tnLst>
-      <p:par>
-        <p:cTn id="1" dur="indefinite" restart="never" nodeType="tmRoot"/>
-      </p:par>
-    </p:tnLst>
-  </p:timing>
 </p:sld>
 </file>
 
@@ -30591,13 +30542,6 @@
   <p:clrMapOvr>
     <a:masterClrMapping/>
   </p:clrMapOvr>
-  <p:timing>
-    <p:tnLst>
-      <p:par>
-        <p:cTn id="1" dur="indefinite" restart="never" nodeType="tmRoot"/>
-      </p:par>
-    </p:tnLst>
-  </p:timing>
 </p:sld>
 </file>
 
@@ -30821,13 +30765,6 @@
   <p:clrMapOvr>
     <a:masterClrMapping/>
   </p:clrMapOvr>
-  <p:timing>
-    <p:tnLst>
-      <p:par>
-        <p:cTn id="1" dur="indefinite" restart="never" nodeType="tmRoot"/>
-      </p:par>
-    </p:tnLst>
-  </p:timing>
 </p:sld>
 </file>
 
@@ -30916,13 +30853,6 @@
   <p:clrMapOvr>
     <a:masterClrMapping/>
   </p:clrMapOvr>
-  <p:timing>
-    <p:tnLst>
-      <p:par>
-        <p:cTn id="1" dur="indefinite" restart="never" nodeType="tmRoot"/>
-      </p:par>
-    </p:tnLst>
-  </p:timing>
 </p:sld>
 </file>
 
@@ -31039,13 +30969,6 @@
   <p:clrMapOvr>
     <a:masterClrMapping/>
   </p:clrMapOvr>
-  <p:timing>
-    <p:tnLst>
-      <p:par>
-        <p:cTn id="1" dur="indefinite" restart="never" nodeType="tmRoot"/>
-      </p:par>
-    </p:tnLst>
-  </p:timing>
 </p:sld>
 </file>
 
@@ -31109,41 +31032,33 @@
           <a:lstStyle/>
           <a:p>
             <a:r>
-              <a:rPr lang="zh-CN" altLang="en-US" dirty="0" smtClean="0"/>
+              <a:rPr lang="zh-CN" altLang="en-US" dirty="0"/>
               <a:t>代码分析</a:t>
             </a:r>
-            <a:endParaRPr lang="en-US" altLang="zh-CN" dirty="0" smtClean="0"/>
-          </a:p>
-          <a:p>
-            <a:r>
-              <a:rPr lang="en-US" altLang="zh-CN" dirty="0" smtClean="0"/>
+            <a:endParaRPr lang="en-US" altLang="zh-CN" dirty="0"/>
+          </a:p>
+          <a:p>
+            <a:r>
+              <a:rPr lang="en-US" altLang="zh-CN" dirty="0"/>
               <a:t>UV</a:t>
             </a:r>
             <a:r>
-              <a:rPr lang="zh-CN" altLang="en-US" dirty="0" smtClean="0"/>
+              <a:rPr lang="zh-CN" altLang="en-US" dirty="0"/>
               <a:t>指令和优化</a:t>
             </a:r>
-            <a:endParaRPr lang="en-US" altLang="zh-CN" dirty="0" smtClean="0"/>
-          </a:p>
-          <a:p>
-            <a:r>
-              <a:rPr lang="zh-CN" altLang="en-US" dirty="0" smtClean="0"/>
-              <a:t>在对象</a:t>
-            </a:r>
+            <a:endParaRPr lang="en-US" altLang="zh-CN" dirty="0"/>
+          </a:p>
+          <a:p>
             <a:r>
               <a:rPr lang="zh-CN" altLang="en-US" dirty="0"/>
-              <a:t>上</a:t>
-            </a:r>
-            <a:r>
-              <a:rPr lang="zh-CN" altLang="en-US" dirty="0" smtClean="0"/>
-              <a:t>使用 </a:t>
-            </a:r>
-            <a:r>
-              <a:rPr lang="en-US" altLang="zh-CN" dirty="0" smtClean="0"/>
+              <a:t>在对象上使用 </a:t>
+            </a:r>
+            <a:r>
+              <a:rPr lang="en-US" altLang="zh-CN" dirty="0"/>
               <a:t>memcpy </a:t>
             </a:r>
             <a:r>
-              <a:rPr lang="zh-CN" altLang="en-US" dirty="0" smtClean="0"/>
+              <a:rPr lang="zh-CN" altLang="en-US" dirty="0"/>
               <a:t>引发的问题</a:t>
             </a:r>
             <a:endParaRPr lang="en-US" altLang="zh-CN" dirty="0"/>
@@ -31163,13 +31078,6 @@
   <p:clrMapOvr>
     <a:masterClrMapping/>
   </p:clrMapOvr>
-  <p:timing>
-    <p:tnLst>
-      <p:par>
-        <p:cTn id="1" dur="indefinite" restart="never" nodeType="tmRoot"/>
-      </p:par>
-    </p:tnLst>
-  </p:timing>
 </p:sld>
 </file>
 
@@ -31206,7 +31114,7 @@
           <a:lstStyle/>
           <a:p>
             <a:r>
-              <a:rPr lang="en-US" altLang="zh-CN" dirty="0" smtClean="0"/>
+              <a:rPr lang="en-US" altLang="zh-CN" dirty="0"/>
               <a:t>C++ Iterator</a:t>
             </a:r>
             <a:endParaRPr lang="zh-CN" altLang="en-US" dirty="0"/>
@@ -31229,67 +31137,63 @@
           <a:lstStyle/>
           <a:p>
             <a:r>
-              <a:rPr lang="zh-CN" altLang="en-US" dirty="0" smtClean="0"/>
+              <a:rPr lang="zh-CN" altLang="en-US" dirty="0"/>
               <a:t>什么是迭代器</a:t>
             </a:r>
-            <a:endParaRPr lang="en-US" altLang="zh-CN" dirty="0" smtClean="0"/>
+            <a:endParaRPr lang="en-US" altLang="zh-CN" dirty="0"/>
           </a:p>
           <a:p>
             <a:r>
               <a:rPr lang="zh-CN" altLang="en-US" dirty="0"/>
-              <a:t>迭代</a:t>
-            </a:r>
-            <a:r>
-              <a:rPr lang="zh-CN" altLang="en-US" dirty="0" smtClean="0"/>
-              <a:t>器分类</a:t>
-            </a:r>
-            <a:endParaRPr lang="en-US" altLang="zh-CN" dirty="0" smtClean="0"/>
+              <a:t>迭代器分类</a:t>
+            </a:r>
+            <a:endParaRPr lang="en-US" altLang="zh-CN" dirty="0"/>
           </a:p>
           <a:p>
             <a:pPr lvl="1"/>
             <a:r>
-              <a:rPr lang="en-US" altLang="zh-CN" dirty="0" smtClean="0"/>
+              <a:rPr lang="en-US" altLang="zh-CN" dirty="0"/>
               <a:t>input iterator</a:t>
             </a:r>
           </a:p>
           <a:p>
             <a:pPr lvl="1"/>
             <a:r>
-              <a:rPr lang="en-US" altLang="zh-CN" dirty="0" smtClean="0"/>
+              <a:rPr lang="en-US" altLang="zh-CN" dirty="0"/>
               <a:t>output iterator</a:t>
             </a:r>
           </a:p>
           <a:p>
             <a:pPr lvl="1"/>
             <a:r>
-              <a:rPr lang="en-US" altLang="zh-CN" dirty="0" smtClean="0"/>
+              <a:rPr lang="en-US" altLang="zh-CN" dirty="0"/>
               <a:t>forward iterator</a:t>
             </a:r>
           </a:p>
           <a:p>
             <a:pPr lvl="1"/>
             <a:r>
-              <a:rPr lang="en-US" altLang="zh-CN" dirty="0" smtClean="0"/>
+              <a:rPr lang="en-US" altLang="zh-CN" dirty="0"/>
               <a:t>bidirectional iterator</a:t>
             </a:r>
           </a:p>
           <a:p>
             <a:pPr lvl="1"/>
             <a:r>
-              <a:rPr lang="en-US" altLang="zh-CN" dirty="0" smtClean="0"/>
+              <a:rPr lang="en-US" altLang="zh-CN" dirty="0"/>
               <a:t>random iterator</a:t>
             </a:r>
           </a:p>
           <a:p>
             <a:pPr lvl="1"/>
             <a:r>
-              <a:rPr lang="en-US" altLang="zh-CN" dirty="0" smtClean="0"/>
+              <a:rPr lang="en-US" altLang="zh-CN" dirty="0"/>
               <a:t>reverse iterator</a:t>
             </a:r>
           </a:p>
           <a:p>
             <a:pPr lvl="1"/>
-            <a:endParaRPr lang="en-US" altLang="zh-CN" dirty="0" smtClean="0"/>
+            <a:endParaRPr lang="en-US" altLang="zh-CN" dirty="0"/>
           </a:p>
         </p:txBody>
       </p:sp>
@@ -31303,13 +31207,6 @@
   <p:clrMapOvr>
     <a:masterClrMapping/>
   </p:clrMapOvr>
-  <p:timing>
-    <p:tnLst>
-      <p:par>
-        <p:cTn id="1" dur="indefinite" restart="never" nodeType="tmRoot"/>
-      </p:par>
-    </p:tnLst>
-  </p:timing>
 </p:sld>
 </file>
 
@@ -31346,14 +31243,13 @@
           <a:lstStyle/>
           <a:p>
             <a:r>
-              <a:rPr lang="en-US" altLang="zh-CN" dirty="0" smtClean="0"/>
+              <a:rPr lang="en-US" altLang="zh-CN" dirty="0"/>
               <a:t>C++ 11 – </a:t>
             </a:r>
             <a:r>
-              <a:rPr lang="zh-CN" altLang="en-US" dirty="0" smtClean="0"/>
+              <a:rPr lang="zh-CN" altLang="en-US" dirty="0"/>
               <a:t>新增特性</a:t>
             </a:r>
-            <a:endParaRPr lang="zh-CN" altLang="en-US" dirty="0"/>
           </a:p>
         </p:txBody>
       </p:sp>
@@ -31379,99 +31275,95 @@
               <a:t>Lambda </a:t>
             </a:r>
             <a:r>
-              <a:rPr lang="zh-CN" altLang="en-US" dirty="0" smtClean="0"/>
+              <a:rPr lang="zh-CN" altLang="en-US" dirty="0"/>
               <a:t>表达式</a:t>
             </a:r>
-            <a:endParaRPr lang="en-US" altLang="zh-CN" dirty="0" smtClean="0"/>
-          </a:p>
-          <a:p>
-            <a:r>
-              <a:rPr lang="zh-CN" altLang="en-US" dirty="0" smtClean="0"/>
+            <a:endParaRPr lang="en-US" altLang="zh-CN" dirty="0"/>
+          </a:p>
+          <a:p>
+            <a:r>
+              <a:rPr lang="zh-CN" altLang="en-US" dirty="0"/>
               <a:t>自动类型推导 </a:t>
             </a:r>
-            <a:endParaRPr lang="en-US" altLang="zh-CN" dirty="0" smtClean="0"/>
+            <a:endParaRPr lang="en-US" altLang="zh-CN" dirty="0"/>
           </a:p>
           <a:p>
             <a:pPr lvl="1"/>
             <a:r>
-              <a:rPr lang="en-US" altLang="zh-CN" dirty="0" smtClean="0"/>
+              <a:rPr lang="en-US" altLang="zh-CN" dirty="0"/>
               <a:t>auto</a:t>
             </a:r>
           </a:p>
           <a:p>
             <a:pPr lvl="1"/>
             <a:r>
-              <a:rPr lang="en-US" altLang="zh-CN" dirty="0" err="1" smtClean="0"/>
+              <a:rPr lang="en-US" altLang="zh-CN" dirty="0" err="1"/>
               <a:t>decltype</a:t>
             </a:r>
-            <a:endParaRPr lang="en-US" altLang="zh-CN" dirty="0" smtClean="0"/>
-          </a:p>
-          <a:p>
-            <a:r>
-              <a:rPr lang="en-US" altLang="zh-CN" dirty="0" err="1" smtClean="0"/>
+            <a:endParaRPr lang="en-US" altLang="zh-CN" dirty="0"/>
+          </a:p>
+          <a:p>
+            <a:r>
+              <a:rPr lang="en-US" altLang="zh-CN" dirty="0" err="1"/>
               <a:t>InitializeList</a:t>
             </a:r>
             <a:r>
-              <a:rPr lang="en-US" altLang="zh-CN" dirty="0" smtClean="0"/>
+              <a:rPr lang="en-US" altLang="zh-CN" dirty="0"/>
               <a:t> </a:t>
             </a:r>
             <a:r>
-              <a:rPr lang="zh-CN" altLang="en-US" dirty="0" smtClean="0"/>
+              <a:rPr lang="zh-CN" altLang="en-US" dirty="0"/>
               <a:t>初始化</a:t>
             </a:r>
-            <a:endParaRPr lang="en-US" altLang="zh-CN" dirty="0" smtClean="0"/>
+            <a:endParaRPr lang="en-US" altLang="zh-CN" dirty="0"/>
           </a:p>
           <a:p>
             <a:r>
               <a:rPr lang="zh-CN" altLang="en-US" dirty="0"/>
-              <a:t>右值</a:t>
-            </a:r>
-            <a:r>
-              <a:rPr lang="zh-CN" altLang="en-US" dirty="0" smtClean="0"/>
-              <a:t>引用 和 </a:t>
-            </a:r>
-            <a:r>
-              <a:rPr lang="en-US" altLang="zh-CN" dirty="0" smtClean="0"/>
+              <a:t>右值引用 和 </a:t>
+            </a:r>
+            <a:r>
+              <a:rPr lang="en-US" altLang="zh-CN" dirty="0"/>
               <a:t>move </a:t>
             </a:r>
             <a:r>
-              <a:rPr lang="zh-CN" altLang="en-US" dirty="0" smtClean="0"/>
+              <a:rPr lang="zh-CN" altLang="en-US" dirty="0"/>
               <a:t>语义</a:t>
             </a:r>
-            <a:endParaRPr lang="en-US" altLang="zh-CN" dirty="0" smtClean="0"/>
-          </a:p>
-          <a:p>
-            <a:r>
-              <a:rPr lang="zh-CN" altLang="en-US" dirty="0" smtClean="0"/>
+            <a:endParaRPr lang="en-US" altLang="zh-CN" dirty="0"/>
+          </a:p>
+          <a:p>
+            <a:r>
+              <a:rPr lang="zh-CN" altLang="en-US" dirty="0"/>
               <a:t>构造函数</a:t>
             </a:r>
-            <a:endParaRPr lang="en-US" altLang="zh-CN" dirty="0" smtClean="0"/>
+            <a:endParaRPr lang="en-US" altLang="zh-CN" dirty="0"/>
           </a:p>
           <a:p>
             <a:pPr lvl="1"/>
             <a:r>
-              <a:rPr lang="zh-CN" altLang="en-US" dirty="0" smtClean="0"/>
+              <a:rPr lang="zh-CN" altLang="en-US" dirty="0"/>
               <a:t>委托构造</a:t>
             </a:r>
-            <a:endParaRPr lang="en-US" altLang="zh-CN" dirty="0" smtClean="0"/>
+            <a:endParaRPr lang="en-US" altLang="zh-CN" dirty="0"/>
           </a:p>
           <a:p>
             <a:pPr lvl="1"/>
             <a:r>
-              <a:rPr lang="en-US" altLang="zh-CN" dirty="0" smtClean="0"/>
+              <a:rPr lang="en-US" altLang="zh-CN" dirty="0"/>
               <a:t>default</a:t>
             </a:r>
           </a:p>
           <a:p>
             <a:pPr lvl="1"/>
             <a:r>
-              <a:rPr lang="en-US" altLang="zh-CN" dirty="0" smtClean="0"/>
+              <a:rPr lang="en-US" altLang="zh-CN" dirty="0"/>
               <a:t>Delete</a:t>
             </a:r>
           </a:p>
           <a:p>
             <a:r>
-              <a:rPr lang="en-US" altLang="zh-CN" dirty="0" err="1" smtClean="0"/>
+              <a:rPr lang="en-US" altLang="zh-CN" dirty="0" err="1"/>
               <a:t>nullptr</a:t>
             </a:r>
             <a:endParaRPr lang="zh-CN" altLang="en-US" dirty="0"/>
@@ -31488,13 +31380,6 @@
   <p:clrMapOvr>
     <a:masterClrMapping/>
   </p:clrMapOvr>
-  <p:timing>
-    <p:tnLst>
-      <p:par>
-        <p:cTn id="1" dur="indefinite" restart="never" nodeType="tmRoot"/>
-      </p:par>
-    </p:tnLst>
-  </p:timing>
 </p:sld>
 </file>
 
@@ -31531,14 +31416,13 @@
           <a:lstStyle/>
           <a:p>
             <a:r>
-              <a:rPr lang="en-US" altLang="zh-CN" dirty="0" smtClean="0"/>
+              <a:rPr lang="en-US" altLang="zh-CN" dirty="0"/>
               <a:t>C++ 11 – </a:t>
             </a:r>
             <a:r>
-              <a:rPr lang="zh-CN" altLang="en-US" dirty="0" smtClean="0"/>
+              <a:rPr lang="zh-CN" altLang="en-US" dirty="0"/>
               <a:t>新增标准库</a:t>
             </a:r>
-            <a:endParaRPr lang="zh-CN" altLang="en-US" dirty="0"/>
           </a:p>
         </p:txBody>
       </p:sp>
@@ -31558,86 +31442,86 @@
           <a:lstStyle/>
           <a:p>
             <a:r>
-              <a:rPr lang="zh-CN" altLang="en-US" dirty="0" smtClean="0"/>
+              <a:rPr lang="zh-CN" altLang="en-US" dirty="0"/>
               <a:t>非排序关联容器</a:t>
             </a:r>
-            <a:endParaRPr lang="en-US" altLang="zh-CN" dirty="0" smtClean="0"/>
+            <a:endParaRPr lang="en-US" altLang="zh-CN" dirty="0"/>
           </a:p>
           <a:p>
             <a:pPr lvl="1"/>
             <a:r>
-              <a:rPr lang="en-US" altLang="zh-CN" dirty="0" err="1" smtClean="0"/>
+              <a:rPr lang="en-US" altLang="zh-CN" dirty="0" err="1"/>
               <a:t>unordered_set</a:t>
             </a:r>
-            <a:endParaRPr lang="en-US" altLang="zh-CN" dirty="0" smtClean="0"/>
+            <a:endParaRPr lang="en-US" altLang="zh-CN" dirty="0"/>
           </a:p>
           <a:p>
             <a:pPr lvl="1"/>
             <a:r>
-              <a:rPr lang="en-US" altLang="zh-CN" dirty="0" err="1" smtClean="0"/>
+              <a:rPr lang="en-US" altLang="zh-CN" dirty="0" err="1"/>
               <a:t>unordered_map</a:t>
             </a:r>
-            <a:endParaRPr lang="en-US" altLang="zh-CN" dirty="0" smtClean="0"/>
-          </a:p>
-          <a:p>
-            <a:r>
-              <a:rPr lang="zh-CN" altLang="en-US" dirty="0" smtClean="0"/>
+            <a:endParaRPr lang="en-US" altLang="zh-CN" dirty="0"/>
+          </a:p>
+          <a:p>
+            <a:r>
+              <a:rPr lang="zh-CN" altLang="en-US" dirty="0"/>
               <a:t>智能指针</a:t>
             </a:r>
-            <a:endParaRPr lang="en-US" altLang="zh-CN" dirty="0" smtClean="0"/>
+            <a:endParaRPr lang="en-US" altLang="zh-CN" dirty="0"/>
           </a:p>
           <a:p>
             <a:pPr lvl="1"/>
             <a:r>
-              <a:rPr lang="en-US" altLang="zh-CN" dirty="0" err="1" smtClean="0"/>
+              <a:rPr lang="en-US" altLang="zh-CN" dirty="0" err="1"/>
               <a:t>unique_ptr</a:t>
             </a:r>
-            <a:endParaRPr lang="en-US" altLang="zh-CN" dirty="0" smtClean="0"/>
+            <a:endParaRPr lang="en-US" altLang="zh-CN" dirty="0"/>
           </a:p>
           <a:p>
             <a:pPr lvl="1"/>
             <a:r>
-              <a:rPr lang="en-US" altLang="zh-CN" dirty="0" err="1" smtClean="0"/>
+              <a:rPr lang="en-US" altLang="zh-CN" dirty="0" err="1"/>
               <a:t>shared_ptr</a:t>
             </a:r>
             <a:endParaRPr lang="en-US" altLang="zh-CN" dirty="0"/>
           </a:p>
           <a:p>
             <a:r>
-              <a:rPr lang="zh-CN" altLang="en-US" b="1" dirty="0" smtClean="0"/>
+              <a:rPr lang="zh-CN" altLang="en-US" b="1" dirty="0"/>
               <a:t>线程库</a:t>
             </a:r>
-            <a:endParaRPr lang="en-US" altLang="zh-CN" b="1" dirty="0" smtClean="0"/>
+            <a:endParaRPr lang="en-US" altLang="zh-CN" b="1" dirty="0"/>
           </a:p>
           <a:p>
             <a:pPr lvl="1"/>
             <a:r>
-              <a:rPr lang="en-US" altLang="zh-CN" b="1" dirty="0" smtClean="0"/>
+              <a:rPr lang="en-US" altLang="zh-CN" b="1" dirty="0"/>
               <a:t>thread</a:t>
             </a:r>
           </a:p>
           <a:p>
             <a:pPr lvl="1"/>
             <a:r>
-              <a:rPr lang="en-US" altLang="zh-CN" b="1" dirty="0" smtClean="0"/>
+              <a:rPr lang="en-US" altLang="zh-CN" b="1" dirty="0"/>
               <a:t>promises</a:t>
             </a:r>
           </a:p>
           <a:p>
             <a:pPr lvl="1"/>
             <a:r>
-              <a:rPr lang="en-US" altLang="zh-CN" b="1" dirty="0" smtClean="0"/>
+              <a:rPr lang="en-US" altLang="zh-CN" b="1" dirty="0"/>
               <a:t>futures</a:t>
             </a:r>
           </a:p>
           <a:p>
             <a:pPr lvl="1"/>
             <a:r>
-              <a:rPr lang="en-US" altLang="zh-CN" b="1" dirty="0" err="1" smtClean="0"/>
+              <a:rPr lang="en-US" altLang="zh-CN" b="1" dirty="0" err="1"/>
               <a:t>async</a:t>
             </a:r>
             <a:r>
-              <a:rPr lang="en-US" altLang="zh-CN" b="1" dirty="0" smtClean="0"/>
+              <a:rPr lang="en-US" altLang="zh-CN" b="1" dirty="0"/>
               <a:t>()</a:t>
             </a:r>
           </a:p>
@@ -31659,13 +31543,6 @@
   <p:clrMapOvr>
     <a:masterClrMapping/>
   </p:clrMapOvr>
-  <p:timing>
-    <p:tnLst>
-      <p:par>
-        <p:cTn id="1" dur="indefinite" restart="never" nodeType="tmRoot"/>
-      </p:par>
-    </p:tnLst>
-  </p:timing>
 </p:sld>
 </file>
 
@@ -31702,7 +31579,7 @@
           <a:lstStyle/>
           <a:p>
             <a:r>
-              <a:rPr lang="en-US" altLang="zh-CN" dirty="0" smtClean="0"/>
+              <a:rPr lang="en-US" altLang="zh-CN" dirty="0"/>
               <a:t>C++ Template</a:t>
             </a:r>
             <a:endParaRPr lang="zh-CN" altLang="en-US" dirty="0"/>
@@ -31725,78 +31602,77 @@
           <a:lstStyle/>
           <a:p>
             <a:r>
-              <a:rPr lang="en-US" altLang="zh-CN" dirty="0" smtClean="0"/>
+              <a:rPr lang="en-US" altLang="zh-CN" dirty="0"/>
               <a:t>template </a:t>
             </a:r>
             <a:r>
-              <a:rPr lang="zh-CN" altLang="en-US" dirty="0" smtClean="0"/>
+              <a:rPr lang="zh-CN" altLang="en-US" dirty="0"/>
               <a:t>不是简单的 </a:t>
             </a:r>
             <a:r>
-              <a:rPr lang="en-US" altLang="zh-CN" dirty="0" smtClean="0"/>
+              <a:rPr lang="en-US" altLang="zh-CN" dirty="0"/>
               <a:t>macro </a:t>
             </a:r>
             <a:r>
-              <a:rPr lang="zh-CN" altLang="en-US" dirty="0" smtClean="0"/>
+              <a:rPr lang="zh-CN" altLang="en-US" dirty="0"/>
               <a:t>替换</a:t>
             </a:r>
-            <a:endParaRPr lang="en-US" altLang="zh-CN" dirty="0" smtClean="0"/>
-          </a:p>
-          <a:p>
-            <a:r>
-              <a:rPr lang="zh-CN" altLang="en-US" dirty="0" smtClean="0"/>
+            <a:endParaRPr lang="en-US" altLang="zh-CN" dirty="0"/>
+          </a:p>
+          <a:p>
+            <a:r>
+              <a:rPr lang="zh-CN" altLang="en-US" dirty="0"/>
               <a:t>贪婪匹配法则</a:t>
             </a:r>
-            <a:endParaRPr lang="en-US" altLang="zh-CN" dirty="0" smtClean="0"/>
-          </a:p>
-          <a:p>
-            <a:r>
-              <a:rPr lang="en-US" altLang="zh-CN" dirty="0" err="1" smtClean="0"/>
+            <a:endParaRPr lang="en-US" altLang="zh-CN" dirty="0"/>
+          </a:p>
+          <a:p>
+            <a:r>
+              <a:rPr lang="en-US" altLang="zh-CN" dirty="0" err="1"/>
               <a:t>type_list</a:t>
             </a:r>
             <a:r>
-              <a:rPr lang="en-US" altLang="zh-CN" dirty="0" smtClean="0"/>
+              <a:rPr lang="en-US" altLang="zh-CN" dirty="0"/>
               <a:t> </a:t>
             </a:r>
             <a:r>
-              <a:rPr lang="zh-CN" altLang="en-US" dirty="0" smtClean="0"/>
+              <a:rPr lang="zh-CN" altLang="en-US" dirty="0"/>
               <a:t>和 </a:t>
             </a:r>
             <a:r>
-              <a:rPr lang="en-US" altLang="zh-CN" dirty="0" err="1" smtClean="0"/>
+              <a:rPr lang="en-US" altLang="zh-CN" dirty="0" err="1"/>
               <a:t>none_type</a:t>
             </a:r>
-            <a:endParaRPr lang="en-US" altLang="zh-CN" dirty="0" smtClean="0"/>
-          </a:p>
-          <a:p>
-            <a:r>
-              <a:rPr lang="en-US" altLang="zh-CN" dirty="0" err="1" smtClean="0"/>
+            <a:endParaRPr lang="en-US" altLang="zh-CN" dirty="0"/>
+          </a:p>
+          <a:p>
+            <a:r>
+              <a:rPr lang="en-US" altLang="zh-CN" dirty="0" err="1"/>
               <a:t>type_traits</a:t>
             </a:r>
             <a:r>
-              <a:rPr lang="en-US" altLang="zh-CN" dirty="0" smtClean="0"/>
+              <a:rPr lang="en-US" altLang="zh-CN" dirty="0"/>
               <a:t> </a:t>
             </a:r>
             <a:r>
-              <a:rPr lang="zh-CN" altLang="en-US" dirty="0" smtClean="0"/>
+              <a:rPr lang="zh-CN" altLang="en-US" dirty="0"/>
               <a:t>类型萃取</a:t>
             </a:r>
-            <a:endParaRPr lang="en-US" altLang="zh-CN" dirty="0" smtClean="0"/>
-          </a:p>
-          <a:p>
-            <a:r>
-              <a:rPr lang="en-US" altLang="zh-CN" dirty="0" err="1" smtClean="0"/>
+            <a:endParaRPr lang="en-US" altLang="zh-CN" dirty="0"/>
+          </a:p>
+          <a:p>
+            <a:r>
+              <a:rPr lang="en-US" altLang="zh-CN" dirty="0" err="1"/>
               <a:t>type_police</a:t>
             </a:r>
             <a:r>
-              <a:rPr lang="en-US" altLang="zh-CN" dirty="0" smtClean="0"/>
+              <a:rPr lang="en-US" altLang="zh-CN" dirty="0"/>
               <a:t> </a:t>
             </a:r>
             <a:r>
-              <a:rPr lang="zh-CN" altLang="en-US" dirty="0" smtClean="0"/>
+              <a:rPr lang="zh-CN" altLang="en-US" dirty="0"/>
               <a:t>类型策略</a:t>
             </a:r>
-            <a:endParaRPr lang="zh-CN" altLang="en-US" dirty="0"/>
           </a:p>
         </p:txBody>
       </p:sp>
@@ -31810,13 +31686,6 @@
   <p:clrMapOvr>
     <a:masterClrMapping/>
   </p:clrMapOvr>
-  <p:timing>
-    <p:tnLst>
-      <p:par>
-        <p:cTn id="1" dur="indefinite" restart="never" nodeType="tmRoot"/>
-      </p:par>
-    </p:tnLst>
-  </p:timing>
 </p:sld>
 </file>
 

--- a/advance c++/courseware.pptx
+++ b/advance c++/courseware.pptx
@@ -238,7 +238,7 @@
           <a:p>
             <a:fld id="{42D05AB1-CFCA-4702-9B4D-FCAB6AF0FE14}" type="datetimeFigureOut">
               <a:rPr lang="zh-CN" altLang="en-US" smtClean="0"/>
-              <a:t>2017/6/15</a:t>
+              <a:t>2017/6/19</a:t>
             </a:fld>
             <a:endParaRPr lang="zh-CN" altLang="en-US"/>
           </a:p>
@@ -1971,12 +1971,24 @@
             <a:endParaRPr lang="en-US" altLang="zh-CN" dirty="0"/>
           </a:p>
           <a:p>
-            <a:endParaRPr lang="en-US" altLang="zh-CN" dirty="0"/>
-          </a:p>
-          <a:p>
+            <a:endParaRPr lang="en-US" altLang="zh-CN" dirty="0">
+              <a:solidFill>
+                <a:srgbClr val="FF0000"/>
+              </a:solidFill>
+            </a:endParaRPr>
+          </a:p>
+          <a:p>
+            <a:r>
+              <a:rPr lang="zh-CN" altLang="en-US" dirty="0">
+                <a:solidFill>
+                  <a:srgbClr val="FF0000"/>
+                </a:solidFill>
+              </a:rPr>
+              <a:t>指针</a:t>
+            </a:r>
             <a:r>
               <a:rPr lang="zh-CN" altLang="en-US" dirty="0"/>
-              <a:t>指针就是记录地址的变量，除了记录地址外，还包含所指对象的类型信息（仅编译时使用）</a:t>
+              <a:t>就是记录地址的变量，除了记录地址外，还包含所指对象的类型信息（仅编译时使用）</a:t>
             </a:r>
             <a:endParaRPr lang="en-US" altLang="zh-CN" dirty="0"/>
           </a:p>
@@ -10143,7 +10155,7 @@
           <a:p>
             <a:fld id="{69E25F63-46CB-447C-9865-FD3714DA57D8}" type="datetimeFigureOut">
               <a:rPr lang="zh-CN" altLang="en-US" smtClean="0"/>
-              <a:t>2017/6/15</a:t>
+              <a:t>2017/6/19</a:t>
             </a:fld>
             <a:endParaRPr lang="zh-CN" altLang="en-US"/>
           </a:p>
@@ -10329,7 +10341,7 @@
           <a:p>
             <a:fld id="{69E25F63-46CB-447C-9865-FD3714DA57D8}" type="datetimeFigureOut">
               <a:rPr lang="zh-CN" altLang="en-US" smtClean="0"/>
-              <a:t>2017/6/15</a:t>
+              <a:t>2017/6/19</a:t>
             </a:fld>
             <a:endParaRPr lang="zh-CN" altLang="en-US"/>
           </a:p>
@@ -10552,7 +10564,7 @@
           <a:p>
             <a:fld id="{69E25F63-46CB-447C-9865-FD3714DA57D8}" type="datetimeFigureOut">
               <a:rPr lang="zh-CN" altLang="en-US" smtClean="0"/>
-              <a:t>2017/6/15</a:t>
+              <a:t>2017/6/19</a:t>
             </a:fld>
             <a:endParaRPr lang="zh-CN" altLang="en-US"/>
           </a:p>
@@ -10732,7 +10744,7 @@
           <a:p>
             <a:fld id="{69E25F63-46CB-447C-9865-FD3714DA57D8}" type="datetimeFigureOut">
               <a:rPr lang="zh-CN" altLang="en-US" smtClean="0"/>
-              <a:t>2017/6/15</a:t>
+              <a:t>2017/6/19</a:t>
             </a:fld>
             <a:endParaRPr lang="zh-CN" altLang="en-US"/>
           </a:p>
@@ -11071,7 +11083,7 @@
           <a:p>
             <a:fld id="{69E25F63-46CB-447C-9865-FD3714DA57D8}" type="datetimeFigureOut">
               <a:rPr lang="zh-CN" altLang="en-US" smtClean="0"/>
-              <a:t>2017/6/15</a:t>
+              <a:t>2017/6/19</a:t>
             </a:fld>
             <a:endParaRPr lang="zh-CN" altLang="en-US"/>
           </a:p>
@@ -11375,7 +11387,7 @@
           <a:p>
             <a:fld id="{69E25F63-46CB-447C-9865-FD3714DA57D8}" type="datetimeFigureOut">
               <a:rPr lang="zh-CN" altLang="en-US" smtClean="0"/>
-              <a:t>2017/6/15</a:t>
+              <a:t>2017/6/19</a:t>
             </a:fld>
             <a:endParaRPr lang="zh-CN" altLang="en-US"/>
           </a:p>
@@ -11797,7 +11809,7 @@
           <a:p>
             <a:fld id="{69E25F63-46CB-447C-9865-FD3714DA57D8}" type="datetimeFigureOut">
               <a:rPr lang="zh-CN" altLang="en-US" smtClean="0"/>
-              <a:t>2017/6/15</a:t>
+              <a:t>2017/6/19</a:t>
             </a:fld>
             <a:endParaRPr lang="zh-CN" altLang="en-US"/>
           </a:p>
@@ -11915,7 +11927,7 @@
           <a:p>
             <a:fld id="{69E25F63-46CB-447C-9865-FD3714DA57D8}" type="datetimeFigureOut">
               <a:rPr lang="zh-CN" altLang="en-US" smtClean="0"/>
-              <a:t>2017/6/15</a:t>
+              <a:t>2017/6/19</a:t>
             </a:fld>
             <a:endParaRPr lang="zh-CN" altLang="en-US"/>
           </a:p>
@@ -12010,7 +12022,7 @@
           <a:p>
             <a:fld id="{69E25F63-46CB-447C-9865-FD3714DA57D8}" type="datetimeFigureOut">
               <a:rPr lang="zh-CN" altLang="en-US" smtClean="0"/>
-              <a:t>2017/6/15</a:t>
+              <a:t>2017/6/19</a:t>
             </a:fld>
             <a:endParaRPr lang="zh-CN" altLang="en-US"/>
           </a:p>
@@ -12283,7 +12295,7 @@
           <a:p>
             <a:fld id="{69E25F63-46CB-447C-9865-FD3714DA57D8}" type="datetimeFigureOut">
               <a:rPr lang="zh-CN" altLang="en-US" smtClean="0"/>
-              <a:t>2017/6/15</a:t>
+              <a:t>2017/6/19</a:t>
             </a:fld>
             <a:endParaRPr lang="zh-CN" altLang="en-US"/>
           </a:p>
@@ -12548,7 +12560,7 @@
           <a:p>
             <a:fld id="{69E25F63-46CB-447C-9865-FD3714DA57D8}" type="datetimeFigureOut">
               <a:rPr lang="zh-CN" altLang="en-US" smtClean="0"/>
-              <a:t>2017/6/15</a:t>
+              <a:t>2017/6/19</a:t>
             </a:fld>
             <a:endParaRPr lang="zh-CN" altLang="en-US"/>
           </a:p>
@@ -12797,7 +12809,7 @@
           <a:p>
             <a:fld id="{69E25F63-46CB-447C-9865-FD3714DA57D8}" type="datetimeFigureOut">
               <a:rPr lang="zh-CN" altLang="en-US" smtClean="0"/>
-              <a:t>2017/6/15</a:t>
+              <a:t>2017/6/19</a:t>
             </a:fld>
             <a:endParaRPr lang="zh-CN" altLang="en-US"/>
           </a:p>
@@ -13447,7 +13459,7 @@
           <a:graphicData uri="http://schemas.openxmlformats.org/presentationml/2006/ole">
             <mc:AlternateContent xmlns:mc="http://schemas.openxmlformats.org/markup-compatibility/2006">
               <mc:Choice xmlns:v="urn:schemas-microsoft-com:vml" Requires="v">
-                <p:oleObj spid="_x0000_s1121" name="公式" r:id="rId3" imgW="850680" imgH="203040" progId="Equation.3">
+                <p:oleObj spid="_x0000_s1123" name="公式" r:id="rId3" imgW="850680" imgH="203040" progId="Equation.3">
                   <p:embed/>
                 </p:oleObj>
               </mc:Choice>
@@ -16445,6 +16457,14 @@
             <a:r>
               <a:rPr lang="zh-CN" altLang="en-US" dirty="0"/>
               <a:t>内存位置</a:t>
+            </a:r>
+            <a:endParaRPr lang="en-US" altLang="zh-CN" dirty="0"/>
+          </a:p>
+          <a:p>
+            <a:pPr lvl="1"/>
+            <a:r>
+              <a:rPr lang="zh-CN" altLang="en-US"/>
+              <a:t>函数调用和栈帧</a:t>
             </a:r>
             <a:endParaRPr lang="en-US" altLang="zh-CN" dirty="0"/>
           </a:p>
